--- a/Katalon-Studio-Testing API.pptx
+++ b/Katalon-Studio-Testing API.pptx
@@ -13,17 +13,17 @@
   <p:sldIdLst>
     <p:sldId id="256" r:id="rId5"/>
     <p:sldId id="259" r:id="rId6"/>
-    <p:sldId id="260" r:id="rId7"/>
-    <p:sldId id="269" r:id="rId8"/>
-    <p:sldId id="262" r:id="rId9"/>
-    <p:sldId id="263" r:id="rId10"/>
-    <p:sldId id="271" r:id="rId11"/>
-    <p:sldId id="272" r:id="rId12"/>
-    <p:sldId id="273" r:id="rId13"/>
-    <p:sldId id="274" r:id="rId14"/>
-    <p:sldId id="275" r:id="rId15"/>
-    <p:sldId id="276" r:id="rId16"/>
-    <p:sldId id="277" r:id="rId17"/>
+    <p:sldId id="285" r:id="rId7"/>
+    <p:sldId id="260" r:id="rId8"/>
+    <p:sldId id="279" r:id="rId9"/>
+    <p:sldId id="269" r:id="rId10"/>
+    <p:sldId id="262" r:id="rId11"/>
+    <p:sldId id="263" r:id="rId12"/>
+    <p:sldId id="280" r:id="rId13"/>
+    <p:sldId id="281" r:id="rId14"/>
+    <p:sldId id="283" r:id="rId15"/>
+    <p:sldId id="282" r:id="rId16"/>
+    <p:sldId id="284" r:id="rId17"/>
     <p:sldId id="278" r:id="rId18"/>
   </p:sldIdLst>
   <p:sldSz cx="12192000" cy="6858000"/>
@@ -244,7 +244,7 @@
           <a:p>
             <a:fld id="{872BFC85-49E4-447A-A7E3-16153CB2FE2A}" type="datetimeFigureOut">
               <a:rPr lang="en-US" smtClean="0"/>
-              <a:t>12/5/2019</a:t>
+              <a:t>12/6/2019</a:t>
             </a:fld>
             <a:endParaRPr lang="en-US" dirty="0"/>
           </a:p>
@@ -421,7 +421,7 @@
           <a:p>
             <a:fld id="{1071B50E-4C60-4F9E-B773-52059170945B}" type="datetimeFigureOut">
               <a:rPr lang="en-US" noProof="0" smtClean="0"/>
-              <a:t>12/5/2019</a:t>
+              <a:t>12/6/2019</a:t>
             </a:fld>
             <a:endParaRPr lang="en-US" noProof="0" dirty="0"/>
           </a:p>
@@ -13019,7 +13019,7 @@
         </p:nvSpPr>
         <p:spPr>
           <a:xfrm>
-            <a:off x="5248209" y="2726873"/>
+            <a:off x="4837391" y="2726873"/>
             <a:ext cx="6241426" cy="1247510"/>
           </a:xfrm>
         </p:spPr>
@@ -13034,26 +13034,10 @@
               </a:rPr>
               <a:t>Katalon</a:t>
             </a:r>
-            <a:r>
-              <a:rPr lang="en-US" dirty="0">
-                <a:latin typeface="Times New Roman" panose="02020603050405020304" pitchFamily="18" charset="0"/>
-                <a:cs typeface="Times New Roman" panose="02020603050405020304" pitchFamily="18" charset="0"/>
-              </a:rPr>
-              <a:t> Studio</a:t>
-            </a:r>
-            <a:br>
-              <a:rPr lang="en-US" dirty="0">
-                <a:latin typeface="Times New Roman" panose="02020603050405020304" pitchFamily="18" charset="0"/>
-                <a:cs typeface="Times New Roman" panose="02020603050405020304" pitchFamily="18" charset="0"/>
-              </a:rPr>
-            </a:br>
-            <a:r>
-              <a:rPr lang="en-US" dirty="0">
-                <a:latin typeface="Times New Roman" panose="02020603050405020304" pitchFamily="18" charset="0"/>
-                <a:cs typeface="Times New Roman" panose="02020603050405020304" pitchFamily="18" charset="0"/>
-              </a:rPr>
-              <a:t>Automation testing</a:t>
-            </a:r>
+            <a:endParaRPr lang="en-US" dirty="0">
+              <a:latin typeface="Times New Roman" panose="02020603050405020304" pitchFamily="18" charset="0"/>
+              <a:cs typeface="Times New Roman" panose="02020603050405020304" pitchFamily="18" charset="0"/>
+            </a:endParaRPr>
           </a:p>
         </p:txBody>
       </p:sp>
@@ -13136,10 +13120,10 @@
       </p:grpSpPr>
       <p:sp>
         <p:nvSpPr>
-          <p:cNvPr id="3" name="Text Placeholder 2">
+          <p:cNvPr id="4" name="Title 3">
             <a:extLst>
               <a:ext uri="{FF2B5EF4-FFF2-40B4-BE49-F238E27FC236}">
-                <a16:creationId xmlns:a16="http://schemas.microsoft.com/office/drawing/2014/main" id="{4A2B4265-DEE7-4B3E-92C7-E5AEA8139622}"/>
+                <a16:creationId xmlns:a16="http://schemas.microsoft.com/office/drawing/2014/main" id="{C45D35AB-DCCB-49B8-87A2-67B89487A759}"/>
               </a:ext>
             </a:extLst>
           </p:cNvPr>
@@ -13147,36 +13131,1027 @@
             <a:spLocks noGrp="1"/>
           </p:cNvSpPr>
           <p:nvPr>
-            <p:ph type="body" sz="quarter" idx="16"/>
+            <p:ph type="ctrTitle"/>
           </p:nvPr>
         </p:nvSpPr>
         <p:spPr>
           <a:xfrm>
-            <a:off x="520493" y="1376932"/>
-            <a:ext cx="10094498" cy="608895"/>
+            <a:off x="719170" y="296419"/>
+            <a:ext cx="8742882" cy="812110"/>
           </a:xfrm>
         </p:spPr>
         <p:txBody>
-          <a:bodyPr/>
+          <a:bodyPr>
+            <a:normAutofit/>
+          </a:bodyPr>
           <a:lstStyle/>
           <a:p>
+            <a:pPr algn="l"/>
+            <a:r>
+              <a:rPr lang="en-US" sz="4000" dirty="0">
+                <a:latin typeface="Times New Roman" panose="02020603050405020304" pitchFamily="18" charset="0"/>
+                <a:cs typeface="Times New Roman" panose="02020603050405020304" pitchFamily="18" charset="0"/>
+              </a:rPr>
+              <a:t>8. </a:t>
+            </a:r>
+            <a:r>
+              <a:rPr lang="en-US" sz="4000" dirty="0" err="1">
+                <a:latin typeface="Times New Roman" panose="02020603050405020304" pitchFamily="18" charset="0"/>
+                <a:cs typeface="Times New Roman" panose="02020603050405020304" pitchFamily="18" charset="0"/>
+              </a:rPr>
+              <a:t>Các</a:t>
+            </a:r>
+            <a:r>
+              <a:rPr lang="en-US" sz="4000" dirty="0">
+                <a:latin typeface="Times New Roman" panose="02020603050405020304" pitchFamily="18" charset="0"/>
+                <a:cs typeface="Times New Roman" panose="02020603050405020304" pitchFamily="18" charset="0"/>
+              </a:rPr>
+              <a:t> </a:t>
+            </a:r>
+            <a:r>
+              <a:rPr lang="en-US" sz="4000" dirty="0" err="1">
+                <a:latin typeface="Times New Roman" panose="02020603050405020304" pitchFamily="18" charset="0"/>
+                <a:cs typeface="Times New Roman" panose="02020603050405020304" pitchFamily="18" charset="0"/>
+              </a:rPr>
+              <a:t>môi</a:t>
+            </a:r>
+            <a:r>
+              <a:rPr lang="en-US" sz="4000" dirty="0">
+                <a:latin typeface="Times New Roman" panose="02020603050405020304" pitchFamily="18" charset="0"/>
+                <a:cs typeface="Times New Roman" panose="02020603050405020304" pitchFamily="18" charset="0"/>
+              </a:rPr>
+              <a:t> tr</a:t>
+            </a:r>
+            <a:r>
+              <a:rPr lang="vi-VN" sz="4000" dirty="0">
+                <a:latin typeface="Times New Roman" panose="02020603050405020304" pitchFamily="18" charset="0"/>
+                <a:cs typeface="Times New Roman" panose="02020603050405020304" pitchFamily="18" charset="0"/>
+              </a:rPr>
+              <a:t>ư</a:t>
+            </a:r>
+            <a:r>
+              <a:rPr lang="en-US" sz="4000" dirty="0" err="1">
+                <a:latin typeface="Times New Roman" panose="02020603050405020304" pitchFamily="18" charset="0"/>
+                <a:cs typeface="Times New Roman" panose="02020603050405020304" pitchFamily="18" charset="0"/>
+              </a:rPr>
+              <a:t>ờng</a:t>
+            </a:r>
+            <a:r>
+              <a:rPr lang="en-US" sz="4000" dirty="0">
+                <a:latin typeface="Times New Roman" panose="02020603050405020304" pitchFamily="18" charset="0"/>
+                <a:cs typeface="Times New Roman" panose="02020603050405020304" pitchFamily="18" charset="0"/>
+              </a:rPr>
+              <a:t> </a:t>
+            </a:r>
+            <a:r>
+              <a:rPr lang="en-US" sz="4000" dirty="0" err="1">
+                <a:latin typeface="Times New Roman" panose="02020603050405020304" pitchFamily="18" charset="0"/>
+                <a:cs typeface="Times New Roman" panose="02020603050405020304" pitchFamily="18" charset="0"/>
+              </a:rPr>
+              <a:t>hỗ</a:t>
+            </a:r>
+            <a:r>
+              <a:rPr lang="en-US" sz="4000" dirty="0">
+                <a:latin typeface="Times New Roman" panose="02020603050405020304" pitchFamily="18" charset="0"/>
+                <a:cs typeface="Times New Roman" panose="02020603050405020304" pitchFamily="18" charset="0"/>
+              </a:rPr>
+              <a:t> </a:t>
+            </a:r>
+            <a:r>
+              <a:rPr lang="en-US" sz="4000" dirty="0" err="1">
+                <a:latin typeface="Times New Roman" panose="02020603050405020304" pitchFamily="18" charset="0"/>
+                <a:cs typeface="Times New Roman" panose="02020603050405020304" pitchFamily="18" charset="0"/>
+              </a:rPr>
+              <a:t>trợ</a:t>
+            </a:r>
+            <a:endParaRPr lang="en-US" sz="4000" dirty="0">
+              <a:latin typeface="Times New Roman" panose="02020603050405020304" pitchFamily="18" charset="0"/>
+              <a:cs typeface="Times New Roman" panose="02020603050405020304" pitchFamily="18" charset="0"/>
+            </a:endParaRPr>
+          </a:p>
+        </p:txBody>
+      </p:sp>
+      <p:graphicFrame>
+        <p:nvGraphicFramePr>
+          <p:cNvPr id="7" name="Table 7">
+            <a:extLst>
+              <a:ext uri="{FF2B5EF4-FFF2-40B4-BE49-F238E27FC236}">
+                <a16:creationId xmlns:a16="http://schemas.microsoft.com/office/drawing/2014/main" id="{DEC97D8B-AC52-4374-9822-D08611EAFBF8}"/>
+              </a:ext>
+            </a:extLst>
+          </p:cNvPr>
+          <p:cNvGraphicFramePr>
+            <a:graphicFrameLocks noGrp="1"/>
+          </p:cNvGraphicFramePr>
+          <p:nvPr>
+            <p:extLst>
+              <p:ext uri="{D42A27DB-BD31-4B8C-83A1-F6EECF244321}">
+                <p14:modId xmlns:p14="http://schemas.microsoft.com/office/powerpoint/2010/main" val="883621200"/>
+              </p:ext>
+            </p:extLst>
+          </p:nvPr>
+        </p:nvGraphicFramePr>
+        <p:xfrm>
+          <a:off x="1113183" y="2007896"/>
+          <a:ext cx="9170502" cy="4553685"/>
+        </p:xfrm>
+        <a:graphic>
+          <a:graphicData uri="http://schemas.openxmlformats.org/drawingml/2006/table">
+            <a:tbl>
+              <a:tblPr firstRow="1" bandRow="1">
+                <a:tableStyleId>{5C22544A-7EE6-4342-B048-85BDC9FD1C3A}</a:tableStyleId>
+              </a:tblPr>
+              <a:tblGrid>
+                <a:gridCol w="2908930">
+                  <a:extLst>
+                    <a:ext uri="{9D8B030D-6E8A-4147-A177-3AD203B41FA5}">
+                      <a16:colId xmlns:a16="http://schemas.microsoft.com/office/drawing/2014/main" val="3728990152"/>
+                    </a:ext>
+                  </a:extLst>
+                </a:gridCol>
+                <a:gridCol w="3130786">
+                  <a:extLst>
+                    <a:ext uri="{9D8B030D-6E8A-4147-A177-3AD203B41FA5}">
+                      <a16:colId xmlns:a16="http://schemas.microsoft.com/office/drawing/2014/main" val="1087225402"/>
+                    </a:ext>
+                  </a:extLst>
+                </a:gridCol>
+                <a:gridCol w="3130786">
+                  <a:extLst>
+                    <a:ext uri="{9D8B030D-6E8A-4147-A177-3AD203B41FA5}">
+                      <a16:colId xmlns:a16="http://schemas.microsoft.com/office/drawing/2014/main" val="3785410799"/>
+                    </a:ext>
+                  </a:extLst>
+                </a:gridCol>
+              </a:tblGrid>
+              <a:tr h="727857">
+                <a:tc>
+                  <a:txBody>
+                    <a:bodyPr/>
+                    <a:lstStyle/>
+                    <a:p>
+                      <a:r>
+                        <a:rPr lang="en-US" sz="1800" b="1" i="0" kern="1200" dirty="0" err="1">
+                          <a:solidFill>
+                            <a:schemeClr val="lt1"/>
+                          </a:solidFill>
+                          <a:effectLst/>
+                          <a:latin typeface="+mn-lt"/>
+                          <a:ea typeface="+mn-ea"/>
+                          <a:cs typeface="+mn-cs"/>
+                        </a:rPr>
+                        <a:t>Trình</a:t>
+                      </a:r>
+                      <a:r>
+                        <a:rPr lang="en-US" sz="1800" b="1" i="0" kern="1200" dirty="0">
+                          <a:solidFill>
+                            <a:schemeClr val="lt1"/>
+                          </a:solidFill>
+                          <a:effectLst/>
+                          <a:latin typeface="+mn-lt"/>
+                          <a:ea typeface="+mn-ea"/>
+                          <a:cs typeface="+mn-cs"/>
+                        </a:rPr>
+                        <a:t> </a:t>
+                      </a:r>
+                      <a:r>
+                        <a:rPr lang="en-US" sz="1800" b="1" i="0" kern="1200" dirty="0" err="1">
+                          <a:solidFill>
+                            <a:schemeClr val="lt1"/>
+                          </a:solidFill>
+                          <a:effectLst/>
+                          <a:latin typeface="+mn-lt"/>
+                          <a:ea typeface="+mn-ea"/>
+                          <a:cs typeface="+mn-cs"/>
+                        </a:rPr>
+                        <a:t>duyệt</a:t>
+                      </a:r>
+                      <a:r>
+                        <a:rPr lang="en-US" sz="1800" b="1" i="0" kern="1200" dirty="0">
+                          <a:solidFill>
+                            <a:schemeClr val="lt1"/>
+                          </a:solidFill>
+                          <a:effectLst/>
+                          <a:latin typeface="+mn-lt"/>
+                          <a:ea typeface="+mn-ea"/>
+                          <a:cs typeface="+mn-cs"/>
+                        </a:rPr>
+                        <a:t> Desktop</a:t>
+                      </a:r>
+                      <a:endParaRPr lang="en-US" dirty="0">
+                        <a:solidFill>
+                          <a:schemeClr val="accent2">
+                            <a:lumMod val="40000"/>
+                            <a:lumOff val="60000"/>
+                          </a:schemeClr>
+                        </a:solidFill>
+                      </a:endParaRPr>
+                    </a:p>
+                  </a:txBody>
+                  <a:tcPr>
+                    <a:solidFill>
+                      <a:schemeClr val="accent5">
+                        <a:lumMod val="40000"/>
+                        <a:lumOff val="60000"/>
+                      </a:schemeClr>
+                    </a:solidFill>
+                  </a:tcPr>
+                </a:tc>
+                <a:tc>
+                  <a:txBody>
+                    <a:bodyPr/>
+                    <a:lstStyle/>
+                    <a:p>
+                      <a:r>
+                        <a:rPr lang="en-US" sz="1800" b="1" i="0" kern="1200" dirty="0">
+                          <a:solidFill>
+                            <a:schemeClr val="lt1"/>
+                          </a:solidFill>
+                          <a:effectLst/>
+                          <a:latin typeface="+mn-lt"/>
+                          <a:ea typeface="+mn-ea"/>
+                          <a:cs typeface="+mn-cs"/>
+                        </a:rPr>
+                        <a:t>Version on Windows</a:t>
+                      </a:r>
+                      <a:endParaRPr lang="en-US" dirty="0">
+                        <a:solidFill>
+                          <a:schemeClr val="accent2">
+                            <a:lumMod val="40000"/>
+                            <a:lumOff val="60000"/>
+                          </a:schemeClr>
+                        </a:solidFill>
+                      </a:endParaRPr>
+                    </a:p>
+                  </a:txBody>
+                  <a:tcPr>
+                    <a:solidFill>
+                      <a:schemeClr val="accent5">
+                        <a:lumMod val="40000"/>
+                        <a:lumOff val="60000"/>
+                      </a:schemeClr>
+                    </a:solidFill>
+                  </a:tcPr>
+                </a:tc>
+                <a:tc>
+                  <a:txBody>
+                    <a:bodyPr/>
+                    <a:lstStyle/>
+                    <a:p>
+                      <a:r>
+                        <a:rPr lang="en-US" sz="1800" b="1" i="0" kern="1200" dirty="0">
+                          <a:solidFill>
+                            <a:schemeClr val="lt1"/>
+                          </a:solidFill>
+                          <a:effectLst/>
+                          <a:latin typeface="+mn-lt"/>
+                          <a:ea typeface="+mn-ea"/>
+                          <a:cs typeface="+mn-cs"/>
+                        </a:rPr>
+                        <a:t>Version on MacOS</a:t>
+                      </a:r>
+                      <a:endParaRPr lang="en-US" dirty="0">
+                        <a:solidFill>
+                          <a:schemeClr val="accent2">
+                            <a:lumMod val="40000"/>
+                            <a:lumOff val="60000"/>
+                          </a:schemeClr>
+                        </a:solidFill>
+                      </a:endParaRPr>
+                    </a:p>
+                  </a:txBody>
+                  <a:tcPr>
+                    <a:solidFill>
+                      <a:schemeClr val="accent5">
+                        <a:lumMod val="40000"/>
+                        <a:lumOff val="60000"/>
+                      </a:schemeClr>
+                    </a:solidFill>
+                  </a:tcPr>
+                </a:tc>
+                <a:extLst>
+                  <a:ext uri="{0D108BD9-81ED-4DB2-BD59-A6C34878D82A}">
+                    <a16:rowId xmlns:a16="http://schemas.microsoft.com/office/drawing/2014/main" val="1307885926"/>
+                  </a:ext>
+                </a:extLst>
+              </a:tr>
+              <a:tr h="727857">
+                <a:tc>
+                  <a:txBody>
+                    <a:bodyPr/>
+                    <a:lstStyle/>
+                    <a:p>
+                      <a:r>
+                        <a:rPr lang="en-US" sz="1800" b="0" i="0" kern="1200" dirty="0">
+                          <a:solidFill>
+                            <a:schemeClr val="dk1"/>
+                          </a:solidFill>
+                          <a:effectLst/>
+                          <a:latin typeface="+mn-lt"/>
+                          <a:ea typeface="+mn-ea"/>
+                          <a:cs typeface="+mn-cs"/>
+                        </a:rPr>
+                        <a:t>Internet Explorer</a:t>
+                      </a:r>
+                      <a:endParaRPr lang="en-US" dirty="0"/>
+                    </a:p>
+                  </a:txBody>
+                  <a:tcPr>
+                    <a:solidFill>
+                      <a:schemeClr val="accent2">
+                        <a:lumMod val="40000"/>
+                        <a:lumOff val="60000"/>
+                      </a:schemeClr>
+                    </a:solidFill>
+                  </a:tcPr>
+                </a:tc>
+                <a:tc>
+                  <a:txBody>
+                    <a:bodyPr/>
+                    <a:lstStyle/>
+                    <a:p>
+                      <a:r>
+                        <a:rPr lang="en-US" sz="1800" b="0" i="0" kern="1200" dirty="0">
+                          <a:solidFill>
+                            <a:schemeClr val="dk1"/>
+                          </a:solidFill>
+                          <a:effectLst/>
+                          <a:latin typeface="+mn-lt"/>
+                          <a:ea typeface="+mn-ea"/>
+                          <a:cs typeface="+mn-cs"/>
+                        </a:rPr>
+                        <a:t>9, 10, 11</a:t>
+                      </a:r>
+                      <a:endParaRPr lang="en-US" dirty="0"/>
+                    </a:p>
+                  </a:txBody>
+                  <a:tcPr>
+                    <a:solidFill>
+                      <a:schemeClr val="accent2">
+                        <a:lumMod val="40000"/>
+                        <a:lumOff val="60000"/>
+                      </a:schemeClr>
+                    </a:solidFill>
+                  </a:tcPr>
+                </a:tc>
+                <a:tc>
+                  <a:txBody>
+                    <a:bodyPr/>
+                    <a:lstStyle/>
+                    <a:p>
+                      <a:endParaRPr lang="en-US" dirty="0"/>
+                    </a:p>
+                  </a:txBody>
+                  <a:tcPr>
+                    <a:solidFill>
+                      <a:schemeClr val="accent2">
+                        <a:lumMod val="40000"/>
+                        <a:lumOff val="60000"/>
+                      </a:schemeClr>
+                    </a:solidFill>
+                  </a:tcPr>
+                </a:tc>
+                <a:extLst>
+                  <a:ext uri="{0D108BD9-81ED-4DB2-BD59-A6C34878D82A}">
+                    <a16:rowId xmlns:a16="http://schemas.microsoft.com/office/drawing/2014/main" val="3738409812"/>
+                  </a:ext>
+                </a:extLst>
+              </a:tr>
+              <a:tr h="727857">
+                <a:tc>
+                  <a:txBody>
+                    <a:bodyPr/>
+                    <a:lstStyle/>
+                    <a:p>
+                      <a:r>
+                        <a:rPr lang="en-US" sz="1800" b="0" i="0" kern="1200" dirty="0">
+                          <a:solidFill>
+                            <a:schemeClr val="dk1"/>
+                          </a:solidFill>
+                          <a:effectLst/>
+                          <a:latin typeface="+mn-lt"/>
+                          <a:ea typeface="+mn-ea"/>
+                          <a:cs typeface="+mn-cs"/>
+                        </a:rPr>
+                        <a:t>Microsoft Edge</a:t>
+                      </a:r>
+                      <a:endParaRPr lang="en-US" dirty="0"/>
+                    </a:p>
+                  </a:txBody>
+                  <a:tcPr>
+                    <a:solidFill>
+                      <a:schemeClr val="bg1"/>
+                    </a:solidFill>
+                  </a:tcPr>
+                </a:tc>
+                <a:tc>
+                  <a:txBody>
+                    <a:bodyPr/>
+                    <a:lstStyle/>
+                    <a:p>
+                      <a:r>
+                        <a:rPr lang="en-US" sz="1800" b="0" i="0" kern="1200" dirty="0" err="1">
+                          <a:solidFill>
+                            <a:schemeClr val="dk1"/>
+                          </a:solidFill>
+                          <a:effectLst/>
+                          <a:latin typeface="+mn-lt"/>
+                          <a:ea typeface="+mn-ea"/>
+                          <a:cs typeface="+mn-cs"/>
+                        </a:rPr>
+                        <a:t>Hiện</a:t>
+                      </a:r>
+                      <a:r>
+                        <a:rPr lang="en-US" sz="1800" b="0" i="0" kern="1200" dirty="0">
+                          <a:solidFill>
+                            <a:schemeClr val="dk1"/>
+                          </a:solidFill>
+                          <a:effectLst/>
+                          <a:latin typeface="+mn-lt"/>
+                          <a:ea typeface="+mn-ea"/>
+                          <a:cs typeface="+mn-cs"/>
+                        </a:rPr>
+                        <a:t> </a:t>
+                      </a:r>
+                      <a:r>
+                        <a:rPr lang="en-US" sz="1800" b="0" i="0" kern="1200" dirty="0" err="1">
+                          <a:solidFill>
+                            <a:schemeClr val="dk1"/>
+                          </a:solidFill>
+                          <a:effectLst/>
+                          <a:latin typeface="+mn-lt"/>
+                          <a:ea typeface="+mn-ea"/>
+                          <a:cs typeface="+mn-cs"/>
+                        </a:rPr>
+                        <a:t>hành</a:t>
+                      </a:r>
+                      <a:endParaRPr lang="en-US" dirty="0"/>
+                    </a:p>
+                  </a:txBody>
+                  <a:tcPr>
+                    <a:solidFill>
+                      <a:schemeClr val="bg1"/>
+                    </a:solidFill>
+                  </a:tcPr>
+                </a:tc>
+                <a:tc>
+                  <a:txBody>
+                    <a:bodyPr/>
+                    <a:lstStyle/>
+                    <a:p>
+                      <a:endParaRPr lang="en-US" dirty="0"/>
+                    </a:p>
+                  </a:txBody>
+                  <a:tcPr>
+                    <a:solidFill>
+                      <a:schemeClr val="bg1"/>
+                    </a:solidFill>
+                  </a:tcPr>
+                </a:tc>
+                <a:extLst>
+                  <a:ext uri="{0D108BD9-81ED-4DB2-BD59-A6C34878D82A}">
+                    <a16:rowId xmlns:a16="http://schemas.microsoft.com/office/drawing/2014/main" val="178630371"/>
+                  </a:ext>
+                </a:extLst>
+              </a:tr>
+              <a:tr h="727857">
+                <a:tc>
+                  <a:txBody>
+                    <a:bodyPr/>
+                    <a:lstStyle/>
+                    <a:p>
+                      <a:r>
+                        <a:rPr lang="en-US" sz="1800" b="0" i="0" kern="1200" dirty="0">
+                          <a:solidFill>
+                            <a:schemeClr val="dk1"/>
+                          </a:solidFill>
+                          <a:effectLst/>
+                          <a:latin typeface="+mn-lt"/>
+                          <a:ea typeface="+mn-ea"/>
+                          <a:cs typeface="+mn-cs"/>
+                        </a:rPr>
+                        <a:t>Firefox</a:t>
+                      </a:r>
+                      <a:endParaRPr lang="en-US" dirty="0"/>
+                    </a:p>
+                  </a:txBody>
+                  <a:tcPr>
+                    <a:solidFill>
+                      <a:schemeClr val="accent2">
+                        <a:lumMod val="40000"/>
+                        <a:lumOff val="60000"/>
+                      </a:schemeClr>
+                    </a:solidFill>
+                  </a:tcPr>
+                </a:tc>
+                <a:tc>
+                  <a:txBody>
+                    <a:bodyPr/>
+                    <a:lstStyle/>
+                    <a:p>
+                      <a:r>
+                        <a:rPr lang="en-US" sz="1800" b="0" i="0" kern="1200" dirty="0">
+                          <a:solidFill>
+                            <a:schemeClr val="dk1"/>
+                          </a:solidFill>
+                          <a:effectLst/>
+                          <a:latin typeface="+mn-lt"/>
+                          <a:ea typeface="+mn-ea"/>
+                          <a:cs typeface="+mn-cs"/>
+                        </a:rPr>
+                        <a:t>56+</a:t>
+                      </a:r>
+                      <a:endParaRPr lang="en-US" dirty="0"/>
+                    </a:p>
+                  </a:txBody>
+                  <a:tcPr>
+                    <a:solidFill>
+                      <a:schemeClr val="accent2">
+                        <a:lumMod val="40000"/>
+                        <a:lumOff val="60000"/>
+                      </a:schemeClr>
+                    </a:solidFill>
+                  </a:tcPr>
+                </a:tc>
+                <a:tc>
+                  <a:txBody>
+                    <a:bodyPr/>
+                    <a:lstStyle/>
+                    <a:p>
+                      <a:r>
+                        <a:rPr lang="en-US" sz="1800" b="0" i="0" kern="1200" dirty="0" err="1">
+                          <a:solidFill>
+                            <a:schemeClr val="dk1"/>
+                          </a:solidFill>
+                          <a:effectLst/>
+                          <a:latin typeface="+mn-lt"/>
+                          <a:ea typeface="+mn-ea"/>
+                          <a:cs typeface="+mn-cs"/>
+                        </a:rPr>
+                        <a:t>Để</a:t>
+                      </a:r>
+                      <a:r>
+                        <a:rPr lang="en-US" sz="1800" b="0" i="0" kern="1200" dirty="0">
+                          <a:solidFill>
+                            <a:schemeClr val="dk1"/>
+                          </a:solidFill>
+                          <a:effectLst/>
+                          <a:latin typeface="+mn-lt"/>
+                          <a:ea typeface="+mn-ea"/>
+                          <a:cs typeface="+mn-cs"/>
+                        </a:rPr>
+                        <a:t> </a:t>
+                      </a:r>
+                      <a:r>
+                        <a:rPr lang="en-US" sz="1800" b="0" i="0" kern="1200" dirty="0" err="1">
+                          <a:solidFill>
+                            <a:schemeClr val="dk1"/>
+                          </a:solidFill>
+                          <a:effectLst/>
+                          <a:latin typeface="+mn-lt"/>
+                          <a:ea typeface="+mn-ea"/>
+                          <a:cs typeface="+mn-cs"/>
+                        </a:rPr>
+                        <a:t>sử</a:t>
+                      </a:r>
+                      <a:r>
+                        <a:rPr lang="en-US" sz="1800" b="0" i="0" kern="1200" dirty="0">
+                          <a:solidFill>
+                            <a:schemeClr val="dk1"/>
+                          </a:solidFill>
+                          <a:effectLst/>
+                          <a:latin typeface="+mn-lt"/>
+                          <a:ea typeface="+mn-ea"/>
+                          <a:cs typeface="+mn-cs"/>
+                        </a:rPr>
+                        <a:t> </a:t>
+                      </a:r>
+                      <a:r>
+                        <a:rPr lang="en-US" sz="1800" b="0" i="0" kern="1200" dirty="0" err="1">
+                          <a:solidFill>
+                            <a:schemeClr val="dk1"/>
+                          </a:solidFill>
+                          <a:effectLst/>
+                          <a:latin typeface="+mn-lt"/>
+                          <a:ea typeface="+mn-ea"/>
+                          <a:cs typeface="+mn-cs"/>
+                        </a:rPr>
+                        <a:t>dụng</a:t>
+                      </a:r>
+                      <a:r>
+                        <a:rPr lang="en-US" sz="1800" b="0" i="0" kern="1200" dirty="0">
+                          <a:solidFill>
+                            <a:schemeClr val="dk1"/>
+                          </a:solidFill>
+                          <a:effectLst/>
+                          <a:latin typeface="+mn-lt"/>
+                          <a:ea typeface="+mn-ea"/>
+                          <a:cs typeface="+mn-cs"/>
+                        </a:rPr>
+                        <a:t> Firefox 57 </a:t>
+                      </a:r>
+                      <a:r>
+                        <a:rPr lang="en-US" sz="1800" b="0" i="0" kern="1200" dirty="0" err="1">
+                          <a:solidFill>
+                            <a:schemeClr val="dk1"/>
+                          </a:solidFill>
+                          <a:effectLst/>
+                          <a:latin typeface="+mn-lt"/>
+                          <a:ea typeface="+mn-ea"/>
+                          <a:cs typeface="+mn-cs"/>
+                        </a:rPr>
+                        <a:t>với</a:t>
+                      </a:r>
+                      <a:r>
+                        <a:rPr lang="en-US" sz="1800" b="0" i="0" kern="1200" dirty="0">
+                          <a:solidFill>
+                            <a:schemeClr val="dk1"/>
+                          </a:solidFill>
+                          <a:effectLst/>
+                          <a:latin typeface="+mn-lt"/>
+                          <a:ea typeface="+mn-ea"/>
+                          <a:cs typeface="+mn-cs"/>
+                        </a:rPr>
+                        <a:t> </a:t>
+                      </a:r>
+                      <a:r>
+                        <a:rPr lang="en-US" sz="1800" b="0" i="0" kern="1200" dirty="0" err="1">
+                          <a:solidFill>
+                            <a:schemeClr val="dk1"/>
+                          </a:solidFill>
+                          <a:effectLst/>
+                          <a:latin typeface="+mn-lt"/>
+                          <a:ea typeface="+mn-ea"/>
+                          <a:cs typeface="+mn-cs"/>
+                        </a:rPr>
+                        <a:t>Katalon</a:t>
+                      </a:r>
+                      <a:r>
+                        <a:rPr lang="en-US" sz="1800" b="0" i="0" kern="1200" dirty="0">
+                          <a:solidFill>
+                            <a:schemeClr val="dk1"/>
+                          </a:solidFill>
+                          <a:effectLst/>
+                          <a:latin typeface="+mn-lt"/>
+                          <a:ea typeface="+mn-ea"/>
+                          <a:cs typeface="+mn-cs"/>
+                        </a:rPr>
+                        <a:t> Studio, </a:t>
+                      </a:r>
+                      <a:r>
+                        <a:rPr lang="en-US" sz="1800" b="0" i="0" kern="1200" dirty="0" err="1">
+                          <a:solidFill>
+                            <a:schemeClr val="dk1"/>
+                          </a:solidFill>
+                          <a:effectLst/>
+                          <a:latin typeface="+mn-lt"/>
+                          <a:ea typeface="+mn-ea"/>
+                          <a:cs typeface="+mn-cs"/>
+                        </a:rPr>
+                        <a:t>vui</a:t>
+                      </a:r>
+                      <a:r>
+                        <a:rPr lang="en-US" sz="1800" b="0" i="0" kern="1200" dirty="0">
+                          <a:solidFill>
+                            <a:schemeClr val="dk1"/>
+                          </a:solidFill>
+                          <a:effectLst/>
+                          <a:latin typeface="+mn-lt"/>
+                          <a:ea typeface="+mn-ea"/>
+                          <a:cs typeface="+mn-cs"/>
+                        </a:rPr>
+                        <a:t> </a:t>
+                      </a:r>
+                      <a:r>
+                        <a:rPr lang="en-US" sz="1800" b="0" i="0" kern="1200" dirty="0" err="1">
+                          <a:solidFill>
+                            <a:schemeClr val="dk1"/>
+                          </a:solidFill>
+                          <a:effectLst/>
+                          <a:latin typeface="+mn-lt"/>
+                          <a:ea typeface="+mn-ea"/>
+                          <a:cs typeface="+mn-cs"/>
+                        </a:rPr>
+                        <a:t>lòng</a:t>
+                      </a:r>
+                      <a:r>
+                        <a:rPr lang="en-US" sz="1800" b="0" i="0" kern="1200" dirty="0">
+                          <a:solidFill>
+                            <a:schemeClr val="dk1"/>
+                          </a:solidFill>
+                          <a:effectLst/>
+                          <a:latin typeface="+mn-lt"/>
+                          <a:ea typeface="+mn-ea"/>
+                          <a:cs typeface="+mn-cs"/>
+                        </a:rPr>
+                        <a:t> </a:t>
+                      </a:r>
+                      <a:r>
+                        <a:rPr lang="en-US" sz="1800" b="0" i="0" kern="1200" dirty="0" err="1">
+                          <a:solidFill>
+                            <a:schemeClr val="dk1"/>
+                          </a:solidFill>
+                          <a:effectLst/>
+                          <a:latin typeface="+mn-lt"/>
+                          <a:ea typeface="+mn-ea"/>
+                          <a:cs typeface="+mn-cs"/>
+                        </a:rPr>
+                        <a:t>sử</a:t>
+                      </a:r>
+                      <a:r>
+                        <a:rPr lang="en-US" sz="1800" b="0" i="0" kern="1200" dirty="0">
+                          <a:solidFill>
+                            <a:schemeClr val="dk1"/>
+                          </a:solidFill>
+                          <a:effectLst/>
+                          <a:latin typeface="+mn-lt"/>
+                          <a:ea typeface="+mn-ea"/>
+                          <a:cs typeface="+mn-cs"/>
+                        </a:rPr>
+                        <a:t> </a:t>
+                      </a:r>
+                      <a:r>
+                        <a:rPr lang="en-US" sz="1800" b="0" i="0" kern="1200" dirty="0" err="1">
+                          <a:solidFill>
+                            <a:schemeClr val="dk1"/>
+                          </a:solidFill>
+                          <a:effectLst/>
+                          <a:latin typeface="+mn-lt"/>
+                          <a:ea typeface="+mn-ea"/>
+                          <a:cs typeface="+mn-cs"/>
+                        </a:rPr>
+                        <a:t>dụng</a:t>
+                      </a:r>
+                      <a:r>
+                        <a:rPr lang="en-US" sz="1800" b="0" i="0" kern="1200" dirty="0">
+                          <a:solidFill>
+                            <a:schemeClr val="dk1"/>
+                          </a:solidFill>
+                          <a:effectLst/>
+                          <a:latin typeface="+mn-lt"/>
+                          <a:ea typeface="+mn-ea"/>
+                          <a:cs typeface="+mn-cs"/>
+                        </a:rPr>
+                        <a:t> </a:t>
+                      </a:r>
+                      <a:r>
+                        <a:rPr lang="en-US" sz="1800" b="0" i="0" kern="1200" dirty="0" err="1">
+                          <a:solidFill>
+                            <a:schemeClr val="dk1"/>
+                          </a:solidFill>
+                          <a:effectLst/>
+                          <a:latin typeface="+mn-lt"/>
+                          <a:ea typeface="+mn-ea"/>
+                          <a:cs typeface="+mn-cs"/>
+                        </a:rPr>
+                        <a:t>Katalon</a:t>
+                      </a:r>
+                      <a:r>
+                        <a:rPr lang="en-US" sz="1800" b="0" i="0" kern="1200" dirty="0">
+                          <a:solidFill>
+                            <a:schemeClr val="dk1"/>
+                          </a:solidFill>
+                          <a:effectLst/>
+                          <a:latin typeface="+mn-lt"/>
+                          <a:ea typeface="+mn-ea"/>
+                          <a:cs typeface="+mn-cs"/>
+                        </a:rPr>
+                        <a:t> Studio v5.1 +</a:t>
+                      </a:r>
+                      <a:endParaRPr lang="en-US" dirty="0"/>
+                    </a:p>
+                  </a:txBody>
+                  <a:tcPr>
+                    <a:solidFill>
+                      <a:schemeClr val="accent2">
+                        <a:lumMod val="40000"/>
+                        <a:lumOff val="60000"/>
+                      </a:schemeClr>
+                    </a:solidFill>
+                  </a:tcPr>
+                </a:tc>
+                <a:extLst>
+                  <a:ext uri="{0D108BD9-81ED-4DB2-BD59-A6C34878D82A}">
+                    <a16:rowId xmlns:a16="http://schemas.microsoft.com/office/drawing/2014/main" val="2722648540"/>
+                  </a:ext>
+                </a:extLst>
+              </a:tr>
+              <a:tr h="727857">
+                <a:tc>
+                  <a:txBody>
+                    <a:bodyPr/>
+                    <a:lstStyle/>
+                    <a:p>
+                      <a:r>
+                        <a:rPr lang="en-US" sz="1800" b="0" i="0" kern="1200" dirty="0">
+                          <a:solidFill>
+                            <a:schemeClr val="dk1"/>
+                          </a:solidFill>
+                          <a:effectLst/>
+                          <a:latin typeface="+mn-lt"/>
+                          <a:ea typeface="+mn-ea"/>
+                          <a:cs typeface="+mn-cs"/>
+                        </a:rPr>
+                        <a:t>Google Chrome</a:t>
+                      </a:r>
+                      <a:endParaRPr lang="en-US" dirty="0"/>
+                    </a:p>
+                  </a:txBody>
+                  <a:tcPr>
+                    <a:solidFill>
+                      <a:schemeClr val="bg1"/>
+                    </a:solidFill>
+                  </a:tcPr>
+                </a:tc>
+                <a:tc>
+                  <a:txBody>
+                    <a:bodyPr/>
+                    <a:lstStyle/>
+                    <a:p>
+                      <a:r>
+                        <a:rPr lang="en-US" sz="1800" b="0" i="0" kern="1200" dirty="0">
+                          <a:solidFill>
+                            <a:schemeClr val="dk1"/>
+                          </a:solidFill>
+                          <a:effectLst/>
+                          <a:latin typeface="+mn-lt"/>
+                          <a:ea typeface="+mn-ea"/>
+                          <a:cs typeface="+mn-cs"/>
+                        </a:rPr>
+                        <a:t>58+</a:t>
+                      </a:r>
+                      <a:endParaRPr lang="en-US" dirty="0"/>
+                    </a:p>
+                  </a:txBody>
+                  <a:tcPr>
+                    <a:solidFill>
+                      <a:schemeClr val="bg1"/>
+                    </a:solidFill>
+                  </a:tcPr>
+                </a:tc>
+                <a:tc>
+                  <a:txBody>
+                    <a:bodyPr/>
+                    <a:lstStyle/>
+                    <a:p>
+                      <a:endParaRPr lang="en-US" dirty="0"/>
+                    </a:p>
+                  </a:txBody>
+                  <a:tcPr>
+                    <a:solidFill>
+                      <a:schemeClr val="bg1"/>
+                    </a:solidFill>
+                  </a:tcPr>
+                </a:tc>
+                <a:extLst>
+                  <a:ext uri="{0D108BD9-81ED-4DB2-BD59-A6C34878D82A}">
+                    <a16:rowId xmlns:a16="http://schemas.microsoft.com/office/drawing/2014/main" val="942212415"/>
+                  </a:ext>
+                </a:extLst>
+              </a:tr>
+              <a:tr h="727857">
+                <a:tc>
+                  <a:txBody>
+                    <a:bodyPr/>
+                    <a:lstStyle/>
+                    <a:p>
+                      <a:r>
+                        <a:rPr lang="en-US" sz="1800" b="0" i="0" kern="1200" dirty="0">
+                          <a:solidFill>
+                            <a:schemeClr val="dk1"/>
+                          </a:solidFill>
+                          <a:effectLst/>
+                          <a:latin typeface="+mn-lt"/>
+                          <a:ea typeface="+mn-ea"/>
+                          <a:cs typeface="+mn-cs"/>
+                        </a:rPr>
+                        <a:t>Safari</a:t>
+                      </a:r>
+                      <a:endParaRPr lang="en-US" dirty="0"/>
+                    </a:p>
+                  </a:txBody>
+                  <a:tcPr>
+                    <a:solidFill>
+                      <a:schemeClr val="accent2">
+                        <a:lumMod val="40000"/>
+                        <a:lumOff val="60000"/>
+                      </a:schemeClr>
+                    </a:solidFill>
+                  </a:tcPr>
+                </a:tc>
+                <a:tc>
+                  <a:txBody>
+                    <a:bodyPr/>
+                    <a:lstStyle/>
+                    <a:p>
+                      <a:r>
+                        <a:rPr lang="en-US" sz="1800" b="0" i="0" kern="1200" dirty="0">
+                          <a:solidFill>
+                            <a:schemeClr val="dk1"/>
+                          </a:solidFill>
+                          <a:effectLst/>
+                          <a:latin typeface="+mn-lt"/>
+                          <a:ea typeface="+mn-ea"/>
+                          <a:cs typeface="+mn-cs"/>
+                        </a:rPr>
+                        <a:t>5.1+</a:t>
+                      </a:r>
+                      <a:endParaRPr lang="en-US" dirty="0"/>
+                    </a:p>
+                  </a:txBody>
+                  <a:tcPr>
+                    <a:solidFill>
+                      <a:schemeClr val="accent2">
+                        <a:lumMod val="40000"/>
+                        <a:lumOff val="60000"/>
+                      </a:schemeClr>
+                    </a:solidFill>
+                  </a:tcPr>
+                </a:tc>
+                <a:tc>
+                  <a:txBody>
+                    <a:bodyPr/>
+                    <a:lstStyle/>
+                    <a:p>
+                      <a:r>
+                        <a:rPr lang="en-US" sz="1800" b="0" i="0" kern="1200" dirty="0">
+                          <a:solidFill>
+                            <a:schemeClr val="dk1"/>
+                          </a:solidFill>
+                          <a:effectLst/>
+                          <a:latin typeface="+mn-lt"/>
+                          <a:ea typeface="+mn-ea"/>
+                          <a:cs typeface="+mn-cs"/>
+                        </a:rPr>
+                        <a:t>9,10,11</a:t>
+                      </a:r>
+                      <a:endParaRPr lang="en-US" dirty="0"/>
+                    </a:p>
+                  </a:txBody>
+                  <a:tcPr>
+                    <a:solidFill>
+                      <a:schemeClr val="accent2">
+                        <a:lumMod val="40000"/>
+                        <a:lumOff val="60000"/>
+                      </a:schemeClr>
+                    </a:solidFill>
+                  </a:tcPr>
+                </a:tc>
+                <a:extLst>
+                  <a:ext uri="{0D108BD9-81ED-4DB2-BD59-A6C34878D82A}">
+                    <a16:rowId xmlns:a16="http://schemas.microsoft.com/office/drawing/2014/main" val="3140968974"/>
+                  </a:ext>
+                </a:extLst>
+              </a:tr>
+            </a:tbl>
+          </a:graphicData>
+        </a:graphic>
+      </p:graphicFrame>
+      <p:sp>
+        <p:nvSpPr>
+          <p:cNvPr id="9" name="TextBox 8">
+            <a:extLst>
+              <a:ext uri="{FF2B5EF4-FFF2-40B4-BE49-F238E27FC236}">
+                <a16:creationId xmlns:a16="http://schemas.microsoft.com/office/drawing/2014/main" id="{7989CCAA-15BB-4FF9-A5BB-779338C4DB2A}"/>
+              </a:ext>
+            </a:extLst>
+          </p:cNvPr>
+          <p:cNvSpPr txBox="1"/>
+          <p:nvPr/>
+        </p:nvSpPr>
+        <p:spPr>
+          <a:xfrm>
+            <a:off x="1113183" y="1286543"/>
+            <a:ext cx="5473148" cy="461665"/>
+          </a:xfrm>
+          <a:prstGeom prst="rect">
+            <a:avLst/>
+          </a:prstGeom>
+          <a:noFill/>
+        </p:spPr>
+        <p:txBody>
+          <a:bodyPr wrap="square" rtlCol="0">
+            <a:spAutoFit/>
+          </a:bodyPr>
+          <a:lstStyle/>
+          <a:p>
             <a:r>
               <a:rPr lang="en-US" sz="2400" dirty="0" err="1">
                 <a:solidFill>
-                  <a:schemeClr val="tx2">
-                    <a:lumMod val="10000"/>
+                  <a:schemeClr val="tx1">
+                    <a:lumMod val="50000"/>
                   </a:schemeClr>
                 </a:solidFill>
                 <a:latin typeface="Times New Roman" panose="02020603050405020304" pitchFamily="18" charset="0"/>
                 <a:cs typeface="Times New Roman" panose="02020603050405020304" pitchFamily="18" charset="0"/>
               </a:rPr>
-              <a:t>Điền</a:t>
+              <a:t>Trình</a:t>
             </a:r>
             <a:r>
               <a:rPr lang="en-US" sz="2400" dirty="0">
                 <a:solidFill>
-                  <a:schemeClr val="tx2">
-                    <a:lumMod val="10000"/>
+                  <a:schemeClr val="tx1">
+                    <a:lumMod val="50000"/>
                   </a:schemeClr>
                 </a:solidFill>
                 <a:latin typeface="Times New Roman" panose="02020603050405020304" pitchFamily="18" charset="0"/>
@@ -13187,211 +14162,19 @@
             <a:r>
               <a:rPr lang="en-US" sz="2400" dirty="0" err="1">
                 <a:solidFill>
-                  <a:schemeClr val="tx2">
-                    <a:lumMod val="10000"/>
+                  <a:schemeClr val="tx1">
+                    <a:lumMod val="50000"/>
                   </a:schemeClr>
                 </a:solidFill>
                 <a:latin typeface="Times New Roman" panose="02020603050405020304" pitchFamily="18" charset="0"/>
                 <a:cs typeface="Times New Roman" panose="02020603050405020304" pitchFamily="18" charset="0"/>
               </a:rPr>
-              <a:t>các</a:t>
-            </a:r>
-            <a:r>
-              <a:rPr lang="en-US" sz="2400" dirty="0">
-                <a:solidFill>
-                  <a:schemeClr val="tx2">
-                    <a:lumMod val="10000"/>
-                  </a:schemeClr>
-                </a:solidFill>
-                <a:latin typeface="Times New Roman" panose="02020603050405020304" pitchFamily="18" charset="0"/>
-                <a:cs typeface="Times New Roman" panose="02020603050405020304" pitchFamily="18" charset="0"/>
-              </a:rPr>
-              <a:t> </a:t>
-            </a:r>
-            <a:r>
-              <a:rPr lang="en-US" sz="2400" dirty="0" err="1">
-                <a:solidFill>
-                  <a:schemeClr val="tx2">
-                    <a:lumMod val="10000"/>
-                  </a:schemeClr>
-                </a:solidFill>
-                <a:latin typeface="Times New Roman" panose="02020603050405020304" pitchFamily="18" charset="0"/>
-                <a:cs typeface="Times New Roman" panose="02020603050405020304" pitchFamily="18" charset="0"/>
-              </a:rPr>
-              <a:t>thông</a:t>
-            </a:r>
-            <a:r>
-              <a:rPr lang="en-US" sz="2400" dirty="0">
-                <a:solidFill>
-                  <a:schemeClr val="tx2">
-                    <a:lumMod val="10000"/>
-                  </a:schemeClr>
-                </a:solidFill>
-                <a:latin typeface="Times New Roman" panose="02020603050405020304" pitchFamily="18" charset="0"/>
-                <a:cs typeface="Times New Roman" panose="02020603050405020304" pitchFamily="18" charset="0"/>
-              </a:rPr>
-              <a:t> tin </a:t>
-            </a:r>
-            <a:r>
-              <a:rPr lang="en-US" sz="2400" dirty="0" err="1">
-                <a:solidFill>
-                  <a:schemeClr val="tx2">
-                    <a:lumMod val="10000"/>
-                  </a:schemeClr>
-                </a:solidFill>
-                <a:latin typeface="Times New Roman" panose="02020603050405020304" pitchFamily="18" charset="0"/>
-                <a:cs typeface="Times New Roman" panose="02020603050405020304" pitchFamily="18" charset="0"/>
-              </a:rPr>
-              <a:t>đăng</a:t>
-            </a:r>
-            <a:r>
-              <a:rPr lang="en-US" sz="2400" dirty="0">
-                <a:solidFill>
-                  <a:schemeClr val="tx2">
-                    <a:lumMod val="10000"/>
-                  </a:schemeClr>
-                </a:solidFill>
-                <a:latin typeface="Times New Roman" panose="02020603050405020304" pitchFamily="18" charset="0"/>
-                <a:cs typeface="Times New Roman" panose="02020603050405020304" pitchFamily="18" charset="0"/>
-              </a:rPr>
-              <a:t> </a:t>
-            </a:r>
-            <a:r>
-              <a:rPr lang="en-US" sz="2400" dirty="0" err="1">
-                <a:solidFill>
-                  <a:schemeClr val="tx2">
-                    <a:lumMod val="10000"/>
-                  </a:schemeClr>
-                </a:solidFill>
-                <a:latin typeface="Times New Roman" panose="02020603050405020304" pitchFamily="18" charset="0"/>
-                <a:cs typeface="Times New Roman" panose="02020603050405020304" pitchFamily="18" charset="0"/>
-              </a:rPr>
-              <a:t>nhập</a:t>
-            </a:r>
-            <a:r>
-              <a:rPr lang="en-US" sz="2400" dirty="0">
-                <a:solidFill>
-                  <a:schemeClr val="tx2">
-                    <a:lumMod val="10000"/>
-                  </a:schemeClr>
-                </a:solidFill>
-                <a:latin typeface="Times New Roman" panose="02020603050405020304" pitchFamily="18" charset="0"/>
-                <a:cs typeface="Times New Roman" panose="02020603050405020304" pitchFamily="18" charset="0"/>
-              </a:rPr>
-              <a:t> </a:t>
-            </a:r>
-            <a:r>
-              <a:rPr lang="en-US" sz="2400" dirty="0" err="1">
-                <a:solidFill>
-                  <a:schemeClr val="tx2">
-                    <a:lumMod val="10000"/>
-                  </a:schemeClr>
-                </a:solidFill>
-                <a:latin typeface="Times New Roman" panose="02020603050405020304" pitchFamily="18" charset="0"/>
-                <a:cs typeface="Times New Roman" panose="02020603050405020304" pitchFamily="18" charset="0"/>
-              </a:rPr>
-              <a:t>sử</a:t>
-            </a:r>
-            <a:r>
-              <a:rPr lang="en-US" sz="2400" dirty="0">
-                <a:solidFill>
-                  <a:schemeClr val="tx2">
-                    <a:lumMod val="10000"/>
-                  </a:schemeClr>
-                </a:solidFill>
-                <a:latin typeface="Times New Roman" panose="02020603050405020304" pitchFamily="18" charset="0"/>
-                <a:cs typeface="Times New Roman" panose="02020603050405020304" pitchFamily="18" charset="0"/>
-              </a:rPr>
-              <a:t> </a:t>
-            </a:r>
-            <a:r>
-              <a:rPr lang="en-US" sz="2400" dirty="0" err="1">
-                <a:solidFill>
-                  <a:schemeClr val="tx2">
-                    <a:lumMod val="10000"/>
-                  </a:schemeClr>
-                </a:solidFill>
-                <a:latin typeface="Times New Roman" panose="02020603050405020304" pitchFamily="18" charset="0"/>
-                <a:cs typeface="Times New Roman" panose="02020603050405020304" pitchFamily="18" charset="0"/>
-              </a:rPr>
-              <a:t>dụng</a:t>
-            </a:r>
-            <a:r>
-              <a:rPr lang="en-US" sz="2400" dirty="0">
-                <a:solidFill>
-                  <a:schemeClr val="tx2">
-                    <a:lumMod val="10000"/>
-                  </a:schemeClr>
-                </a:solidFill>
-                <a:latin typeface="Times New Roman" panose="02020603050405020304" pitchFamily="18" charset="0"/>
-                <a:cs typeface="Times New Roman" panose="02020603050405020304" pitchFamily="18" charset="0"/>
-              </a:rPr>
-              <a:t> </a:t>
-            </a:r>
-            <a:r>
-              <a:rPr lang="en-US" sz="2400" dirty="0" err="1">
-                <a:solidFill>
-                  <a:schemeClr val="tx2">
-                    <a:lumMod val="10000"/>
-                  </a:schemeClr>
-                </a:solidFill>
-                <a:latin typeface="Times New Roman" panose="02020603050405020304" pitchFamily="18" charset="0"/>
-                <a:cs typeface="Times New Roman" panose="02020603050405020304" pitchFamily="18" charset="0"/>
-              </a:rPr>
-              <a:t>cho</a:t>
-            </a:r>
-            <a:r>
-              <a:rPr lang="en-US" sz="2400" dirty="0">
-                <a:solidFill>
-                  <a:schemeClr val="tx2">
-                    <a:lumMod val="10000"/>
-                  </a:schemeClr>
-                </a:solidFill>
-                <a:latin typeface="Times New Roman" panose="02020603050405020304" pitchFamily="18" charset="0"/>
-                <a:cs typeface="Times New Roman" panose="02020603050405020304" pitchFamily="18" charset="0"/>
-              </a:rPr>
-              <a:t> </a:t>
-            </a:r>
-            <a:r>
-              <a:rPr lang="en-US" sz="2400" dirty="0" err="1">
-                <a:solidFill>
-                  <a:schemeClr val="tx2">
-                    <a:lumMod val="10000"/>
-                  </a:schemeClr>
-                </a:solidFill>
-                <a:latin typeface="Times New Roman" panose="02020603050405020304" pitchFamily="18" charset="0"/>
-                <a:cs typeface="Times New Roman" panose="02020603050405020304" pitchFamily="18" charset="0"/>
-              </a:rPr>
-              <a:t>api</a:t>
-            </a:r>
-            <a:r>
-              <a:rPr lang="en-US" sz="2400" dirty="0">
-                <a:solidFill>
-                  <a:schemeClr val="tx2">
-                    <a:lumMod val="10000"/>
-                  </a:schemeClr>
-                </a:solidFill>
-                <a:latin typeface="Times New Roman" panose="02020603050405020304" pitchFamily="18" charset="0"/>
-                <a:cs typeface="Times New Roman" panose="02020603050405020304" pitchFamily="18" charset="0"/>
-              </a:rPr>
-              <a:t> </a:t>
-            </a:r>
-            <a:r>
-              <a:rPr lang="en-US" sz="2400" dirty="0" err="1">
-                <a:solidFill>
-                  <a:schemeClr val="tx2">
-                    <a:lumMod val="10000"/>
-                  </a:schemeClr>
-                </a:solidFill>
-                <a:latin typeface="Times New Roman" panose="02020603050405020304" pitchFamily="18" charset="0"/>
-                <a:cs typeface="Times New Roman" panose="02020603050405020304" pitchFamily="18" charset="0"/>
-              </a:rPr>
-              <a:t>đó</a:t>
+              <a:t>duyệt</a:t>
             </a:r>
             <a:endParaRPr lang="en-US" sz="2400" dirty="0">
               <a:solidFill>
-                <a:schemeClr val="tx2">
-                  <a:lumMod val="10000"/>
+                <a:schemeClr val="tx1">
+                  <a:lumMod val="50000"/>
                 </a:schemeClr>
               </a:solidFill>
               <a:latin typeface="Times New Roman" panose="02020603050405020304" pitchFamily="18" charset="0"/>
@@ -13400,279 +14183,10 @@
           </a:p>
         </p:txBody>
       </p:sp>
-      <p:sp>
-        <p:nvSpPr>
-          <p:cNvPr id="4" name="Footer Placeholder 3">
-            <a:extLst>
-              <a:ext uri="{FF2B5EF4-FFF2-40B4-BE49-F238E27FC236}">
-                <a16:creationId xmlns:a16="http://schemas.microsoft.com/office/drawing/2014/main" id="{13B986CF-44F5-4771-A2C7-ECB11738178E}"/>
-              </a:ext>
-            </a:extLst>
-          </p:cNvPr>
-          <p:cNvSpPr>
-            <a:spLocks noGrp="1"/>
-          </p:cNvSpPr>
-          <p:nvPr>
-            <p:ph type="ftr" sz="quarter" idx="17"/>
-          </p:nvPr>
-        </p:nvSpPr>
-        <p:spPr/>
-        <p:txBody>
-          <a:bodyPr/>
-          <a:lstStyle/>
-          <a:p>
-            <a:r>
-              <a:rPr lang="en-US" noProof="0"/>
-              <a:t>Add a footer</a:t>
-            </a:r>
-            <a:endParaRPr lang="en-US" noProof="0" dirty="0"/>
-          </a:p>
-        </p:txBody>
-      </p:sp>
-      <p:sp>
-        <p:nvSpPr>
-          <p:cNvPr id="5" name="Slide Number Placeholder 4">
-            <a:extLst>
-              <a:ext uri="{FF2B5EF4-FFF2-40B4-BE49-F238E27FC236}">
-                <a16:creationId xmlns:a16="http://schemas.microsoft.com/office/drawing/2014/main" id="{3365F305-6ADB-4750-8098-C8560F003E6B}"/>
-              </a:ext>
-            </a:extLst>
-          </p:cNvPr>
-          <p:cNvSpPr>
-            <a:spLocks noGrp="1"/>
-          </p:cNvSpPr>
-          <p:nvPr>
-            <p:ph type="sldNum" sz="quarter" idx="18"/>
-          </p:nvPr>
-        </p:nvSpPr>
-        <p:spPr/>
-        <p:txBody>
-          <a:bodyPr/>
-          <a:lstStyle/>
-          <a:p>
-            <a:fld id="{8699F50C-BE38-4BD0-BA84-9B090E1F2B9B}" type="slidenum">
-              <a:rPr lang="en-US" noProof="0" smtClean="0"/>
-              <a:t>10</a:t>
-            </a:fld>
-            <a:endParaRPr lang="en-US" noProof="0" dirty="0"/>
-          </a:p>
-        </p:txBody>
-      </p:sp>
-      <p:sp>
-        <p:nvSpPr>
-          <p:cNvPr id="7" name="Title 5">
-            <a:extLst>
-              <a:ext uri="{FF2B5EF4-FFF2-40B4-BE49-F238E27FC236}">
-                <a16:creationId xmlns:a16="http://schemas.microsoft.com/office/drawing/2014/main" id="{F5ED903D-199C-41B2-B771-4ED8BD15E6CA}"/>
-              </a:ext>
-            </a:extLst>
-          </p:cNvPr>
-          <p:cNvSpPr>
-            <a:spLocks noGrp="1"/>
-          </p:cNvSpPr>
-          <p:nvPr>
-            <p:ph type="title"/>
-          </p:nvPr>
-        </p:nvSpPr>
-        <p:spPr>
-          <a:xfrm>
-            <a:off x="519113" y="209550"/>
-            <a:ext cx="10413930" cy="1147763"/>
-          </a:xfrm>
-        </p:spPr>
-        <p:txBody>
-          <a:bodyPr>
-            <a:normAutofit fontScale="90000"/>
-          </a:bodyPr>
-          <a:lstStyle/>
-          <a:p>
-            <a:r>
-              <a:rPr lang="en-US" dirty="0">
-                <a:solidFill>
-                  <a:schemeClr val="tx2">
-                    <a:lumMod val="10000"/>
-                  </a:schemeClr>
-                </a:solidFill>
-                <a:latin typeface="Times New Roman" panose="02020603050405020304" pitchFamily="18" charset="0"/>
-                <a:cs typeface="Times New Roman" panose="02020603050405020304" pitchFamily="18" charset="0"/>
-              </a:rPr>
-              <a:t>5. </a:t>
-            </a:r>
-            <a:r>
-              <a:rPr lang="en-US" dirty="0" err="1">
-                <a:solidFill>
-                  <a:schemeClr val="tx2">
-                    <a:lumMod val="10000"/>
-                  </a:schemeClr>
-                </a:solidFill>
-                <a:latin typeface="Times New Roman" panose="02020603050405020304" pitchFamily="18" charset="0"/>
-                <a:cs typeface="Times New Roman" panose="02020603050405020304" pitchFamily="18" charset="0"/>
-              </a:rPr>
-              <a:t>Cách</a:t>
-            </a:r>
-            <a:r>
-              <a:rPr lang="en-US" dirty="0">
-                <a:solidFill>
-                  <a:schemeClr val="tx2">
-                    <a:lumMod val="10000"/>
-                  </a:schemeClr>
-                </a:solidFill>
-                <a:latin typeface="Times New Roman" panose="02020603050405020304" pitchFamily="18" charset="0"/>
-                <a:cs typeface="Times New Roman" panose="02020603050405020304" pitchFamily="18" charset="0"/>
-              </a:rPr>
-              <a:t> </a:t>
-            </a:r>
-            <a:r>
-              <a:rPr lang="en-US" dirty="0" err="1">
-                <a:solidFill>
-                  <a:schemeClr val="tx2">
-                    <a:lumMod val="10000"/>
-                  </a:schemeClr>
-                </a:solidFill>
-                <a:latin typeface="Times New Roman" panose="02020603050405020304" pitchFamily="18" charset="0"/>
-                <a:cs typeface="Times New Roman" panose="02020603050405020304" pitchFamily="18" charset="0"/>
-              </a:rPr>
-              <a:t>tạo</a:t>
-            </a:r>
-            <a:r>
-              <a:rPr lang="en-US" dirty="0">
-                <a:solidFill>
-                  <a:schemeClr val="tx2">
-                    <a:lumMod val="10000"/>
-                  </a:schemeClr>
-                </a:solidFill>
-                <a:latin typeface="Times New Roman" panose="02020603050405020304" pitchFamily="18" charset="0"/>
-                <a:cs typeface="Times New Roman" panose="02020603050405020304" pitchFamily="18" charset="0"/>
-              </a:rPr>
-              <a:t> </a:t>
-            </a:r>
-            <a:r>
-              <a:rPr lang="en-US" dirty="0" err="1">
-                <a:solidFill>
-                  <a:schemeClr val="tx2">
-                    <a:lumMod val="10000"/>
-                  </a:schemeClr>
-                </a:solidFill>
-                <a:latin typeface="Times New Roman" panose="02020603050405020304" pitchFamily="18" charset="0"/>
-                <a:cs typeface="Times New Roman" panose="02020603050405020304" pitchFamily="18" charset="0"/>
-              </a:rPr>
-              <a:t>một</a:t>
-            </a:r>
-            <a:r>
-              <a:rPr lang="en-US" dirty="0">
-                <a:solidFill>
-                  <a:schemeClr val="tx2">
-                    <a:lumMod val="10000"/>
-                  </a:schemeClr>
-                </a:solidFill>
-                <a:latin typeface="Times New Roman" panose="02020603050405020304" pitchFamily="18" charset="0"/>
-                <a:cs typeface="Times New Roman" panose="02020603050405020304" pitchFamily="18" charset="0"/>
-              </a:rPr>
-              <a:t> Test API </a:t>
-            </a:r>
-            <a:r>
-              <a:rPr lang="en-US" dirty="0" err="1">
-                <a:solidFill>
-                  <a:schemeClr val="tx2">
-                    <a:lumMod val="10000"/>
-                  </a:schemeClr>
-                </a:solidFill>
-                <a:latin typeface="Times New Roman" panose="02020603050405020304" pitchFamily="18" charset="0"/>
-                <a:cs typeface="Times New Roman" panose="02020603050405020304" pitchFamily="18" charset="0"/>
-              </a:rPr>
-              <a:t>trên</a:t>
-            </a:r>
-            <a:r>
-              <a:rPr lang="en-US" dirty="0">
-                <a:solidFill>
-                  <a:schemeClr val="tx2">
-                    <a:lumMod val="10000"/>
-                  </a:schemeClr>
-                </a:solidFill>
-                <a:latin typeface="Times New Roman" panose="02020603050405020304" pitchFamily="18" charset="0"/>
-                <a:cs typeface="Times New Roman" panose="02020603050405020304" pitchFamily="18" charset="0"/>
-              </a:rPr>
-              <a:t> </a:t>
-            </a:r>
-            <a:r>
-              <a:rPr lang="en-US" dirty="0" err="1">
-                <a:solidFill>
-                  <a:schemeClr val="tx2">
-                    <a:lumMod val="10000"/>
-                  </a:schemeClr>
-                </a:solidFill>
-                <a:latin typeface="Times New Roman" panose="02020603050405020304" pitchFamily="18" charset="0"/>
-                <a:cs typeface="Times New Roman" panose="02020603050405020304" pitchFamily="18" charset="0"/>
-              </a:rPr>
-              <a:t>Katalon</a:t>
-            </a:r>
-            <a:r>
-              <a:rPr lang="en-US" dirty="0">
-                <a:solidFill>
-                  <a:schemeClr val="tx2">
-                    <a:lumMod val="10000"/>
-                  </a:schemeClr>
-                </a:solidFill>
-                <a:latin typeface="Times New Roman" panose="02020603050405020304" pitchFamily="18" charset="0"/>
-                <a:cs typeface="Times New Roman" panose="02020603050405020304" pitchFamily="18" charset="0"/>
-              </a:rPr>
-              <a:t> Studio</a:t>
-            </a:r>
-            <a:endParaRPr lang="en-US" dirty="0"/>
-          </a:p>
-        </p:txBody>
-      </p:sp>
-      <p:pic>
-        <p:nvPicPr>
-          <p:cNvPr id="7170" name="Picture 2">
-            <a:extLst>
-              <a:ext uri="{FF2B5EF4-FFF2-40B4-BE49-F238E27FC236}">
-                <a16:creationId xmlns:a16="http://schemas.microsoft.com/office/drawing/2014/main" id="{0EDDFC24-63B6-41A3-9DA4-656AB4B75D36}"/>
-              </a:ext>
-            </a:extLst>
-          </p:cNvPr>
-          <p:cNvPicPr>
-            <a:picLocks noChangeAspect="1" noChangeArrowheads="1"/>
-          </p:cNvPicPr>
-          <p:nvPr/>
-        </p:nvPicPr>
-        <p:blipFill>
-          <a:blip r:embed="rId2">
-            <a:extLst>
-              <a:ext uri="{28A0092B-C50C-407E-A947-70E740481C1C}">
-                <a14:useLocalDpi xmlns:a14="http://schemas.microsoft.com/office/drawing/2010/main" val="0"/>
-              </a:ext>
-            </a:extLst>
-          </a:blip>
-          <a:srcRect/>
-          <a:stretch>
-            <a:fillRect/>
-          </a:stretch>
-        </p:blipFill>
-        <p:spPr bwMode="auto">
-          <a:xfrm>
-            <a:off x="2943848" y="2487940"/>
-            <a:ext cx="6798156" cy="2966468"/>
-          </a:xfrm>
-          <a:prstGeom prst="rect">
-            <a:avLst/>
-          </a:prstGeom>
-          <a:noFill/>
-          <a:extLst>
-            <a:ext uri="{909E8E84-426E-40DD-AFC4-6F175D3DCCD1}">
-              <a14:hiddenFill xmlns:a14="http://schemas.microsoft.com/office/drawing/2010/main">
-                <a:solidFill>
-                  <a:srgbClr val="FFFFFF"/>
-                </a:solidFill>
-              </a14:hiddenFill>
-            </a:ext>
-          </a:extLst>
-        </p:spPr>
-      </p:pic>
     </p:spTree>
     <p:extLst>
       <p:ext uri="{BB962C8B-B14F-4D97-AF65-F5344CB8AC3E}">
-        <p14:creationId xmlns:p14="http://schemas.microsoft.com/office/powerpoint/2010/main" val="2072762649"/>
+        <p14:creationId xmlns:p14="http://schemas.microsoft.com/office/powerpoint/2010/main" val="1243556822"/>
       </p:ext>
     </p:extLst>
   </p:cSld>
@@ -13701,10 +14215,10 @@
       </p:grpSpPr>
       <p:sp>
         <p:nvSpPr>
-          <p:cNvPr id="3" name="Text Placeholder 2">
+          <p:cNvPr id="4" name="Title 3">
             <a:extLst>
               <a:ext uri="{FF2B5EF4-FFF2-40B4-BE49-F238E27FC236}">
-                <a16:creationId xmlns:a16="http://schemas.microsoft.com/office/drawing/2014/main" id="{75393D8C-66CA-44E8-BFD7-AC3DE4DE377A}"/>
+                <a16:creationId xmlns:a16="http://schemas.microsoft.com/office/drawing/2014/main" id="{C45D35AB-DCCB-49B8-87A2-67B89487A759}"/>
               </a:ext>
             </a:extLst>
           </p:cNvPr>
@@ -13712,463 +14226,547 @@
             <a:spLocks noGrp="1"/>
           </p:cNvSpPr>
           <p:nvPr>
-            <p:ph type="body" sz="quarter" idx="16"/>
+            <p:ph type="ctrTitle"/>
           </p:nvPr>
         </p:nvSpPr>
         <p:spPr>
           <a:xfrm>
-            <a:off x="520493" y="1376932"/>
-            <a:ext cx="9312620" cy="608895"/>
-          </a:xfrm>
-        </p:spPr>
-        <p:txBody>
-          <a:bodyPr/>
-          <a:lstStyle/>
-          <a:p>
-            <a:r>
-              <a:rPr lang="en-US" sz="2400" dirty="0" err="1">
-                <a:solidFill>
-                  <a:schemeClr val="tx2">
-                    <a:lumMod val="10000"/>
-                  </a:schemeClr>
-                </a:solidFill>
-                <a:latin typeface="Times New Roman" panose="02020603050405020304" pitchFamily="18" charset="0"/>
-                <a:cs typeface="Times New Roman" panose="02020603050405020304" pitchFamily="18" charset="0"/>
-              </a:rPr>
-              <a:t>Điền</a:t>
-            </a:r>
-            <a:r>
-              <a:rPr lang="en-US" sz="2400" dirty="0">
-                <a:solidFill>
-                  <a:schemeClr val="tx2">
-                    <a:lumMod val="10000"/>
-                  </a:schemeClr>
-                </a:solidFill>
-                <a:latin typeface="Times New Roman" panose="02020603050405020304" pitchFamily="18" charset="0"/>
-                <a:cs typeface="Times New Roman" panose="02020603050405020304" pitchFamily="18" charset="0"/>
-              </a:rPr>
-              <a:t> </a:t>
-            </a:r>
-            <a:r>
-              <a:rPr lang="en-US" sz="2400" dirty="0" err="1">
-                <a:solidFill>
-                  <a:schemeClr val="tx2">
-                    <a:lumMod val="10000"/>
-                  </a:schemeClr>
-                </a:solidFill>
-                <a:latin typeface="Times New Roman" panose="02020603050405020304" pitchFamily="18" charset="0"/>
-                <a:cs typeface="Times New Roman" panose="02020603050405020304" pitchFamily="18" charset="0"/>
-              </a:rPr>
-              <a:t>các</a:t>
-            </a:r>
-            <a:r>
-              <a:rPr lang="en-US" sz="2400" dirty="0">
-                <a:solidFill>
-                  <a:schemeClr val="tx2">
-                    <a:lumMod val="10000"/>
-                  </a:schemeClr>
-                </a:solidFill>
-                <a:latin typeface="Times New Roman" panose="02020603050405020304" pitchFamily="18" charset="0"/>
-                <a:cs typeface="Times New Roman" panose="02020603050405020304" pitchFamily="18" charset="0"/>
-              </a:rPr>
-              <a:t> </a:t>
-            </a:r>
-            <a:r>
-              <a:rPr lang="en-US" sz="2400" dirty="0" err="1">
-                <a:solidFill>
-                  <a:schemeClr val="tx2">
-                    <a:lumMod val="10000"/>
-                  </a:schemeClr>
-                </a:solidFill>
-                <a:latin typeface="Times New Roman" panose="02020603050405020304" pitchFamily="18" charset="0"/>
-                <a:cs typeface="Times New Roman" panose="02020603050405020304" pitchFamily="18" charset="0"/>
-              </a:rPr>
-              <a:t>thông</a:t>
-            </a:r>
-            <a:r>
-              <a:rPr lang="en-US" sz="2400" dirty="0">
-                <a:solidFill>
-                  <a:schemeClr val="tx2">
-                    <a:lumMod val="10000"/>
-                  </a:schemeClr>
-                </a:solidFill>
-                <a:latin typeface="Times New Roman" panose="02020603050405020304" pitchFamily="18" charset="0"/>
-                <a:cs typeface="Times New Roman" panose="02020603050405020304" pitchFamily="18" charset="0"/>
-              </a:rPr>
-              <a:t> tin </a:t>
-            </a:r>
-            <a:r>
-              <a:rPr lang="en-US" sz="2400" dirty="0" err="1">
-                <a:solidFill>
-                  <a:schemeClr val="tx2">
-                    <a:lumMod val="10000"/>
-                  </a:schemeClr>
-                </a:solidFill>
-                <a:latin typeface="Times New Roman" panose="02020603050405020304" pitchFamily="18" charset="0"/>
-                <a:cs typeface="Times New Roman" panose="02020603050405020304" pitchFamily="18" charset="0"/>
-              </a:rPr>
-              <a:t>mình</a:t>
-            </a:r>
-            <a:r>
-              <a:rPr lang="en-US" sz="2400" dirty="0">
-                <a:solidFill>
-                  <a:schemeClr val="tx2">
-                    <a:lumMod val="10000"/>
-                  </a:schemeClr>
-                </a:solidFill>
-                <a:latin typeface="Times New Roman" panose="02020603050405020304" pitchFamily="18" charset="0"/>
-                <a:cs typeface="Times New Roman" panose="02020603050405020304" pitchFamily="18" charset="0"/>
-              </a:rPr>
-              <a:t> </a:t>
-            </a:r>
-            <a:r>
-              <a:rPr lang="en-US" sz="2400" dirty="0" err="1">
-                <a:solidFill>
-                  <a:schemeClr val="tx2">
-                    <a:lumMod val="10000"/>
-                  </a:schemeClr>
-                </a:solidFill>
-                <a:latin typeface="Times New Roman" panose="02020603050405020304" pitchFamily="18" charset="0"/>
-                <a:cs typeface="Times New Roman" panose="02020603050405020304" pitchFamily="18" charset="0"/>
-              </a:rPr>
-              <a:t>cần</a:t>
-            </a:r>
-            <a:r>
-              <a:rPr lang="en-US" sz="2400" dirty="0">
-                <a:solidFill>
-                  <a:schemeClr val="tx2">
-                    <a:lumMod val="10000"/>
-                  </a:schemeClr>
-                </a:solidFill>
-                <a:latin typeface="Times New Roman" panose="02020603050405020304" pitchFamily="18" charset="0"/>
-                <a:cs typeface="Times New Roman" panose="02020603050405020304" pitchFamily="18" charset="0"/>
-              </a:rPr>
-              <a:t> </a:t>
-            </a:r>
-            <a:r>
-              <a:rPr lang="en-US" sz="2400" dirty="0" err="1">
-                <a:solidFill>
-                  <a:schemeClr val="tx2">
-                    <a:lumMod val="10000"/>
-                  </a:schemeClr>
-                </a:solidFill>
-                <a:latin typeface="Times New Roman" panose="02020603050405020304" pitchFamily="18" charset="0"/>
-                <a:cs typeface="Times New Roman" panose="02020603050405020304" pitchFamily="18" charset="0"/>
-              </a:rPr>
-              <a:t>gửi</a:t>
-            </a:r>
-            <a:r>
-              <a:rPr lang="en-US" sz="2400" dirty="0">
-                <a:solidFill>
-                  <a:schemeClr val="tx2">
-                    <a:lumMod val="10000"/>
-                  </a:schemeClr>
-                </a:solidFill>
-                <a:latin typeface="Times New Roman" panose="02020603050405020304" pitchFamily="18" charset="0"/>
-                <a:cs typeface="Times New Roman" panose="02020603050405020304" pitchFamily="18" charset="0"/>
-              </a:rPr>
-              <a:t> </a:t>
-            </a:r>
-            <a:r>
-              <a:rPr lang="en-US" sz="2400" dirty="0" err="1">
-                <a:solidFill>
-                  <a:schemeClr val="tx2">
-                    <a:lumMod val="10000"/>
-                  </a:schemeClr>
-                </a:solidFill>
-                <a:latin typeface="Times New Roman" panose="02020603050405020304" pitchFamily="18" charset="0"/>
-                <a:cs typeface="Times New Roman" panose="02020603050405020304" pitchFamily="18" charset="0"/>
-              </a:rPr>
-              <a:t>theo</a:t>
-            </a:r>
-            <a:r>
-              <a:rPr lang="en-US" sz="2400" dirty="0">
-                <a:solidFill>
-                  <a:schemeClr val="tx2">
-                    <a:lumMod val="10000"/>
-                  </a:schemeClr>
-                </a:solidFill>
-                <a:latin typeface="Times New Roman" panose="02020603050405020304" pitchFamily="18" charset="0"/>
-                <a:cs typeface="Times New Roman" panose="02020603050405020304" pitchFamily="18" charset="0"/>
-              </a:rPr>
-              <a:t> request</a:t>
-            </a:r>
-          </a:p>
-        </p:txBody>
-      </p:sp>
-      <p:sp>
-        <p:nvSpPr>
-          <p:cNvPr id="4" name="Footer Placeholder 3">
-            <a:extLst>
-              <a:ext uri="{FF2B5EF4-FFF2-40B4-BE49-F238E27FC236}">
-                <a16:creationId xmlns:a16="http://schemas.microsoft.com/office/drawing/2014/main" id="{2DB5266E-6788-4361-B245-A06BCFB87A78}"/>
-              </a:ext>
-            </a:extLst>
-          </p:cNvPr>
-          <p:cNvSpPr>
-            <a:spLocks noGrp="1"/>
-          </p:cNvSpPr>
-          <p:nvPr>
-            <p:ph type="ftr" sz="quarter" idx="17"/>
-          </p:nvPr>
-        </p:nvSpPr>
-        <p:spPr/>
-        <p:txBody>
-          <a:bodyPr/>
-          <a:lstStyle/>
-          <a:p>
-            <a:r>
-              <a:rPr lang="en-US" noProof="0"/>
-              <a:t>Add a footer</a:t>
-            </a:r>
-            <a:endParaRPr lang="en-US" noProof="0" dirty="0"/>
-          </a:p>
-        </p:txBody>
-      </p:sp>
-      <p:sp>
-        <p:nvSpPr>
-          <p:cNvPr id="5" name="Slide Number Placeholder 4">
-            <a:extLst>
-              <a:ext uri="{FF2B5EF4-FFF2-40B4-BE49-F238E27FC236}">
-                <a16:creationId xmlns:a16="http://schemas.microsoft.com/office/drawing/2014/main" id="{99318EDB-D781-4CFE-837B-494DECF316EC}"/>
-              </a:ext>
-            </a:extLst>
-          </p:cNvPr>
-          <p:cNvSpPr>
-            <a:spLocks noGrp="1"/>
-          </p:cNvSpPr>
-          <p:nvPr>
-            <p:ph type="sldNum" sz="quarter" idx="18"/>
-          </p:nvPr>
-        </p:nvSpPr>
-        <p:spPr/>
-        <p:txBody>
-          <a:bodyPr/>
-          <a:lstStyle/>
-          <a:p>
-            <a:fld id="{8699F50C-BE38-4BD0-BA84-9B090E1F2B9B}" type="slidenum">
-              <a:rPr lang="en-US" noProof="0" smtClean="0"/>
-              <a:t>11</a:t>
-            </a:fld>
-            <a:endParaRPr lang="en-US" noProof="0" dirty="0"/>
-          </a:p>
-        </p:txBody>
-      </p:sp>
-      <p:sp>
-        <p:nvSpPr>
-          <p:cNvPr id="7" name="Title 5">
-            <a:extLst>
-              <a:ext uri="{FF2B5EF4-FFF2-40B4-BE49-F238E27FC236}">
-                <a16:creationId xmlns:a16="http://schemas.microsoft.com/office/drawing/2014/main" id="{E369C8CB-B250-4B64-B5EF-F1D10BB6A6AC}"/>
-              </a:ext>
-            </a:extLst>
-          </p:cNvPr>
-          <p:cNvSpPr>
-            <a:spLocks noGrp="1"/>
-          </p:cNvSpPr>
-          <p:nvPr>
-            <p:ph type="title"/>
-          </p:nvPr>
-        </p:nvSpPr>
-        <p:spPr>
-          <a:xfrm>
-            <a:off x="519113" y="209550"/>
-            <a:ext cx="8332787" cy="1147763"/>
+            <a:off x="719170" y="685387"/>
+            <a:ext cx="8742882" cy="812110"/>
           </a:xfrm>
         </p:spPr>
         <p:txBody>
           <a:bodyPr>
-            <a:normAutofit fontScale="90000"/>
+            <a:normAutofit/>
           </a:bodyPr>
           <a:lstStyle/>
           <a:p>
-            <a:r>
-              <a:rPr lang="en-US" dirty="0">
-                <a:solidFill>
-                  <a:schemeClr val="tx2">
-                    <a:lumMod val="10000"/>
-                  </a:schemeClr>
-                </a:solidFill>
-                <a:latin typeface="Times New Roman" panose="02020603050405020304" pitchFamily="18" charset="0"/>
-                <a:cs typeface="Times New Roman" panose="02020603050405020304" pitchFamily="18" charset="0"/>
-              </a:rPr>
-              <a:t>5. </a:t>
-            </a:r>
-            <a:r>
-              <a:rPr lang="en-US" dirty="0" err="1">
-                <a:solidFill>
-                  <a:schemeClr val="tx2">
-                    <a:lumMod val="10000"/>
-                  </a:schemeClr>
-                </a:solidFill>
-                <a:latin typeface="Times New Roman" panose="02020603050405020304" pitchFamily="18" charset="0"/>
-                <a:cs typeface="Times New Roman" panose="02020603050405020304" pitchFamily="18" charset="0"/>
-              </a:rPr>
-              <a:t>Cách</a:t>
-            </a:r>
-            <a:r>
-              <a:rPr lang="en-US" dirty="0">
-                <a:solidFill>
-                  <a:schemeClr val="tx2">
-                    <a:lumMod val="10000"/>
-                  </a:schemeClr>
-                </a:solidFill>
+            <a:pPr algn="l"/>
+            <a:r>
+              <a:rPr lang="en-US" sz="4000" dirty="0">
+                <a:latin typeface="Times New Roman" panose="02020603050405020304" pitchFamily="18" charset="0"/>
+                <a:cs typeface="Times New Roman" panose="02020603050405020304" pitchFamily="18" charset="0"/>
+              </a:rPr>
+              <a:t>8. </a:t>
+            </a:r>
+            <a:r>
+              <a:rPr lang="en-US" sz="4000" dirty="0" err="1">
+                <a:latin typeface="Times New Roman" panose="02020603050405020304" pitchFamily="18" charset="0"/>
+                <a:cs typeface="Times New Roman" panose="02020603050405020304" pitchFamily="18" charset="0"/>
+              </a:rPr>
+              <a:t>Các</a:t>
+            </a:r>
+            <a:r>
+              <a:rPr lang="en-US" sz="4000" dirty="0">
                 <a:latin typeface="Times New Roman" panose="02020603050405020304" pitchFamily="18" charset="0"/>
                 <a:cs typeface="Times New Roman" panose="02020603050405020304" pitchFamily="18" charset="0"/>
               </a:rPr>
               <a:t> </a:t>
             </a:r>
             <a:r>
-              <a:rPr lang="en-US" dirty="0" err="1">
-                <a:solidFill>
-                  <a:schemeClr val="tx2">
-                    <a:lumMod val="10000"/>
-                  </a:schemeClr>
-                </a:solidFill>
-                <a:latin typeface="Times New Roman" panose="02020603050405020304" pitchFamily="18" charset="0"/>
-                <a:cs typeface="Times New Roman" panose="02020603050405020304" pitchFamily="18" charset="0"/>
-              </a:rPr>
-              <a:t>tạo</a:t>
-            </a:r>
-            <a:r>
-              <a:rPr lang="en-US" dirty="0">
-                <a:solidFill>
-                  <a:schemeClr val="tx2">
-                    <a:lumMod val="10000"/>
-                  </a:schemeClr>
-                </a:solidFill>
+              <a:rPr lang="en-US" sz="4000" dirty="0" err="1">
+                <a:latin typeface="Times New Roman" panose="02020603050405020304" pitchFamily="18" charset="0"/>
+                <a:cs typeface="Times New Roman" panose="02020603050405020304" pitchFamily="18" charset="0"/>
+              </a:rPr>
+              <a:t>môi</a:t>
+            </a:r>
+            <a:r>
+              <a:rPr lang="en-US" sz="4000" dirty="0">
+                <a:latin typeface="Times New Roman" panose="02020603050405020304" pitchFamily="18" charset="0"/>
+                <a:cs typeface="Times New Roman" panose="02020603050405020304" pitchFamily="18" charset="0"/>
+              </a:rPr>
+              <a:t> tr</a:t>
+            </a:r>
+            <a:r>
+              <a:rPr lang="vi-VN" sz="4000" dirty="0">
+                <a:latin typeface="Times New Roman" panose="02020603050405020304" pitchFamily="18" charset="0"/>
+                <a:cs typeface="Times New Roman" panose="02020603050405020304" pitchFamily="18" charset="0"/>
+              </a:rPr>
+              <a:t>ư</a:t>
+            </a:r>
+            <a:r>
+              <a:rPr lang="en-US" sz="4000" dirty="0" err="1">
+                <a:latin typeface="Times New Roman" panose="02020603050405020304" pitchFamily="18" charset="0"/>
+                <a:cs typeface="Times New Roman" panose="02020603050405020304" pitchFamily="18" charset="0"/>
+              </a:rPr>
+              <a:t>ờng</a:t>
+            </a:r>
+            <a:r>
+              <a:rPr lang="en-US" sz="4000" dirty="0">
                 <a:latin typeface="Times New Roman" panose="02020603050405020304" pitchFamily="18" charset="0"/>
                 <a:cs typeface="Times New Roman" panose="02020603050405020304" pitchFamily="18" charset="0"/>
               </a:rPr>
               <a:t> </a:t>
             </a:r>
             <a:r>
-              <a:rPr lang="en-US" dirty="0" err="1">
-                <a:solidFill>
-                  <a:schemeClr val="tx2">
-                    <a:lumMod val="10000"/>
-                  </a:schemeClr>
-                </a:solidFill>
-                <a:latin typeface="Times New Roman" panose="02020603050405020304" pitchFamily="18" charset="0"/>
-                <a:cs typeface="Times New Roman" panose="02020603050405020304" pitchFamily="18" charset="0"/>
-              </a:rPr>
-              <a:t>một</a:t>
-            </a:r>
-            <a:r>
-              <a:rPr lang="en-US" dirty="0">
-                <a:solidFill>
-                  <a:schemeClr val="tx2">
-                    <a:lumMod val="10000"/>
-                  </a:schemeClr>
-                </a:solidFill>
-                <a:latin typeface="Times New Roman" panose="02020603050405020304" pitchFamily="18" charset="0"/>
-                <a:cs typeface="Times New Roman" panose="02020603050405020304" pitchFamily="18" charset="0"/>
-              </a:rPr>
-              <a:t> Test API </a:t>
-            </a:r>
-            <a:r>
-              <a:rPr lang="en-US" dirty="0" err="1">
-                <a:solidFill>
-                  <a:schemeClr val="tx2">
-                    <a:lumMod val="10000"/>
-                  </a:schemeClr>
-                </a:solidFill>
-                <a:latin typeface="Times New Roman" panose="02020603050405020304" pitchFamily="18" charset="0"/>
-                <a:cs typeface="Times New Roman" panose="02020603050405020304" pitchFamily="18" charset="0"/>
-              </a:rPr>
-              <a:t>trên</a:t>
-            </a:r>
-            <a:r>
-              <a:rPr lang="en-US" dirty="0">
-                <a:solidFill>
-                  <a:schemeClr val="tx2">
-                    <a:lumMod val="10000"/>
-                  </a:schemeClr>
-                </a:solidFill>
+              <a:rPr lang="en-US" sz="4000" dirty="0" err="1">
+                <a:latin typeface="Times New Roman" panose="02020603050405020304" pitchFamily="18" charset="0"/>
+                <a:cs typeface="Times New Roman" panose="02020603050405020304" pitchFamily="18" charset="0"/>
+              </a:rPr>
+              <a:t>hỗ</a:t>
+            </a:r>
+            <a:r>
+              <a:rPr lang="en-US" sz="4000" dirty="0">
                 <a:latin typeface="Times New Roman" panose="02020603050405020304" pitchFamily="18" charset="0"/>
                 <a:cs typeface="Times New Roman" panose="02020603050405020304" pitchFamily="18" charset="0"/>
               </a:rPr>
               <a:t> </a:t>
             </a:r>
             <a:r>
-              <a:rPr lang="en-US" dirty="0" err="1">
-                <a:solidFill>
-                  <a:schemeClr val="tx2">
-                    <a:lumMod val="10000"/>
-                  </a:schemeClr>
-                </a:solidFill>
-                <a:latin typeface="Times New Roman" panose="02020603050405020304" pitchFamily="18" charset="0"/>
-                <a:cs typeface="Times New Roman" panose="02020603050405020304" pitchFamily="18" charset="0"/>
-              </a:rPr>
-              <a:t>Katalon</a:t>
-            </a:r>
-            <a:r>
-              <a:rPr lang="en-US" dirty="0">
-                <a:solidFill>
-                  <a:schemeClr val="tx2">
-                    <a:lumMod val="10000"/>
-                  </a:schemeClr>
-                </a:solidFill>
-                <a:latin typeface="Times New Roman" panose="02020603050405020304" pitchFamily="18" charset="0"/>
-                <a:cs typeface="Times New Roman" panose="02020603050405020304" pitchFamily="18" charset="0"/>
-              </a:rPr>
-              <a:t> Studio</a:t>
-            </a:r>
-            <a:endParaRPr lang="en-US" dirty="0"/>
+              <a:rPr lang="en-US" sz="4000" dirty="0" err="1">
+                <a:latin typeface="Times New Roman" panose="02020603050405020304" pitchFamily="18" charset="0"/>
+                <a:cs typeface="Times New Roman" panose="02020603050405020304" pitchFamily="18" charset="0"/>
+              </a:rPr>
+              <a:t>trợ</a:t>
+            </a:r>
+            <a:endParaRPr lang="en-US" sz="4000" dirty="0">
+              <a:latin typeface="Times New Roman" panose="02020603050405020304" pitchFamily="18" charset="0"/>
+              <a:cs typeface="Times New Roman" panose="02020603050405020304" pitchFamily="18" charset="0"/>
+            </a:endParaRPr>
           </a:p>
         </p:txBody>
       </p:sp>
-      <p:pic>
-        <p:nvPicPr>
-          <p:cNvPr id="8194" name="Picture 2">
+      <p:graphicFrame>
+        <p:nvGraphicFramePr>
+          <p:cNvPr id="7" name="Table 7">
             <a:extLst>
               <a:ext uri="{FF2B5EF4-FFF2-40B4-BE49-F238E27FC236}">
-                <a16:creationId xmlns:a16="http://schemas.microsoft.com/office/drawing/2014/main" id="{F8AB5246-EDE0-47BA-B260-430B213CC393}"/>
+                <a16:creationId xmlns:a16="http://schemas.microsoft.com/office/drawing/2014/main" id="{DEC97D8B-AC52-4374-9822-D08611EAFBF8}"/>
               </a:ext>
             </a:extLst>
           </p:cNvPr>
-          <p:cNvPicPr>
-            <a:picLocks noChangeAspect="1" noChangeArrowheads="1"/>
-          </p:cNvPicPr>
-          <p:nvPr/>
-        </p:nvPicPr>
-        <p:blipFill>
-          <a:blip r:embed="rId2">
+          <p:cNvGraphicFramePr>
+            <a:graphicFrameLocks noGrp="1"/>
+          </p:cNvGraphicFramePr>
+          <p:nvPr>
+            <p:extLst>
+              <p:ext uri="{D42A27DB-BD31-4B8C-83A1-F6EECF244321}">
+                <p14:modId xmlns:p14="http://schemas.microsoft.com/office/powerpoint/2010/main" val="4158123162"/>
+              </p:ext>
+            </p:extLst>
+          </p:nvPr>
+        </p:nvGraphicFramePr>
+        <p:xfrm>
+          <a:off x="1391479" y="2809460"/>
+          <a:ext cx="9051233" cy="1821474"/>
+        </p:xfrm>
+        <a:graphic>
+          <a:graphicData uri="http://schemas.openxmlformats.org/drawingml/2006/table">
+            <a:tbl>
+              <a:tblPr firstRow="1" bandRow="1">
+                <a:tableStyleId>{5C22544A-7EE6-4342-B048-85BDC9FD1C3A}</a:tableStyleId>
+              </a:tblPr>
+              <a:tblGrid>
+                <a:gridCol w="2789661">
+                  <a:extLst>
+                    <a:ext uri="{9D8B030D-6E8A-4147-A177-3AD203B41FA5}">
+                      <a16:colId xmlns:a16="http://schemas.microsoft.com/office/drawing/2014/main" val="3728990152"/>
+                    </a:ext>
+                  </a:extLst>
+                </a:gridCol>
+                <a:gridCol w="3130786">
+                  <a:extLst>
+                    <a:ext uri="{9D8B030D-6E8A-4147-A177-3AD203B41FA5}">
+                      <a16:colId xmlns:a16="http://schemas.microsoft.com/office/drawing/2014/main" val="1087225402"/>
+                    </a:ext>
+                  </a:extLst>
+                </a:gridCol>
+                <a:gridCol w="3130786">
+                  <a:extLst>
+                    <a:ext uri="{9D8B030D-6E8A-4147-A177-3AD203B41FA5}">
+                      <a16:colId xmlns:a16="http://schemas.microsoft.com/office/drawing/2014/main" val="3785410799"/>
+                    </a:ext>
+                  </a:extLst>
+                </a:gridCol>
+              </a:tblGrid>
+              <a:tr h="151580">
+                <a:tc>
+                  <a:txBody>
+                    <a:bodyPr/>
+                    <a:lstStyle/>
+                    <a:p>
+                      <a:r>
+                        <a:rPr lang="en-US" sz="1800" b="1" i="0" kern="1200" dirty="0">
+                          <a:solidFill>
+                            <a:schemeClr val="lt1"/>
+                          </a:solidFill>
+                          <a:effectLst/>
+                          <a:latin typeface="+mn-lt"/>
+                          <a:ea typeface="+mn-ea"/>
+                          <a:cs typeface="+mn-cs"/>
+                        </a:rPr>
+                        <a:t>Installation</a:t>
+                      </a:r>
+                      <a:endParaRPr lang="en-US" dirty="0">
+                        <a:solidFill>
+                          <a:schemeClr val="accent2">
+                            <a:lumMod val="40000"/>
+                            <a:lumOff val="60000"/>
+                          </a:schemeClr>
+                        </a:solidFill>
+                      </a:endParaRPr>
+                    </a:p>
+                  </a:txBody>
+                  <a:tcPr>
+                    <a:solidFill>
+                      <a:schemeClr val="accent5">
+                        <a:lumMod val="40000"/>
+                        <a:lumOff val="60000"/>
+                      </a:schemeClr>
+                    </a:solidFill>
+                  </a:tcPr>
+                </a:tc>
+                <a:tc>
+                  <a:txBody>
+                    <a:bodyPr/>
+                    <a:lstStyle/>
+                    <a:p>
+                      <a:r>
+                        <a:rPr lang="en-US" sz="1800" b="1" i="0" kern="1200" dirty="0">
+                          <a:solidFill>
+                            <a:schemeClr val="lt1"/>
+                          </a:solidFill>
+                          <a:effectLst/>
+                          <a:latin typeface="+mn-lt"/>
+                          <a:ea typeface="+mn-ea"/>
+                          <a:cs typeface="+mn-cs"/>
+                        </a:rPr>
+                        <a:t>Version on Windows</a:t>
+                      </a:r>
+                      <a:endParaRPr lang="en-US" dirty="0">
+                        <a:solidFill>
+                          <a:schemeClr val="accent2">
+                            <a:lumMod val="40000"/>
+                            <a:lumOff val="60000"/>
+                          </a:schemeClr>
+                        </a:solidFill>
+                      </a:endParaRPr>
+                    </a:p>
+                  </a:txBody>
+                  <a:tcPr>
+                    <a:solidFill>
+                      <a:schemeClr val="accent5">
+                        <a:lumMod val="40000"/>
+                        <a:lumOff val="60000"/>
+                      </a:schemeClr>
+                    </a:solidFill>
+                  </a:tcPr>
+                </a:tc>
+                <a:tc>
+                  <a:txBody>
+                    <a:bodyPr/>
+                    <a:lstStyle/>
+                    <a:p>
+                      <a:r>
+                        <a:rPr lang="en-US" sz="1800" b="1" i="0" kern="1200" dirty="0">
+                          <a:solidFill>
+                            <a:schemeClr val="lt1"/>
+                          </a:solidFill>
+                          <a:effectLst/>
+                          <a:latin typeface="+mn-lt"/>
+                          <a:ea typeface="+mn-ea"/>
+                          <a:cs typeface="+mn-cs"/>
+                        </a:rPr>
+                        <a:t>Version on MacOS</a:t>
+                      </a:r>
+                      <a:endParaRPr lang="en-US" dirty="0">
+                        <a:solidFill>
+                          <a:schemeClr val="accent2">
+                            <a:lumMod val="40000"/>
+                            <a:lumOff val="60000"/>
+                          </a:schemeClr>
+                        </a:solidFill>
+                      </a:endParaRPr>
+                    </a:p>
+                  </a:txBody>
+                  <a:tcPr>
+                    <a:solidFill>
+                      <a:schemeClr val="accent5">
+                        <a:lumMod val="40000"/>
+                        <a:lumOff val="60000"/>
+                      </a:schemeClr>
+                    </a:solidFill>
+                  </a:tcPr>
+                </a:tc>
+                <a:extLst>
+                  <a:ext uri="{0D108BD9-81ED-4DB2-BD59-A6C34878D82A}">
+                    <a16:rowId xmlns:a16="http://schemas.microsoft.com/office/drawing/2014/main" val="1307885926"/>
+                  </a:ext>
+                </a:extLst>
+              </a:tr>
+              <a:tr h="727857">
+                <a:tc>
+                  <a:txBody>
+                    <a:bodyPr/>
+                    <a:lstStyle/>
+                    <a:p>
+                      <a:r>
+                        <a:rPr lang="en-US" sz="1800" b="0" i="0" kern="1200">
+                          <a:solidFill>
+                            <a:schemeClr val="dk1"/>
+                          </a:solidFill>
+                          <a:effectLst/>
+                          <a:latin typeface="+mn-lt"/>
+                          <a:ea typeface="+mn-ea"/>
+                          <a:cs typeface="+mn-cs"/>
+                        </a:rPr>
+                        <a:t>Android</a:t>
+                      </a:r>
+                      <a:endParaRPr lang="en-US" dirty="0"/>
+                    </a:p>
+                  </a:txBody>
+                  <a:tcPr>
+                    <a:solidFill>
+                      <a:schemeClr val="accent2">
+                        <a:lumMod val="40000"/>
+                        <a:lumOff val="60000"/>
+                      </a:schemeClr>
+                    </a:solidFill>
+                  </a:tcPr>
+                </a:tc>
+                <a:tc>
+                  <a:txBody>
+                    <a:bodyPr/>
+                    <a:lstStyle/>
+                    <a:p>
+                      <a:r>
+                        <a:rPr lang="en-US" sz="1800" b="0" i="0" kern="1200" dirty="0">
+                          <a:solidFill>
+                            <a:schemeClr val="dk1"/>
+                          </a:solidFill>
+                          <a:effectLst/>
+                          <a:latin typeface="+mn-lt"/>
+                          <a:ea typeface="+mn-ea"/>
+                          <a:cs typeface="+mn-cs"/>
+                        </a:rPr>
+                        <a:t>6.x, 7.x</a:t>
+                      </a:r>
+                      <a:endParaRPr lang="en-US" dirty="0"/>
+                    </a:p>
+                  </a:txBody>
+                  <a:tcPr>
+                    <a:solidFill>
+                      <a:schemeClr val="accent2">
+                        <a:lumMod val="40000"/>
+                        <a:lumOff val="60000"/>
+                      </a:schemeClr>
+                    </a:solidFill>
+                  </a:tcPr>
+                </a:tc>
+                <a:tc>
+                  <a:txBody>
+                    <a:bodyPr/>
+                    <a:lstStyle/>
+                    <a:p>
+                      <a:r>
+                        <a:rPr lang="en-US" sz="1800" b="0" i="0" kern="1200" dirty="0">
+                          <a:solidFill>
+                            <a:schemeClr val="dk1"/>
+                          </a:solidFill>
+                          <a:effectLst/>
+                          <a:latin typeface="+mn-lt"/>
+                          <a:ea typeface="+mn-ea"/>
+                          <a:cs typeface="+mn-cs"/>
+                        </a:rPr>
+                        <a:t>6.x, 7.x</a:t>
+                      </a:r>
+                      <a:endParaRPr lang="en-US" dirty="0"/>
+                    </a:p>
+                  </a:txBody>
+                  <a:tcPr>
+                    <a:solidFill>
+                      <a:schemeClr val="accent2">
+                        <a:lumMod val="40000"/>
+                        <a:lumOff val="60000"/>
+                      </a:schemeClr>
+                    </a:solidFill>
+                  </a:tcPr>
+                </a:tc>
+                <a:extLst>
+                  <a:ext uri="{0D108BD9-81ED-4DB2-BD59-A6C34878D82A}">
+                    <a16:rowId xmlns:a16="http://schemas.microsoft.com/office/drawing/2014/main" val="3738409812"/>
+                  </a:ext>
+                </a:extLst>
+              </a:tr>
+              <a:tr h="727857">
+                <a:tc>
+                  <a:txBody>
+                    <a:bodyPr/>
+                    <a:lstStyle/>
+                    <a:p>
+                      <a:r>
+                        <a:rPr lang="en-US" sz="1800" b="0" i="0" kern="1200" dirty="0">
+                          <a:solidFill>
+                            <a:schemeClr val="dk1"/>
+                          </a:solidFill>
+                          <a:effectLst/>
+                          <a:latin typeface="+mn-lt"/>
+                          <a:ea typeface="+mn-ea"/>
+                          <a:cs typeface="+mn-cs"/>
+                        </a:rPr>
+                        <a:t>iOS</a:t>
+                      </a:r>
+                      <a:endParaRPr lang="en-US" dirty="0"/>
+                    </a:p>
+                  </a:txBody>
+                  <a:tcPr>
+                    <a:solidFill>
+                      <a:schemeClr val="bg1"/>
+                    </a:solidFill>
+                  </a:tcPr>
+                </a:tc>
+                <a:tc>
+                  <a:txBody>
+                    <a:bodyPr/>
+                    <a:lstStyle/>
+                    <a:p>
+                      <a:r>
+                        <a:rPr lang="en-US" sz="1800" b="0" i="0" kern="1200" dirty="0" err="1">
+                          <a:solidFill>
+                            <a:schemeClr val="dk1"/>
+                          </a:solidFill>
+                          <a:effectLst/>
+                          <a:latin typeface="+mn-lt"/>
+                          <a:ea typeface="+mn-ea"/>
+                          <a:cs typeface="+mn-cs"/>
+                        </a:rPr>
+                        <a:t>Không</a:t>
+                      </a:r>
+                      <a:r>
+                        <a:rPr lang="en-US" sz="1800" b="0" i="0" kern="1200" dirty="0">
+                          <a:solidFill>
+                            <a:schemeClr val="dk1"/>
+                          </a:solidFill>
+                          <a:effectLst/>
+                          <a:latin typeface="+mn-lt"/>
+                          <a:ea typeface="+mn-ea"/>
+                          <a:cs typeface="+mn-cs"/>
+                        </a:rPr>
+                        <a:t> </a:t>
+                      </a:r>
+                      <a:r>
+                        <a:rPr lang="en-US" sz="1800" b="0" i="0" kern="1200" dirty="0" err="1">
+                          <a:solidFill>
+                            <a:schemeClr val="dk1"/>
+                          </a:solidFill>
+                          <a:effectLst/>
+                          <a:latin typeface="+mn-lt"/>
+                          <a:ea typeface="+mn-ea"/>
+                          <a:cs typeface="+mn-cs"/>
+                        </a:rPr>
+                        <a:t>có</a:t>
+                      </a:r>
+                      <a:r>
+                        <a:rPr lang="en-US" sz="1800" b="0" i="0" kern="1200" dirty="0">
+                          <a:solidFill>
+                            <a:schemeClr val="dk1"/>
+                          </a:solidFill>
+                          <a:effectLst/>
+                          <a:latin typeface="+mn-lt"/>
+                          <a:ea typeface="+mn-ea"/>
+                          <a:cs typeface="+mn-cs"/>
+                        </a:rPr>
+                        <a:t> </a:t>
+                      </a:r>
+                      <a:r>
+                        <a:rPr lang="en-US" sz="1800" b="0" i="0" kern="1200" dirty="0" err="1">
+                          <a:solidFill>
+                            <a:schemeClr val="dk1"/>
+                          </a:solidFill>
+                          <a:effectLst/>
+                          <a:latin typeface="+mn-lt"/>
+                          <a:ea typeface="+mn-ea"/>
+                          <a:cs typeface="+mn-cs"/>
+                        </a:rPr>
+                        <a:t>sẵn</a:t>
+                      </a:r>
+                      <a:endParaRPr lang="en-US" dirty="0"/>
+                    </a:p>
+                  </a:txBody>
+                  <a:tcPr>
+                    <a:solidFill>
+                      <a:schemeClr val="bg1"/>
+                    </a:solidFill>
+                  </a:tcPr>
+                </a:tc>
+                <a:tc>
+                  <a:txBody>
+                    <a:bodyPr/>
+                    <a:lstStyle/>
+                    <a:p>
+                      <a:r>
+                        <a:rPr lang="en-US" sz="1800" b="0" i="0" kern="1200" dirty="0">
+                          <a:solidFill>
+                            <a:schemeClr val="dk1"/>
+                          </a:solidFill>
+                          <a:effectLst/>
+                          <a:latin typeface="+mn-lt"/>
+                          <a:ea typeface="+mn-ea"/>
+                          <a:cs typeface="+mn-cs"/>
+                        </a:rPr>
+                        <a:t>9, 10, 11</a:t>
+                      </a:r>
+                      <a:endParaRPr lang="en-US" dirty="0"/>
+                    </a:p>
+                  </a:txBody>
+                  <a:tcPr>
+                    <a:solidFill>
+                      <a:schemeClr val="bg1"/>
+                    </a:solidFill>
+                  </a:tcPr>
+                </a:tc>
+                <a:extLst>
+                  <a:ext uri="{0D108BD9-81ED-4DB2-BD59-A6C34878D82A}">
+                    <a16:rowId xmlns:a16="http://schemas.microsoft.com/office/drawing/2014/main" val="178630371"/>
+                  </a:ext>
+                </a:extLst>
+              </a:tr>
+            </a:tbl>
+          </a:graphicData>
+        </a:graphic>
+      </p:graphicFrame>
+      <p:sp>
+        <p:nvSpPr>
+          <p:cNvPr id="2" name="TextBox 1">
             <a:extLst>
-              <a:ext uri="{28A0092B-C50C-407E-A947-70E740481C1C}">
-                <a14:useLocalDpi xmlns:a14="http://schemas.microsoft.com/office/drawing/2010/main" val="0"/>
+              <a:ext uri="{FF2B5EF4-FFF2-40B4-BE49-F238E27FC236}">
+                <a16:creationId xmlns:a16="http://schemas.microsoft.com/office/drawing/2014/main" id="{65F8BE3D-0343-47DF-9B80-70503A073A1A}"/>
               </a:ext>
             </a:extLst>
-          </a:blip>
-          <a:srcRect/>
-          <a:stretch>
-            <a:fillRect/>
-          </a:stretch>
-        </p:blipFill>
-        <p:spPr bwMode="auto">
+          </p:cNvPr>
+          <p:cNvSpPr txBox="1"/>
+          <p:nvPr/>
+        </p:nvSpPr>
+        <p:spPr>
           <a:xfrm>
-            <a:off x="1345095" y="1804202"/>
-            <a:ext cx="8746435" cy="3923634"/>
+            <a:off x="1391479" y="1868557"/>
+            <a:ext cx="2372138" cy="461665"/>
           </a:xfrm>
           <a:prstGeom prst="rect">
             <a:avLst/>
           </a:prstGeom>
           <a:noFill/>
-          <a:extLst>
-            <a:ext uri="{909E8E84-426E-40DD-AFC4-6F175D3DCCD1}">
-              <a14:hiddenFill xmlns:a14="http://schemas.microsoft.com/office/drawing/2010/main">
-                <a:solidFill>
-                  <a:srgbClr val="FFFFFF"/>
-                </a:solidFill>
-              </a14:hiddenFill>
-            </a:ext>
-          </a:extLst>
         </p:spPr>
-      </p:pic>
+        <p:txBody>
+          <a:bodyPr wrap="square" rtlCol="0">
+            <a:spAutoFit/>
+          </a:bodyPr>
+          <a:lstStyle/>
+          <a:p>
+            <a:r>
+              <a:rPr lang="en-US" sz="2400" dirty="0">
+                <a:latin typeface="Times New Roman" panose="02020603050405020304" pitchFamily="18" charset="0"/>
+                <a:cs typeface="Times New Roman" panose="02020603050405020304" pitchFamily="18" charset="0"/>
+              </a:rPr>
+              <a:t>Mobile:</a:t>
+            </a:r>
+          </a:p>
+        </p:txBody>
+      </p:sp>
     </p:spTree>
     <p:extLst>
       <p:ext uri="{BB962C8B-B14F-4D97-AF65-F5344CB8AC3E}">
-        <p14:creationId xmlns:p14="http://schemas.microsoft.com/office/powerpoint/2010/main" val="472151060"/>
+        <p14:creationId xmlns:p14="http://schemas.microsoft.com/office/powerpoint/2010/main" val="1938410371"/>
       </p:ext>
     </p:extLst>
   </p:cSld>
@@ -14197,10 +14795,10 @@
       </p:grpSpPr>
       <p:sp>
         <p:nvSpPr>
-          <p:cNvPr id="3" name="Text Placeholder 2">
+          <p:cNvPr id="2" name="Title 1">
             <a:extLst>
               <a:ext uri="{FF2B5EF4-FFF2-40B4-BE49-F238E27FC236}">
-                <a16:creationId xmlns:a16="http://schemas.microsoft.com/office/drawing/2014/main" id="{B1930CA7-598D-4520-A64B-11ABE59C44DA}"/>
+                <a16:creationId xmlns:a16="http://schemas.microsoft.com/office/drawing/2014/main" id="{15DA63E6-4A00-4721-89D7-31EC87D19567}"/>
               </a:ext>
             </a:extLst>
           </p:cNvPr>
@@ -14208,374 +14806,368 @@
             <a:spLocks noGrp="1"/>
           </p:cNvSpPr>
           <p:nvPr>
-            <p:ph type="body" sz="quarter" idx="16"/>
+            <p:ph type="ctrTitle"/>
           </p:nvPr>
         </p:nvSpPr>
-        <p:spPr/>
+        <p:spPr>
+          <a:xfrm>
+            <a:off x="373783" y="507671"/>
+            <a:ext cx="9882569" cy="731502"/>
+          </a:xfrm>
+        </p:spPr>
         <p:txBody>
           <a:bodyPr/>
           <a:lstStyle/>
           <a:p>
-            <a:r>
-              <a:rPr lang="en-US" sz="2400" dirty="0" err="1">
-                <a:latin typeface="Times New Roman" panose="02020603050405020304" pitchFamily="18" charset="0"/>
-                <a:cs typeface="Times New Roman" panose="02020603050405020304" pitchFamily="18" charset="0"/>
-              </a:rPr>
-              <a:t>Tạo</a:t>
-            </a:r>
-            <a:r>
-              <a:rPr lang="en-US" sz="2400" dirty="0">
-                <a:latin typeface="Times New Roman" panose="02020603050405020304" pitchFamily="18" charset="0"/>
-                <a:cs typeface="Times New Roman" panose="02020603050405020304" pitchFamily="18" charset="0"/>
-              </a:rPr>
-              <a:t> 1 test case </a:t>
-            </a:r>
-            <a:r>
-              <a:rPr lang="en-US" sz="2400" dirty="0" err="1">
-                <a:latin typeface="Times New Roman" panose="02020603050405020304" pitchFamily="18" charset="0"/>
-                <a:cs typeface="Times New Roman" panose="02020603050405020304" pitchFamily="18" charset="0"/>
-              </a:rPr>
-              <a:t>theo</a:t>
-            </a:r>
-            <a:r>
-              <a:rPr lang="en-US" sz="2400" dirty="0">
-                <a:latin typeface="Times New Roman" panose="02020603050405020304" pitchFamily="18" charset="0"/>
-                <a:cs typeface="Times New Roman" panose="02020603050405020304" pitchFamily="18" charset="0"/>
-              </a:rPr>
-              <a:t> API </a:t>
-            </a:r>
-            <a:r>
-              <a:rPr lang="en-US" sz="2400" dirty="0" err="1">
-                <a:latin typeface="Times New Roman" panose="02020603050405020304" pitchFamily="18" charset="0"/>
-                <a:cs typeface="Times New Roman" panose="02020603050405020304" pitchFamily="18" charset="0"/>
-              </a:rPr>
-              <a:t>và</a:t>
-            </a:r>
-            <a:r>
-              <a:rPr lang="en-US" sz="2400" dirty="0">
-                <a:latin typeface="Times New Roman" panose="02020603050405020304" pitchFamily="18" charset="0"/>
-                <a:cs typeface="Times New Roman" panose="02020603050405020304" pitchFamily="18" charset="0"/>
-              </a:rPr>
+            <a:pPr algn="l"/>
+            <a:r>
+              <a:rPr lang="en-US" dirty="0"/>
+              <a:t>9. </a:t>
+            </a:r>
+            <a:r>
+              <a:rPr lang="en-US" dirty="0" err="1"/>
+              <a:t>Yêu</a:t>
+            </a:r>
+            <a:r>
+              <a:rPr lang="en-US" dirty="0"/>
               <a:t> </a:t>
             </a:r>
             <a:r>
-              <a:rPr lang="en-US" sz="2400" dirty="0" err="1">
-                <a:latin typeface="Times New Roman" panose="02020603050405020304" pitchFamily="18" charset="0"/>
-                <a:cs typeface="Times New Roman" panose="02020603050405020304" pitchFamily="18" charset="0"/>
-              </a:rPr>
-              <a:t>kéo</a:t>
-            </a:r>
-            <a:r>
-              <a:rPr lang="en-US" sz="2400" dirty="0">
-                <a:latin typeface="Times New Roman" panose="02020603050405020304" pitchFamily="18" charset="0"/>
-                <a:cs typeface="Times New Roman" panose="02020603050405020304" pitchFamily="18" charset="0"/>
-              </a:rPr>
-              <a:t> API </a:t>
-            </a:r>
-            <a:r>
-              <a:rPr lang="en-US" sz="2400" dirty="0" err="1">
-                <a:latin typeface="Times New Roman" panose="02020603050405020304" pitchFamily="18" charset="0"/>
-                <a:cs typeface="Times New Roman" panose="02020603050405020304" pitchFamily="18" charset="0"/>
-              </a:rPr>
-              <a:t>đó</a:t>
-            </a:r>
-            <a:r>
-              <a:rPr lang="en-US" sz="2400" dirty="0">
-                <a:latin typeface="Times New Roman" panose="02020603050405020304" pitchFamily="18" charset="0"/>
-                <a:cs typeface="Times New Roman" panose="02020603050405020304" pitchFamily="18" charset="0"/>
-              </a:rPr>
+              <a:rPr lang="en-US" dirty="0" err="1"/>
+              <a:t>cầu</a:t>
+            </a:r>
+            <a:r>
+              <a:rPr lang="en-US" dirty="0"/>
               <a:t> </a:t>
             </a:r>
             <a:r>
-              <a:rPr lang="en-US" sz="2400" dirty="0" err="1">
-                <a:latin typeface="Times New Roman" panose="02020603050405020304" pitchFamily="18" charset="0"/>
-                <a:cs typeface="Times New Roman" panose="02020603050405020304" pitchFamily="18" charset="0"/>
-              </a:rPr>
-              <a:t>vào</a:t>
-            </a:r>
-            <a:r>
-              <a:rPr lang="en-US" sz="2400" dirty="0">
-                <a:latin typeface="Times New Roman" panose="02020603050405020304" pitchFamily="18" charset="0"/>
-                <a:cs typeface="Times New Roman" panose="02020603050405020304" pitchFamily="18" charset="0"/>
-              </a:rPr>
-              <a:t>.</a:t>
-            </a:r>
+              <a:rPr lang="en-US" dirty="0" err="1"/>
+              <a:t>cấu</a:t>
+            </a:r>
+            <a:r>
+              <a:rPr lang="en-US" dirty="0"/>
+              <a:t> </a:t>
+            </a:r>
+            <a:r>
+              <a:rPr lang="en-US" dirty="0" err="1"/>
+              <a:t>hình</a:t>
+            </a:r>
+            <a:endParaRPr lang="en-US" dirty="0"/>
           </a:p>
         </p:txBody>
       </p:sp>
       <p:sp>
         <p:nvSpPr>
-          <p:cNvPr id="4" name="Footer Placeholder 3">
+          <p:cNvPr id="5" name="Arrow: Up 4">
             <a:extLst>
               <a:ext uri="{FF2B5EF4-FFF2-40B4-BE49-F238E27FC236}">
-                <a16:creationId xmlns:a16="http://schemas.microsoft.com/office/drawing/2014/main" id="{1AD8CF8D-A6CD-455B-BF4B-18ADBC24EB7D}"/>
+                <a16:creationId xmlns:a16="http://schemas.microsoft.com/office/drawing/2014/main" id="{EF21E4B0-03C4-4CB4-895D-BCCFE426B289}"/>
               </a:ext>
             </a:extLst>
           </p:cNvPr>
-          <p:cNvSpPr>
-            <a:spLocks noGrp="1"/>
-          </p:cNvSpPr>
-          <p:nvPr>
-            <p:ph type="ftr" sz="quarter" idx="17"/>
-          </p:nvPr>
-        </p:nvSpPr>
-        <p:spPr/>
-        <p:txBody>
-          <a:bodyPr/>
-          <a:lstStyle/>
-          <a:p>
-            <a:r>
-              <a:rPr lang="en-US" noProof="0"/>
-              <a:t>Add a footer</a:t>
-            </a:r>
-            <a:endParaRPr lang="en-US" noProof="0" dirty="0"/>
-          </a:p>
-        </p:txBody>
-      </p:sp>
-      <p:sp>
-        <p:nvSpPr>
-          <p:cNvPr id="5" name="Slide Number Placeholder 4">
-            <a:extLst>
-              <a:ext uri="{FF2B5EF4-FFF2-40B4-BE49-F238E27FC236}">
-                <a16:creationId xmlns:a16="http://schemas.microsoft.com/office/drawing/2014/main" id="{10601BE6-98D3-45F5-9569-3A56A3D63427}"/>
-              </a:ext>
-            </a:extLst>
-          </p:cNvPr>
-          <p:cNvSpPr>
-            <a:spLocks noGrp="1"/>
-          </p:cNvSpPr>
-          <p:nvPr>
-            <p:ph type="sldNum" sz="quarter" idx="18"/>
-          </p:nvPr>
-        </p:nvSpPr>
-        <p:spPr/>
-        <p:txBody>
-          <a:bodyPr/>
-          <a:lstStyle/>
-          <a:p>
-            <a:fld id="{8699F50C-BE38-4BD0-BA84-9B090E1F2B9B}" type="slidenum">
-              <a:rPr lang="en-US" noProof="0" smtClean="0"/>
-              <a:t>12</a:t>
-            </a:fld>
-            <a:endParaRPr lang="en-US" noProof="0" dirty="0"/>
-          </a:p>
-        </p:txBody>
-      </p:sp>
-      <p:sp>
-        <p:nvSpPr>
-          <p:cNvPr id="6" name="Title 5">
-            <a:extLst>
-              <a:ext uri="{FF2B5EF4-FFF2-40B4-BE49-F238E27FC236}">
-                <a16:creationId xmlns:a16="http://schemas.microsoft.com/office/drawing/2014/main" id="{ADA86A73-C0A0-49E6-8157-5BA5959A692D}"/>
-              </a:ext>
-            </a:extLst>
-          </p:cNvPr>
-          <p:cNvSpPr>
-            <a:spLocks noGrp="1"/>
-          </p:cNvSpPr>
-          <p:nvPr>
-            <p:ph type="title"/>
-          </p:nvPr>
+          <p:cNvSpPr/>
+          <p:nvPr/>
         </p:nvSpPr>
         <p:spPr>
           <a:xfrm>
-            <a:off x="518677" y="209028"/>
-            <a:ext cx="10401113" cy="1147969"/>
+            <a:off x="1547664" y="873422"/>
+            <a:ext cx="9096672" cy="5659900"/>
           </a:xfrm>
+          <a:prstGeom prst="upArrow">
+            <a:avLst/>
+          </a:prstGeom>
+          <a:gradFill flip="none" rotWithShape="1">
+            <a:gsLst>
+              <a:gs pos="0">
+                <a:schemeClr val="accent5">
+                  <a:lumMod val="67000"/>
+                </a:schemeClr>
+              </a:gs>
+              <a:gs pos="48000">
+                <a:schemeClr val="accent5">
+                  <a:lumMod val="97000"/>
+                  <a:lumOff val="3000"/>
+                </a:schemeClr>
+              </a:gs>
+              <a:gs pos="100000">
+                <a:schemeClr val="accent5">
+                  <a:lumMod val="60000"/>
+                  <a:lumOff val="40000"/>
+                </a:schemeClr>
+              </a:gs>
+            </a:gsLst>
+            <a:lin ang="16200000" scaled="1"/>
+            <a:tileRect/>
+          </a:gradFill>
+          <a:ln>
+            <a:noFill/>
+          </a:ln>
         </p:spPr>
+        <p:style>
+          <a:lnRef idx="0">
+            <a:scrgbClr r="0" g="0" b="0"/>
+          </a:lnRef>
+          <a:fillRef idx="0">
+            <a:scrgbClr r="0" g="0" b="0"/>
+          </a:fillRef>
+          <a:effectRef idx="0">
+            <a:scrgbClr r="0" g="0" b="0"/>
+          </a:effectRef>
+          <a:fontRef idx="minor">
+            <a:schemeClr val="lt1"/>
+          </a:fontRef>
+        </p:style>
         <p:txBody>
-          <a:bodyPr>
-            <a:normAutofit fontScale="90000"/>
-          </a:bodyPr>
+          <a:bodyPr rtlCol="0" anchor="ctr"/>
           <a:lstStyle/>
           <a:p>
-            <a:r>
-              <a:rPr lang="en-US" dirty="0">
-                <a:solidFill>
-                  <a:schemeClr val="tx2">
-                    <a:lumMod val="10000"/>
-                  </a:schemeClr>
-                </a:solidFill>
-                <a:latin typeface="Times New Roman" panose="02020603050405020304" pitchFamily="18" charset="0"/>
-                <a:cs typeface="Times New Roman" panose="02020603050405020304" pitchFamily="18" charset="0"/>
-              </a:rPr>
-              <a:t>5. </a:t>
-            </a:r>
-            <a:r>
-              <a:rPr lang="en-US" dirty="0" err="1">
-                <a:solidFill>
-                  <a:schemeClr val="tx2">
-                    <a:lumMod val="10000"/>
-                  </a:schemeClr>
-                </a:solidFill>
-                <a:latin typeface="Times New Roman" panose="02020603050405020304" pitchFamily="18" charset="0"/>
-                <a:cs typeface="Times New Roman" panose="02020603050405020304" pitchFamily="18" charset="0"/>
-              </a:rPr>
-              <a:t>Cách</a:t>
-            </a:r>
-            <a:r>
-              <a:rPr lang="en-US" dirty="0">
-                <a:solidFill>
-                  <a:schemeClr val="tx2">
-                    <a:lumMod val="10000"/>
-                  </a:schemeClr>
-                </a:solidFill>
+            <a:pPr marL="285750" indent="-285750" algn="ctr">
+              <a:buFont typeface="Wingdings" panose="05000000000000000000" pitchFamily="2" charset="2"/>
+              <a:buChar char="Ø"/>
+            </a:pPr>
+            <a:r>
+              <a:rPr lang="en-US" sz="2000" dirty="0" err="1">
+                <a:latin typeface="Times New Roman" panose="02020603050405020304" pitchFamily="18" charset="0"/>
+                <a:cs typeface="Times New Roman" panose="02020603050405020304" pitchFamily="18" charset="0"/>
+              </a:rPr>
+              <a:t>Hệ</a:t>
+            </a:r>
+            <a:r>
+              <a:rPr lang="en-US" sz="2000" dirty="0">
                 <a:latin typeface="Times New Roman" panose="02020603050405020304" pitchFamily="18" charset="0"/>
                 <a:cs typeface="Times New Roman" panose="02020603050405020304" pitchFamily="18" charset="0"/>
               </a:rPr>
               <a:t> </a:t>
             </a:r>
             <a:r>
-              <a:rPr lang="en-US" dirty="0" err="1">
-                <a:solidFill>
-                  <a:schemeClr val="tx2">
-                    <a:lumMod val="10000"/>
-                  </a:schemeClr>
-                </a:solidFill>
-                <a:latin typeface="Times New Roman" panose="02020603050405020304" pitchFamily="18" charset="0"/>
-                <a:cs typeface="Times New Roman" panose="02020603050405020304" pitchFamily="18" charset="0"/>
-              </a:rPr>
-              <a:t>tạo</a:t>
-            </a:r>
-            <a:r>
-              <a:rPr lang="en-US" dirty="0">
-                <a:solidFill>
-                  <a:schemeClr val="tx2">
-                    <a:lumMod val="10000"/>
-                  </a:schemeClr>
-                </a:solidFill>
+              <a:rPr lang="en-US" sz="2000" dirty="0" err="1">
+                <a:latin typeface="Times New Roman" panose="02020603050405020304" pitchFamily="18" charset="0"/>
+                <a:cs typeface="Times New Roman" panose="02020603050405020304" pitchFamily="18" charset="0"/>
+              </a:rPr>
+              <a:t>điều</a:t>
+            </a:r>
+            <a:r>
+              <a:rPr lang="en-US" sz="2000" dirty="0">
                 <a:latin typeface="Times New Roman" panose="02020603050405020304" pitchFamily="18" charset="0"/>
                 <a:cs typeface="Times New Roman" panose="02020603050405020304" pitchFamily="18" charset="0"/>
               </a:rPr>
               <a:t> </a:t>
             </a:r>
             <a:r>
-              <a:rPr lang="en-US" dirty="0" err="1">
-                <a:solidFill>
-                  <a:schemeClr val="tx2">
-                    <a:lumMod val="10000"/>
-                  </a:schemeClr>
-                </a:solidFill>
-                <a:latin typeface="Times New Roman" panose="02020603050405020304" pitchFamily="18" charset="0"/>
-                <a:cs typeface="Times New Roman" panose="02020603050405020304" pitchFamily="18" charset="0"/>
-              </a:rPr>
-              <a:t>một</a:t>
-            </a:r>
-            <a:r>
-              <a:rPr lang="en-US" dirty="0">
-                <a:solidFill>
-                  <a:schemeClr val="tx2">
-                    <a:lumMod val="10000"/>
-                  </a:schemeClr>
-                </a:solidFill>
-                <a:latin typeface="Times New Roman" panose="02020603050405020304" pitchFamily="18" charset="0"/>
-                <a:cs typeface="Times New Roman" panose="02020603050405020304" pitchFamily="18" charset="0"/>
-              </a:rPr>
-              <a:t> Test API </a:t>
-            </a:r>
-            <a:r>
-              <a:rPr lang="en-US" dirty="0" err="1">
-                <a:solidFill>
-                  <a:schemeClr val="tx2">
-                    <a:lumMod val="10000"/>
-                  </a:schemeClr>
-                </a:solidFill>
-                <a:latin typeface="Times New Roman" panose="02020603050405020304" pitchFamily="18" charset="0"/>
-                <a:cs typeface="Times New Roman" panose="02020603050405020304" pitchFamily="18" charset="0"/>
-              </a:rPr>
-              <a:t>trên</a:t>
-            </a:r>
-            <a:r>
-              <a:rPr lang="en-US" dirty="0">
-                <a:solidFill>
-                  <a:schemeClr val="tx2">
-                    <a:lumMod val="10000"/>
-                  </a:schemeClr>
-                </a:solidFill>
+              <a:rPr lang="en-US" sz="2000" dirty="0" err="1">
+                <a:latin typeface="Times New Roman" panose="02020603050405020304" pitchFamily="18" charset="0"/>
+                <a:cs typeface="Times New Roman" panose="02020603050405020304" pitchFamily="18" charset="0"/>
+              </a:rPr>
+              <a:t>hành:Windows</a:t>
+            </a:r>
+            <a:r>
+              <a:rPr lang="en-US" sz="2000" dirty="0">
+                <a:latin typeface="Times New Roman" panose="02020603050405020304" pitchFamily="18" charset="0"/>
+                <a:cs typeface="Times New Roman" panose="02020603050405020304" pitchFamily="18" charset="0"/>
+              </a:rPr>
+              <a:t> 7, Windows 8, Windows 10, macOS 10.11+, Linux (Ubuntu based)</a:t>
+            </a:r>
+          </a:p>
+          <a:p>
+            <a:pPr marL="285750" indent="-285750" algn="ctr">
+              <a:buFont typeface="Wingdings" panose="05000000000000000000" pitchFamily="2" charset="2"/>
+              <a:buChar char="Ø"/>
+            </a:pPr>
+            <a:r>
+              <a:rPr lang="en-US" sz="2000" dirty="0">
+                <a:latin typeface="Times New Roman" panose="02020603050405020304" pitchFamily="18" charset="0"/>
+                <a:cs typeface="Times New Roman" panose="02020603050405020304" pitchFamily="18" charset="0"/>
+              </a:rPr>
+              <a:t>CPU: </a:t>
+            </a:r>
+            <a:r>
+              <a:rPr lang="vi-VN" sz="2000" dirty="0">
+                <a:latin typeface="Times New Roman" panose="02020603050405020304" pitchFamily="18" charset="0"/>
+                <a:cs typeface="Times New Roman" panose="02020603050405020304" pitchFamily="18" charset="0"/>
+              </a:rPr>
+              <a:t>Bộ xử lí 1 Ghz hoặc nhanh hơn 32 bit (x86) hoặc 64 bit (x64)</a:t>
+            </a:r>
+            <a:endParaRPr lang="en-US" sz="2000" dirty="0">
+              <a:latin typeface="Times New Roman" panose="02020603050405020304" pitchFamily="18" charset="0"/>
+              <a:cs typeface="Times New Roman" panose="02020603050405020304" pitchFamily="18" charset="0"/>
+            </a:endParaRPr>
+          </a:p>
+          <a:p>
+            <a:pPr marL="285750" indent="-285750" algn="ctr">
+              <a:buFont typeface="Wingdings" panose="05000000000000000000" pitchFamily="2" charset="2"/>
+              <a:buChar char="Ø"/>
+            </a:pPr>
+            <a:r>
+              <a:rPr lang="en-US" sz="2000" dirty="0" err="1">
+                <a:latin typeface="Times New Roman" panose="02020603050405020304" pitchFamily="18" charset="0"/>
+                <a:cs typeface="Times New Roman" panose="02020603050405020304" pitchFamily="18" charset="0"/>
+              </a:rPr>
+              <a:t>Bộ</a:t>
+            </a:r>
+            <a:r>
+              <a:rPr lang="en-US" sz="2000" dirty="0">
                 <a:latin typeface="Times New Roman" panose="02020603050405020304" pitchFamily="18" charset="0"/>
                 <a:cs typeface="Times New Roman" panose="02020603050405020304" pitchFamily="18" charset="0"/>
               </a:rPr>
               <a:t> </a:t>
             </a:r>
             <a:r>
-              <a:rPr lang="en-US" dirty="0" err="1">
-                <a:solidFill>
-                  <a:schemeClr val="tx2">
-                    <a:lumMod val="10000"/>
-                  </a:schemeClr>
-                </a:solidFill>
-                <a:latin typeface="Times New Roman" panose="02020603050405020304" pitchFamily="18" charset="0"/>
-                <a:cs typeface="Times New Roman" panose="02020603050405020304" pitchFamily="18" charset="0"/>
-              </a:rPr>
-              <a:t>Katalon</a:t>
-            </a:r>
-            <a:r>
-              <a:rPr lang="en-US" dirty="0">
-                <a:solidFill>
-                  <a:schemeClr val="tx2">
-                    <a:lumMod val="10000"/>
-                  </a:schemeClr>
-                </a:solidFill>
-                <a:latin typeface="Times New Roman" panose="02020603050405020304" pitchFamily="18" charset="0"/>
-                <a:cs typeface="Times New Roman" panose="02020603050405020304" pitchFamily="18" charset="0"/>
-              </a:rPr>
-              <a:t> Studio</a:t>
-            </a:r>
-            <a:endParaRPr lang="en-US" dirty="0"/>
+              <a:rPr lang="en-US" sz="2000" dirty="0" err="1">
+                <a:latin typeface="Times New Roman" panose="02020603050405020304" pitchFamily="18" charset="0"/>
+                <a:cs typeface="Times New Roman" panose="02020603050405020304" pitchFamily="18" charset="0"/>
+              </a:rPr>
+              <a:t>nhớ</a:t>
+            </a:r>
+            <a:r>
+              <a:rPr lang="en-US" sz="2000" dirty="0">
+                <a:latin typeface="Times New Roman" panose="02020603050405020304" pitchFamily="18" charset="0"/>
+                <a:cs typeface="Times New Roman" panose="02020603050405020304" pitchFamily="18" charset="0"/>
+              </a:rPr>
+              <a:t>: </a:t>
+            </a:r>
+            <a:r>
+              <a:rPr lang="en-US" sz="2000" dirty="0" err="1">
+                <a:latin typeface="Times New Roman" panose="02020603050405020304" pitchFamily="18" charset="0"/>
+                <a:cs typeface="Times New Roman" panose="02020603050405020304" pitchFamily="18" charset="0"/>
+              </a:rPr>
+              <a:t>Tối</a:t>
+            </a:r>
+            <a:r>
+              <a:rPr lang="en-US" sz="2000" dirty="0">
+                <a:latin typeface="Times New Roman" panose="02020603050405020304" pitchFamily="18" charset="0"/>
+                <a:cs typeface="Times New Roman" panose="02020603050405020304" pitchFamily="18" charset="0"/>
+              </a:rPr>
+              <a:t> </a:t>
+            </a:r>
+            <a:r>
+              <a:rPr lang="en-US" sz="2000" dirty="0" err="1">
+                <a:latin typeface="Times New Roman" panose="02020603050405020304" pitchFamily="18" charset="0"/>
+                <a:cs typeface="Times New Roman" panose="02020603050405020304" pitchFamily="18" charset="0"/>
+              </a:rPr>
+              <a:t>thiểu</a:t>
+            </a:r>
+            <a:r>
+              <a:rPr lang="en-US" sz="2000" dirty="0">
+                <a:latin typeface="Times New Roman" panose="02020603050405020304" pitchFamily="18" charset="0"/>
+                <a:cs typeface="Times New Roman" panose="02020603050405020304" pitchFamily="18" charset="0"/>
+              </a:rPr>
+              <a:t> 1 GB RAM (32 bit) </a:t>
+            </a:r>
+            <a:r>
+              <a:rPr lang="en-US" sz="2000" dirty="0" err="1">
+                <a:latin typeface="Times New Roman" panose="02020603050405020304" pitchFamily="18" charset="0"/>
+                <a:cs typeface="Times New Roman" panose="02020603050405020304" pitchFamily="18" charset="0"/>
+              </a:rPr>
+              <a:t>hoặc</a:t>
+            </a:r>
+            <a:r>
+              <a:rPr lang="en-US" sz="2000" dirty="0">
+                <a:latin typeface="Times New Roman" panose="02020603050405020304" pitchFamily="18" charset="0"/>
+                <a:cs typeface="Times New Roman" panose="02020603050405020304" pitchFamily="18" charset="0"/>
+              </a:rPr>
+              <a:t> 4 GB RAM (64 bit). </a:t>
+            </a:r>
+            <a:r>
+              <a:rPr lang="en-US" sz="2000" dirty="0" err="1">
+                <a:latin typeface="Times New Roman" panose="02020603050405020304" pitchFamily="18" charset="0"/>
+                <a:cs typeface="Times New Roman" panose="02020603050405020304" pitchFamily="18" charset="0"/>
+              </a:rPr>
+              <a:t>Khuyến</a:t>
+            </a:r>
+            <a:r>
+              <a:rPr lang="en-US" sz="2000" dirty="0">
+                <a:latin typeface="Times New Roman" panose="02020603050405020304" pitchFamily="18" charset="0"/>
+                <a:cs typeface="Times New Roman" panose="02020603050405020304" pitchFamily="18" charset="0"/>
+              </a:rPr>
+              <a:t> </a:t>
+            </a:r>
+            <a:r>
+              <a:rPr lang="en-US" sz="2000" dirty="0" err="1">
+                <a:latin typeface="Times New Roman" panose="02020603050405020304" pitchFamily="18" charset="0"/>
+                <a:cs typeface="Times New Roman" panose="02020603050405020304" pitchFamily="18" charset="0"/>
+              </a:rPr>
+              <a:t>nghị</a:t>
+            </a:r>
+            <a:r>
+              <a:rPr lang="en-US" sz="2000" dirty="0">
+                <a:latin typeface="Times New Roman" panose="02020603050405020304" pitchFamily="18" charset="0"/>
+                <a:cs typeface="Times New Roman" panose="02020603050405020304" pitchFamily="18" charset="0"/>
+              </a:rPr>
+              <a:t> </a:t>
+            </a:r>
+            <a:r>
+              <a:rPr lang="en-US" sz="2000" dirty="0" err="1">
+                <a:latin typeface="Times New Roman" panose="02020603050405020304" pitchFamily="18" charset="0"/>
+                <a:cs typeface="Times New Roman" panose="02020603050405020304" pitchFamily="18" charset="0"/>
+              </a:rPr>
+              <a:t>là</a:t>
+            </a:r>
+            <a:r>
+              <a:rPr lang="en-US" sz="2000" dirty="0">
+                <a:latin typeface="Times New Roman" panose="02020603050405020304" pitchFamily="18" charset="0"/>
+                <a:cs typeface="Times New Roman" panose="02020603050405020304" pitchFamily="18" charset="0"/>
+              </a:rPr>
+              <a:t> 4 GB RAM (32 bit) </a:t>
+            </a:r>
+            <a:r>
+              <a:rPr lang="en-US" sz="2000" dirty="0" err="1">
+                <a:latin typeface="Times New Roman" panose="02020603050405020304" pitchFamily="18" charset="0"/>
+                <a:cs typeface="Times New Roman" panose="02020603050405020304" pitchFamily="18" charset="0"/>
+              </a:rPr>
+              <a:t>và</a:t>
+            </a:r>
+            <a:r>
+              <a:rPr lang="en-US" sz="2000" dirty="0">
+                <a:latin typeface="Times New Roman" panose="02020603050405020304" pitchFamily="18" charset="0"/>
+                <a:cs typeface="Times New Roman" panose="02020603050405020304" pitchFamily="18" charset="0"/>
+              </a:rPr>
+              <a:t> 8 GB RAM (64 bit)</a:t>
+            </a:r>
+          </a:p>
+          <a:p>
+            <a:pPr marL="285750" indent="-285750" algn="ctr">
+              <a:buFont typeface="Wingdings" panose="05000000000000000000" pitchFamily="2" charset="2"/>
+              <a:buChar char="Ø"/>
+            </a:pPr>
+            <a:r>
+              <a:rPr lang="en-US" sz="2000" dirty="0">
+                <a:latin typeface="Times New Roman" panose="02020603050405020304" pitchFamily="18" charset="0"/>
+                <a:cs typeface="Times New Roman" panose="02020603050405020304" pitchFamily="18" charset="0"/>
+              </a:rPr>
+              <a:t>Ổ </a:t>
+            </a:r>
+            <a:r>
+              <a:rPr lang="en-US" sz="2000" dirty="0" err="1">
+                <a:latin typeface="Times New Roman" panose="02020603050405020304" pitchFamily="18" charset="0"/>
+                <a:cs typeface="Times New Roman" panose="02020603050405020304" pitchFamily="18" charset="0"/>
+              </a:rPr>
+              <a:t>cứng</a:t>
+            </a:r>
+            <a:r>
+              <a:rPr lang="en-US" sz="2000" dirty="0">
+                <a:latin typeface="Times New Roman" panose="02020603050405020304" pitchFamily="18" charset="0"/>
+                <a:cs typeface="Times New Roman" panose="02020603050405020304" pitchFamily="18" charset="0"/>
+              </a:rPr>
+              <a:t>: </a:t>
+            </a:r>
+            <a:r>
+              <a:rPr lang="vi-VN" sz="2000" dirty="0">
+                <a:latin typeface="Times New Roman" panose="02020603050405020304" pitchFamily="18" charset="0"/>
+                <a:cs typeface="Times New Roman" panose="02020603050405020304" pitchFamily="18" charset="0"/>
+              </a:rPr>
+              <a:t>Ít nhất 1 GB dung lượng ổ cứng khả dụng. Cần thêm dung lượng đĩa phụ thuộc vào mã nguồn dự án và các báo cáo thực hiện được tạo.</a:t>
+            </a:r>
+            <a:endParaRPr lang="en-US" sz="2000" dirty="0">
+              <a:latin typeface="Times New Roman" panose="02020603050405020304" pitchFamily="18" charset="0"/>
+              <a:cs typeface="Times New Roman" panose="02020603050405020304" pitchFamily="18" charset="0"/>
+            </a:endParaRPr>
           </a:p>
         </p:txBody>
       </p:sp>
-      <p:pic>
-        <p:nvPicPr>
-          <p:cNvPr id="9218" name="Picture 2">
-            <a:extLst>
-              <a:ext uri="{FF2B5EF4-FFF2-40B4-BE49-F238E27FC236}">
-                <a16:creationId xmlns:a16="http://schemas.microsoft.com/office/drawing/2014/main" id="{B98B6FED-FB05-40AC-BDE3-2C8388D2D7AA}"/>
-              </a:ext>
-            </a:extLst>
-          </p:cNvPr>
-          <p:cNvPicPr>
-            <a:picLocks noChangeAspect="1" noChangeArrowheads="1"/>
-          </p:cNvPicPr>
-          <p:nvPr/>
-        </p:nvPicPr>
-        <p:blipFill>
-          <a:blip r:embed="rId2">
-            <a:extLst>
-              <a:ext uri="{28A0092B-C50C-407E-A947-70E740481C1C}">
-                <a14:useLocalDpi xmlns:a14="http://schemas.microsoft.com/office/drawing/2010/main" val="0"/>
-              </a:ext>
-            </a:extLst>
-          </a:blip>
-          <a:srcRect/>
-          <a:stretch>
-            <a:fillRect/>
-          </a:stretch>
-        </p:blipFill>
-        <p:spPr bwMode="auto">
-          <a:xfrm>
-            <a:off x="1269984" y="2329069"/>
-            <a:ext cx="9066712" cy="3851563"/>
-          </a:xfrm>
-          <a:prstGeom prst="rect">
-            <a:avLst/>
-          </a:prstGeom>
-          <a:noFill/>
-          <a:extLst>
-            <a:ext uri="{909E8E84-426E-40DD-AFC4-6F175D3DCCD1}">
-              <a14:hiddenFill xmlns:a14="http://schemas.microsoft.com/office/drawing/2010/main">
-                <a:solidFill>
-                  <a:srgbClr val="FFFFFF"/>
-                </a:solidFill>
-              </a14:hiddenFill>
-            </a:ext>
-          </a:extLst>
-        </p:spPr>
-      </p:pic>
     </p:spTree>
     <p:extLst>
       <p:ext uri="{BB962C8B-B14F-4D97-AF65-F5344CB8AC3E}">
-        <p14:creationId xmlns:p14="http://schemas.microsoft.com/office/powerpoint/2010/main" val="2274990150"/>
+        <p14:creationId xmlns:p14="http://schemas.microsoft.com/office/powerpoint/2010/main" val="4147489296"/>
       </p:ext>
     </p:extLst>
   </p:cSld>
@@ -14604,10 +15196,10 @@
       </p:grpSpPr>
       <p:sp>
         <p:nvSpPr>
-          <p:cNvPr id="3" name="Text Placeholder 2">
+          <p:cNvPr id="2" name="Title 1">
             <a:extLst>
               <a:ext uri="{FF2B5EF4-FFF2-40B4-BE49-F238E27FC236}">
-                <a16:creationId xmlns:a16="http://schemas.microsoft.com/office/drawing/2014/main" id="{3A974A70-2F46-41A7-921B-A8F874D9DA40}"/>
+                <a16:creationId xmlns:a16="http://schemas.microsoft.com/office/drawing/2014/main" id="{47BC211D-EC06-4750-8D5D-FC9ADDEACFE7}"/>
               </a:ext>
             </a:extLst>
           </p:cNvPr>
@@ -14615,176 +15207,36 @@
             <a:spLocks noGrp="1"/>
           </p:cNvSpPr>
           <p:nvPr>
-            <p:ph type="body" sz="quarter" idx="16"/>
-          </p:nvPr>
-        </p:nvSpPr>
-        <p:spPr/>
-        <p:txBody>
-          <a:bodyPr/>
-          <a:lstStyle/>
-          <a:p>
-            <a:r>
-              <a:rPr lang="en-US" sz="2400" dirty="0" err="1">
-                <a:latin typeface="Times New Roman" panose="02020603050405020304" pitchFamily="18" charset="0"/>
-                <a:cs typeface="Times New Roman" panose="02020603050405020304" pitchFamily="18" charset="0"/>
-              </a:rPr>
-              <a:t>Tạo</a:t>
-            </a:r>
-            <a:r>
-              <a:rPr lang="en-US" sz="2400" dirty="0">
-                <a:latin typeface="Times New Roman" panose="02020603050405020304" pitchFamily="18" charset="0"/>
-                <a:cs typeface="Times New Roman" panose="02020603050405020304" pitchFamily="18" charset="0"/>
-              </a:rPr>
-              <a:t> 1 test suite </a:t>
-            </a:r>
-            <a:r>
-              <a:rPr lang="en-US" sz="2400" dirty="0" err="1">
-                <a:latin typeface="Times New Roman" panose="02020603050405020304" pitchFamily="18" charset="0"/>
-                <a:cs typeface="Times New Roman" panose="02020603050405020304" pitchFamily="18" charset="0"/>
-              </a:rPr>
-              <a:t>và</a:t>
-            </a:r>
-            <a:r>
-              <a:rPr lang="en-US" sz="2400" dirty="0">
-                <a:latin typeface="Times New Roman" panose="02020603050405020304" pitchFamily="18" charset="0"/>
-                <a:cs typeface="Times New Roman" panose="02020603050405020304" pitchFamily="18" charset="0"/>
-              </a:rPr>
-              <a:t> them test case </a:t>
-            </a:r>
-            <a:r>
-              <a:rPr lang="en-US" sz="2400" dirty="0" err="1">
-                <a:latin typeface="Times New Roman" panose="02020603050405020304" pitchFamily="18" charset="0"/>
-                <a:cs typeface="Times New Roman" panose="02020603050405020304" pitchFamily="18" charset="0"/>
-              </a:rPr>
-              <a:t>vào</a:t>
-            </a:r>
-            <a:r>
-              <a:rPr lang="en-US" sz="2400" dirty="0">
-                <a:latin typeface="Times New Roman" panose="02020603050405020304" pitchFamily="18" charset="0"/>
-                <a:cs typeface="Times New Roman" panose="02020603050405020304" pitchFamily="18" charset="0"/>
-              </a:rPr>
-              <a:t>.</a:t>
-            </a:r>
-          </a:p>
-        </p:txBody>
-      </p:sp>
-      <p:sp>
-        <p:nvSpPr>
-          <p:cNvPr id="4" name="Footer Placeholder 3">
-            <a:extLst>
-              <a:ext uri="{FF2B5EF4-FFF2-40B4-BE49-F238E27FC236}">
-                <a16:creationId xmlns:a16="http://schemas.microsoft.com/office/drawing/2014/main" id="{C280E3A3-A1C8-44BE-9EFE-2462F41C9E88}"/>
-              </a:ext>
-            </a:extLst>
-          </p:cNvPr>
-          <p:cNvSpPr>
-            <a:spLocks noGrp="1"/>
-          </p:cNvSpPr>
-          <p:nvPr>
-            <p:ph type="ftr" sz="quarter" idx="17"/>
-          </p:nvPr>
-        </p:nvSpPr>
-        <p:spPr/>
-        <p:txBody>
-          <a:bodyPr/>
-          <a:lstStyle/>
-          <a:p>
-            <a:r>
-              <a:rPr lang="en-US" noProof="0"/>
-              <a:t>Add a footer</a:t>
-            </a:r>
-            <a:endParaRPr lang="en-US" noProof="0" dirty="0"/>
-          </a:p>
-        </p:txBody>
-      </p:sp>
-      <p:sp>
-        <p:nvSpPr>
-          <p:cNvPr id="5" name="Slide Number Placeholder 4">
-            <a:extLst>
-              <a:ext uri="{FF2B5EF4-FFF2-40B4-BE49-F238E27FC236}">
-                <a16:creationId xmlns:a16="http://schemas.microsoft.com/office/drawing/2014/main" id="{F67CF9BF-C9CB-4EAA-9E2A-D882E1229F45}"/>
-              </a:ext>
-            </a:extLst>
-          </p:cNvPr>
-          <p:cNvSpPr>
-            <a:spLocks noGrp="1"/>
-          </p:cNvSpPr>
-          <p:nvPr>
-            <p:ph type="sldNum" sz="quarter" idx="18"/>
-          </p:nvPr>
-        </p:nvSpPr>
-        <p:spPr/>
-        <p:txBody>
-          <a:bodyPr/>
-          <a:lstStyle/>
-          <a:p>
-            <a:fld id="{8699F50C-BE38-4BD0-BA84-9B090E1F2B9B}" type="slidenum">
-              <a:rPr lang="en-US" noProof="0" smtClean="0"/>
-              <a:t>13</a:t>
-            </a:fld>
-            <a:endParaRPr lang="en-US" noProof="0" dirty="0"/>
-          </a:p>
-        </p:txBody>
-      </p:sp>
-      <p:sp>
-        <p:nvSpPr>
-          <p:cNvPr id="6" name="Title 5">
-            <a:extLst>
-              <a:ext uri="{FF2B5EF4-FFF2-40B4-BE49-F238E27FC236}">
-                <a16:creationId xmlns:a16="http://schemas.microsoft.com/office/drawing/2014/main" id="{1C224388-E429-4E30-9C0A-C53233A7BEB9}"/>
-              </a:ext>
-            </a:extLst>
-          </p:cNvPr>
-          <p:cNvSpPr>
-            <a:spLocks noGrp="1"/>
-          </p:cNvSpPr>
-          <p:nvPr>
-            <p:ph type="title"/>
+            <p:ph type="ctrTitle"/>
           </p:nvPr>
         </p:nvSpPr>
         <p:spPr>
           <a:xfrm>
-            <a:off x="518677" y="209028"/>
-            <a:ext cx="10628293" cy="1147969"/>
+            <a:off x="923749" y="490330"/>
+            <a:ext cx="10213873" cy="757188"/>
           </a:xfrm>
         </p:spPr>
         <p:txBody>
-          <a:bodyPr>
-            <a:normAutofit fontScale="90000"/>
-          </a:bodyPr>
+          <a:bodyPr/>
           <a:lstStyle/>
           <a:p>
+            <a:pPr algn="l"/>
             <a:r>
               <a:rPr lang="en-US" dirty="0">
-                <a:solidFill>
-                  <a:schemeClr val="tx2">
-                    <a:lumMod val="10000"/>
-                  </a:schemeClr>
-                </a:solidFill>
-                <a:latin typeface="Times New Roman" panose="02020603050405020304" pitchFamily="18" charset="0"/>
-                <a:cs typeface="Times New Roman" panose="02020603050405020304" pitchFamily="18" charset="0"/>
-              </a:rPr>
-              <a:t>5. </a:t>
+                <a:latin typeface="Times New Roman" panose="02020603050405020304" pitchFamily="18" charset="0"/>
+                <a:cs typeface="Times New Roman" panose="02020603050405020304" pitchFamily="18" charset="0"/>
+              </a:rPr>
+              <a:t>10. </a:t>
             </a:r>
             <a:r>
               <a:rPr lang="en-US" dirty="0" err="1">
-                <a:solidFill>
-                  <a:schemeClr val="tx2">
-                    <a:lumMod val="10000"/>
-                  </a:schemeClr>
-                </a:solidFill>
-                <a:latin typeface="Times New Roman" panose="02020603050405020304" pitchFamily="18" charset="0"/>
-                <a:cs typeface="Times New Roman" panose="02020603050405020304" pitchFamily="18" charset="0"/>
-              </a:rPr>
-              <a:t>Cách</a:t>
+                <a:latin typeface="Times New Roman" panose="02020603050405020304" pitchFamily="18" charset="0"/>
+                <a:cs typeface="Times New Roman" panose="02020603050405020304" pitchFamily="18" charset="0"/>
+              </a:rPr>
+              <a:t>Các</a:t>
             </a:r>
             <a:r>
               <a:rPr lang="en-US" dirty="0">
-                <a:solidFill>
-                  <a:schemeClr val="tx2">
-                    <a:lumMod val="10000"/>
-                  </a:schemeClr>
-                </a:solidFill>
                 <a:latin typeface="Times New Roman" panose="02020603050405020304" pitchFamily="18" charset="0"/>
                 <a:cs typeface="Times New Roman" panose="02020603050405020304" pitchFamily="18" charset="0"/>
               </a:rPr>
@@ -14792,110 +15244,62 @@
             </a:r>
             <a:r>
               <a:rPr lang="en-US" dirty="0" err="1">
-                <a:solidFill>
-                  <a:schemeClr val="tx2">
-                    <a:lumMod val="10000"/>
-                  </a:schemeClr>
-                </a:solidFill>
-                <a:latin typeface="Times New Roman" panose="02020603050405020304" pitchFamily="18" charset="0"/>
-                <a:cs typeface="Times New Roman" panose="02020603050405020304" pitchFamily="18" charset="0"/>
-              </a:rPr>
-              <a:t>tạo</a:t>
+                <a:latin typeface="Times New Roman" panose="02020603050405020304" pitchFamily="18" charset="0"/>
+                <a:cs typeface="Times New Roman" panose="02020603050405020304" pitchFamily="18" charset="0"/>
+              </a:rPr>
+              <a:t>xu</a:t>
             </a:r>
             <a:r>
               <a:rPr lang="en-US" dirty="0">
-                <a:solidFill>
-                  <a:schemeClr val="tx2">
-                    <a:lumMod val="10000"/>
-                  </a:schemeClr>
-                </a:solidFill>
-                <a:latin typeface="Times New Roman" panose="02020603050405020304" pitchFamily="18" charset="0"/>
-                <a:cs typeface="Times New Roman" panose="02020603050405020304" pitchFamily="18" charset="0"/>
-              </a:rPr>
-              <a:t> </a:t>
+                <a:latin typeface="Times New Roman" panose="02020603050405020304" pitchFamily="18" charset="0"/>
+                <a:cs typeface="Times New Roman" panose="02020603050405020304" pitchFamily="18" charset="0"/>
+              </a:rPr>
+              <a:t> h</a:t>
+            </a:r>
+            <a:r>
+              <a:rPr lang="vi-VN" dirty="0">
+                <a:latin typeface="Times New Roman" panose="02020603050405020304" pitchFamily="18" charset="0"/>
+                <a:cs typeface="Times New Roman" panose="02020603050405020304" pitchFamily="18" charset="0"/>
+              </a:rPr>
+              <a:t>ư</a:t>
             </a:r>
             <a:r>
               <a:rPr lang="en-US" dirty="0" err="1">
-                <a:solidFill>
-                  <a:schemeClr val="tx2">
-                    <a:lumMod val="10000"/>
-                  </a:schemeClr>
-                </a:solidFill>
-                <a:latin typeface="Times New Roman" panose="02020603050405020304" pitchFamily="18" charset="0"/>
-                <a:cs typeface="Times New Roman" panose="02020603050405020304" pitchFamily="18" charset="0"/>
-              </a:rPr>
-              <a:t>một</a:t>
+                <a:latin typeface="Times New Roman" panose="02020603050405020304" pitchFamily="18" charset="0"/>
+                <a:cs typeface="Times New Roman" panose="02020603050405020304" pitchFamily="18" charset="0"/>
+              </a:rPr>
+              <a:t>ớng</a:t>
             </a:r>
             <a:r>
               <a:rPr lang="en-US" dirty="0">
-                <a:solidFill>
-                  <a:schemeClr val="tx2">
-                    <a:lumMod val="10000"/>
-                  </a:schemeClr>
-                </a:solidFill>
-                <a:latin typeface="Times New Roman" panose="02020603050405020304" pitchFamily="18" charset="0"/>
-                <a:cs typeface="Times New Roman" panose="02020603050405020304" pitchFamily="18" charset="0"/>
-              </a:rPr>
-              <a:t> Test API </a:t>
+                <a:latin typeface="Times New Roman" panose="02020603050405020304" pitchFamily="18" charset="0"/>
+                <a:cs typeface="Times New Roman" panose="02020603050405020304" pitchFamily="18" charset="0"/>
+              </a:rPr>
+              <a:t> testing </a:t>
             </a:r>
             <a:r>
               <a:rPr lang="en-US" dirty="0" err="1">
-                <a:solidFill>
-                  <a:schemeClr val="tx2">
-                    <a:lumMod val="10000"/>
-                  </a:schemeClr>
-                </a:solidFill>
-                <a:latin typeface="Times New Roman" panose="02020603050405020304" pitchFamily="18" charset="0"/>
-                <a:cs typeface="Times New Roman" panose="02020603050405020304" pitchFamily="18" charset="0"/>
-              </a:rPr>
-              <a:t>trên</a:t>
+                <a:latin typeface="Times New Roman" panose="02020603050405020304" pitchFamily="18" charset="0"/>
+                <a:cs typeface="Times New Roman" panose="02020603050405020304" pitchFamily="18" charset="0"/>
+              </a:rPr>
+              <a:t>hiện</a:t>
             </a:r>
             <a:r>
               <a:rPr lang="en-US" dirty="0">
-                <a:solidFill>
-                  <a:schemeClr val="tx2">
-                    <a:lumMod val="10000"/>
-                  </a:schemeClr>
-                </a:solidFill>
-                <a:latin typeface="Times New Roman" panose="02020603050405020304" pitchFamily="18" charset="0"/>
-                <a:cs typeface="Times New Roman" panose="02020603050405020304" pitchFamily="18" charset="0"/>
-              </a:rPr>
-              <a:t> </a:t>
-            </a:r>
-            <a:r>
-              <a:rPr lang="en-US" dirty="0" err="1">
-                <a:solidFill>
-                  <a:schemeClr val="tx2">
-                    <a:lumMod val="10000"/>
-                  </a:schemeClr>
-                </a:solidFill>
-                <a:latin typeface="Times New Roman" panose="02020603050405020304" pitchFamily="18" charset="0"/>
-                <a:cs typeface="Times New Roman" panose="02020603050405020304" pitchFamily="18" charset="0"/>
-              </a:rPr>
-              <a:t>Katalon</a:t>
-            </a:r>
-            <a:r>
-              <a:rPr lang="en-US" dirty="0">
-                <a:solidFill>
-                  <a:schemeClr val="tx2">
-                    <a:lumMod val="10000"/>
-                  </a:schemeClr>
-                </a:solidFill>
-                <a:latin typeface="Times New Roman" panose="02020603050405020304" pitchFamily="18" charset="0"/>
-                <a:cs typeface="Times New Roman" panose="02020603050405020304" pitchFamily="18" charset="0"/>
-              </a:rPr>
-              <a:t> Studio</a:t>
-            </a:r>
-            <a:endParaRPr lang="en-US" dirty="0"/>
+                <a:latin typeface="Times New Roman" panose="02020603050405020304" pitchFamily="18" charset="0"/>
+                <a:cs typeface="Times New Roman" panose="02020603050405020304" pitchFamily="18" charset="0"/>
+              </a:rPr>
+              <a:t> nay</a:t>
+            </a:r>
           </a:p>
         </p:txBody>
       </p:sp>
       <p:pic>
         <p:nvPicPr>
-          <p:cNvPr id="10242" name="Picture 2" descr="execute test suite">
+          <p:cNvPr id="1026" name="Picture 2">
             <a:extLst>
               <a:ext uri="{FF2B5EF4-FFF2-40B4-BE49-F238E27FC236}">
-                <a16:creationId xmlns:a16="http://schemas.microsoft.com/office/drawing/2014/main" id="{6AD92A86-E9EB-497A-9BE9-D214AACEC92D}"/>
+                <a16:creationId xmlns:a16="http://schemas.microsoft.com/office/drawing/2014/main" id="{D0140308-07A3-4B2F-A6CE-0F9C9988B5EE}"/>
               </a:ext>
             </a:extLst>
           </p:cNvPr>
@@ -14919,8 +15323,8 @@
         </p:blipFill>
         <p:spPr bwMode="auto">
           <a:xfrm>
-            <a:off x="919162" y="1875804"/>
-            <a:ext cx="10353675" cy="4219575"/>
+            <a:off x="4629621" y="2592339"/>
+            <a:ext cx="2095500" cy="1990725"/>
           </a:xfrm>
           <a:prstGeom prst="rect">
             <a:avLst/>
@@ -14937,10 +15341,198 @@
           </a:extLst>
         </p:spPr>
       </p:pic>
+      <p:pic>
+        <p:nvPicPr>
+          <p:cNvPr id="1028" name="Picture 4">
+            <a:extLst>
+              <a:ext uri="{FF2B5EF4-FFF2-40B4-BE49-F238E27FC236}">
+                <a16:creationId xmlns:a16="http://schemas.microsoft.com/office/drawing/2014/main" id="{CBBD79FF-90B3-47E3-BBA8-A6F94E2AD9E9}"/>
+              </a:ext>
+            </a:extLst>
+          </p:cNvPr>
+          <p:cNvPicPr>
+            <a:picLocks noChangeAspect="1" noChangeArrowheads="1"/>
+          </p:cNvPicPr>
+          <p:nvPr/>
+        </p:nvPicPr>
+        <p:blipFill>
+          <a:blip r:embed="rId3">
+            <a:extLst>
+              <a:ext uri="{28A0092B-C50C-407E-A947-70E740481C1C}">
+                <a14:useLocalDpi xmlns:a14="http://schemas.microsoft.com/office/drawing/2010/main" val="0"/>
+              </a:ext>
+            </a:extLst>
+          </a:blip>
+          <a:srcRect/>
+          <a:stretch>
+            <a:fillRect/>
+          </a:stretch>
+        </p:blipFill>
+        <p:spPr bwMode="auto">
+          <a:xfrm>
+            <a:off x="6927369" y="1255117"/>
+            <a:ext cx="5048250" cy="2505075"/>
+          </a:xfrm>
+          <a:prstGeom prst="rect">
+            <a:avLst/>
+          </a:prstGeom>
+          <a:noFill/>
+          <a:extLst>
+            <a:ext uri="{909E8E84-426E-40DD-AFC4-6F175D3DCCD1}">
+              <a14:hiddenFill xmlns:a14="http://schemas.microsoft.com/office/drawing/2010/main">
+                <a:solidFill>
+                  <a:srgbClr val="FFFFFF"/>
+                </a:solidFill>
+              </a14:hiddenFill>
+            </a:ext>
+          </a:extLst>
+        </p:spPr>
+      </p:pic>
+      <p:pic>
+        <p:nvPicPr>
+          <p:cNvPr id="1030" name="Picture 6">
+            <a:extLst>
+              <a:ext uri="{FF2B5EF4-FFF2-40B4-BE49-F238E27FC236}">
+                <a16:creationId xmlns:a16="http://schemas.microsoft.com/office/drawing/2014/main" id="{64D5A9BA-A82C-4682-91A7-0C4681918051}"/>
+              </a:ext>
+            </a:extLst>
+          </p:cNvPr>
+          <p:cNvPicPr>
+            <a:picLocks noChangeAspect="1" noChangeArrowheads="1"/>
+          </p:cNvPicPr>
+          <p:nvPr/>
+        </p:nvPicPr>
+        <p:blipFill>
+          <a:blip r:embed="rId4">
+            <a:extLst>
+              <a:ext uri="{28A0092B-C50C-407E-A947-70E740481C1C}">
+                <a14:useLocalDpi xmlns:a14="http://schemas.microsoft.com/office/drawing/2010/main" val="0"/>
+              </a:ext>
+            </a:extLst>
+          </a:blip>
+          <a:srcRect/>
+          <a:stretch>
+            <a:fillRect/>
+          </a:stretch>
+        </p:blipFill>
+        <p:spPr bwMode="auto">
+          <a:xfrm>
+            <a:off x="777787" y="3930860"/>
+            <a:ext cx="3369002" cy="2721987"/>
+          </a:xfrm>
+          <a:prstGeom prst="rect">
+            <a:avLst/>
+          </a:prstGeom>
+          <a:noFill/>
+          <a:extLst>
+            <a:ext uri="{909E8E84-426E-40DD-AFC4-6F175D3DCCD1}">
+              <a14:hiddenFill xmlns:a14="http://schemas.microsoft.com/office/drawing/2010/main">
+                <a:solidFill>
+                  <a:srgbClr val="FFFFFF"/>
+                </a:solidFill>
+              </a14:hiddenFill>
+            </a:ext>
+          </a:extLst>
+        </p:spPr>
+      </p:pic>
+      <p:pic>
+        <p:nvPicPr>
+          <p:cNvPr id="1032" name="Picture 8">
+            <a:extLst>
+              <a:ext uri="{FF2B5EF4-FFF2-40B4-BE49-F238E27FC236}">
+                <a16:creationId xmlns:a16="http://schemas.microsoft.com/office/drawing/2014/main" id="{D8B76A9C-FE54-40FB-AA09-B78D9EF3FA71}"/>
+              </a:ext>
+            </a:extLst>
+          </p:cNvPr>
+          <p:cNvPicPr>
+            <a:picLocks noChangeAspect="1" noChangeArrowheads="1"/>
+          </p:cNvPicPr>
+          <p:nvPr/>
+        </p:nvPicPr>
+        <p:blipFill>
+          <a:blip r:embed="rId5">
+            <a:extLst>
+              <a:ext uri="{28A0092B-C50C-407E-A947-70E740481C1C}">
+                <a14:useLocalDpi xmlns:a14="http://schemas.microsoft.com/office/drawing/2010/main" val="0"/>
+              </a:ext>
+            </a:extLst>
+          </a:blip>
+          <a:srcRect/>
+          <a:stretch>
+            <a:fillRect/>
+          </a:stretch>
+        </p:blipFill>
+        <p:spPr bwMode="auto">
+          <a:xfrm>
+            <a:off x="6927369" y="3872034"/>
+            <a:ext cx="4943670" cy="2780814"/>
+          </a:xfrm>
+          <a:prstGeom prst="rect">
+            <a:avLst/>
+          </a:prstGeom>
+          <a:noFill/>
+          <a:extLst>
+            <a:ext uri="{909E8E84-426E-40DD-AFC4-6F175D3DCCD1}">
+              <a14:hiddenFill xmlns:a14="http://schemas.microsoft.com/office/drawing/2010/main">
+                <a:solidFill>
+                  <a:srgbClr val="FFFFFF"/>
+                </a:solidFill>
+              </a14:hiddenFill>
+            </a:ext>
+          </a:extLst>
+        </p:spPr>
+      </p:pic>
+      <p:pic>
+        <p:nvPicPr>
+          <p:cNvPr id="1034" name="Picture 10">
+            <a:extLst>
+              <a:ext uri="{FF2B5EF4-FFF2-40B4-BE49-F238E27FC236}">
+                <a16:creationId xmlns:a16="http://schemas.microsoft.com/office/drawing/2014/main" id="{838D258F-1BDB-4FE5-B00C-3F497E04987E}"/>
+              </a:ext>
+            </a:extLst>
+          </p:cNvPr>
+          <p:cNvPicPr>
+            <a:picLocks noChangeAspect="1" noChangeArrowheads="1"/>
+          </p:cNvPicPr>
+          <p:nvPr/>
+        </p:nvPicPr>
+        <p:blipFill>
+          <a:blip r:embed="rId6">
+            <a:extLst>
+              <a:ext uri="{28A0092B-C50C-407E-A947-70E740481C1C}">
+                <a14:useLocalDpi xmlns:a14="http://schemas.microsoft.com/office/drawing/2010/main" val="0"/>
+              </a:ext>
+            </a:extLst>
+          </a:blip>
+          <a:srcRect/>
+          <a:stretch>
+            <a:fillRect/>
+          </a:stretch>
+        </p:blipFill>
+        <p:spPr bwMode="auto">
+          <a:xfrm>
+            <a:off x="777786" y="1339801"/>
+            <a:ext cx="3457005" cy="2505076"/>
+          </a:xfrm>
+          <a:prstGeom prst="rect">
+            <a:avLst/>
+          </a:prstGeom>
+          <a:noFill/>
+          <a:extLst>
+            <a:ext uri="{909E8E84-426E-40DD-AFC4-6F175D3DCCD1}">
+              <a14:hiddenFill xmlns:a14="http://schemas.microsoft.com/office/drawing/2010/main">
+                <a:solidFill>
+                  <a:srgbClr val="FFFFFF"/>
+                </a:solidFill>
+              </a14:hiddenFill>
+            </a:ext>
+          </a:extLst>
+        </p:spPr>
+      </p:pic>
     </p:spTree>
     <p:extLst>
       <p:ext uri="{BB962C8B-B14F-4D97-AF65-F5344CB8AC3E}">
-        <p14:creationId xmlns:p14="http://schemas.microsoft.com/office/powerpoint/2010/main" val="1501633335"/>
+        <p14:creationId xmlns:p14="http://schemas.microsoft.com/office/powerpoint/2010/main" val="545980097"/>
       </p:ext>
     </p:extLst>
   </p:cSld>
@@ -15043,7 +15635,7 @@
         </p:nvSpPr>
         <p:spPr>
           <a:xfrm>
-            <a:off x="2584174" y="1934818"/>
+            <a:off x="2801316" y="1948070"/>
             <a:ext cx="9085882" cy="2019606"/>
           </a:xfrm>
         </p:spPr>
@@ -15058,7 +15650,7 @@
                 <a:latin typeface="Times New Roman" panose="02020603050405020304" pitchFamily="18" charset="0"/>
                 <a:cs typeface="Times New Roman" panose="02020603050405020304" pitchFamily="18" charset="0"/>
               </a:rPr>
-              <a:t>Thank you</a:t>
+              <a:t>Start Demo </a:t>
             </a:r>
           </a:p>
         </p:txBody>
@@ -15111,13 +15703,13 @@
         </p:nvSpPr>
         <p:spPr>
           <a:xfrm>
-            <a:off x="338530" y="970944"/>
-            <a:ext cx="7342622" cy="1215566"/>
+            <a:off x="431296" y="136525"/>
+            <a:ext cx="7342622" cy="808752"/>
           </a:xfrm>
         </p:spPr>
         <p:txBody>
           <a:bodyPr>
-            <a:normAutofit/>
+            <a:normAutofit fontScale="90000"/>
           </a:bodyPr>
           <a:lstStyle/>
           <a:p>
@@ -15133,28 +15725,7 @@
                 <a:latin typeface="Times New Roman" panose="02020603050405020304" pitchFamily="18" charset="0"/>
                 <a:cs typeface="Times New Roman" panose="02020603050405020304" pitchFamily="18" charset="0"/>
               </a:rPr>
-              <a:t> dung </a:t>
-            </a:r>
-            <a:r>
-              <a:rPr lang="en-US" sz="6000" dirty="0" err="1">
-                <a:latin typeface="Times New Roman" panose="02020603050405020304" pitchFamily="18" charset="0"/>
-                <a:cs typeface="Times New Roman" panose="02020603050405020304" pitchFamily="18" charset="0"/>
-              </a:rPr>
-              <a:t>trình</a:t>
-            </a:r>
-            <a:r>
-              <a:rPr lang="en-US" sz="6000" dirty="0">
-                <a:latin typeface="Times New Roman" panose="02020603050405020304" pitchFamily="18" charset="0"/>
-                <a:cs typeface="Times New Roman" panose="02020603050405020304" pitchFamily="18" charset="0"/>
-              </a:rPr>
-              <a:t> </a:t>
-            </a:r>
-            <a:r>
-              <a:rPr lang="en-US" sz="6000" dirty="0" err="1">
-                <a:latin typeface="Times New Roman" panose="02020603050405020304" pitchFamily="18" charset="0"/>
-                <a:cs typeface="Times New Roman" panose="02020603050405020304" pitchFamily="18" charset="0"/>
-              </a:rPr>
-              <a:t>bày</a:t>
+              <a:t> dung</a:t>
             </a:r>
             <a:endParaRPr lang="en-US" sz="6000" b="0" dirty="0">
               <a:latin typeface="Times New Roman" panose="02020603050405020304" pitchFamily="18" charset="0"/>
@@ -15181,13 +15752,13 @@
         </p:nvSpPr>
         <p:spPr>
           <a:xfrm>
-            <a:off x="338530" y="2442577"/>
-            <a:ext cx="10621018" cy="3444479"/>
+            <a:off x="338530" y="945277"/>
+            <a:ext cx="10621018" cy="4660393"/>
           </a:xfrm>
         </p:spPr>
         <p:txBody>
           <a:bodyPr>
-            <a:normAutofit/>
+            <a:normAutofit fontScale="92500" lnSpcReduction="20000"/>
           </a:bodyPr>
           <a:lstStyle/>
           <a:p>
@@ -15196,11 +15767,6 @@
             </a:pPr>
             <a:r>
               <a:rPr lang="en-US" sz="3200" b="1" dirty="0">
-                <a:solidFill>
-                  <a:schemeClr val="tx2">
-                    <a:lumMod val="10000"/>
-                  </a:schemeClr>
-                </a:solidFill>
                 <a:latin typeface="Times New Roman" panose="02020603050405020304" pitchFamily="18" charset="0"/>
                 <a:cs typeface="Times New Roman" panose="02020603050405020304" pitchFamily="18" charset="0"/>
               </a:rPr>
@@ -15208,11 +15774,88 @@
             </a:r>
             <a:r>
               <a:rPr lang="en-US" sz="3200" b="1" dirty="0" err="1">
-                <a:solidFill>
-                  <a:schemeClr val="tx2">
-                    <a:lumMod val="10000"/>
-                  </a:schemeClr>
-                </a:solidFill>
+                <a:latin typeface="Times New Roman" panose="02020603050405020304" pitchFamily="18" charset="0"/>
+                <a:cs typeface="Times New Roman" panose="02020603050405020304" pitchFamily="18" charset="0"/>
+              </a:rPr>
+              <a:t>Tại</a:t>
+            </a:r>
+            <a:r>
+              <a:rPr lang="en-US" sz="3200" b="1" dirty="0">
+                <a:latin typeface="Times New Roman" panose="02020603050405020304" pitchFamily="18" charset="0"/>
+                <a:cs typeface="Times New Roman" panose="02020603050405020304" pitchFamily="18" charset="0"/>
+              </a:rPr>
+              <a:t> </a:t>
+            </a:r>
+            <a:r>
+              <a:rPr lang="en-US" sz="3200" b="1" dirty="0" err="1">
+                <a:latin typeface="Times New Roman" panose="02020603050405020304" pitchFamily="18" charset="0"/>
+                <a:cs typeface="Times New Roman" panose="02020603050405020304" pitchFamily="18" charset="0"/>
+              </a:rPr>
+              <a:t>sao</a:t>
+            </a:r>
+            <a:r>
+              <a:rPr lang="en-US" sz="3200" b="1" dirty="0">
+                <a:latin typeface="Times New Roman" panose="02020603050405020304" pitchFamily="18" charset="0"/>
+                <a:cs typeface="Times New Roman" panose="02020603050405020304" pitchFamily="18" charset="0"/>
+              </a:rPr>
+              <a:t> </a:t>
+            </a:r>
+            <a:r>
+              <a:rPr lang="en-US" sz="3200" b="1" dirty="0" err="1">
+                <a:latin typeface="Times New Roman" panose="02020603050405020304" pitchFamily="18" charset="0"/>
+                <a:cs typeface="Times New Roman" panose="02020603050405020304" pitchFamily="18" charset="0"/>
+              </a:rPr>
+              <a:t>lại</a:t>
+            </a:r>
+            <a:r>
+              <a:rPr lang="en-US" sz="3200" b="1" dirty="0">
+                <a:latin typeface="Times New Roman" panose="02020603050405020304" pitchFamily="18" charset="0"/>
+                <a:cs typeface="Times New Roman" panose="02020603050405020304" pitchFamily="18" charset="0"/>
+              </a:rPr>
+              <a:t> </a:t>
+            </a:r>
+            <a:r>
+              <a:rPr lang="en-US" sz="3200" b="1" dirty="0" err="1">
+                <a:latin typeface="Times New Roman" panose="02020603050405020304" pitchFamily="18" charset="0"/>
+                <a:cs typeface="Times New Roman" panose="02020603050405020304" pitchFamily="18" charset="0"/>
+              </a:rPr>
+              <a:t>chọn</a:t>
+            </a:r>
+            <a:r>
+              <a:rPr lang="en-US" sz="3200" b="1" dirty="0">
+                <a:latin typeface="Times New Roman" panose="02020603050405020304" pitchFamily="18" charset="0"/>
+                <a:cs typeface="Times New Roman" panose="02020603050405020304" pitchFamily="18" charset="0"/>
+              </a:rPr>
+              <a:t> </a:t>
+            </a:r>
+            <a:r>
+              <a:rPr lang="en-US" sz="3200" b="1" dirty="0" err="1">
+                <a:latin typeface="Times New Roman" panose="02020603050405020304" pitchFamily="18" charset="0"/>
+                <a:cs typeface="Times New Roman" panose="02020603050405020304" pitchFamily="18" charset="0"/>
+              </a:rPr>
+              <a:t>katalon</a:t>
+            </a:r>
+            <a:r>
+              <a:rPr lang="en-US" sz="3200" b="1" dirty="0">
+                <a:latin typeface="Times New Roman" panose="02020603050405020304" pitchFamily="18" charset="0"/>
+                <a:cs typeface="Times New Roman" panose="02020603050405020304" pitchFamily="18" charset="0"/>
+              </a:rPr>
+              <a:t>??</a:t>
+            </a:r>
+          </a:p>
+          <a:p>
+            <a:pPr marL="0" lvl="0" indent="0">
+              <a:buNone/>
+            </a:pPr>
+            <a:r>
+              <a:rPr lang="en-US" sz="3200" b="1" dirty="0">
+                <a:latin typeface="Times New Roman" panose="02020603050405020304" pitchFamily="18" charset="0"/>
+                <a:cs typeface="Times New Roman" panose="02020603050405020304" pitchFamily="18" charset="0"/>
+              </a:rPr>
+              <a:t>2. </a:t>
+            </a:r>
+            <a:r>
+              <a:rPr lang="en-US" sz="3200" b="1" dirty="0" err="1">
                 <a:latin typeface="Times New Roman" panose="02020603050405020304" pitchFamily="18" charset="0"/>
                 <a:cs typeface="Times New Roman" panose="02020603050405020304" pitchFamily="18" charset="0"/>
               </a:rPr>
@@ -15220,11 +15863,6 @@
             </a:r>
             <a:r>
               <a:rPr lang="en-US" sz="3200" b="1" dirty="0">
-                <a:solidFill>
-                  <a:schemeClr val="tx2">
-                    <a:lumMod val="10000"/>
-                  </a:schemeClr>
-                </a:solidFill>
                 <a:latin typeface="Times New Roman" panose="02020603050405020304" pitchFamily="18" charset="0"/>
                 <a:cs typeface="Times New Roman" panose="02020603050405020304" pitchFamily="18" charset="0"/>
               </a:rPr>
@@ -15232,11 +15870,6 @@
             </a:r>
             <a:r>
               <a:rPr lang="en-US" sz="3200" b="1" dirty="0" err="1">
-                <a:solidFill>
-                  <a:schemeClr val="tx2">
-                    <a:lumMod val="10000"/>
-                  </a:schemeClr>
-                </a:solidFill>
                 <a:latin typeface="Times New Roman" panose="02020603050405020304" pitchFamily="18" charset="0"/>
                 <a:cs typeface="Times New Roman" panose="02020603050405020304" pitchFamily="18" charset="0"/>
               </a:rPr>
@@ -15244,11 +15877,6 @@
             </a:r>
             <a:r>
               <a:rPr lang="en-US" sz="3200" b="1" dirty="0">
-                <a:solidFill>
-                  <a:schemeClr val="tx2">
-                    <a:lumMod val="10000"/>
-                  </a:schemeClr>
-                </a:solidFill>
                 <a:latin typeface="Times New Roman" panose="02020603050405020304" pitchFamily="18" charset="0"/>
                 <a:cs typeface="Times New Roman" panose="02020603050405020304" pitchFamily="18" charset="0"/>
               </a:rPr>
@@ -15256,11 +15884,6 @@
             </a:r>
             <a:r>
               <a:rPr lang="en-US" sz="3200" b="1" dirty="0" err="1">
-                <a:solidFill>
-                  <a:schemeClr val="tx2">
-                    <a:lumMod val="10000"/>
-                  </a:schemeClr>
-                </a:solidFill>
                 <a:latin typeface="Times New Roman" panose="02020603050405020304" pitchFamily="18" charset="0"/>
                 <a:cs typeface="Times New Roman" panose="02020603050405020304" pitchFamily="18" charset="0"/>
               </a:rPr>
@@ -15268,11 +15891,6 @@
             </a:r>
             <a:r>
               <a:rPr lang="en-US" sz="3200" b="1" dirty="0">
-                <a:solidFill>
-                  <a:schemeClr val="tx2">
-                    <a:lumMod val="10000"/>
-                  </a:schemeClr>
-                </a:solidFill>
                 <a:latin typeface="Times New Roman" panose="02020603050405020304" pitchFamily="18" charset="0"/>
                 <a:cs typeface="Times New Roman" panose="02020603050405020304" pitchFamily="18" charset="0"/>
               </a:rPr>
@@ -15280,11 +15898,6 @@
             </a:r>
             <a:r>
               <a:rPr lang="en-US" sz="3200" b="1" dirty="0" err="1">
-                <a:solidFill>
-                  <a:schemeClr val="tx2">
-                    <a:lumMod val="10000"/>
-                  </a:schemeClr>
-                </a:solidFill>
                 <a:latin typeface="Times New Roman" panose="02020603050405020304" pitchFamily="18" charset="0"/>
                 <a:cs typeface="Times New Roman" panose="02020603050405020304" pitchFamily="18" charset="0"/>
               </a:rPr>
@@ -15292,16 +15905,48 @@
             </a:r>
             <a:r>
               <a:rPr lang="en-US" sz="3200" b="1" dirty="0">
-                <a:solidFill>
-                  <a:schemeClr val="tx2">
-                    <a:lumMod val="10000"/>
-                  </a:schemeClr>
-                </a:solidFill>
                 <a:latin typeface="Times New Roman" panose="02020603050405020304" pitchFamily="18" charset="0"/>
                 <a:cs typeface="Times New Roman" panose="02020603050405020304" pitchFamily="18" charset="0"/>
               </a:rPr>
               <a:t> Studio?</a:t>
             </a:r>
+          </a:p>
+          <a:p>
+            <a:pPr marL="0" lvl="0" indent="0">
+              <a:buNone/>
+            </a:pPr>
+            <a:r>
+              <a:rPr lang="en-US" sz="3200" b="1" dirty="0">
+                <a:latin typeface="Times New Roman" panose="02020603050405020304" pitchFamily="18" charset="0"/>
+                <a:cs typeface="Times New Roman" panose="02020603050405020304" pitchFamily="18" charset="0"/>
+              </a:rPr>
+              <a:t>3. </a:t>
+            </a:r>
+            <a:r>
+              <a:rPr lang="en-US" sz="3200" b="1" dirty="0" err="1">
+                <a:latin typeface="Times New Roman" panose="02020603050405020304" pitchFamily="18" charset="0"/>
+                <a:cs typeface="Times New Roman" panose="02020603050405020304" pitchFamily="18" charset="0"/>
+              </a:rPr>
+              <a:t>Điểm</a:t>
+            </a:r>
+            <a:r>
+              <a:rPr lang="en-US" sz="3200" b="1" dirty="0">
+                <a:latin typeface="Times New Roman" panose="02020603050405020304" pitchFamily="18" charset="0"/>
+                <a:cs typeface="Times New Roman" panose="02020603050405020304" pitchFamily="18" charset="0"/>
+              </a:rPr>
+              <a:t> </a:t>
+            </a:r>
+            <a:r>
+              <a:rPr lang="en-US" sz="3200" b="1" dirty="0" err="1">
+                <a:latin typeface="Times New Roman" panose="02020603050405020304" pitchFamily="18" charset="0"/>
+                <a:cs typeface="Times New Roman" panose="02020603050405020304" pitchFamily="18" charset="0"/>
+              </a:rPr>
+              <a:t>mạnh</a:t>
+            </a:r>
+            <a:endParaRPr lang="en-US" sz="3200" b="1" dirty="0">
+              <a:latin typeface="Times New Roman" panose="02020603050405020304" pitchFamily="18" charset="0"/>
+              <a:cs typeface="Times New Roman" panose="02020603050405020304" pitchFamily="18" charset="0"/>
+            </a:endParaRPr>
           </a:p>
           <a:p>
             <a:pPr marL="0" indent="0">
@@ -15309,23 +15954,13 @@
             </a:pPr>
             <a:r>
               <a:rPr lang="en-US" sz="3200" b="1" dirty="0">
-                <a:solidFill>
-                  <a:schemeClr val="tx2">
-                    <a:lumMod val="10000"/>
-                  </a:schemeClr>
-                </a:solidFill>
-                <a:latin typeface="Times New Roman" panose="02020603050405020304" pitchFamily="18" charset="0"/>
-                <a:cs typeface="Times New Roman" panose="02020603050405020304" pitchFamily="18" charset="0"/>
-              </a:rPr>
-              <a:t>2. </a:t>
+                <a:latin typeface="Times New Roman" panose="02020603050405020304" pitchFamily="18" charset="0"/>
+                <a:cs typeface="Times New Roman" panose="02020603050405020304" pitchFamily="18" charset="0"/>
+              </a:rPr>
+              <a:t>4. </a:t>
             </a:r>
             <a:r>
               <a:rPr lang="en-US" sz="3200" b="1" dirty="0" err="1">
-                <a:solidFill>
-                  <a:schemeClr val="tx2">
-                    <a:lumMod val="10000"/>
-                  </a:schemeClr>
-                </a:solidFill>
                 <a:latin typeface="Times New Roman" panose="02020603050405020304" pitchFamily="18" charset="0"/>
                 <a:cs typeface="Times New Roman" panose="02020603050405020304" pitchFamily="18" charset="0"/>
               </a:rPr>
@@ -15333,11 +15968,6 @@
             </a:r>
             <a:r>
               <a:rPr lang="en-US" sz="3200" b="1" dirty="0">
-                <a:solidFill>
-                  <a:schemeClr val="tx2">
-                    <a:lumMod val="10000"/>
-                  </a:schemeClr>
-                </a:solidFill>
                 <a:latin typeface="Times New Roman" panose="02020603050405020304" pitchFamily="18" charset="0"/>
                 <a:cs typeface="Times New Roman" panose="02020603050405020304" pitchFamily="18" charset="0"/>
               </a:rPr>
@@ -15345,11 +15975,6 @@
             </a:r>
             <a:r>
               <a:rPr lang="en-US" sz="3200" b="1" dirty="0" err="1">
-                <a:solidFill>
-                  <a:schemeClr val="tx2">
-                    <a:lumMod val="10000"/>
-                  </a:schemeClr>
-                </a:solidFill>
                 <a:latin typeface="Times New Roman" panose="02020603050405020304" pitchFamily="18" charset="0"/>
                 <a:cs typeface="Times New Roman" panose="02020603050405020304" pitchFamily="18" charset="0"/>
               </a:rPr>
@@ -15357,11 +15982,6 @@
             </a:r>
             <a:r>
               <a:rPr lang="en-US" sz="3200" b="1" dirty="0">
-                <a:solidFill>
-                  <a:schemeClr val="tx2">
-                    <a:lumMod val="10000"/>
-                  </a:schemeClr>
-                </a:solidFill>
                 <a:latin typeface="Times New Roman" panose="02020603050405020304" pitchFamily="18" charset="0"/>
                 <a:cs typeface="Times New Roman" panose="02020603050405020304" pitchFamily="18" charset="0"/>
               </a:rPr>
@@ -15369,11 +15989,6 @@
             </a:r>
             <a:r>
               <a:rPr lang="en-US" sz="3200" b="1" dirty="0" err="1">
-                <a:solidFill>
-                  <a:schemeClr val="tx2">
-                    <a:lumMod val="10000"/>
-                  </a:schemeClr>
-                </a:solidFill>
                 <a:latin typeface="Times New Roman" panose="02020603050405020304" pitchFamily="18" charset="0"/>
                 <a:cs typeface="Times New Roman" panose="02020603050405020304" pitchFamily="18" charset="0"/>
               </a:rPr>
@@ -15381,11 +15996,6 @@
             </a:r>
             <a:r>
               <a:rPr lang="en-US" sz="3200" b="1" dirty="0">
-                <a:solidFill>
-                  <a:schemeClr val="tx2">
-                    <a:lumMod val="10000"/>
-                  </a:schemeClr>
-                </a:solidFill>
                 <a:latin typeface="Times New Roman" panose="02020603050405020304" pitchFamily="18" charset="0"/>
                 <a:cs typeface="Times New Roman" panose="02020603050405020304" pitchFamily="18" charset="0"/>
               </a:rPr>
@@ -15393,11 +16003,6 @@
             </a:r>
             <a:r>
               <a:rPr lang="en-US" sz="3200" b="1" dirty="0" err="1">
-                <a:solidFill>
-                  <a:schemeClr val="tx2">
-                    <a:lumMod val="10000"/>
-                  </a:schemeClr>
-                </a:solidFill>
                 <a:latin typeface="Times New Roman" panose="02020603050405020304" pitchFamily="18" charset="0"/>
                 <a:cs typeface="Times New Roman" panose="02020603050405020304" pitchFamily="18" charset="0"/>
               </a:rPr>
@@ -15405,11 +16010,6 @@
             </a:r>
             <a:r>
               <a:rPr lang="en-US" sz="3200" b="1" dirty="0">
-                <a:solidFill>
-                  <a:schemeClr val="tx2">
-                    <a:lumMod val="10000"/>
-                  </a:schemeClr>
-                </a:solidFill>
                 <a:latin typeface="Times New Roman" panose="02020603050405020304" pitchFamily="18" charset="0"/>
                 <a:cs typeface="Times New Roman" panose="02020603050405020304" pitchFamily="18" charset="0"/>
               </a:rPr>
@@ -15417,11 +16017,6 @@
             </a:r>
             <a:r>
               <a:rPr lang="en-US" sz="3200" b="1" dirty="0" err="1">
-                <a:solidFill>
-                  <a:schemeClr val="tx2">
-                    <a:lumMod val="10000"/>
-                  </a:schemeClr>
-                </a:solidFill>
                 <a:latin typeface="Times New Roman" panose="02020603050405020304" pitchFamily="18" charset="0"/>
                 <a:cs typeface="Times New Roman" panose="02020603050405020304" pitchFamily="18" charset="0"/>
               </a:rPr>
@@ -15429,11 +16024,6 @@
             </a:r>
             <a:r>
               <a:rPr lang="en-US" sz="3200" b="1" dirty="0">
-                <a:solidFill>
-                  <a:schemeClr val="tx2">
-                    <a:lumMod val="10000"/>
-                  </a:schemeClr>
-                </a:solidFill>
                 <a:latin typeface="Times New Roman" panose="02020603050405020304" pitchFamily="18" charset="0"/>
                 <a:cs typeface="Times New Roman" panose="02020603050405020304" pitchFamily="18" charset="0"/>
               </a:rPr>
@@ -15441,11 +16031,6 @@
             </a:r>
             <a:r>
               <a:rPr lang="en-US" sz="3200" b="1" dirty="0" err="1">
-                <a:solidFill>
-                  <a:schemeClr val="tx2">
-                    <a:lumMod val="10000"/>
-                  </a:schemeClr>
-                </a:solidFill>
                 <a:latin typeface="Times New Roman" panose="02020603050405020304" pitchFamily="18" charset="0"/>
                 <a:cs typeface="Times New Roman" panose="02020603050405020304" pitchFamily="18" charset="0"/>
               </a:rPr>
@@ -15453,11 +16038,6 @@
             </a:r>
             <a:r>
               <a:rPr lang="en-US" sz="3200" b="1" dirty="0">
-                <a:solidFill>
-                  <a:schemeClr val="tx2">
-                    <a:lumMod val="10000"/>
-                  </a:schemeClr>
-                </a:solidFill>
                 <a:latin typeface="Times New Roman" panose="02020603050405020304" pitchFamily="18" charset="0"/>
                 <a:cs typeface="Times New Roman" panose="02020603050405020304" pitchFamily="18" charset="0"/>
               </a:rPr>
@@ -15470,23 +16050,13 @@
             </a:pPr>
             <a:r>
               <a:rPr lang="en-US" sz="3200" b="1" dirty="0">
-                <a:solidFill>
-                  <a:schemeClr val="tx2">
-                    <a:lumMod val="10000"/>
-                  </a:schemeClr>
-                </a:solidFill>
-                <a:latin typeface="Times New Roman" panose="02020603050405020304" pitchFamily="18" charset="0"/>
-                <a:cs typeface="Times New Roman" panose="02020603050405020304" pitchFamily="18" charset="0"/>
-              </a:rPr>
-              <a:t>3. </a:t>
+                <a:latin typeface="Times New Roman" panose="02020603050405020304" pitchFamily="18" charset="0"/>
+                <a:cs typeface="Times New Roman" panose="02020603050405020304" pitchFamily="18" charset="0"/>
+              </a:rPr>
+              <a:t>5. </a:t>
             </a:r>
             <a:r>
               <a:rPr lang="en-US" sz="3200" b="1" dirty="0" err="1">
-                <a:solidFill>
-                  <a:schemeClr val="tx2">
-                    <a:lumMod val="10000"/>
-                  </a:schemeClr>
-                </a:solidFill>
                 <a:latin typeface="Times New Roman" panose="02020603050405020304" pitchFamily="18" charset="0"/>
                 <a:cs typeface="Times New Roman" panose="02020603050405020304" pitchFamily="18" charset="0"/>
               </a:rPr>
@@ -15494,11 +16064,6 @@
             </a:r>
             <a:r>
               <a:rPr lang="en-US" sz="3200" b="1" dirty="0">
-                <a:solidFill>
-                  <a:schemeClr val="tx2">
-                    <a:lumMod val="10000"/>
-                  </a:schemeClr>
-                </a:solidFill>
                 <a:latin typeface="Times New Roman" panose="02020603050405020304" pitchFamily="18" charset="0"/>
                 <a:cs typeface="Times New Roman" panose="02020603050405020304" pitchFamily="18" charset="0"/>
               </a:rPr>
@@ -15506,11 +16071,6 @@
             </a:r>
             <a:r>
               <a:rPr lang="en-US" sz="3200" b="1" dirty="0" err="1">
-                <a:solidFill>
-                  <a:schemeClr val="tx2">
-                    <a:lumMod val="10000"/>
-                  </a:schemeClr>
-                </a:solidFill>
                 <a:latin typeface="Times New Roman" panose="02020603050405020304" pitchFamily="18" charset="0"/>
                 <a:cs typeface="Times New Roman" panose="02020603050405020304" pitchFamily="18" charset="0"/>
               </a:rPr>
@@ -15518,11 +16078,6 @@
             </a:r>
             <a:r>
               <a:rPr lang="en-US" sz="3200" b="1" dirty="0">
-                <a:solidFill>
-                  <a:schemeClr val="tx2">
-                    <a:lumMod val="10000"/>
-                  </a:schemeClr>
-                </a:solidFill>
                 <a:latin typeface="Times New Roman" panose="02020603050405020304" pitchFamily="18" charset="0"/>
                 <a:cs typeface="Times New Roman" panose="02020603050405020304" pitchFamily="18" charset="0"/>
               </a:rPr>
@@ -15530,11 +16085,6 @@
             </a:r>
             <a:r>
               <a:rPr lang="en-US" sz="3200" b="1" dirty="0" err="1">
-                <a:solidFill>
-                  <a:schemeClr val="tx2">
-                    <a:lumMod val="10000"/>
-                  </a:schemeClr>
-                </a:solidFill>
                 <a:latin typeface="Times New Roman" panose="02020603050405020304" pitchFamily="18" charset="0"/>
                 <a:cs typeface="Times New Roman" panose="02020603050405020304" pitchFamily="18" charset="0"/>
               </a:rPr>
@@ -15542,11 +16092,6 @@
             </a:r>
             <a:r>
               <a:rPr lang="en-US" sz="3200" b="1" dirty="0">
-                <a:solidFill>
-                  <a:schemeClr val="tx2">
-                    <a:lumMod val="10000"/>
-                  </a:schemeClr>
-                </a:solidFill>
                 <a:latin typeface="Times New Roman" panose="02020603050405020304" pitchFamily="18" charset="0"/>
                 <a:cs typeface="Times New Roman" panose="02020603050405020304" pitchFamily="18" charset="0"/>
               </a:rPr>
@@ -15554,11 +16099,6 @@
             </a:r>
             <a:r>
               <a:rPr lang="en-US" sz="3200" b="1" dirty="0" err="1">
-                <a:solidFill>
-                  <a:schemeClr val="tx2">
-                    <a:lumMod val="10000"/>
-                  </a:schemeClr>
-                </a:solidFill>
                 <a:latin typeface="Times New Roman" panose="02020603050405020304" pitchFamily="18" charset="0"/>
                 <a:cs typeface="Times New Roman" panose="02020603050405020304" pitchFamily="18" charset="0"/>
               </a:rPr>
@@ -15566,11 +16106,6 @@
             </a:r>
             <a:r>
               <a:rPr lang="en-US" sz="3200" b="1" dirty="0">
-                <a:solidFill>
-                  <a:schemeClr val="tx2">
-                    <a:lumMod val="10000"/>
-                  </a:schemeClr>
-                </a:solidFill>
                 <a:latin typeface="Times New Roman" panose="02020603050405020304" pitchFamily="18" charset="0"/>
                 <a:cs typeface="Times New Roman" panose="02020603050405020304" pitchFamily="18" charset="0"/>
               </a:rPr>
@@ -15578,11 +16113,6 @@
             </a:r>
             <a:r>
               <a:rPr lang="en-US" sz="3200" b="1" dirty="0" err="1">
-                <a:solidFill>
-                  <a:schemeClr val="tx2">
-                    <a:lumMod val="10000"/>
-                  </a:schemeClr>
-                </a:solidFill>
                 <a:latin typeface="Times New Roman" panose="02020603050405020304" pitchFamily="18" charset="0"/>
                 <a:cs typeface="Times New Roman" panose="02020603050405020304" pitchFamily="18" charset="0"/>
               </a:rPr>
@@ -15590,11 +16120,6 @@
             </a:r>
             <a:r>
               <a:rPr lang="en-US" sz="3200" b="1" dirty="0">
-                <a:solidFill>
-                  <a:schemeClr val="tx2">
-                    <a:lumMod val="10000"/>
-                  </a:schemeClr>
-                </a:solidFill>
                 <a:latin typeface="Times New Roman" panose="02020603050405020304" pitchFamily="18" charset="0"/>
                 <a:cs typeface="Times New Roman" panose="02020603050405020304" pitchFamily="18" charset="0"/>
               </a:rPr>
@@ -15602,11 +16127,6 @@
             </a:r>
             <a:r>
               <a:rPr lang="en-US" sz="3200" b="1" dirty="0" err="1">
-                <a:solidFill>
-                  <a:schemeClr val="tx2">
-                    <a:lumMod val="10000"/>
-                  </a:schemeClr>
-                </a:solidFill>
                 <a:latin typeface="Times New Roman" panose="02020603050405020304" pitchFamily="18" charset="0"/>
                 <a:cs typeface="Times New Roman" panose="02020603050405020304" pitchFamily="18" charset="0"/>
               </a:rPr>
@@ -15614,11 +16134,6 @@
             </a:r>
             <a:r>
               <a:rPr lang="en-US" sz="3200" b="1" dirty="0">
-                <a:solidFill>
-                  <a:schemeClr val="tx2">
-                    <a:lumMod val="10000"/>
-                  </a:schemeClr>
-                </a:solidFill>
                 <a:latin typeface="Times New Roman" panose="02020603050405020304" pitchFamily="18" charset="0"/>
                 <a:cs typeface="Times New Roman" panose="02020603050405020304" pitchFamily="18" charset="0"/>
               </a:rPr>
@@ -15631,23 +16146,13 @@
             </a:pPr>
             <a:r>
               <a:rPr lang="en-US" sz="3200" b="1" dirty="0">
-                <a:solidFill>
-                  <a:schemeClr val="tx2">
-                    <a:lumMod val="10000"/>
-                  </a:schemeClr>
-                </a:solidFill>
-                <a:latin typeface="Times New Roman" panose="02020603050405020304" pitchFamily="18" charset="0"/>
-                <a:cs typeface="Times New Roman" panose="02020603050405020304" pitchFamily="18" charset="0"/>
-              </a:rPr>
-              <a:t>4. So </a:t>
+                <a:latin typeface="Times New Roman" panose="02020603050405020304" pitchFamily="18" charset="0"/>
+                <a:cs typeface="Times New Roman" panose="02020603050405020304" pitchFamily="18" charset="0"/>
+              </a:rPr>
+              <a:t>6. So </a:t>
             </a:r>
             <a:r>
               <a:rPr lang="en-US" sz="3200" b="1" dirty="0" err="1">
-                <a:solidFill>
-                  <a:schemeClr val="tx2">
-                    <a:lumMod val="10000"/>
-                  </a:schemeClr>
-                </a:solidFill>
                 <a:latin typeface="Times New Roman" panose="02020603050405020304" pitchFamily="18" charset="0"/>
                 <a:cs typeface="Times New Roman" panose="02020603050405020304" pitchFamily="18" charset="0"/>
               </a:rPr>
@@ -15655,11 +16160,6 @@
             </a:r>
             <a:r>
               <a:rPr lang="en-US" sz="3200" b="1" dirty="0">
-                <a:solidFill>
-                  <a:schemeClr val="tx2">
-                    <a:lumMod val="10000"/>
-                  </a:schemeClr>
-                </a:solidFill>
                 <a:latin typeface="Times New Roman" panose="02020603050405020304" pitchFamily="18" charset="0"/>
                 <a:cs typeface="Times New Roman" panose="02020603050405020304" pitchFamily="18" charset="0"/>
               </a:rPr>
@@ -15667,11 +16167,6 @@
             </a:r>
             <a:r>
               <a:rPr lang="en-US" sz="3200" b="1" dirty="0" err="1">
-                <a:solidFill>
-                  <a:schemeClr val="tx2">
-                    <a:lumMod val="10000"/>
-                  </a:schemeClr>
-                </a:solidFill>
                 <a:latin typeface="Times New Roman" panose="02020603050405020304" pitchFamily="18" charset="0"/>
                 <a:cs typeface="Times New Roman" panose="02020603050405020304" pitchFamily="18" charset="0"/>
               </a:rPr>
@@ -15679,11 +16174,6 @@
             </a:r>
             <a:r>
               <a:rPr lang="en-US" sz="3200" b="1" dirty="0">
-                <a:solidFill>
-                  <a:schemeClr val="tx2">
-                    <a:lumMod val="10000"/>
-                  </a:schemeClr>
-                </a:solidFill>
                 <a:latin typeface="Times New Roman" panose="02020603050405020304" pitchFamily="18" charset="0"/>
                 <a:cs typeface="Times New Roman" panose="02020603050405020304" pitchFamily="18" charset="0"/>
               </a:rPr>
@@ -15691,11 +16181,6 @@
             </a:r>
             <a:r>
               <a:rPr lang="en-US" sz="3200" b="1" dirty="0" err="1">
-                <a:solidFill>
-                  <a:schemeClr val="tx2">
-                    <a:lumMod val="10000"/>
-                  </a:schemeClr>
-                </a:solidFill>
                 <a:latin typeface="Times New Roman" panose="02020603050405020304" pitchFamily="18" charset="0"/>
                 <a:cs typeface="Times New Roman" panose="02020603050405020304" pitchFamily="18" charset="0"/>
               </a:rPr>
@@ -15703,11 +16188,6 @@
             </a:r>
             <a:r>
               <a:rPr lang="en-US" sz="3200" b="1" dirty="0">
-                <a:solidFill>
-                  <a:schemeClr val="tx2">
-                    <a:lumMod val="10000"/>
-                  </a:schemeClr>
-                </a:solidFill>
                 <a:latin typeface="Times New Roman" panose="02020603050405020304" pitchFamily="18" charset="0"/>
                 <a:cs typeface="Times New Roman" panose="02020603050405020304" pitchFamily="18" charset="0"/>
               </a:rPr>
@@ -15715,11 +16195,6 @@
             </a:r>
             <a:r>
               <a:rPr lang="en-US" sz="3200" b="1" dirty="0" err="1">
-                <a:solidFill>
-                  <a:schemeClr val="tx2">
-                    <a:lumMod val="10000"/>
-                  </a:schemeClr>
-                </a:solidFill>
                 <a:latin typeface="Times New Roman" panose="02020603050405020304" pitchFamily="18" charset="0"/>
                 <a:cs typeface="Times New Roman" panose="02020603050405020304" pitchFamily="18" charset="0"/>
               </a:rPr>
@@ -15727,11 +16202,6 @@
             </a:r>
             <a:r>
               <a:rPr lang="en-US" sz="3200" b="1" dirty="0">
-                <a:solidFill>
-                  <a:schemeClr val="tx2">
-                    <a:lumMod val="10000"/>
-                  </a:schemeClr>
-                </a:solidFill>
                 <a:latin typeface="Times New Roman" panose="02020603050405020304" pitchFamily="18" charset="0"/>
                 <a:cs typeface="Times New Roman" panose="02020603050405020304" pitchFamily="18" charset="0"/>
               </a:rPr>
@@ -15739,11 +16209,6 @@
             </a:r>
             <a:r>
               <a:rPr lang="en-US" sz="3200" b="1" dirty="0" err="1">
-                <a:solidFill>
-                  <a:schemeClr val="tx2">
-                    <a:lumMod val="10000"/>
-                  </a:schemeClr>
-                </a:solidFill>
                 <a:latin typeface="Times New Roman" panose="02020603050405020304" pitchFamily="18" charset="0"/>
                 <a:cs typeface="Times New Roman" panose="02020603050405020304" pitchFamily="18" charset="0"/>
               </a:rPr>
@@ -15751,11 +16216,6 @@
             </a:r>
             <a:r>
               <a:rPr lang="en-US" sz="3200" b="1" dirty="0">
-                <a:solidFill>
-                  <a:schemeClr val="tx2">
-                    <a:lumMod val="10000"/>
-                  </a:schemeClr>
-                </a:solidFill>
                 <a:latin typeface="Times New Roman" panose="02020603050405020304" pitchFamily="18" charset="0"/>
                 <a:cs typeface="Times New Roman" panose="02020603050405020304" pitchFamily="18" charset="0"/>
               </a:rPr>
@@ -15763,11 +16223,6 @@
             </a:r>
             <a:r>
               <a:rPr lang="en-US" sz="3200" b="1" dirty="0" err="1">
-                <a:solidFill>
-                  <a:schemeClr val="tx2">
-                    <a:lumMod val="10000"/>
-                  </a:schemeClr>
-                </a:solidFill>
                 <a:latin typeface="Times New Roman" panose="02020603050405020304" pitchFamily="18" charset="0"/>
                 <a:cs typeface="Times New Roman" panose="02020603050405020304" pitchFamily="18" charset="0"/>
               </a:rPr>
@@ -15775,11 +16230,6 @@
             </a:r>
             <a:r>
               <a:rPr lang="en-US" sz="3200" b="1" dirty="0">
-                <a:solidFill>
-                  <a:schemeClr val="tx2">
-                    <a:lumMod val="10000"/>
-                  </a:schemeClr>
-                </a:solidFill>
                 <a:latin typeface="Times New Roman" panose="02020603050405020304" pitchFamily="18" charset="0"/>
                 <a:cs typeface="Times New Roman" panose="02020603050405020304" pitchFamily="18" charset="0"/>
               </a:rPr>
@@ -15787,11 +16237,6 @@
             </a:r>
             <a:r>
               <a:rPr lang="en-US" sz="3200" b="1" dirty="0" err="1">
-                <a:solidFill>
-                  <a:schemeClr val="tx2">
-                    <a:lumMod val="10000"/>
-                  </a:schemeClr>
-                </a:solidFill>
                 <a:latin typeface="Times New Roman" panose="02020603050405020304" pitchFamily="18" charset="0"/>
                 <a:cs typeface="Times New Roman" panose="02020603050405020304" pitchFamily="18" charset="0"/>
               </a:rPr>
@@ -15799,11 +16244,6 @@
             </a:r>
             <a:r>
               <a:rPr lang="en-US" sz="3200" b="1" dirty="0">
-                <a:solidFill>
-                  <a:schemeClr val="tx2">
-                    <a:lumMod val="10000"/>
-                  </a:schemeClr>
-                </a:solidFill>
                 <a:latin typeface="Times New Roman" panose="02020603050405020304" pitchFamily="18" charset="0"/>
                 <a:cs typeface="Times New Roman" panose="02020603050405020304" pitchFamily="18" charset="0"/>
               </a:rPr>
@@ -15816,35 +16256,20 @@
             </a:pPr>
             <a:r>
               <a:rPr lang="en-US" sz="3200" b="1" dirty="0">
-                <a:solidFill>
-                  <a:schemeClr val="tx2">
-                    <a:lumMod val="10000"/>
-                  </a:schemeClr>
-                </a:solidFill>
-                <a:latin typeface="Times New Roman" panose="02020603050405020304" pitchFamily="18" charset="0"/>
-                <a:cs typeface="Times New Roman" panose="02020603050405020304" pitchFamily="18" charset="0"/>
-              </a:rPr>
-              <a:t>5. </a:t>
+                <a:latin typeface="Times New Roman" panose="02020603050405020304" pitchFamily="18" charset="0"/>
+                <a:cs typeface="Times New Roman" panose="02020603050405020304" pitchFamily="18" charset="0"/>
+              </a:rPr>
+              <a:t>7. </a:t>
             </a:r>
             <a:r>
               <a:rPr lang="en-US" sz="3200" b="1" dirty="0" err="1">
-                <a:solidFill>
-                  <a:schemeClr val="tx2">
-                    <a:lumMod val="10000"/>
-                  </a:schemeClr>
-                </a:solidFill>
-                <a:latin typeface="Times New Roman" panose="02020603050405020304" pitchFamily="18" charset="0"/>
-                <a:cs typeface="Times New Roman" panose="02020603050405020304" pitchFamily="18" charset="0"/>
-              </a:rPr>
-              <a:t>Cách</a:t>
+                <a:latin typeface="Times New Roman" panose="02020603050405020304" pitchFamily="18" charset="0"/>
+                <a:cs typeface="Times New Roman" panose="02020603050405020304" pitchFamily="18" charset="0"/>
+              </a:rPr>
+              <a:t>Đánh</a:t>
             </a:r>
             <a:r>
               <a:rPr lang="en-US" sz="3200" b="1" dirty="0">
-                <a:solidFill>
-                  <a:schemeClr val="tx2">
-                    <a:lumMod val="10000"/>
-                  </a:schemeClr>
-                </a:solidFill>
                 <a:latin typeface="Times New Roman" panose="02020603050405020304" pitchFamily="18" charset="0"/>
                 <a:cs typeface="Times New Roman" panose="02020603050405020304" pitchFamily="18" charset="0"/>
               </a:rPr>
@@ -15852,23 +16277,13 @@
             </a:r>
             <a:r>
               <a:rPr lang="en-US" sz="3200" b="1" dirty="0" err="1">
-                <a:solidFill>
-                  <a:schemeClr val="tx2">
-                    <a:lumMod val="10000"/>
-                  </a:schemeClr>
-                </a:solidFill>
-                <a:latin typeface="Times New Roman" panose="02020603050405020304" pitchFamily="18" charset="0"/>
-                <a:cs typeface="Times New Roman" panose="02020603050405020304" pitchFamily="18" charset="0"/>
-              </a:rPr>
-              <a:t>tạo</a:t>
+                <a:latin typeface="Times New Roman" panose="02020603050405020304" pitchFamily="18" charset="0"/>
+                <a:cs typeface="Times New Roman" panose="02020603050405020304" pitchFamily="18" charset="0"/>
+              </a:rPr>
+              <a:t>giá</a:t>
             </a:r>
             <a:r>
               <a:rPr lang="en-US" sz="3200" b="1" dirty="0">
-                <a:solidFill>
-                  <a:schemeClr val="tx2">
-                    <a:lumMod val="10000"/>
-                  </a:schemeClr>
-                </a:solidFill>
                 <a:latin typeface="Times New Roman" panose="02020603050405020304" pitchFamily="18" charset="0"/>
                 <a:cs typeface="Times New Roman" panose="02020603050405020304" pitchFamily="18" charset="0"/>
               </a:rPr>
@@ -15876,47 +16291,27 @@
             </a:r>
             <a:r>
               <a:rPr lang="en-US" sz="3200" b="1" dirty="0" err="1">
-                <a:solidFill>
-                  <a:schemeClr val="tx2">
-                    <a:lumMod val="10000"/>
-                  </a:schemeClr>
-                </a:solidFill>
-                <a:latin typeface="Times New Roman" panose="02020603050405020304" pitchFamily="18" charset="0"/>
-                <a:cs typeface="Times New Roman" panose="02020603050405020304" pitchFamily="18" charset="0"/>
-              </a:rPr>
-              <a:t>một</a:t>
+                <a:latin typeface="Times New Roman" panose="02020603050405020304" pitchFamily="18" charset="0"/>
+                <a:cs typeface="Times New Roman" panose="02020603050405020304" pitchFamily="18" charset="0"/>
+              </a:rPr>
+              <a:t>chung</a:t>
             </a:r>
             <a:r>
               <a:rPr lang="en-US" sz="3200" b="1" dirty="0">
-                <a:solidFill>
-                  <a:schemeClr val="tx2">
-                    <a:lumMod val="10000"/>
-                  </a:schemeClr>
-                </a:solidFill>
-                <a:latin typeface="Times New Roman" panose="02020603050405020304" pitchFamily="18" charset="0"/>
-                <a:cs typeface="Times New Roman" panose="02020603050405020304" pitchFamily="18" charset="0"/>
-              </a:rPr>
-              <a:t> Test API </a:t>
+                <a:latin typeface="Times New Roman" panose="02020603050405020304" pitchFamily="18" charset="0"/>
+                <a:cs typeface="Times New Roman" panose="02020603050405020304" pitchFamily="18" charset="0"/>
+              </a:rPr>
+              <a:t> </a:t>
             </a:r>
             <a:r>
               <a:rPr lang="en-US" sz="3200" b="1" dirty="0" err="1">
-                <a:solidFill>
-                  <a:schemeClr val="tx2">
-                    <a:lumMod val="10000"/>
-                  </a:schemeClr>
-                </a:solidFill>
-                <a:latin typeface="Times New Roman" panose="02020603050405020304" pitchFamily="18" charset="0"/>
-                <a:cs typeface="Times New Roman" panose="02020603050405020304" pitchFamily="18" charset="0"/>
-              </a:rPr>
-              <a:t>trên</a:t>
+                <a:latin typeface="Times New Roman" panose="02020603050405020304" pitchFamily="18" charset="0"/>
+                <a:cs typeface="Times New Roman" panose="02020603050405020304" pitchFamily="18" charset="0"/>
+              </a:rPr>
+              <a:t>về</a:t>
             </a:r>
             <a:r>
               <a:rPr lang="en-US" sz="3200" b="1" dirty="0">
-                <a:solidFill>
-                  <a:schemeClr val="tx2">
-                    <a:lumMod val="10000"/>
-                  </a:schemeClr>
-                </a:solidFill>
                 <a:latin typeface="Times New Roman" panose="02020603050405020304" pitchFamily="18" charset="0"/>
                 <a:cs typeface="Times New Roman" panose="02020603050405020304" pitchFamily="18" charset="0"/>
               </a:rPr>
@@ -15924,28 +16319,323 @@
             </a:r>
             <a:r>
               <a:rPr lang="en-US" sz="3200" b="1" dirty="0" err="1">
-                <a:solidFill>
-                  <a:schemeClr val="tx2">
-                    <a:lumMod val="10000"/>
-                  </a:schemeClr>
-                </a:solidFill>
-                <a:latin typeface="Times New Roman" panose="02020603050405020304" pitchFamily="18" charset="0"/>
-                <a:cs typeface="Times New Roman" panose="02020603050405020304" pitchFamily="18" charset="0"/>
-              </a:rPr>
-              <a:t>Katalon</a:t>
+                <a:latin typeface="Times New Roman" panose="02020603050405020304" pitchFamily="18" charset="0"/>
+                <a:cs typeface="Times New Roman" panose="02020603050405020304" pitchFamily="18" charset="0"/>
+              </a:rPr>
+              <a:t>các</a:t>
             </a:r>
             <a:r>
               <a:rPr lang="en-US" sz="3200" b="1" dirty="0">
-                <a:solidFill>
-                  <a:schemeClr val="tx2">
-                    <a:lumMod val="10000"/>
-                  </a:schemeClr>
-                </a:solidFill>
-                <a:latin typeface="Times New Roman" panose="02020603050405020304" pitchFamily="18" charset="0"/>
-                <a:cs typeface="Times New Roman" panose="02020603050405020304" pitchFamily="18" charset="0"/>
-              </a:rPr>
-              <a:t> Studio</a:t>
-            </a:r>
+                <a:latin typeface="Times New Roman" panose="02020603050405020304" pitchFamily="18" charset="0"/>
+                <a:cs typeface="Times New Roman" panose="02020603050405020304" pitchFamily="18" charset="0"/>
+              </a:rPr>
+              <a:t> </a:t>
+            </a:r>
+            <a:r>
+              <a:rPr lang="en-US" sz="3200" b="1" dirty="0" err="1">
+                <a:latin typeface="Times New Roman" panose="02020603050405020304" pitchFamily="18" charset="0"/>
+                <a:cs typeface="Times New Roman" panose="02020603050405020304" pitchFamily="18" charset="0"/>
+              </a:rPr>
+              <a:t>công</a:t>
+            </a:r>
+            <a:r>
+              <a:rPr lang="en-US" sz="3200" b="1" dirty="0">
+                <a:latin typeface="Times New Roman" panose="02020603050405020304" pitchFamily="18" charset="0"/>
+                <a:cs typeface="Times New Roman" panose="02020603050405020304" pitchFamily="18" charset="0"/>
+              </a:rPr>
+              <a:t> </a:t>
+            </a:r>
+            <a:r>
+              <a:rPr lang="en-US" sz="3200" b="1" dirty="0" err="1">
+                <a:latin typeface="Times New Roman" panose="02020603050405020304" pitchFamily="18" charset="0"/>
+                <a:cs typeface="Times New Roman" panose="02020603050405020304" pitchFamily="18" charset="0"/>
+              </a:rPr>
+              <a:t>cụ</a:t>
+            </a:r>
+            <a:r>
+              <a:rPr lang="en-US" sz="3200" b="1" dirty="0">
+                <a:latin typeface="Times New Roman" panose="02020603050405020304" pitchFamily="18" charset="0"/>
+                <a:cs typeface="Times New Roman" panose="02020603050405020304" pitchFamily="18" charset="0"/>
+              </a:rPr>
+              <a:t> </a:t>
+            </a:r>
+            <a:r>
+              <a:rPr lang="en-US" sz="3200" b="1" dirty="0" err="1">
+                <a:latin typeface="Times New Roman" panose="02020603050405020304" pitchFamily="18" charset="0"/>
+                <a:cs typeface="Times New Roman" panose="02020603050405020304" pitchFamily="18" charset="0"/>
+              </a:rPr>
+              <a:t>kiểm</a:t>
+            </a:r>
+            <a:r>
+              <a:rPr lang="en-US" sz="3200" b="1" dirty="0">
+                <a:latin typeface="Times New Roman" panose="02020603050405020304" pitchFamily="18" charset="0"/>
+                <a:cs typeface="Times New Roman" panose="02020603050405020304" pitchFamily="18" charset="0"/>
+              </a:rPr>
+              <a:t> </a:t>
+            </a:r>
+            <a:r>
+              <a:rPr lang="en-US" sz="3200" b="1" dirty="0" err="1">
+                <a:latin typeface="Times New Roman" panose="02020603050405020304" pitchFamily="18" charset="0"/>
+                <a:cs typeface="Times New Roman" panose="02020603050405020304" pitchFamily="18" charset="0"/>
+              </a:rPr>
+              <a:t>thử</a:t>
+            </a:r>
+            <a:r>
+              <a:rPr lang="en-US" sz="3200" b="1" dirty="0">
+                <a:latin typeface="Times New Roman" panose="02020603050405020304" pitchFamily="18" charset="0"/>
+                <a:cs typeface="Times New Roman" panose="02020603050405020304" pitchFamily="18" charset="0"/>
+              </a:rPr>
+              <a:t> </a:t>
+            </a:r>
+            <a:r>
+              <a:rPr lang="en-US" sz="3200" b="1" dirty="0" err="1">
+                <a:latin typeface="Times New Roman" panose="02020603050405020304" pitchFamily="18" charset="0"/>
+                <a:cs typeface="Times New Roman" panose="02020603050405020304" pitchFamily="18" charset="0"/>
+              </a:rPr>
+              <a:t>hiện</a:t>
+            </a:r>
+            <a:r>
+              <a:rPr lang="en-US" sz="3200" b="1" dirty="0">
+                <a:latin typeface="Times New Roman" panose="02020603050405020304" pitchFamily="18" charset="0"/>
+                <a:cs typeface="Times New Roman" panose="02020603050405020304" pitchFamily="18" charset="0"/>
+              </a:rPr>
+              <a:t> nay</a:t>
+            </a:r>
+          </a:p>
+          <a:p>
+            <a:pPr marL="0" indent="0">
+              <a:buNone/>
+            </a:pPr>
+            <a:r>
+              <a:rPr lang="en-US" sz="3200" b="1" dirty="0">
+                <a:latin typeface="Times New Roman" panose="02020603050405020304" pitchFamily="18" charset="0"/>
+                <a:cs typeface="Times New Roman" panose="02020603050405020304" pitchFamily="18" charset="0"/>
+              </a:rPr>
+              <a:t>8. </a:t>
+            </a:r>
+            <a:r>
+              <a:rPr lang="en-US" sz="3200" b="1" dirty="0" err="1">
+                <a:latin typeface="Times New Roman" panose="02020603050405020304" pitchFamily="18" charset="0"/>
+                <a:cs typeface="Times New Roman" panose="02020603050405020304" pitchFamily="18" charset="0"/>
+              </a:rPr>
+              <a:t>Các</a:t>
+            </a:r>
+            <a:r>
+              <a:rPr lang="en-US" sz="3200" b="1" dirty="0">
+                <a:latin typeface="Times New Roman" panose="02020603050405020304" pitchFamily="18" charset="0"/>
+                <a:cs typeface="Times New Roman" panose="02020603050405020304" pitchFamily="18" charset="0"/>
+              </a:rPr>
+              <a:t> </a:t>
+            </a:r>
+            <a:r>
+              <a:rPr lang="en-US" sz="3200" b="1" dirty="0" err="1">
+                <a:latin typeface="Times New Roman" panose="02020603050405020304" pitchFamily="18" charset="0"/>
+                <a:cs typeface="Times New Roman" panose="02020603050405020304" pitchFamily="18" charset="0"/>
+              </a:rPr>
+              <a:t>môi</a:t>
+            </a:r>
+            <a:r>
+              <a:rPr lang="en-US" sz="3200" b="1" dirty="0">
+                <a:latin typeface="Times New Roman" panose="02020603050405020304" pitchFamily="18" charset="0"/>
+                <a:cs typeface="Times New Roman" panose="02020603050405020304" pitchFamily="18" charset="0"/>
+              </a:rPr>
+              <a:t> tr</a:t>
+            </a:r>
+            <a:r>
+              <a:rPr lang="vi-VN" sz="3200" b="1" dirty="0">
+                <a:latin typeface="Times New Roman" panose="02020603050405020304" pitchFamily="18" charset="0"/>
+                <a:cs typeface="Times New Roman" panose="02020603050405020304" pitchFamily="18" charset="0"/>
+              </a:rPr>
+              <a:t>ư</a:t>
+            </a:r>
+            <a:r>
+              <a:rPr lang="en-US" sz="3200" b="1" dirty="0" err="1">
+                <a:latin typeface="Times New Roman" panose="02020603050405020304" pitchFamily="18" charset="0"/>
+                <a:cs typeface="Times New Roman" panose="02020603050405020304" pitchFamily="18" charset="0"/>
+              </a:rPr>
+              <a:t>ờng</a:t>
+            </a:r>
+            <a:r>
+              <a:rPr lang="en-US" sz="3200" b="1" dirty="0">
+                <a:latin typeface="Times New Roman" panose="02020603050405020304" pitchFamily="18" charset="0"/>
+                <a:cs typeface="Times New Roman" panose="02020603050405020304" pitchFamily="18" charset="0"/>
+              </a:rPr>
+              <a:t> </a:t>
+            </a:r>
+            <a:r>
+              <a:rPr lang="en-US" sz="3200" b="1" dirty="0" err="1">
+                <a:latin typeface="Times New Roman" panose="02020603050405020304" pitchFamily="18" charset="0"/>
+                <a:cs typeface="Times New Roman" panose="02020603050405020304" pitchFamily="18" charset="0"/>
+              </a:rPr>
+              <a:t>hỗ</a:t>
+            </a:r>
+            <a:r>
+              <a:rPr lang="en-US" sz="3200" b="1" dirty="0">
+                <a:latin typeface="Times New Roman" panose="02020603050405020304" pitchFamily="18" charset="0"/>
+                <a:cs typeface="Times New Roman" panose="02020603050405020304" pitchFamily="18" charset="0"/>
+              </a:rPr>
+              <a:t> </a:t>
+            </a:r>
+            <a:r>
+              <a:rPr lang="en-US" sz="3200" b="1" dirty="0" err="1">
+                <a:latin typeface="Times New Roman" panose="02020603050405020304" pitchFamily="18" charset="0"/>
+                <a:cs typeface="Times New Roman" panose="02020603050405020304" pitchFamily="18" charset="0"/>
+              </a:rPr>
+              <a:t>trợ</a:t>
+            </a:r>
+            <a:endParaRPr lang="en-US" sz="3200" b="1" dirty="0">
+              <a:latin typeface="Times New Roman" panose="02020603050405020304" pitchFamily="18" charset="0"/>
+              <a:cs typeface="Times New Roman" panose="02020603050405020304" pitchFamily="18" charset="0"/>
+            </a:endParaRPr>
+          </a:p>
+          <a:p>
+            <a:pPr marL="0" indent="0">
+              <a:buNone/>
+            </a:pPr>
+            <a:r>
+              <a:rPr lang="en-US" sz="3200" b="1" dirty="0">
+                <a:latin typeface="Times New Roman" panose="02020603050405020304" pitchFamily="18" charset="0"/>
+                <a:cs typeface="Times New Roman" panose="02020603050405020304" pitchFamily="18" charset="0"/>
+              </a:rPr>
+              <a:t>9. </a:t>
+            </a:r>
+            <a:r>
+              <a:rPr lang="en-US" sz="3200" b="1" dirty="0" err="1">
+                <a:latin typeface="Times New Roman" panose="02020603050405020304" pitchFamily="18" charset="0"/>
+                <a:cs typeface="Times New Roman" panose="02020603050405020304" pitchFamily="18" charset="0"/>
+              </a:rPr>
+              <a:t>Yêu</a:t>
+            </a:r>
+            <a:r>
+              <a:rPr lang="en-US" sz="3200" b="1" dirty="0">
+                <a:latin typeface="Times New Roman" panose="02020603050405020304" pitchFamily="18" charset="0"/>
+                <a:cs typeface="Times New Roman" panose="02020603050405020304" pitchFamily="18" charset="0"/>
+              </a:rPr>
+              <a:t> </a:t>
+            </a:r>
+            <a:r>
+              <a:rPr lang="en-US" sz="3200" b="1" dirty="0" err="1">
+                <a:latin typeface="Times New Roman" panose="02020603050405020304" pitchFamily="18" charset="0"/>
+                <a:cs typeface="Times New Roman" panose="02020603050405020304" pitchFamily="18" charset="0"/>
+              </a:rPr>
+              <a:t>cầu</a:t>
+            </a:r>
+            <a:r>
+              <a:rPr lang="en-US" sz="3200" b="1" dirty="0">
+                <a:latin typeface="Times New Roman" panose="02020603050405020304" pitchFamily="18" charset="0"/>
+                <a:cs typeface="Times New Roman" panose="02020603050405020304" pitchFamily="18" charset="0"/>
+              </a:rPr>
+              <a:t> </a:t>
+            </a:r>
+            <a:r>
+              <a:rPr lang="en-US" sz="3200" b="1" dirty="0" err="1">
+                <a:latin typeface="Times New Roman" panose="02020603050405020304" pitchFamily="18" charset="0"/>
+                <a:cs typeface="Times New Roman" panose="02020603050405020304" pitchFamily="18" charset="0"/>
+              </a:rPr>
+              <a:t>cấu</a:t>
+            </a:r>
+            <a:r>
+              <a:rPr lang="en-US" sz="3200" b="1" dirty="0">
+                <a:latin typeface="Times New Roman" panose="02020603050405020304" pitchFamily="18" charset="0"/>
+                <a:cs typeface="Times New Roman" panose="02020603050405020304" pitchFamily="18" charset="0"/>
+              </a:rPr>
+              <a:t> </a:t>
+            </a:r>
+            <a:r>
+              <a:rPr lang="en-US" sz="3200" b="1" dirty="0" err="1">
+                <a:latin typeface="Times New Roman" panose="02020603050405020304" pitchFamily="18" charset="0"/>
+                <a:cs typeface="Times New Roman" panose="02020603050405020304" pitchFamily="18" charset="0"/>
+              </a:rPr>
+              <a:t>hình</a:t>
+            </a:r>
+            <a:endParaRPr lang="en-US" sz="3200" b="1" dirty="0">
+              <a:latin typeface="Times New Roman" panose="02020603050405020304" pitchFamily="18" charset="0"/>
+              <a:cs typeface="Times New Roman" panose="02020603050405020304" pitchFamily="18" charset="0"/>
+            </a:endParaRPr>
+          </a:p>
+          <a:p>
+            <a:pPr marL="0" indent="0">
+              <a:buNone/>
+            </a:pPr>
+            <a:r>
+              <a:rPr lang="en-US" sz="3200" b="1" dirty="0">
+                <a:latin typeface="Times New Roman" panose="02020603050405020304" pitchFamily="18" charset="0"/>
+                <a:cs typeface="Times New Roman" panose="02020603050405020304" pitchFamily="18" charset="0"/>
+              </a:rPr>
+              <a:t>10. </a:t>
+            </a:r>
+            <a:r>
+              <a:rPr lang="en-US" sz="3200" b="1" dirty="0" err="1">
+                <a:latin typeface="Times New Roman" panose="02020603050405020304" pitchFamily="18" charset="0"/>
+                <a:cs typeface="Times New Roman" panose="02020603050405020304" pitchFamily="18" charset="0"/>
+              </a:rPr>
+              <a:t>Các</a:t>
+            </a:r>
+            <a:r>
+              <a:rPr lang="en-US" sz="3200" b="1" dirty="0">
+                <a:latin typeface="Times New Roman" panose="02020603050405020304" pitchFamily="18" charset="0"/>
+                <a:cs typeface="Times New Roman" panose="02020603050405020304" pitchFamily="18" charset="0"/>
+              </a:rPr>
+              <a:t> </a:t>
+            </a:r>
+            <a:r>
+              <a:rPr lang="en-US" sz="3200" b="1" dirty="0" err="1">
+                <a:latin typeface="Times New Roman" panose="02020603050405020304" pitchFamily="18" charset="0"/>
+                <a:cs typeface="Times New Roman" panose="02020603050405020304" pitchFamily="18" charset="0"/>
+              </a:rPr>
+              <a:t>xu</a:t>
+            </a:r>
+            <a:r>
+              <a:rPr lang="en-US" sz="3200" b="1" dirty="0">
+                <a:latin typeface="Times New Roman" panose="02020603050405020304" pitchFamily="18" charset="0"/>
+                <a:cs typeface="Times New Roman" panose="02020603050405020304" pitchFamily="18" charset="0"/>
+              </a:rPr>
+              <a:t> h</a:t>
+            </a:r>
+            <a:r>
+              <a:rPr lang="vi-VN" sz="3200" b="1" dirty="0">
+                <a:latin typeface="Times New Roman" panose="02020603050405020304" pitchFamily="18" charset="0"/>
+                <a:cs typeface="Times New Roman" panose="02020603050405020304" pitchFamily="18" charset="0"/>
+              </a:rPr>
+              <a:t>ư</a:t>
+            </a:r>
+            <a:r>
+              <a:rPr lang="en-US" sz="3200" b="1" dirty="0" err="1">
+                <a:latin typeface="Times New Roman" panose="02020603050405020304" pitchFamily="18" charset="0"/>
+                <a:cs typeface="Times New Roman" panose="02020603050405020304" pitchFamily="18" charset="0"/>
+              </a:rPr>
+              <a:t>ớng</a:t>
+            </a:r>
+            <a:r>
+              <a:rPr lang="en-US" sz="3200" b="1" dirty="0">
+                <a:latin typeface="Times New Roman" panose="02020603050405020304" pitchFamily="18" charset="0"/>
+                <a:cs typeface="Times New Roman" panose="02020603050405020304" pitchFamily="18" charset="0"/>
+              </a:rPr>
+              <a:t> testing </a:t>
+            </a:r>
+            <a:r>
+              <a:rPr lang="en-US" sz="3200" b="1" dirty="0" err="1">
+                <a:latin typeface="Times New Roman" panose="02020603050405020304" pitchFamily="18" charset="0"/>
+                <a:cs typeface="Times New Roman" panose="02020603050405020304" pitchFamily="18" charset="0"/>
+              </a:rPr>
+              <a:t>hiện</a:t>
+            </a:r>
+            <a:r>
+              <a:rPr lang="en-US" sz="3200" b="1" dirty="0">
+                <a:latin typeface="Times New Roman" panose="02020603050405020304" pitchFamily="18" charset="0"/>
+                <a:cs typeface="Times New Roman" panose="02020603050405020304" pitchFamily="18" charset="0"/>
+              </a:rPr>
+              <a:t> nay</a:t>
+            </a:r>
+          </a:p>
+          <a:p>
+            <a:pPr marL="0" indent="0">
+              <a:buNone/>
+            </a:pPr>
+            <a:endParaRPr lang="en-US" sz="3200" b="1" dirty="0">
+              <a:latin typeface="Times New Roman" panose="02020603050405020304" pitchFamily="18" charset="0"/>
+              <a:cs typeface="Times New Roman" panose="02020603050405020304" pitchFamily="18" charset="0"/>
+            </a:endParaRPr>
           </a:p>
         </p:txBody>
       </p:sp>
@@ -16021,6 +16711,803 @@
 </file>
 
 <file path=ppt/slides/slide3.xml><?xml version="1.0" encoding="utf-8"?>
+<p:sld xmlns:a="http://schemas.openxmlformats.org/drawingml/2006/main" xmlns:r="http://schemas.openxmlformats.org/officeDocument/2006/relationships" xmlns:p="http://schemas.openxmlformats.org/presentationml/2006/main">
+  <p:cSld>
+    <p:spTree>
+      <p:nvGrpSpPr>
+        <p:cNvPr id="1" name=""/>
+        <p:cNvGrpSpPr/>
+        <p:nvPr/>
+      </p:nvGrpSpPr>
+      <p:grpSpPr>
+        <a:xfrm>
+          <a:off x="0" y="0"/>
+          <a:ext cx="0" cy="0"/>
+          <a:chOff x="0" y="0"/>
+          <a:chExt cx="0" cy="0"/>
+        </a:xfrm>
+      </p:grpSpPr>
+      <p:sp>
+        <p:nvSpPr>
+          <p:cNvPr id="3" name="Text Placeholder 2">
+            <a:extLst>
+              <a:ext uri="{FF2B5EF4-FFF2-40B4-BE49-F238E27FC236}">
+                <a16:creationId xmlns:a16="http://schemas.microsoft.com/office/drawing/2014/main" id="{E654F396-8E96-4F66-87DE-E708C0B10348}"/>
+              </a:ext>
+            </a:extLst>
+          </p:cNvPr>
+          <p:cNvSpPr>
+            <a:spLocks noGrp="1"/>
+          </p:cNvSpPr>
+          <p:nvPr>
+            <p:ph type="body" sz="quarter" idx="13"/>
+          </p:nvPr>
+        </p:nvSpPr>
+        <p:spPr>
+          <a:xfrm>
+            <a:off x="663900" y="2202853"/>
+            <a:ext cx="11355819" cy="3098016"/>
+          </a:xfrm>
+        </p:spPr>
+        <p:txBody>
+          <a:bodyPr/>
+          <a:lstStyle/>
+          <a:p>
+            <a:pPr marL="342900" indent="-342900">
+              <a:buFont typeface="Wingdings" panose="05000000000000000000" pitchFamily="2" charset="2"/>
+              <a:buChar char="§"/>
+            </a:pPr>
+            <a:r>
+              <a:rPr lang="vi-VN" sz="2400" dirty="0">
+                <a:solidFill>
+                  <a:schemeClr val="tx1">
+                    <a:lumMod val="75000"/>
+                  </a:schemeClr>
+                </a:solidFill>
+                <a:latin typeface="Times New Roman" panose="02020603050405020304" pitchFamily="18" charset="0"/>
+                <a:cs typeface="Times New Roman" panose="02020603050405020304" pitchFamily="18" charset="0"/>
+              </a:rPr>
+              <a:t>Katalon cung cấp giao diện thân thiện với chế độ thủ công</a:t>
+            </a:r>
+            <a:endParaRPr lang="en-US" sz="2400" dirty="0">
+              <a:solidFill>
+                <a:schemeClr val="tx1">
+                  <a:lumMod val="75000"/>
+                </a:schemeClr>
+              </a:solidFill>
+              <a:latin typeface="Times New Roman" panose="02020603050405020304" pitchFamily="18" charset="0"/>
+              <a:cs typeface="Times New Roman" panose="02020603050405020304" pitchFamily="18" charset="0"/>
+            </a:endParaRPr>
+          </a:p>
+          <a:p>
+            <a:pPr marL="342900" indent="-342900">
+              <a:buFont typeface="Wingdings" panose="05000000000000000000" pitchFamily="2" charset="2"/>
+              <a:buChar char="§"/>
+            </a:pPr>
+            <a:r>
+              <a:rPr lang="en-US" sz="2400" dirty="0">
+                <a:solidFill>
+                  <a:schemeClr val="tx1">
+                    <a:lumMod val="75000"/>
+                  </a:schemeClr>
+                </a:solidFill>
+                <a:latin typeface="Times New Roman" panose="02020603050405020304" pitchFamily="18" charset="0"/>
+                <a:cs typeface="Times New Roman" panose="02020603050405020304" pitchFamily="18" charset="0"/>
+              </a:rPr>
+              <a:t>X</a:t>
+            </a:r>
+            <a:r>
+              <a:rPr lang="vi-VN" sz="2400" dirty="0">
+                <a:solidFill>
+                  <a:schemeClr val="tx1">
+                    <a:lumMod val="75000"/>
+                  </a:schemeClr>
+                </a:solidFill>
+                <a:latin typeface="Times New Roman" panose="02020603050405020304" pitchFamily="18" charset="0"/>
+                <a:cs typeface="Times New Roman" panose="02020603050405020304" pitchFamily="18" charset="0"/>
+              </a:rPr>
+              <a:t>ây dựng một gói thống nhất bao gồm</a:t>
+            </a:r>
+            <a:r>
+              <a:rPr lang="en-US" sz="2400" dirty="0">
+                <a:solidFill>
+                  <a:schemeClr val="tx1">
+                    <a:lumMod val="75000"/>
+                  </a:schemeClr>
+                </a:solidFill>
+                <a:latin typeface="Times New Roman" panose="02020603050405020304" pitchFamily="18" charset="0"/>
+                <a:cs typeface="Times New Roman" panose="02020603050405020304" pitchFamily="18" charset="0"/>
+              </a:rPr>
+              <a:t> Java, Android SDK, </a:t>
+            </a:r>
+            <a:r>
+              <a:rPr lang="en-US" sz="2400" dirty="0" err="1">
+                <a:solidFill>
+                  <a:schemeClr val="tx1">
+                    <a:lumMod val="75000"/>
+                  </a:schemeClr>
+                </a:solidFill>
+                <a:latin typeface="Times New Roman" panose="02020603050405020304" pitchFamily="18" charset="0"/>
+                <a:cs typeface="Times New Roman" panose="02020603050405020304" pitchFamily="18" charset="0"/>
+              </a:rPr>
+              <a:t>trình</a:t>
+            </a:r>
+            <a:r>
+              <a:rPr lang="en-US" sz="2400" dirty="0">
+                <a:solidFill>
+                  <a:schemeClr val="tx1">
+                    <a:lumMod val="75000"/>
+                  </a:schemeClr>
+                </a:solidFill>
+                <a:latin typeface="Times New Roman" panose="02020603050405020304" pitchFamily="18" charset="0"/>
+                <a:cs typeface="Times New Roman" panose="02020603050405020304" pitchFamily="18" charset="0"/>
+              </a:rPr>
+              <a:t> </a:t>
+            </a:r>
+            <a:r>
+              <a:rPr lang="en-US" sz="2400" dirty="0" err="1">
+                <a:solidFill>
+                  <a:schemeClr val="tx1">
+                    <a:lumMod val="75000"/>
+                  </a:schemeClr>
+                </a:solidFill>
+                <a:latin typeface="Times New Roman" panose="02020603050405020304" pitchFamily="18" charset="0"/>
+                <a:cs typeface="Times New Roman" panose="02020603050405020304" pitchFamily="18" charset="0"/>
+              </a:rPr>
+              <a:t>điều</a:t>
+            </a:r>
+            <a:r>
+              <a:rPr lang="en-US" sz="2400" dirty="0">
+                <a:solidFill>
+                  <a:schemeClr val="tx1">
+                    <a:lumMod val="75000"/>
+                  </a:schemeClr>
+                </a:solidFill>
+                <a:latin typeface="Times New Roman" panose="02020603050405020304" pitchFamily="18" charset="0"/>
+                <a:cs typeface="Times New Roman" panose="02020603050405020304" pitchFamily="18" charset="0"/>
+              </a:rPr>
+              <a:t> </a:t>
+            </a:r>
+            <a:r>
+              <a:rPr lang="en-US" sz="2400" dirty="0" err="1">
+                <a:solidFill>
+                  <a:schemeClr val="tx1">
+                    <a:lumMod val="75000"/>
+                  </a:schemeClr>
+                </a:solidFill>
+                <a:latin typeface="Times New Roman" panose="02020603050405020304" pitchFamily="18" charset="0"/>
+                <a:cs typeface="Times New Roman" panose="02020603050405020304" pitchFamily="18" charset="0"/>
+              </a:rPr>
+              <a:t>khiển</a:t>
+            </a:r>
+            <a:r>
+              <a:rPr lang="en-US" sz="2400" dirty="0">
+                <a:solidFill>
+                  <a:schemeClr val="tx1">
+                    <a:lumMod val="75000"/>
+                  </a:schemeClr>
+                </a:solidFill>
+                <a:latin typeface="Times New Roman" panose="02020603050405020304" pitchFamily="18" charset="0"/>
+                <a:cs typeface="Times New Roman" panose="02020603050405020304" pitchFamily="18" charset="0"/>
+              </a:rPr>
+              <a:t> Web.</a:t>
+            </a:r>
+          </a:p>
+          <a:p>
+            <a:pPr marL="342900" indent="-342900">
+              <a:buFont typeface="Wingdings" panose="05000000000000000000" pitchFamily="2" charset="2"/>
+              <a:buChar char="§"/>
+            </a:pPr>
+            <a:r>
+              <a:rPr lang="vi-VN" sz="2400" dirty="0">
+                <a:solidFill>
+                  <a:schemeClr val="tx1">
+                    <a:lumMod val="75000"/>
+                  </a:schemeClr>
+                </a:solidFill>
+                <a:latin typeface="Times New Roman" panose="02020603050405020304" pitchFamily="18" charset="0"/>
+                <a:cs typeface="Times New Roman" panose="02020603050405020304" pitchFamily="18" charset="0"/>
+              </a:rPr>
+              <a:t>Katalon chứa các từ khóa hoặc hành động được sử dụng phổ biến</a:t>
+            </a:r>
+            <a:endParaRPr lang="en-US" sz="2400" dirty="0">
+              <a:solidFill>
+                <a:schemeClr val="tx1">
+                  <a:lumMod val="75000"/>
+                </a:schemeClr>
+              </a:solidFill>
+              <a:latin typeface="Times New Roman" panose="02020603050405020304" pitchFamily="18" charset="0"/>
+              <a:cs typeface="Times New Roman" panose="02020603050405020304" pitchFamily="18" charset="0"/>
+            </a:endParaRPr>
+          </a:p>
+          <a:p>
+            <a:pPr marL="342900" indent="-342900">
+              <a:buFont typeface="Wingdings" panose="05000000000000000000" pitchFamily="2" charset="2"/>
+              <a:buChar char="§"/>
+            </a:pPr>
+            <a:r>
+              <a:rPr lang="en-US" sz="2400" dirty="0" err="1">
+                <a:solidFill>
+                  <a:schemeClr val="tx1">
+                    <a:lumMod val="75000"/>
+                  </a:schemeClr>
+                </a:solidFill>
+                <a:latin typeface="Times New Roman" panose="02020603050405020304" pitchFamily="18" charset="0"/>
+                <a:cs typeface="Times New Roman" panose="02020603050405020304" pitchFamily="18" charset="0"/>
+              </a:rPr>
+              <a:t>Không</a:t>
+            </a:r>
+            <a:r>
+              <a:rPr lang="en-US" sz="2400" dirty="0">
+                <a:solidFill>
+                  <a:schemeClr val="tx1">
+                    <a:lumMod val="75000"/>
+                  </a:schemeClr>
+                </a:solidFill>
+                <a:latin typeface="Times New Roman" panose="02020603050405020304" pitchFamily="18" charset="0"/>
+                <a:cs typeface="Times New Roman" panose="02020603050405020304" pitchFamily="18" charset="0"/>
+              </a:rPr>
+              <a:t> </a:t>
+            </a:r>
+            <a:r>
+              <a:rPr lang="en-US" sz="2400" dirty="0" err="1">
+                <a:solidFill>
+                  <a:schemeClr val="tx1">
+                    <a:lumMod val="75000"/>
+                  </a:schemeClr>
+                </a:solidFill>
+                <a:latin typeface="Times New Roman" panose="02020603050405020304" pitchFamily="18" charset="0"/>
+                <a:cs typeface="Times New Roman" panose="02020603050405020304" pitchFamily="18" charset="0"/>
+              </a:rPr>
+              <a:t>có</a:t>
+            </a:r>
+            <a:r>
+              <a:rPr lang="en-US" sz="2400" dirty="0">
+                <a:solidFill>
+                  <a:schemeClr val="tx1">
+                    <a:lumMod val="75000"/>
+                  </a:schemeClr>
+                </a:solidFill>
+                <a:latin typeface="Times New Roman" panose="02020603050405020304" pitchFamily="18" charset="0"/>
+                <a:cs typeface="Times New Roman" panose="02020603050405020304" pitchFamily="18" charset="0"/>
+              </a:rPr>
+              <a:t> chi </a:t>
+            </a:r>
+            <a:r>
+              <a:rPr lang="en-US" sz="2400" dirty="0" err="1">
+                <a:solidFill>
+                  <a:schemeClr val="tx1">
+                    <a:lumMod val="75000"/>
+                  </a:schemeClr>
+                </a:solidFill>
+                <a:latin typeface="Times New Roman" panose="02020603050405020304" pitchFamily="18" charset="0"/>
+                <a:cs typeface="Times New Roman" panose="02020603050405020304" pitchFamily="18" charset="0"/>
+              </a:rPr>
+              <a:t>phí</a:t>
+            </a:r>
+            <a:r>
+              <a:rPr lang="en-US" sz="2400" dirty="0">
+                <a:solidFill>
+                  <a:schemeClr val="tx1">
+                    <a:lumMod val="75000"/>
+                  </a:schemeClr>
+                </a:solidFill>
+                <a:latin typeface="Times New Roman" panose="02020603050405020304" pitchFamily="18" charset="0"/>
+                <a:cs typeface="Times New Roman" panose="02020603050405020304" pitchFamily="18" charset="0"/>
+              </a:rPr>
+              <a:t> </a:t>
+            </a:r>
+            <a:r>
+              <a:rPr lang="en-US" sz="2400" dirty="0" err="1">
+                <a:solidFill>
+                  <a:schemeClr val="tx1">
+                    <a:lumMod val="75000"/>
+                  </a:schemeClr>
+                </a:solidFill>
+                <a:latin typeface="Times New Roman" panose="02020603050405020304" pitchFamily="18" charset="0"/>
+                <a:cs typeface="Times New Roman" panose="02020603050405020304" pitchFamily="18" charset="0"/>
+              </a:rPr>
+              <a:t>cho</a:t>
+            </a:r>
+            <a:r>
+              <a:rPr lang="en-US" sz="2400" dirty="0">
+                <a:solidFill>
+                  <a:schemeClr val="tx1">
+                    <a:lumMod val="75000"/>
+                  </a:schemeClr>
+                </a:solidFill>
+                <a:latin typeface="Times New Roman" panose="02020603050405020304" pitchFamily="18" charset="0"/>
+                <a:cs typeface="Times New Roman" panose="02020603050405020304" pitchFamily="18" charset="0"/>
+              </a:rPr>
+              <a:t> </a:t>
+            </a:r>
+            <a:r>
+              <a:rPr lang="en-US" sz="2400" dirty="0" err="1">
+                <a:solidFill>
+                  <a:schemeClr val="tx1">
+                    <a:lumMod val="75000"/>
+                  </a:schemeClr>
+                </a:solidFill>
+                <a:latin typeface="Times New Roman" panose="02020603050405020304" pitchFamily="18" charset="0"/>
+                <a:cs typeface="Times New Roman" panose="02020603050405020304" pitchFamily="18" charset="0"/>
+              </a:rPr>
+              <a:t>việc</a:t>
+            </a:r>
+            <a:r>
+              <a:rPr lang="en-US" sz="2400" dirty="0">
+                <a:solidFill>
+                  <a:schemeClr val="tx1">
+                    <a:lumMod val="75000"/>
+                  </a:schemeClr>
+                </a:solidFill>
+                <a:latin typeface="Times New Roman" panose="02020603050405020304" pitchFamily="18" charset="0"/>
+                <a:cs typeface="Times New Roman" panose="02020603050405020304" pitchFamily="18" charset="0"/>
+              </a:rPr>
+              <a:t> </a:t>
+            </a:r>
+            <a:r>
+              <a:rPr lang="en-US" sz="2400" dirty="0" err="1">
+                <a:solidFill>
+                  <a:schemeClr val="tx1">
+                    <a:lumMod val="75000"/>
+                  </a:schemeClr>
+                </a:solidFill>
+                <a:latin typeface="Times New Roman" panose="02020603050405020304" pitchFamily="18" charset="0"/>
+                <a:cs typeface="Times New Roman" panose="02020603050405020304" pitchFamily="18" charset="0"/>
+              </a:rPr>
+              <a:t>cấp</a:t>
+            </a:r>
+            <a:r>
+              <a:rPr lang="en-US" sz="2400" dirty="0">
+                <a:solidFill>
+                  <a:schemeClr val="tx1">
+                    <a:lumMod val="75000"/>
+                  </a:schemeClr>
+                </a:solidFill>
+                <a:latin typeface="Times New Roman" panose="02020603050405020304" pitchFamily="18" charset="0"/>
+                <a:cs typeface="Times New Roman" panose="02020603050405020304" pitchFamily="18" charset="0"/>
+              </a:rPr>
+              <a:t> </a:t>
+            </a:r>
+            <a:r>
+              <a:rPr lang="en-US" sz="2400" dirty="0" err="1">
+                <a:solidFill>
+                  <a:schemeClr val="tx1">
+                    <a:lumMod val="75000"/>
+                  </a:schemeClr>
+                </a:solidFill>
+                <a:latin typeface="Times New Roman" panose="02020603050405020304" pitchFamily="18" charset="0"/>
+                <a:cs typeface="Times New Roman" panose="02020603050405020304" pitchFamily="18" charset="0"/>
+              </a:rPr>
+              <a:t>phép</a:t>
+            </a:r>
+            <a:r>
+              <a:rPr lang="en-US" sz="2400" dirty="0">
+                <a:solidFill>
+                  <a:schemeClr val="tx1">
+                    <a:lumMod val="75000"/>
+                  </a:schemeClr>
+                </a:solidFill>
+                <a:latin typeface="Times New Roman" panose="02020603050405020304" pitchFamily="18" charset="0"/>
+                <a:cs typeface="Times New Roman" panose="02020603050405020304" pitchFamily="18" charset="0"/>
+              </a:rPr>
+              <a:t> </a:t>
+            </a:r>
+            <a:r>
+              <a:rPr lang="en-US" sz="2400" dirty="0" err="1">
+                <a:solidFill>
+                  <a:schemeClr val="tx1">
+                    <a:lumMod val="75000"/>
+                  </a:schemeClr>
+                </a:solidFill>
+                <a:latin typeface="Times New Roman" panose="02020603050405020304" pitchFamily="18" charset="0"/>
+                <a:cs typeface="Times New Roman" panose="02020603050405020304" pitchFamily="18" charset="0"/>
+              </a:rPr>
+              <a:t>và</a:t>
+            </a:r>
+            <a:r>
+              <a:rPr lang="en-US" sz="2400" dirty="0">
+                <a:solidFill>
+                  <a:schemeClr val="tx1">
+                    <a:lumMod val="75000"/>
+                  </a:schemeClr>
+                </a:solidFill>
+                <a:latin typeface="Times New Roman" panose="02020603050405020304" pitchFamily="18" charset="0"/>
+                <a:cs typeface="Times New Roman" panose="02020603050405020304" pitchFamily="18" charset="0"/>
+              </a:rPr>
+              <a:t> </a:t>
+            </a:r>
+            <a:r>
+              <a:rPr lang="en-US" sz="2400" dirty="0" err="1">
+                <a:solidFill>
+                  <a:schemeClr val="tx1">
+                    <a:lumMod val="75000"/>
+                  </a:schemeClr>
+                </a:solidFill>
+                <a:latin typeface="Times New Roman" panose="02020603050405020304" pitchFamily="18" charset="0"/>
+                <a:cs typeface="Times New Roman" panose="02020603050405020304" pitchFamily="18" charset="0"/>
+              </a:rPr>
+              <a:t>bảo</a:t>
+            </a:r>
+            <a:r>
+              <a:rPr lang="en-US" sz="2400" dirty="0">
+                <a:solidFill>
+                  <a:schemeClr val="tx1">
+                    <a:lumMod val="75000"/>
+                  </a:schemeClr>
+                </a:solidFill>
+                <a:latin typeface="Times New Roman" panose="02020603050405020304" pitchFamily="18" charset="0"/>
+                <a:cs typeface="Times New Roman" panose="02020603050405020304" pitchFamily="18" charset="0"/>
+              </a:rPr>
+              <a:t> </a:t>
+            </a:r>
+            <a:r>
+              <a:rPr lang="en-US" sz="2400" dirty="0" err="1">
+                <a:solidFill>
+                  <a:schemeClr val="tx1">
+                    <a:lumMod val="75000"/>
+                  </a:schemeClr>
+                </a:solidFill>
+                <a:latin typeface="Times New Roman" panose="02020603050405020304" pitchFamily="18" charset="0"/>
+                <a:cs typeface="Times New Roman" panose="02020603050405020304" pitchFamily="18" charset="0"/>
+              </a:rPr>
+              <a:t>trì</a:t>
+            </a:r>
+            <a:endParaRPr lang="en-US" sz="2400" dirty="0">
+              <a:solidFill>
+                <a:schemeClr val="tx1">
+                  <a:lumMod val="75000"/>
+                </a:schemeClr>
+              </a:solidFill>
+              <a:latin typeface="Times New Roman" panose="02020603050405020304" pitchFamily="18" charset="0"/>
+              <a:cs typeface="Times New Roman" panose="02020603050405020304" pitchFamily="18" charset="0"/>
+            </a:endParaRPr>
+          </a:p>
+          <a:p>
+            <a:pPr marL="342900" indent="-342900">
+              <a:buFont typeface="Wingdings" panose="05000000000000000000" pitchFamily="2" charset="2"/>
+              <a:buChar char="§"/>
+            </a:pPr>
+            <a:r>
+              <a:rPr lang="en-US" sz="2400" dirty="0" err="1">
+                <a:solidFill>
+                  <a:schemeClr val="tx1">
+                    <a:lumMod val="75000"/>
+                  </a:schemeClr>
+                </a:solidFill>
+                <a:latin typeface="Times New Roman" panose="02020603050405020304" pitchFamily="18" charset="0"/>
+                <a:cs typeface="Times New Roman" panose="02020603050405020304" pitchFamily="18" charset="0"/>
+              </a:rPr>
+              <a:t>Nâng</a:t>
+            </a:r>
+            <a:r>
+              <a:rPr lang="en-US" sz="2400" dirty="0">
+                <a:solidFill>
+                  <a:schemeClr val="tx1">
+                    <a:lumMod val="75000"/>
+                  </a:schemeClr>
+                </a:solidFill>
+                <a:latin typeface="Times New Roman" panose="02020603050405020304" pitchFamily="18" charset="0"/>
+                <a:cs typeface="Times New Roman" panose="02020603050405020304" pitchFamily="18" charset="0"/>
+              </a:rPr>
+              <a:t> </a:t>
+            </a:r>
+            <a:r>
+              <a:rPr lang="en-US" sz="2400" dirty="0" err="1">
+                <a:solidFill>
+                  <a:schemeClr val="tx1">
+                    <a:lumMod val="75000"/>
+                  </a:schemeClr>
+                </a:solidFill>
+                <a:latin typeface="Times New Roman" panose="02020603050405020304" pitchFamily="18" charset="0"/>
+                <a:cs typeface="Times New Roman" panose="02020603050405020304" pitchFamily="18" charset="0"/>
+              </a:rPr>
+              <a:t>cấp</a:t>
+            </a:r>
+            <a:r>
+              <a:rPr lang="en-US" sz="2400" dirty="0">
+                <a:solidFill>
+                  <a:schemeClr val="tx1">
+                    <a:lumMod val="75000"/>
+                  </a:schemeClr>
+                </a:solidFill>
+                <a:latin typeface="Times New Roman" panose="02020603050405020304" pitchFamily="18" charset="0"/>
+                <a:cs typeface="Times New Roman" panose="02020603050405020304" pitchFamily="18" charset="0"/>
+              </a:rPr>
+              <a:t> </a:t>
+            </a:r>
+            <a:r>
+              <a:rPr lang="en-US" sz="2400" dirty="0" err="1">
+                <a:solidFill>
+                  <a:schemeClr val="tx1">
+                    <a:lumMod val="75000"/>
+                  </a:schemeClr>
+                </a:solidFill>
+                <a:latin typeface="Times New Roman" panose="02020603050405020304" pitchFamily="18" charset="0"/>
+                <a:cs typeface="Times New Roman" panose="02020603050405020304" pitchFamily="18" charset="0"/>
+              </a:rPr>
+              <a:t>miễn</a:t>
+            </a:r>
+            <a:r>
+              <a:rPr lang="en-US" sz="2400" dirty="0">
+                <a:solidFill>
+                  <a:schemeClr val="tx1">
+                    <a:lumMod val="75000"/>
+                  </a:schemeClr>
+                </a:solidFill>
+                <a:latin typeface="Times New Roman" panose="02020603050405020304" pitchFamily="18" charset="0"/>
+                <a:cs typeface="Times New Roman" panose="02020603050405020304" pitchFamily="18" charset="0"/>
+              </a:rPr>
+              <a:t> </a:t>
+            </a:r>
+            <a:r>
+              <a:rPr lang="en-US" sz="2400" dirty="0" err="1">
+                <a:solidFill>
+                  <a:schemeClr val="tx1">
+                    <a:lumMod val="75000"/>
+                  </a:schemeClr>
+                </a:solidFill>
+                <a:latin typeface="Times New Roman" panose="02020603050405020304" pitchFamily="18" charset="0"/>
+                <a:cs typeface="Times New Roman" panose="02020603050405020304" pitchFamily="18" charset="0"/>
+              </a:rPr>
+              <a:t>phí</a:t>
+            </a:r>
+            <a:endParaRPr lang="en-US" sz="2400" dirty="0">
+              <a:solidFill>
+                <a:schemeClr val="tx1">
+                  <a:lumMod val="75000"/>
+                </a:schemeClr>
+              </a:solidFill>
+              <a:latin typeface="Times New Roman" panose="02020603050405020304" pitchFamily="18" charset="0"/>
+              <a:cs typeface="Times New Roman" panose="02020603050405020304" pitchFamily="18" charset="0"/>
+            </a:endParaRPr>
+          </a:p>
+          <a:p>
+            <a:pPr marL="342900" indent="-342900">
+              <a:buFont typeface="Wingdings" panose="05000000000000000000" pitchFamily="2" charset="2"/>
+              <a:buChar char="§"/>
+            </a:pPr>
+            <a:r>
+              <a:rPr lang="en-US" sz="2400" dirty="0" err="1">
+                <a:solidFill>
+                  <a:schemeClr val="tx1">
+                    <a:lumMod val="75000"/>
+                  </a:schemeClr>
+                </a:solidFill>
+                <a:latin typeface="Times New Roman" panose="02020603050405020304" pitchFamily="18" charset="0"/>
+                <a:cs typeface="Times New Roman" panose="02020603050405020304" pitchFamily="18" charset="0"/>
+              </a:rPr>
+              <a:t>Giải</a:t>
+            </a:r>
+            <a:r>
+              <a:rPr lang="en-US" sz="2400" dirty="0">
+                <a:solidFill>
+                  <a:schemeClr val="tx1">
+                    <a:lumMod val="75000"/>
+                  </a:schemeClr>
+                </a:solidFill>
+                <a:latin typeface="Times New Roman" panose="02020603050405020304" pitchFamily="18" charset="0"/>
+                <a:cs typeface="Times New Roman" panose="02020603050405020304" pitchFamily="18" charset="0"/>
+              </a:rPr>
+              <a:t> </a:t>
+            </a:r>
+            <a:r>
+              <a:rPr lang="en-US" sz="2400" dirty="0" err="1">
+                <a:solidFill>
+                  <a:schemeClr val="tx1">
+                    <a:lumMod val="75000"/>
+                  </a:schemeClr>
+                </a:solidFill>
+                <a:latin typeface="Times New Roman" panose="02020603050405020304" pitchFamily="18" charset="0"/>
+                <a:cs typeface="Times New Roman" panose="02020603050405020304" pitchFamily="18" charset="0"/>
+              </a:rPr>
+              <a:t>pháp</a:t>
+            </a:r>
+            <a:r>
+              <a:rPr lang="en-US" sz="2400" dirty="0">
+                <a:solidFill>
+                  <a:schemeClr val="tx1">
+                    <a:lumMod val="75000"/>
+                  </a:schemeClr>
+                </a:solidFill>
+                <a:latin typeface="Times New Roman" panose="02020603050405020304" pitchFamily="18" charset="0"/>
+                <a:cs typeface="Times New Roman" panose="02020603050405020304" pitchFamily="18" charset="0"/>
+              </a:rPr>
+              <a:t> </a:t>
+            </a:r>
+            <a:r>
+              <a:rPr lang="en-US" sz="2400" dirty="0" err="1">
+                <a:solidFill>
+                  <a:schemeClr val="tx1">
+                    <a:lumMod val="75000"/>
+                  </a:schemeClr>
+                </a:solidFill>
+                <a:latin typeface="Times New Roman" panose="02020603050405020304" pitchFamily="18" charset="0"/>
+                <a:cs typeface="Times New Roman" panose="02020603050405020304" pitchFamily="18" charset="0"/>
+              </a:rPr>
+              <a:t>nền</a:t>
+            </a:r>
+            <a:r>
+              <a:rPr lang="en-US" sz="2400" dirty="0">
+                <a:solidFill>
+                  <a:schemeClr val="tx1">
+                    <a:lumMod val="75000"/>
+                  </a:schemeClr>
+                </a:solidFill>
+                <a:latin typeface="Times New Roman" panose="02020603050405020304" pitchFamily="18" charset="0"/>
+                <a:cs typeface="Times New Roman" panose="02020603050405020304" pitchFamily="18" charset="0"/>
+              </a:rPr>
+              <a:t> </a:t>
+            </a:r>
+            <a:r>
+              <a:rPr lang="en-US" sz="2400" dirty="0" err="1">
+                <a:solidFill>
+                  <a:schemeClr val="tx1">
+                    <a:lumMod val="75000"/>
+                  </a:schemeClr>
+                </a:solidFill>
+                <a:latin typeface="Times New Roman" panose="02020603050405020304" pitchFamily="18" charset="0"/>
+                <a:cs typeface="Times New Roman" panose="02020603050405020304" pitchFamily="18" charset="0"/>
+              </a:rPr>
+              <a:t>tảng</a:t>
+            </a:r>
+            <a:endParaRPr lang="en-US" sz="2400" dirty="0">
+              <a:solidFill>
+                <a:schemeClr val="tx1">
+                  <a:lumMod val="75000"/>
+                </a:schemeClr>
+              </a:solidFill>
+              <a:latin typeface="Times New Roman" panose="02020603050405020304" pitchFamily="18" charset="0"/>
+              <a:cs typeface="Times New Roman" panose="02020603050405020304" pitchFamily="18" charset="0"/>
+            </a:endParaRPr>
+          </a:p>
+        </p:txBody>
+      </p:sp>
+      <p:sp>
+        <p:nvSpPr>
+          <p:cNvPr id="4" name="Title 3">
+            <a:extLst>
+              <a:ext uri="{FF2B5EF4-FFF2-40B4-BE49-F238E27FC236}">
+                <a16:creationId xmlns:a16="http://schemas.microsoft.com/office/drawing/2014/main" id="{D8B0AE13-1099-4AA2-B62B-5FAE2CBB5D6A}"/>
+              </a:ext>
+            </a:extLst>
+          </p:cNvPr>
+          <p:cNvSpPr>
+            <a:spLocks noGrp="1"/>
+          </p:cNvSpPr>
+          <p:nvPr>
+            <p:ph type="title"/>
+          </p:nvPr>
+        </p:nvSpPr>
+        <p:spPr>
+          <a:xfrm>
+            <a:off x="663900" y="828261"/>
+            <a:ext cx="7342622" cy="1215566"/>
+          </a:xfrm>
+        </p:spPr>
+        <p:txBody>
+          <a:bodyPr/>
+          <a:lstStyle/>
+          <a:p>
+            <a:r>
+              <a:rPr lang="en-US" dirty="0"/>
+              <a:t>1. </a:t>
+            </a:r>
+            <a:r>
+              <a:rPr lang="en-US" dirty="0" err="1"/>
+              <a:t>tại</a:t>
+            </a:r>
+            <a:r>
+              <a:rPr lang="en-US" dirty="0"/>
+              <a:t> </a:t>
+            </a:r>
+            <a:r>
+              <a:rPr lang="en-US" dirty="0" err="1"/>
+              <a:t>sao</a:t>
+            </a:r>
+            <a:r>
+              <a:rPr lang="en-US" dirty="0"/>
+              <a:t> </a:t>
+            </a:r>
+            <a:r>
+              <a:rPr lang="en-US" dirty="0" err="1"/>
+              <a:t>lại</a:t>
+            </a:r>
+            <a:r>
+              <a:rPr lang="en-US" dirty="0"/>
+              <a:t> </a:t>
+            </a:r>
+            <a:r>
+              <a:rPr lang="en-US" dirty="0" err="1"/>
+              <a:t>chọn</a:t>
+            </a:r>
+            <a:r>
+              <a:rPr lang="en-US" dirty="0"/>
+              <a:t> </a:t>
+            </a:r>
+            <a:r>
+              <a:rPr lang="en-US" dirty="0" err="1"/>
+              <a:t>katalon</a:t>
+            </a:r>
+            <a:r>
+              <a:rPr lang="en-US" dirty="0"/>
+              <a:t>??</a:t>
+            </a:r>
+          </a:p>
+        </p:txBody>
+      </p:sp>
+      <p:sp>
+        <p:nvSpPr>
+          <p:cNvPr id="6" name="Footer Placeholder 5">
+            <a:extLst>
+              <a:ext uri="{FF2B5EF4-FFF2-40B4-BE49-F238E27FC236}">
+                <a16:creationId xmlns:a16="http://schemas.microsoft.com/office/drawing/2014/main" id="{F7C12ABE-FB5F-434A-AAED-BA3C24F57ADE}"/>
+              </a:ext>
+            </a:extLst>
+          </p:cNvPr>
+          <p:cNvSpPr>
+            <a:spLocks noGrp="1"/>
+          </p:cNvSpPr>
+          <p:nvPr>
+            <p:ph type="ftr" sz="quarter" idx="14"/>
+          </p:nvPr>
+        </p:nvSpPr>
+        <p:spPr/>
+        <p:txBody>
+          <a:bodyPr/>
+          <a:lstStyle/>
+          <a:p>
+            <a:r>
+              <a:rPr lang="en-US" noProof="0"/>
+              <a:t>Add a footer</a:t>
+            </a:r>
+            <a:endParaRPr lang="en-US" noProof="0" dirty="0"/>
+          </a:p>
+        </p:txBody>
+      </p:sp>
+      <p:sp>
+        <p:nvSpPr>
+          <p:cNvPr id="7" name="Slide Number Placeholder 6">
+            <a:extLst>
+              <a:ext uri="{FF2B5EF4-FFF2-40B4-BE49-F238E27FC236}">
+                <a16:creationId xmlns:a16="http://schemas.microsoft.com/office/drawing/2014/main" id="{399B7C6C-CC06-4771-836F-8C4398A92549}"/>
+              </a:ext>
+            </a:extLst>
+          </p:cNvPr>
+          <p:cNvSpPr>
+            <a:spLocks noGrp="1"/>
+          </p:cNvSpPr>
+          <p:nvPr>
+            <p:ph type="sldNum" sz="quarter" idx="15"/>
+          </p:nvPr>
+        </p:nvSpPr>
+        <p:spPr/>
+        <p:txBody>
+          <a:bodyPr/>
+          <a:lstStyle/>
+          <a:p>
+            <a:fld id="{8699F50C-BE38-4BD0-BA84-9B090E1F2B9B}" type="slidenum">
+              <a:rPr lang="en-US" noProof="0" smtClean="0"/>
+              <a:t>3</a:t>
+            </a:fld>
+            <a:endParaRPr lang="en-US" noProof="0" dirty="0"/>
+          </a:p>
+        </p:txBody>
+      </p:sp>
+    </p:spTree>
+    <p:extLst>
+      <p:ext uri="{BB962C8B-B14F-4D97-AF65-F5344CB8AC3E}">
+        <p14:creationId xmlns:p14="http://schemas.microsoft.com/office/powerpoint/2010/main" val="3261675429"/>
+      </p:ext>
+    </p:extLst>
+  </p:cSld>
+  <p:clrMapOvr>
+    <a:masterClrMapping/>
+  </p:clrMapOvr>
+</p:sld>
+</file>
+
+<file path=ppt/slides/slide4.xml><?xml version="1.0" encoding="utf-8"?>
 <p:sld xmlns:a="http://schemas.openxmlformats.org/drawingml/2006/main" xmlns:r="http://schemas.openxmlformats.org/officeDocument/2006/relationships" xmlns:p="http://schemas.openxmlformats.org/presentationml/2006/main">
   <p:cSld>
     <p:spTree>
@@ -16064,6 +17551,10 @@
           <a:lstStyle/>
           <a:p>
             <a:r>
+              <a:rPr lang="en-US" b="0" dirty="0"/>
+              <a:t>2. </a:t>
+            </a:r>
+            <a:r>
               <a:rPr lang="en-US" b="0" dirty="0" err="1"/>
               <a:t>Giới</a:t>
             </a:r>
@@ -16641,7 +18132,7 @@
             <a:fld id="{8699F50C-BE38-4BD0-BA84-9B090E1F2B9B}" type="slidenum">
               <a:rPr lang="en-US" smtClean="0"/>
               <a:pPr/>
-              <a:t>3</a:t>
+              <a:t>4</a:t>
             </a:fld>
             <a:endParaRPr lang="en-US" dirty="0"/>
           </a:p>
@@ -16660,7 +18151,820 @@
 </p:sld>
 </file>
 
-<file path=ppt/slides/slide4.xml><?xml version="1.0" encoding="utf-8"?>
+<file path=ppt/slides/slide5.xml><?xml version="1.0" encoding="utf-8"?>
+<p:sld xmlns:a="http://schemas.openxmlformats.org/drawingml/2006/main" xmlns:r="http://schemas.openxmlformats.org/officeDocument/2006/relationships" xmlns:p="http://schemas.openxmlformats.org/presentationml/2006/main">
+  <p:cSld>
+    <p:spTree>
+      <p:nvGrpSpPr>
+        <p:cNvPr id="1" name=""/>
+        <p:cNvGrpSpPr/>
+        <p:nvPr/>
+      </p:nvGrpSpPr>
+      <p:grpSpPr>
+        <a:xfrm>
+          <a:off x="0" y="0"/>
+          <a:ext cx="0" cy="0"/>
+          <a:chOff x="0" y="0"/>
+          <a:chExt cx="0" cy="0"/>
+        </a:xfrm>
+      </p:grpSpPr>
+      <p:sp>
+        <p:nvSpPr>
+          <p:cNvPr id="7" name="Footer Placeholder 6">
+            <a:extLst>
+              <a:ext uri="{FF2B5EF4-FFF2-40B4-BE49-F238E27FC236}">
+                <a16:creationId xmlns:a16="http://schemas.microsoft.com/office/drawing/2014/main" id="{169796F1-5D4B-4534-A91A-1214540E3A8D}"/>
+              </a:ext>
+            </a:extLst>
+          </p:cNvPr>
+          <p:cNvSpPr>
+            <a:spLocks noGrp="1"/>
+          </p:cNvSpPr>
+          <p:nvPr>
+            <p:ph type="ftr" sz="quarter" idx="4294967295"/>
+          </p:nvPr>
+        </p:nvSpPr>
+        <p:spPr>
+          <a:xfrm>
+            <a:off x="0" y="6283325"/>
+            <a:ext cx="4114800" cy="365125"/>
+          </a:xfrm>
+        </p:spPr>
+        <p:txBody>
+          <a:bodyPr/>
+          <a:lstStyle/>
+          <a:p>
+            <a:r>
+              <a:rPr lang="en-US" noProof="0"/>
+              <a:t>Add a footer</a:t>
+            </a:r>
+            <a:endParaRPr lang="en-US" noProof="0" dirty="0"/>
+          </a:p>
+        </p:txBody>
+      </p:sp>
+      <p:sp>
+        <p:nvSpPr>
+          <p:cNvPr id="8" name="Slide Number Placeholder 7">
+            <a:extLst>
+              <a:ext uri="{FF2B5EF4-FFF2-40B4-BE49-F238E27FC236}">
+                <a16:creationId xmlns:a16="http://schemas.microsoft.com/office/drawing/2014/main" id="{A9968776-BA5F-4284-BA55-CA98FFF161C1}"/>
+              </a:ext>
+            </a:extLst>
+          </p:cNvPr>
+          <p:cNvSpPr>
+            <a:spLocks noGrp="1"/>
+          </p:cNvSpPr>
+          <p:nvPr>
+            <p:ph type="sldNum" sz="quarter" idx="4294967295"/>
+          </p:nvPr>
+        </p:nvSpPr>
+        <p:spPr>
+          <a:xfrm>
+            <a:off x="11452225" y="6356350"/>
+            <a:ext cx="739775" cy="365125"/>
+          </a:xfrm>
+        </p:spPr>
+        <p:txBody>
+          <a:bodyPr/>
+          <a:lstStyle/>
+          <a:p>
+            <a:fld id="{8699F50C-BE38-4BD0-BA84-9B090E1F2B9B}" type="slidenum">
+              <a:rPr lang="en-US" noProof="0" smtClean="0"/>
+              <a:t>5</a:t>
+            </a:fld>
+            <a:endParaRPr lang="en-US" noProof="0" dirty="0"/>
+          </a:p>
+        </p:txBody>
+      </p:sp>
+      <p:sp>
+        <p:nvSpPr>
+          <p:cNvPr id="12" name="Rectangle: Rounded Corners 11">
+            <a:extLst>
+              <a:ext uri="{FF2B5EF4-FFF2-40B4-BE49-F238E27FC236}">
+                <a16:creationId xmlns:a16="http://schemas.microsoft.com/office/drawing/2014/main" id="{7F35B40D-81B7-496D-9136-E3539604F7E4}"/>
+              </a:ext>
+            </a:extLst>
+          </p:cNvPr>
+          <p:cNvSpPr/>
+          <p:nvPr/>
+        </p:nvSpPr>
+        <p:spPr>
+          <a:xfrm>
+            <a:off x="3055225" y="1729201"/>
+            <a:ext cx="7400740" cy="4341984"/>
+          </a:xfrm>
+          <a:prstGeom prst="roundRect">
+            <a:avLst/>
+          </a:prstGeom>
+        </p:spPr>
+        <p:style>
+          <a:lnRef idx="2">
+            <a:schemeClr val="accent2"/>
+          </a:lnRef>
+          <a:fillRef idx="1">
+            <a:schemeClr val="lt1"/>
+          </a:fillRef>
+          <a:effectRef idx="0">
+            <a:schemeClr val="accent2"/>
+          </a:effectRef>
+          <a:fontRef idx="minor">
+            <a:schemeClr val="dk1"/>
+          </a:fontRef>
+        </p:style>
+        <p:txBody>
+          <a:bodyPr rtlCol="0" anchor="ctr"/>
+          <a:lstStyle/>
+          <a:p>
+            <a:pPr marL="342900" indent="-342900">
+              <a:buFont typeface="Arial" panose="020B0604020202020204" pitchFamily="34" charset="0"/>
+              <a:buChar char="•"/>
+            </a:pPr>
+            <a:r>
+              <a:rPr lang="vi-VN" sz="2400" dirty="0">
+                <a:solidFill>
+                  <a:schemeClr val="tx1"/>
+                </a:solidFill>
+                <a:latin typeface="Times New Roman" panose="02020603050405020304" pitchFamily="18" charset="0"/>
+                <a:cs typeface="Times New Roman" panose="02020603050405020304" pitchFamily="18" charset="0"/>
+              </a:rPr>
+              <a:t>Triển khai đơn giản</a:t>
+            </a:r>
+            <a:endParaRPr lang="en-US" sz="2400" dirty="0">
+              <a:solidFill>
+                <a:schemeClr val="tx1"/>
+              </a:solidFill>
+              <a:latin typeface="Times New Roman" panose="02020603050405020304" pitchFamily="18" charset="0"/>
+              <a:cs typeface="Times New Roman" panose="02020603050405020304" pitchFamily="18" charset="0"/>
+            </a:endParaRPr>
+          </a:p>
+          <a:p>
+            <a:pPr marL="342900" indent="-342900">
+              <a:buFont typeface="Arial" panose="020B0604020202020204" pitchFamily="34" charset="0"/>
+              <a:buChar char="•"/>
+            </a:pPr>
+            <a:r>
+              <a:rPr lang="en-US" sz="2400" dirty="0" err="1">
+                <a:solidFill>
+                  <a:schemeClr val="tx1"/>
+                </a:solidFill>
+                <a:latin typeface="Times New Roman" panose="02020603050405020304" pitchFamily="18" charset="0"/>
+                <a:cs typeface="Times New Roman" panose="02020603050405020304" pitchFamily="18" charset="0"/>
+              </a:rPr>
+              <a:t>Cài</a:t>
+            </a:r>
+            <a:r>
+              <a:rPr lang="en-US" sz="2400" dirty="0">
+                <a:solidFill>
+                  <a:schemeClr val="tx1"/>
+                </a:solidFill>
+                <a:latin typeface="Times New Roman" panose="02020603050405020304" pitchFamily="18" charset="0"/>
+                <a:cs typeface="Times New Roman" panose="02020603050405020304" pitchFamily="18" charset="0"/>
+              </a:rPr>
+              <a:t> </a:t>
+            </a:r>
+            <a:r>
+              <a:rPr lang="en-US" sz="2400" dirty="0" err="1">
+                <a:solidFill>
+                  <a:schemeClr val="tx1"/>
+                </a:solidFill>
+                <a:latin typeface="Times New Roman" panose="02020603050405020304" pitchFamily="18" charset="0"/>
+                <a:cs typeface="Times New Roman" panose="02020603050405020304" pitchFamily="18" charset="0"/>
+              </a:rPr>
+              <a:t>đặt</a:t>
+            </a:r>
+            <a:r>
+              <a:rPr lang="en-US" sz="2400" dirty="0">
+                <a:solidFill>
+                  <a:schemeClr val="tx1"/>
+                </a:solidFill>
+                <a:latin typeface="Times New Roman" panose="02020603050405020304" pitchFamily="18" charset="0"/>
+                <a:cs typeface="Times New Roman" panose="02020603050405020304" pitchFamily="18" charset="0"/>
+              </a:rPr>
+              <a:t> </a:t>
+            </a:r>
+            <a:r>
+              <a:rPr lang="en-US" sz="2400" dirty="0" err="1">
+                <a:solidFill>
+                  <a:schemeClr val="tx1"/>
+                </a:solidFill>
+                <a:latin typeface="Times New Roman" panose="02020603050405020304" pitchFamily="18" charset="0"/>
+                <a:cs typeface="Times New Roman" panose="02020603050405020304" pitchFamily="18" charset="0"/>
+              </a:rPr>
+              <a:t>nhanh</a:t>
+            </a:r>
+            <a:r>
+              <a:rPr lang="en-US" sz="2400" dirty="0">
+                <a:solidFill>
+                  <a:schemeClr val="tx1"/>
+                </a:solidFill>
+                <a:latin typeface="Times New Roman" panose="02020603050405020304" pitchFamily="18" charset="0"/>
+                <a:cs typeface="Times New Roman" panose="02020603050405020304" pitchFamily="18" charset="0"/>
+              </a:rPr>
+              <a:t> </a:t>
+            </a:r>
+            <a:r>
+              <a:rPr lang="en-US" sz="2400" dirty="0" err="1">
+                <a:solidFill>
+                  <a:schemeClr val="tx1"/>
+                </a:solidFill>
+                <a:latin typeface="Times New Roman" panose="02020603050405020304" pitchFamily="18" charset="0"/>
+                <a:cs typeface="Times New Roman" panose="02020603050405020304" pitchFamily="18" charset="0"/>
+              </a:rPr>
+              <a:t>chóng</a:t>
+            </a:r>
+            <a:r>
+              <a:rPr lang="en-US" sz="2400" dirty="0">
+                <a:solidFill>
+                  <a:schemeClr val="tx1"/>
+                </a:solidFill>
+                <a:latin typeface="Times New Roman" panose="02020603050405020304" pitchFamily="18" charset="0"/>
+                <a:cs typeface="Times New Roman" panose="02020603050405020304" pitchFamily="18" charset="0"/>
+              </a:rPr>
+              <a:t> </a:t>
+            </a:r>
+            <a:r>
+              <a:rPr lang="en-US" sz="2400" dirty="0" err="1">
+                <a:solidFill>
+                  <a:schemeClr val="tx1"/>
+                </a:solidFill>
+                <a:latin typeface="Times New Roman" panose="02020603050405020304" pitchFamily="18" charset="0"/>
+                <a:cs typeface="Times New Roman" panose="02020603050405020304" pitchFamily="18" charset="0"/>
+              </a:rPr>
+              <a:t>và</a:t>
+            </a:r>
+            <a:r>
+              <a:rPr lang="en-US" sz="2400" dirty="0">
+                <a:solidFill>
+                  <a:schemeClr val="tx1"/>
+                </a:solidFill>
+                <a:latin typeface="Times New Roman" panose="02020603050405020304" pitchFamily="18" charset="0"/>
+                <a:cs typeface="Times New Roman" panose="02020603050405020304" pitchFamily="18" charset="0"/>
+              </a:rPr>
+              <a:t> </a:t>
+            </a:r>
+            <a:r>
+              <a:rPr lang="en-US" sz="2400" dirty="0" err="1">
+                <a:solidFill>
+                  <a:schemeClr val="tx1"/>
+                </a:solidFill>
+                <a:latin typeface="Times New Roman" panose="02020603050405020304" pitchFamily="18" charset="0"/>
+                <a:cs typeface="Times New Roman" panose="02020603050405020304" pitchFamily="18" charset="0"/>
+              </a:rPr>
+              <a:t>dễ</a:t>
+            </a:r>
+            <a:r>
+              <a:rPr lang="en-US" sz="2400" dirty="0">
+                <a:solidFill>
+                  <a:schemeClr val="tx1"/>
+                </a:solidFill>
+                <a:latin typeface="Times New Roman" panose="02020603050405020304" pitchFamily="18" charset="0"/>
+                <a:cs typeface="Times New Roman" panose="02020603050405020304" pitchFamily="18" charset="0"/>
+              </a:rPr>
+              <a:t> </a:t>
+            </a:r>
+            <a:r>
+              <a:rPr lang="en-US" sz="2400" dirty="0" err="1">
+                <a:solidFill>
+                  <a:schemeClr val="tx1"/>
+                </a:solidFill>
+                <a:latin typeface="Times New Roman" panose="02020603050405020304" pitchFamily="18" charset="0"/>
+                <a:cs typeface="Times New Roman" panose="02020603050405020304" pitchFamily="18" charset="0"/>
+              </a:rPr>
+              <a:t>dàng</a:t>
+            </a:r>
+            <a:endParaRPr lang="en-US" sz="2400" dirty="0">
+              <a:solidFill>
+                <a:schemeClr val="tx1"/>
+              </a:solidFill>
+              <a:latin typeface="Times New Roman" panose="02020603050405020304" pitchFamily="18" charset="0"/>
+              <a:cs typeface="Times New Roman" panose="02020603050405020304" pitchFamily="18" charset="0"/>
+            </a:endParaRPr>
+          </a:p>
+          <a:p>
+            <a:pPr marL="342900" indent="-342900">
+              <a:buFont typeface="Arial" panose="020B0604020202020204" pitchFamily="34" charset="0"/>
+              <a:buChar char="•"/>
+            </a:pPr>
+            <a:r>
+              <a:rPr lang="vi-VN" sz="2400" dirty="0">
+                <a:solidFill>
+                  <a:schemeClr val="tx1"/>
+                </a:solidFill>
+                <a:latin typeface="Times New Roman" panose="02020603050405020304" pitchFamily="18" charset="0"/>
+                <a:cs typeface="Times New Roman" panose="02020603050405020304" pitchFamily="18" charset="0"/>
+              </a:rPr>
+              <a:t>Kết quả nhanh hơn và tốt hơn</a:t>
+            </a:r>
+            <a:endParaRPr lang="en-US" sz="2400" dirty="0">
+              <a:solidFill>
+                <a:schemeClr val="tx1"/>
+              </a:solidFill>
+              <a:latin typeface="Times New Roman" panose="02020603050405020304" pitchFamily="18" charset="0"/>
+              <a:cs typeface="Times New Roman" panose="02020603050405020304" pitchFamily="18" charset="0"/>
+            </a:endParaRPr>
+          </a:p>
+          <a:p>
+            <a:pPr marL="342900" indent="-342900">
+              <a:buFont typeface="Arial" panose="020B0604020202020204" pitchFamily="34" charset="0"/>
+              <a:buChar char="•"/>
+            </a:pPr>
+            <a:r>
+              <a:rPr lang="en-US" sz="2400" dirty="0" err="1">
+                <a:solidFill>
+                  <a:schemeClr val="tx1"/>
+                </a:solidFill>
+                <a:latin typeface="Times New Roman" panose="02020603050405020304" pitchFamily="18" charset="0"/>
+                <a:cs typeface="Times New Roman" panose="02020603050405020304" pitchFamily="18" charset="0"/>
+              </a:rPr>
+              <a:t>Chế</a:t>
+            </a:r>
+            <a:r>
+              <a:rPr lang="en-US" sz="2400" dirty="0">
+                <a:solidFill>
+                  <a:schemeClr val="tx1"/>
+                </a:solidFill>
+                <a:latin typeface="Times New Roman" panose="02020603050405020304" pitchFamily="18" charset="0"/>
+                <a:cs typeface="Times New Roman" panose="02020603050405020304" pitchFamily="18" charset="0"/>
+              </a:rPr>
+              <a:t> </a:t>
+            </a:r>
+            <a:r>
+              <a:rPr lang="en-US" sz="2400" dirty="0" err="1">
+                <a:solidFill>
+                  <a:schemeClr val="tx1"/>
+                </a:solidFill>
+                <a:latin typeface="Times New Roman" panose="02020603050405020304" pitchFamily="18" charset="0"/>
+                <a:cs typeface="Times New Roman" panose="02020603050405020304" pitchFamily="18" charset="0"/>
+              </a:rPr>
+              <a:t>độ</a:t>
+            </a:r>
+            <a:r>
+              <a:rPr lang="en-US" sz="2400" dirty="0">
+                <a:solidFill>
+                  <a:schemeClr val="tx1"/>
+                </a:solidFill>
+                <a:latin typeface="Times New Roman" panose="02020603050405020304" pitchFamily="18" charset="0"/>
+                <a:cs typeface="Times New Roman" panose="02020603050405020304" pitchFamily="18" charset="0"/>
+              </a:rPr>
+              <a:t> </a:t>
+            </a:r>
+            <a:r>
+              <a:rPr lang="en-US" sz="2400" dirty="0" err="1">
+                <a:solidFill>
+                  <a:schemeClr val="tx1"/>
+                </a:solidFill>
+                <a:latin typeface="Times New Roman" panose="02020603050405020304" pitchFamily="18" charset="0"/>
+                <a:cs typeface="Times New Roman" panose="02020603050405020304" pitchFamily="18" charset="0"/>
+              </a:rPr>
+              <a:t>linh</a:t>
+            </a:r>
+            <a:r>
+              <a:rPr lang="en-US" sz="2400" dirty="0">
+                <a:solidFill>
+                  <a:schemeClr val="tx1"/>
+                </a:solidFill>
+                <a:latin typeface="Times New Roman" panose="02020603050405020304" pitchFamily="18" charset="0"/>
+                <a:cs typeface="Times New Roman" panose="02020603050405020304" pitchFamily="18" charset="0"/>
+              </a:rPr>
+              <a:t> </a:t>
+            </a:r>
+            <a:r>
+              <a:rPr lang="en-US" sz="2400" dirty="0" err="1">
+                <a:solidFill>
+                  <a:schemeClr val="tx1"/>
+                </a:solidFill>
+                <a:latin typeface="Times New Roman" panose="02020603050405020304" pitchFamily="18" charset="0"/>
+                <a:cs typeface="Times New Roman" panose="02020603050405020304" pitchFamily="18" charset="0"/>
+              </a:rPr>
+              <a:t>hoạt</a:t>
+            </a:r>
+            <a:endParaRPr lang="en-US" sz="2400" dirty="0">
+              <a:solidFill>
+                <a:schemeClr val="tx1"/>
+              </a:solidFill>
+              <a:latin typeface="Times New Roman" panose="02020603050405020304" pitchFamily="18" charset="0"/>
+              <a:cs typeface="Times New Roman" panose="02020603050405020304" pitchFamily="18" charset="0"/>
+            </a:endParaRPr>
+          </a:p>
+          <a:p>
+            <a:pPr marL="342900" indent="-342900">
+              <a:buFont typeface="Arial" panose="020B0604020202020204" pitchFamily="34" charset="0"/>
+              <a:buChar char="•"/>
+            </a:pPr>
+            <a:r>
+              <a:rPr lang="en-US" sz="2400" dirty="0" err="1">
+                <a:solidFill>
+                  <a:schemeClr val="tx1"/>
+                </a:solidFill>
+                <a:latin typeface="Times New Roman" panose="02020603050405020304" pitchFamily="18" charset="0"/>
+                <a:cs typeface="Times New Roman" panose="02020603050405020304" pitchFamily="18" charset="0"/>
+              </a:rPr>
+              <a:t>Dễ</a:t>
+            </a:r>
+            <a:r>
+              <a:rPr lang="en-US" sz="2400" dirty="0">
+                <a:solidFill>
+                  <a:schemeClr val="tx1"/>
+                </a:solidFill>
+                <a:latin typeface="Times New Roman" panose="02020603050405020304" pitchFamily="18" charset="0"/>
+                <a:cs typeface="Times New Roman" panose="02020603050405020304" pitchFamily="18" charset="0"/>
+              </a:rPr>
+              <a:t> </a:t>
+            </a:r>
+            <a:r>
+              <a:rPr lang="en-US" sz="2400" dirty="0" err="1">
+                <a:solidFill>
+                  <a:schemeClr val="tx1"/>
+                </a:solidFill>
+                <a:latin typeface="Times New Roman" panose="02020603050405020304" pitchFamily="18" charset="0"/>
+                <a:cs typeface="Times New Roman" panose="02020603050405020304" pitchFamily="18" charset="0"/>
+              </a:rPr>
+              <a:t>sử</a:t>
+            </a:r>
+            <a:r>
+              <a:rPr lang="en-US" sz="2400" dirty="0">
+                <a:solidFill>
+                  <a:schemeClr val="tx1"/>
+                </a:solidFill>
+                <a:latin typeface="Times New Roman" panose="02020603050405020304" pitchFamily="18" charset="0"/>
+                <a:cs typeface="Times New Roman" panose="02020603050405020304" pitchFamily="18" charset="0"/>
+              </a:rPr>
+              <a:t> </a:t>
+            </a:r>
+            <a:r>
+              <a:rPr lang="en-US" sz="2400" dirty="0" err="1">
+                <a:solidFill>
+                  <a:schemeClr val="tx1"/>
+                </a:solidFill>
+                <a:latin typeface="Times New Roman" panose="02020603050405020304" pitchFamily="18" charset="0"/>
+                <a:cs typeface="Times New Roman" panose="02020603050405020304" pitchFamily="18" charset="0"/>
+              </a:rPr>
+              <a:t>dụng</a:t>
+            </a:r>
+            <a:endParaRPr lang="en-US" sz="2400" dirty="0">
+              <a:solidFill>
+                <a:schemeClr val="tx1"/>
+              </a:solidFill>
+              <a:latin typeface="Times New Roman" panose="02020603050405020304" pitchFamily="18" charset="0"/>
+              <a:cs typeface="Times New Roman" panose="02020603050405020304" pitchFamily="18" charset="0"/>
+            </a:endParaRPr>
+          </a:p>
+          <a:p>
+            <a:pPr marL="342900" indent="-342900">
+              <a:buFont typeface="Arial" panose="020B0604020202020204" pitchFamily="34" charset="0"/>
+              <a:buChar char="•"/>
+            </a:pPr>
+            <a:r>
+              <a:rPr lang="en-US" sz="2400" dirty="0" err="1">
+                <a:solidFill>
+                  <a:schemeClr val="tx1"/>
+                </a:solidFill>
+                <a:latin typeface="Times New Roman" panose="02020603050405020304" pitchFamily="18" charset="0"/>
+                <a:cs typeface="Times New Roman" panose="02020603050405020304" pitchFamily="18" charset="0"/>
+              </a:rPr>
+              <a:t>Ứng</a:t>
+            </a:r>
+            <a:r>
+              <a:rPr lang="en-US" sz="2400" dirty="0">
+                <a:solidFill>
+                  <a:schemeClr val="tx1"/>
+                </a:solidFill>
+                <a:latin typeface="Times New Roman" panose="02020603050405020304" pitchFamily="18" charset="0"/>
+                <a:cs typeface="Times New Roman" panose="02020603050405020304" pitchFamily="18" charset="0"/>
+              </a:rPr>
+              <a:t> </a:t>
+            </a:r>
+            <a:r>
+              <a:rPr lang="en-US" sz="2400" dirty="0" err="1">
+                <a:solidFill>
+                  <a:schemeClr val="tx1"/>
+                </a:solidFill>
+                <a:latin typeface="Times New Roman" panose="02020603050405020304" pitchFamily="18" charset="0"/>
+                <a:cs typeface="Times New Roman" panose="02020603050405020304" pitchFamily="18" charset="0"/>
+              </a:rPr>
+              <a:t>dụng</a:t>
+            </a:r>
+            <a:r>
+              <a:rPr lang="en-US" sz="2400" dirty="0">
+                <a:solidFill>
+                  <a:schemeClr val="tx1"/>
+                </a:solidFill>
+                <a:latin typeface="Times New Roman" panose="02020603050405020304" pitchFamily="18" charset="0"/>
+                <a:cs typeface="Times New Roman" panose="02020603050405020304" pitchFamily="18" charset="0"/>
+              </a:rPr>
+              <a:t> </a:t>
+            </a:r>
+            <a:r>
+              <a:rPr lang="en-US" sz="2400" dirty="0" err="1">
+                <a:solidFill>
+                  <a:schemeClr val="tx1"/>
+                </a:solidFill>
+                <a:latin typeface="Times New Roman" panose="02020603050405020304" pitchFamily="18" charset="0"/>
+                <a:cs typeface="Times New Roman" panose="02020603050405020304" pitchFamily="18" charset="0"/>
+              </a:rPr>
+              <a:t>đa</a:t>
+            </a:r>
+            <a:r>
+              <a:rPr lang="en-US" sz="2400" dirty="0">
+                <a:solidFill>
+                  <a:schemeClr val="tx1"/>
+                </a:solidFill>
+                <a:latin typeface="Times New Roman" panose="02020603050405020304" pitchFamily="18" charset="0"/>
+                <a:cs typeface="Times New Roman" panose="02020603050405020304" pitchFamily="18" charset="0"/>
+              </a:rPr>
+              <a:t> </a:t>
+            </a:r>
+            <a:r>
+              <a:rPr lang="en-US" sz="2400" dirty="0" err="1">
+                <a:solidFill>
+                  <a:schemeClr val="tx1"/>
+                </a:solidFill>
+                <a:latin typeface="Times New Roman" panose="02020603050405020304" pitchFamily="18" charset="0"/>
+                <a:cs typeface="Times New Roman" panose="02020603050405020304" pitchFamily="18" charset="0"/>
+              </a:rPr>
+              <a:t>trình</a:t>
+            </a:r>
+            <a:r>
+              <a:rPr lang="en-US" sz="2400" dirty="0">
+                <a:solidFill>
+                  <a:schemeClr val="tx1"/>
+                </a:solidFill>
+                <a:latin typeface="Times New Roman" panose="02020603050405020304" pitchFamily="18" charset="0"/>
+                <a:cs typeface="Times New Roman" panose="02020603050405020304" pitchFamily="18" charset="0"/>
+              </a:rPr>
+              <a:t> </a:t>
+            </a:r>
+            <a:r>
+              <a:rPr lang="en-US" sz="2400" dirty="0" err="1">
+                <a:solidFill>
+                  <a:schemeClr val="tx1"/>
+                </a:solidFill>
+                <a:latin typeface="Times New Roman" panose="02020603050405020304" pitchFamily="18" charset="0"/>
+                <a:cs typeface="Times New Roman" panose="02020603050405020304" pitchFamily="18" charset="0"/>
+              </a:rPr>
+              <a:t>duyệt</a:t>
+            </a:r>
+            <a:r>
+              <a:rPr lang="en-US" sz="2400" dirty="0">
+                <a:solidFill>
+                  <a:schemeClr val="tx1"/>
+                </a:solidFill>
+                <a:latin typeface="Times New Roman" panose="02020603050405020304" pitchFamily="18" charset="0"/>
+                <a:cs typeface="Times New Roman" panose="02020603050405020304" pitchFamily="18" charset="0"/>
+              </a:rPr>
+              <a:t>: </a:t>
+            </a:r>
+            <a:r>
+              <a:rPr lang="en-US" sz="2400" dirty="0" err="1">
+                <a:solidFill>
+                  <a:schemeClr val="tx1"/>
+                </a:solidFill>
+                <a:latin typeface="Times New Roman" panose="02020603050405020304" pitchFamily="18" charset="0"/>
+                <a:cs typeface="Times New Roman" panose="02020603050405020304" pitchFamily="18" charset="0"/>
+              </a:rPr>
+              <a:t>Katalon</a:t>
+            </a:r>
+            <a:r>
+              <a:rPr lang="en-US" sz="2400" dirty="0">
+                <a:solidFill>
+                  <a:schemeClr val="tx1"/>
+                </a:solidFill>
+                <a:latin typeface="Times New Roman" panose="02020603050405020304" pitchFamily="18" charset="0"/>
+                <a:cs typeface="Times New Roman" panose="02020603050405020304" pitchFamily="18" charset="0"/>
+              </a:rPr>
+              <a:t> </a:t>
+            </a:r>
+            <a:r>
+              <a:rPr lang="en-US" sz="2400" dirty="0" err="1">
+                <a:solidFill>
+                  <a:schemeClr val="tx1"/>
+                </a:solidFill>
+                <a:latin typeface="Times New Roman" panose="02020603050405020304" pitchFamily="18" charset="0"/>
+                <a:cs typeface="Times New Roman" panose="02020603050405020304" pitchFamily="18" charset="0"/>
+              </a:rPr>
+              <a:t>hỗ</a:t>
+            </a:r>
+            <a:r>
+              <a:rPr lang="en-US" sz="2400" dirty="0">
+                <a:solidFill>
+                  <a:schemeClr val="tx1"/>
+                </a:solidFill>
+                <a:latin typeface="Times New Roman" panose="02020603050405020304" pitchFamily="18" charset="0"/>
+                <a:cs typeface="Times New Roman" panose="02020603050405020304" pitchFamily="18" charset="0"/>
+              </a:rPr>
+              <a:t> </a:t>
+            </a:r>
+            <a:r>
+              <a:rPr lang="en-US" sz="2400" dirty="0" err="1">
+                <a:solidFill>
+                  <a:schemeClr val="tx1"/>
+                </a:solidFill>
+                <a:latin typeface="Times New Roman" panose="02020603050405020304" pitchFamily="18" charset="0"/>
+                <a:cs typeface="Times New Roman" panose="02020603050405020304" pitchFamily="18" charset="0"/>
+              </a:rPr>
+              <a:t>trợ</a:t>
+            </a:r>
+            <a:r>
+              <a:rPr lang="en-US" sz="2400" dirty="0">
+                <a:solidFill>
+                  <a:schemeClr val="tx1"/>
+                </a:solidFill>
+                <a:latin typeface="Times New Roman" panose="02020603050405020304" pitchFamily="18" charset="0"/>
+                <a:cs typeface="Times New Roman" panose="02020603050405020304" pitchFamily="18" charset="0"/>
+              </a:rPr>
+              <a:t> </a:t>
+            </a:r>
+            <a:r>
+              <a:rPr lang="en-US" sz="2400" dirty="0" err="1">
+                <a:solidFill>
+                  <a:schemeClr val="tx1"/>
+                </a:solidFill>
+                <a:latin typeface="Times New Roman" panose="02020603050405020304" pitchFamily="18" charset="0"/>
+                <a:cs typeface="Times New Roman" panose="02020603050405020304" pitchFamily="18" charset="0"/>
+              </a:rPr>
+              <a:t>nhiều</a:t>
+            </a:r>
+            <a:r>
+              <a:rPr lang="en-US" sz="2400" dirty="0">
+                <a:solidFill>
+                  <a:schemeClr val="tx1"/>
+                </a:solidFill>
+                <a:latin typeface="Times New Roman" panose="02020603050405020304" pitchFamily="18" charset="0"/>
+                <a:cs typeface="Times New Roman" panose="02020603050405020304" pitchFamily="18" charset="0"/>
+              </a:rPr>
+              <a:t> </a:t>
+            </a:r>
+            <a:r>
+              <a:rPr lang="en-US" sz="2400" dirty="0" err="1">
+                <a:solidFill>
+                  <a:schemeClr val="tx1"/>
+                </a:solidFill>
+                <a:latin typeface="Times New Roman" panose="02020603050405020304" pitchFamily="18" charset="0"/>
+                <a:cs typeface="Times New Roman" panose="02020603050405020304" pitchFamily="18" charset="0"/>
+              </a:rPr>
+              <a:t>nền</a:t>
+            </a:r>
+            <a:r>
+              <a:rPr lang="en-US" sz="2400" dirty="0">
+                <a:solidFill>
+                  <a:schemeClr val="tx1"/>
+                </a:solidFill>
+                <a:latin typeface="Times New Roman" panose="02020603050405020304" pitchFamily="18" charset="0"/>
+                <a:cs typeface="Times New Roman" panose="02020603050405020304" pitchFamily="18" charset="0"/>
+              </a:rPr>
+              <a:t> </a:t>
+            </a:r>
+            <a:r>
+              <a:rPr lang="en-US" sz="2400" dirty="0" err="1">
+                <a:solidFill>
+                  <a:schemeClr val="tx1"/>
+                </a:solidFill>
+                <a:latin typeface="Times New Roman" panose="02020603050405020304" pitchFamily="18" charset="0"/>
+                <a:cs typeface="Times New Roman" panose="02020603050405020304" pitchFamily="18" charset="0"/>
+              </a:rPr>
+              <a:t>tảng</a:t>
+            </a:r>
+            <a:r>
+              <a:rPr lang="en-US" sz="2400" dirty="0">
+                <a:solidFill>
+                  <a:schemeClr val="tx1"/>
+                </a:solidFill>
+                <a:latin typeface="Times New Roman" panose="02020603050405020304" pitchFamily="18" charset="0"/>
+                <a:cs typeface="Times New Roman" panose="02020603050405020304" pitchFamily="18" charset="0"/>
+              </a:rPr>
+              <a:t>: Windows 32 </a:t>
+            </a:r>
+            <a:r>
+              <a:rPr lang="en-US" sz="2400" dirty="0" err="1">
+                <a:solidFill>
+                  <a:schemeClr val="tx1"/>
+                </a:solidFill>
+                <a:latin typeface="Times New Roman" panose="02020603050405020304" pitchFamily="18" charset="0"/>
+                <a:cs typeface="Times New Roman" panose="02020603050405020304" pitchFamily="18" charset="0"/>
+              </a:rPr>
+              <a:t>và</a:t>
+            </a:r>
+            <a:r>
+              <a:rPr lang="en-US" sz="2400" dirty="0">
+                <a:solidFill>
+                  <a:schemeClr val="tx1"/>
+                </a:solidFill>
+                <a:latin typeface="Times New Roman" panose="02020603050405020304" pitchFamily="18" charset="0"/>
+                <a:cs typeface="Times New Roman" panose="02020603050405020304" pitchFamily="18" charset="0"/>
+              </a:rPr>
+              <a:t> 64 (7, 8, </a:t>
+            </a:r>
+            <a:r>
+              <a:rPr lang="en-US" sz="2400" dirty="0" err="1">
+                <a:solidFill>
+                  <a:schemeClr val="tx1"/>
+                </a:solidFill>
+                <a:latin typeface="Times New Roman" panose="02020603050405020304" pitchFamily="18" charset="0"/>
+                <a:cs typeface="Times New Roman" panose="02020603050405020304" pitchFamily="18" charset="0"/>
+              </a:rPr>
+              <a:t>và</a:t>
+            </a:r>
+            <a:r>
+              <a:rPr lang="en-US" sz="2400" dirty="0">
+                <a:solidFill>
+                  <a:schemeClr val="tx1"/>
+                </a:solidFill>
+                <a:latin typeface="Times New Roman" panose="02020603050405020304" pitchFamily="18" charset="0"/>
+                <a:cs typeface="Times New Roman" panose="02020603050405020304" pitchFamily="18" charset="0"/>
+              </a:rPr>
+              <a:t> 10) </a:t>
+            </a:r>
+            <a:r>
+              <a:rPr lang="en-US" sz="2400" dirty="0" err="1">
+                <a:solidFill>
+                  <a:schemeClr val="tx1"/>
+                </a:solidFill>
+                <a:latin typeface="Times New Roman" panose="02020603050405020304" pitchFamily="18" charset="0"/>
+                <a:cs typeface="Times New Roman" panose="02020603050405020304" pitchFamily="18" charset="0"/>
+              </a:rPr>
+              <a:t>và</a:t>
+            </a:r>
+            <a:r>
+              <a:rPr lang="en-US" sz="2400" dirty="0">
+                <a:solidFill>
+                  <a:schemeClr val="tx1"/>
+                </a:solidFill>
+                <a:latin typeface="Times New Roman" panose="02020603050405020304" pitchFamily="18" charset="0"/>
+                <a:cs typeface="Times New Roman" panose="02020603050405020304" pitchFamily="18" charset="0"/>
+              </a:rPr>
+              <a:t> OS X 10.5+.</a:t>
+            </a:r>
+          </a:p>
+          <a:p>
+            <a:pPr algn="ctr"/>
+            <a:endParaRPr lang="en-US" sz="2400" dirty="0">
+              <a:solidFill>
+                <a:schemeClr val="tx1"/>
+              </a:solidFill>
+            </a:endParaRPr>
+          </a:p>
+        </p:txBody>
+      </p:sp>
+      <p:sp>
+        <p:nvSpPr>
+          <p:cNvPr id="17" name="Title 8">
+            <a:extLst>
+              <a:ext uri="{FF2B5EF4-FFF2-40B4-BE49-F238E27FC236}">
+                <a16:creationId xmlns:a16="http://schemas.microsoft.com/office/drawing/2014/main" id="{08D80544-1178-4687-9D38-A9E773196182}"/>
+              </a:ext>
+            </a:extLst>
+          </p:cNvPr>
+          <p:cNvSpPr>
+            <a:spLocks noGrp="1"/>
+          </p:cNvSpPr>
+          <p:nvPr>
+            <p:ph type="title"/>
+          </p:nvPr>
+        </p:nvSpPr>
+        <p:spPr>
+          <a:xfrm>
+            <a:off x="3055225" y="786815"/>
+            <a:ext cx="4911725" cy="710709"/>
+          </a:xfrm>
+        </p:spPr>
+        <p:txBody>
+          <a:bodyPr/>
+          <a:lstStyle/>
+          <a:p>
+            <a:r>
+              <a:rPr lang="en-US" dirty="0"/>
+              <a:t>3. </a:t>
+            </a:r>
+            <a:r>
+              <a:rPr lang="en-US" dirty="0" err="1"/>
+              <a:t>Điểm</a:t>
+            </a:r>
+            <a:r>
+              <a:rPr lang="en-US" dirty="0"/>
+              <a:t> </a:t>
+            </a:r>
+            <a:r>
+              <a:rPr lang="en-US" dirty="0" err="1"/>
+              <a:t>mạnh</a:t>
+            </a:r>
+            <a:endParaRPr lang="en-US" dirty="0"/>
+          </a:p>
+        </p:txBody>
+      </p:sp>
+    </p:spTree>
+    <p:extLst>
+      <p:ext uri="{BB962C8B-B14F-4D97-AF65-F5344CB8AC3E}">
+        <p14:creationId xmlns:p14="http://schemas.microsoft.com/office/powerpoint/2010/main" val="461174187"/>
+      </p:ext>
+    </p:extLst>
+  </p:cSld>
+  <p:clrMapOvr>
+    <a:masterClrMapping/>
+  </p:clrMapOvr>
+</p:sld>
+</file>
+
+<file path=ppt/slides/slide6.xml><?xml version="1.0" encoding="utf-8"?>
 <p:sld xmlns:a="http://schemas.openxmlformats.org/drawingml/2006/main" xmlns:r="http://schemas.openxmlformats.org/officeDocument/2006/relationships" xmlns:p="http://schemas.openxmlformats.org/presentationml/2006/main">
   <p:cSld>
     <p:spTree>
@@ -16695,7 +18999,7 @@
         </p:nvSpPr>
         <p:spPr>
           <a:xfrm>
-            <a:off x="518677" y="209028"/>
+            <a:off x="636105" y="0"/>
             <a:ext cx="10255339" cy="1147969"/>
           </a:xfrm>
         </p:spPr>
@@ -16715,7 +19019,7 @@
                 <a:latin typeface="Times New Roman" panose="02020603050405020304" pitchFamily="18" charset="0"/>
                 <a:cs typeface="Times New Roman" panose="02020603050405020304" pitchFamily="18" charset="0"/>
               </a:rPr>
-              <a:t>2. </a:t>
+              <a:t>4. </a:t>
             </a:r>
             <a:r>
               <a:rPr lang="en-US" dirty="0" err="1">
@@ -16939,59 +19243,690 @@
             <a:fld id="{8699F50C-BE38-4BD0-BA84-9B090E1F2B9B}" type="slidenum">
               <a:rPr lang="en-US" smtClean="0"/>
               <a:pPr/>
-              <a:t>4</a:t>
+              <a:t>6</a:t>
             </a:fld>
             <a:endParaRPr lang="en-US" dirty="0"/>
           </a:p>
         </p:txBody>
       </p:sp>
-      <p:pic>
-        <p:nvPicPr>
-          <p:cNvPr id="2050" name="Picture 2" descr="Kết quả hình ảnh cho katalon studio">
+      <p:sp>
+        <p:nvSpPr>
+          <p:cNvPr id="4" name="Rectangle: Rounded Corners 3">
             <a:extLst>
               <a:ext uri="{FF2B5EF4-FFF2-40B4-BE49-F238E27FC236}">
-                <a16:creationId xmlns:a16="http://schemas.microsoft.com/office/drawing/2014/main" id="{E0CFF18C-E5D6-4720-A325-566FF2A7D7FA}"/>
+                <a16:creationId xmlns:a16="http://schemas.microsoft.com/office/drawing/2014/main" id="{F629FFED-3574-4917-AED4-06AC4449E227}"/>
               </a:ext>
             </a:extLst>
           </p:cNvPr>
-          <p:cNvPicPr>
-            <a:picLocks noChangeAspect="1" noChangeArrowheads="1"/>
-          </p:cNvPicPr>
+          <p:cNvSpPr/>
           <p:nvPr/>
-        </p:nvPicPr>
-        <p:blipFill>
-          <a:blip r:embed="rId2">
-            <a:extLst>
-              <a:ext uri="{28A0092B-C50C-407E-A947-70E740481C1C}">
-                <a14:useLocalDpi xmlns:a14="http://schemas.microsoft.com/office/drawing/2010/main" val="0"/>
-              </a:ext>
-            </a:extLst>
-          </a:blip>
-          <a:srcRect/>
-          <a:stretch>
-            <a:fillRect/>
-          </a:stretch>
-        </p:blipFill>
-        <p:spPr bwMode="auto">
+        </p:nvSpPr>
+        <p:spPr>
           <a:xfrm>
-            <a:off x="1510747" y="1771817"/>
-            <a:ext cx="9090991" cy="4430200"/>
+            <a:off x="1232451" y="1302302"/>
+            <a:ext cx="9329531" cy="4661176"/>
           </a:xfrm>
-          <a:prstGeom prst="rect">
+          <a:prstGeom prst="roundRect">
             <a:avLst/>
           </a:prstGeom>
-          <a:noFill/>
-          <a:extLst>
-            <a:ext uri="{909E8E84-426E-40DD-AFC4-6F175D3DCCD1}">
-              <a14:hiddenFill xmlns:a14="http://schemas.microsoft.com/office/drawing/2010/main">
-                <a:solidFill>
-                  <a:srgbClr val="FFFFFF"/>
-                </a:solidFill>
-              </a14:hiddenFill>
-            </a:ext>
-          </a:extLst>
         </p:spPr>
-      </p:pic>
+        <p:style>
+          <a:lnRef idx="2">
+            <a:schemeClr val="accent1"/>
+          </a:lnRef>
+          <a:fillRef idx="1">
+            <a:schemeClr val="lt1"/>
+          </a:fillRef>
+          <a:effectRef idx="0">
+            <a:schemeClr val="accent1"/>
+          </a:effectRef>
+          <a:fontRef idx="minor">
+            <a:schemeClr val="dk1"/>
+          </a:fontRef>
+        </p:style>
+        <p:txBody>
+          <a:bodyPr rtlCol="0" anchor="ctr"/>
+          <a:lstStyle/>
+          <a:p>
+            <a:pPr marL="342900" indent="-342900">
+              <a:buFont typeface="Arial" panose="020B0604020202020204" pitchFamily="34" charset="0"/>
+              <a:buChar char="•"/>
+            </a:pPr>
+            <a:r>
+              <a:rPr lang="vi-VN" sz="2400" dirty="0">
+                <a:solidFill>
+                  <a:schemeClr val="tx1"/>
+                </a:solidFill>
+                <a:latin typeface="Times New Roman" panose="02020603050405020304" pitchFamily="18" charset="0"/>
+                <a:cs typeface="Times New Roman" panose="02020603050405020304" pitchFamily="18" charset="0"/>
+              </a:rPr>
+              <a:t>Cấu trúc được xác định trước</a:t>
+            </a:r>
+            <a:endParaRPr lang="en-US" sz="2400" dirty="0">
+              <a:solidFill>
+                <a:schemeClr val="tx1"/>
+              </a:solidFill>
+              <a:latin typeface="Times New Roman" panose="02020603050405020304" pitchFamily="18" charset="0"/>
+              <a:cs typeface="Times New Roman" panose="02020603050405020304" pitchFamily="18" charset="0"/>
+            </a:endParaRPr>
+          </a:p>
+          <a:p>
+            <a:pPr marL="342900" indent="-342900">
+              <a:buFont typeface="Arial" panose="020B0604020202020204" pitchFamily="34" charset="0"/>
+              <a:buChar char="•"/>
+            </a:pPr>
+            <a:r>
+              <a:rPr lang="en-US" sz="2400" dirty="0" err="1">
+                <a:solidFill>
+                  <a:schemeClr val="tx1"/>
+                </a:solidFill>
+                <a:latin typeface="Times New Roman" panose="02020603050405020304" pitchFamily="18" charset="0"/>
+                <a:cs typeface="Times New Roman" panose="02020603050405020304" pitchFamily="18" charset="0"/>
+              </a:rPr>
+              <a:t>Từ</a:t>
+            </a:r>
+            <a:r>
+              <a:rPr lang="en-US" sz="2400" dirty="0">
+                <a:solidFill>
+                  <a:schemeClr val="tx1"/>
+                </a:solidFill>
+                <a:latin typeface="Times New Roman" panose="02020603050405020304" pitchFamily="18" charset="0"/>
+                <a:cs typeface="Times New Roman" panose="02020603050405020304" pitchFamily="18" charset="0"/>
+              </a:rPr>
+              <a:t> </a:t>
+            </a:r>
+            <a:r>
+              <a:rPr lang="en-US" sz="2400" dirty="0" err="1">
+                <a:solidFill>
+                  <a:schemeClr val="tx1"/>
+                </a:solidFill>
+                <a:latin typeface="Times New Roman" panose="02020603050405020304" pitchFamily="18" charset="0"/>
+                <a:cs typeface="Times New Roman" panose="02020603050405020304" pitchFamily="18" charset="0"/>
+              </a:rPr>
+              <a:t>khóa</a:t>
+            </a:r>
+            <a:r>
+              <a:rPr lang="en-US" sz="2400" dirty="0">
+                <a:solidFill>
+                  <a:schemeClr val="tx1"/>
+                </a:solidFill>
+                <a:latin typeface="Times New Roman" panose="02020603050405020304" pitchFamily="18" charset="0"/>
+                <a:cs typeface="Times New Roman" panose="02020603050405020304" pitchFamily="18" charset="0"/>
+              </a:rPr>
+              <a:t> </a:t>
+            </a:r>
+            <a:r>
+              <a:rPr lang="en-US" sz="2400" dirty="0" err="1">
+                <a:solidFill>
+                  <a:schemeClr val="tx1"/>
+                </a:solidFill>
+                <a:latin typeface="Times New Roman" panose="02020603050405020304" pitchFamily="18" charset="0"/>
+                <a:cs typeface="Times New Roman" panose="02020603050405020304" pitchFamily="18" charset="0"/>
+              </a:rPr>
+              <a:t>tùy</a:t>
+            </a:r>
+            <a:r>
+              <a:rPr lang="en-US" sz="2400" dirty="0">
+                <a:solidFill>
+                  <a:schemeClr val="tx1"/>
+                </a:solidFill>
+                <a:latin typeface="Times New Roman" panose="02020603050405020304" pitchFamily="18" charset="0"/>
+                <a:cs typeface="Times New Roman" panose="02020603050405020304" pitchFamily="18" charset="0"/>
+              </a:rPr>
+              <a:t> </a:t>
+            </a:r>
+            <a:r>
+              <a:rPr lang="en-US" sz="2400" dirty="0" err="1">
+                <a:solidFill>
+                  <a:schemeClr val="tx1"/>
+                </a:solidFill>
+                <a:latin typeface="Times New Roman" panose="02020603050405020304" pitchFamily="18" charset="0"/>
+                <a:cs typeface="Times New Roman" panose="02020603050405020304" pitchFamily="18" charset="0"/>
+              </a:rPr>
+              <a:t>chỉnh</a:t>
+            </a:r>
+            <a:r>
+              <a:rPr lang="en-US" sz="2400" dirty="0">
+                <a:solidFill>
+                  <a:schemeClr val="tx1"/>
+                </a:solidFill>
+                <a:latin typeface="Times New Roman" panose="02020603050405020304" pitchFamily="18" charset="0"/>
+                <a:cs typeface="Times New Roman" panose="02020603050405020304" pitchFamily="18" charset="0"/>
+              </a:rPr>
+              <a:t> </a:t>
+            </a:r>
+            <a:r>
+              <a:rPr lang="en-US" sz="2400" dirty="0" err="1">
+                <a:solidFill>
+                  <a:schemeClr val="tx1"/>
+                </a:solidFill>
+                <a:latin typeface="Times New Roman" panose="02020603050405020304" pitchFamily="18" charset="0"/>
+                <a:cs typeface="Times New Roman" panose="02020603050405020304" pitchFamily="18" charset="0"/>
+              </a:rPr>
+              <a:t>cung</a:t>
+            </a:r>
+            <a:r>
+              <a:rPr lang="en-US" sz="2400" dirty="0">
+                <a:solidFill>
+                  <a:schemeClr val="tx1"/>
+                </a:solidFill>
+                <a:latin typeface="Times New Roman" panose="02020603050405020304" pitchFamily="18" charset="0"/>
+                <a:cs typeface="Times New Roman" panose="02020603050405020304" pitchFamily="18" charset="0"/>
+              </a:rPr>
+              <a:t> </a:t>
+            </a:r>
+            <a:r>
+              <a:rPr lang="en-US" sz="2400" dirty="0" err="1">
+                <a:solidFill>
+                  <a:schemeClr val="tx1"/>
+                </a:solidFill>
+                <a:latin typeface="Times New Roman" panose="02020603050405020304" pitchFamily="18" charset="0"/>
+                <a:cs typeface="Times New Roman" panose="02020603050405020304" pitchFamily="18" charset="0"/>
+              </a:rPr>
+              <a:t>cấp</a:t>
+            </a:r>
+            <a:r>
+              <a:rPr lang="en-US" sz="2400" dirty="0">
+                <a:solidFill>
+                  <a:schemeClr val="tx1"/>
+                </a:solidFill>
+                <a:latin typeface="Times New Roman" panose="02020603050405020304" pitchFamily="18" charset="0"/>
+                <a:cs typeface="Times New Roman" panose="02020603050405020304" pitchFamily="18" charset="0"/>
+              </a:rPr>
+              <a:t> </a:t>
+            </a:r>
+            <a:r>
+              <a:rPr lang="en-US" sz="2400" dirty="0" err="1">
+                <a:solidFill>
+                  <a:schemeClr val="tx1"/>
+                </a:solidFill>
+                <a:latin typeface="Times New Roman" panose="02020603050405020304" pitchFamily="18" charset="0"/>
+                <a:cs typeface="Times New Roman" panose="02020603050405020304" pitchFamily="18" charset="0"/>
+              </a:rPr>
+              <a:t>tính</a:t>
+            </a:r>
+            <a:r>
+              <a:rPr lang="en-US" sz="2400" dirty="0">
+                <a:solidFill>
+                  <a:schemeClr val="tx1"/>
+                </a:solidFill>
+                <a:latin typeface="Times New Roman" panose="02020603050405020304" pitchFamily="18" charset="0"/>
+                <a:cs typeface="Times New Roman" panose="02020603050405020304" pitchFamily="18" charset="0"/>
+              </a:rPr>
+              <a:t> </a:t>
+            </a:r>
+            <a:r>
+              <a:rPr lang="en-US" sz="2400" dirty="0" err="1">
+                <a:solidFill>
+                  <a:schemeClr val="tx1"/>
+                </a:solidFill>
+                <a:latin typeface="Times New Roman" panose="02020603050405020304" pitchFamily="18" charset="0"/>
+                <a:cs typeface="Times New Roman" panose="02020603050405020304" pitchFamily="18" charset="0"/>
+              </a:rPr>
+              <a:t>linh</a:t>
+            </a:r>
+            <a:r>
+              <a:rPr lang="en-US" sz="2400" dirty="0">
+                <a:solidFill>
+                  <a:schemeClr val="tx1"/>
+                </a:solidFill>
+                <a:latin typeface="Times New Roman" panose="02020603050405020304" pitchFamily="18" charset="0"/>
+                <a:cs typeface="Times New Roman" panose="02020603050405020304" pitchFamily="18" charset="0"/>
+              </a:rPr>
+              <a:t> </a:t>
+            </a:r>
+            <a:r>
+              <a:rPr lang="en-US" sz="2400" dirty="0" err="1">
+                <a:solidFill>
+                  <a:schemeClr val="tx1"/>
+                </a:solidFill>
+                <a:latin typeface="Times New Roman" panose="02020603050405020304" pitchFamily="18" charset="0"/>
+                <a:cs typeface="Times New Roman" panose="02020603050405020304" pitchFamily="18" charset="0"/>
+              </a:rPr>
+              <a:t>hoạt</a:t>
+            </a:r>
+            <a:endParaRPr lang="en-US" sz="2400" dirty="0">
+              <a:solidFill>
+                <a:schemeClr val="tx1"/>
+              </a:solidFill>
+              <a:latin typeface="Times New Roman" panose="02020603050405020304" pitchFamily="18" charset="0"/>
+              <a:cs typeface="Times New Roman" panose="02020603050405020304" pitchFamily="18" charset="0"/>
+            </a:endParaRPr>
+          </a:p>
+          <a:p>
+            <a:pPr marL="342900" indent="-342900">
+              <a:buFont typeface="Arial" panose="020B0604020202020204" pitchFamily="34" charset="0"/>
+              <a:buChar char="•"/>
+            </a:pPr>
+            <a:r>
+              <a:rPr lang="en-US" sz="2400" dirty="0" err="1">
+                <a:solidFill>
+                  <a:schemeClr val="tx1"/>
+                </a:solidFill>
+                <a:latin typeface="Times New Roman" panose="02020603050405020304" pitchFamily="18" charset="0"/>
+                <a:cs typeface="Times New Roman" panose="02020603050405020304" pitchFamily="18" charset="0"/>
+              </a:rPr>
+              <a:t>Hỗ</a:t>
+            </a:r>
+            <a:r>
+              <a:rPr lang="en-US" sz="2400" dirty="0">
+                <a:solidFill>
+                  <a:schemeClr val="tx1"/>
+                </a:solidFill>
+                <a:latin typeface="Times New Roman" panose="02020603050405020304" pitchFamily="18" charset="0"/>
+                <a:cs typeface="Times New Roman" panose="02020603050405020304" pitchFamily="18" charset="0"/>
+              </a:rPr>
+              <a:t> </a:t>
+            </a:r>
+            <a:r>
+              <a:rPr lang="en-US" sz="2400" dirty="0" err="1">
+                <a:solidFill>
+                  <a:schemeClr val="tx1"/>
+                </a:solidFill>
+                <a:latin typeface="Times New Roman" panose="02020603050405020304" pitchFamily="18" charset="0"/>
+                <a:cs typeface="Times New Roman" panose="02020603050405020304" pitchFamily="18" charset="0"/>
+              </a:rPr>
+              <a:t>trợ</a:t>
+            </a:r>
+            <a:r>
+              <a:rPr lang="en-US" sz="2400" dirty="0">
+                <a:solidFill>
+                  <a:schemeClr val="tx1"/>
+                </a:solidFill>
+                <a:latin typeface="Times New Roman" panose="02020603050405020304" pitchFamily="18" charset="0"/>
+                <a:cs typeface="Times New Roman" panose="02020603050405020304" pitchFamily="18" charset="0"/>
+              </a:rPr>
+              <a:t> </a:t>
+            </a:r>
+            <a:r>
+              <a:rPr lang="en-US" sz="2400" dirty="0" err="1">
+                <a:solidFill>
+                  <a:schemeClr val="tx1"/>
+                </a:solidFill>
+                <a:latin typeface="Times New Roman" panose="02020603050405020304" pitchFamily="18" charset="0"/>
+                <a:cs typeface="Times New Roman" panose="02020603050405020304" pitchFamily="18" charset="0"/>
+              </a:rPr>
+              <a:t>các</a:t>
+            </a:r>
+            <a:r>
+              <a:rPr lang="en-US" sz="2400" dirty="0">
+                <a:solidFill>
+                  <a:schemeClr val="tx1"/>
+                </a:solidFill>
+                <a:latin typeface="Times New Roman" panose="02020603050405020304" pitchFamily="18" charset="0"/>
+                <a:cs typeface="Times New Roman" panose="02020603050405020304" pitchFamily="18" charset="0"/>
+              </a:rPr>
+              <a:t> </a:t>
+            </a:r>
+            <a:r>
+              <a:rPr lang="en-US" sz="2400" dirty="0" err="1">
+                <a:solidFill>
+                  <a:schemeClr val="tx1"/>
+                </a:solidFill>
+                <a:latin typeface="Times New Roman" panose="02020603050405020304" pitchFamily="18" charset="0"/>
+                <a:cs typeface="Times New Roman" panose="02020603050405020304" pitchFamily="18" charset="0"/>
+              </a:rPr>
+              <a:t>nhu</a:t>
+            </a:r>
+            <a:r>
+              <a:rPr lang="en-US" sz="2400" dirty="0">
+                <a:solidFill>
+                  <a:schemeClr val="tx1"/>
+                </a:solidFill>
+                <a:latin typeface="Times New Roman" panose="02020603050405020304" pitchFamily="18" charset="0"/>
+                <a:cs typeface="Times New Roman" panose="02020603050405020304" pitchFamily="18" charset="0"/>
+              </a:rPr>
+              <a:t> </a:t>
+            </a:r>
+            <a:r>
+              <a:rPr lang="en-US" sz="2400" dirty="0" err="1">
+                <a:solidFill>
+                  <a:schemeClr val="tx1"/>
+                </a:solidFill>
+                <a:latin typeface="Times New Roman" panose="02020603050405020304" pitchFamily="18" charset="0"/>
+                <a:cs typeface="Times New Roman" panose="02020603050405020304" pitchFamily="18" charset="0"/>
+              </a:rPr>
+              <a:t>cầu</a:t>
+            </a:r>
+            <a:r>
+              <a:rPr lang="en-US" sz="2400" dirty="0">
+                <a:solidFill>
+                  <a:schemeClr val="tx1"/>
+                </a:solidFill>
+                <a:latin typeface="Times New Roman" panose="02020603050405020304" pitchFamily="18" charset="0"/>
+                <a:cs typeface="Times New Roman" panose="02020603050405020304" pitchFamily="18" charset="0"/>
+              </a:rPr>
+              <a:t> </a:t>
+            </a:r>
+            <a:r>
+              <a:rPr lang="en-US" sz="2400" dirty="0" err="1">
+                <a:solidFill>
+                  <a:schemeClr val="tx1"/>
+                </a:solidFill>
+                <a:latin typeface="Times New Roman" panose="02020603050405020304" pitchFamily="18" charset="0"/>
+                <a:cs typeface="Times New Roman" panose="02020603050405020304" pitchFamily="18" charset="0"/>
+              </a:rPr>
+              <a:t>kiểm</a:t>
+            </a:r>
+            <a:r>
+              <a:rPr lang="en-US" sz="2400" dirty="0">
+                <a:solidFill>
+                  <a:schemeClr val="tx1"/>
+                </a:solidFill>
+                <a:latin typeface="Times New Roman" panose="02020603050405020304" pitchFamily="18" charset="0"/>
+                <a:cs typeface="Times New Roman" panose="02020603050405020304" pitchFamily="18" charset="0"/>
+              </a:rPr>
+              <a:t> </a:t>
+            </a:r>
+            <a:r>
+              <a:rPr lang="en-US" sz="2400" dirty="0" err="1">
+                <a:solidFill>
+                  <a:schemeClr val="tx1"/>
+                </a:solidFill>
+                <a:latin typeface="Times New Roman" panose="02020603050405020304" pitchFamily="18" charset="0"/>
+                <a:cs typeface="Times New Roman" panose="02020603050405020304" pitchFamily="18" charset="0"/>
+              </a:rPr>
+              <a:t>thử</a:t>
+            </a:r>
+            <a:r>
+              <a:rPr lang="en-US" sz="2400" dirty="0">
+                <a:solidFill>
+                  <a:schemeClr val="tx1"/>
+                </a:solidFill>
+                <a:latin typeface="Times New Roman" panose="02020603050405020304" pitchFamily="18" charset="0"/>
+                <a:cs typeface="Times New Roman" panose="02020603050405020304" pitchFamily="18" charset="0"/>
+              </a:rPr>
+              <a:t> </a:t>
+            </a:r>
+            <a:r>
+              <a:rPr lang="en-US" sz="2400" dirty="0" err="1">
+                <a:solidFill>
+                  <a:schemeClr val="tx1"/>
+                </a:solidFill>
+                <a:latin typeface="Times New Roman" panose="02020603050405020304" pitchFamily="18" charset="0"/>
+                <a:cs typeface="Times New Roman" panose="02020603050405020304" pitchFamily="18" charset="0"/>
+              </a:rPr>
+              <a:t>chính</a:t>
+            </a:r>
+            <a:r>
+              <a:rPr lang="en-US" sz="2400" dirty="0">
+                <a:solidFill>
+                  <a:schemeClr val="tx1"/>
+                </a:solidFill>
+                <a:latin typeface="Times New Roman" panose="02020603050405020304" pitchFamily="18" charset="0"/>
+                <a:cs typeface="Times New Roman" panose="02020603050405020304" pitchFamily="18" charset="0"/>
+              </a:rPr>
+              <a:t>: web, mobile </a:t>
+            </a:r>
+            <a:r>
+              <a:rPr lang="en-US" sz="2400" dirty="0" err="1">
+                <a:solidFill>
+                  <a:schemeClr val="tx1"/>
+                </a:solidFill>
+                <a:latin typeface="Times New Roman" panose="02020603050405020304" pitchFamily="18" charset="0"/>
+                <a:cs typeface="Times New Roman" panose="02020603050405020304" pitchFamily="18" charset="0"/>
+              </a:rPr>
+              <a:t>và</a:t>
+            </a:r>
+            <a:r>
+              <a:rPr lang="en-US" sz="2400" dirty="0">
+                <a:solidFill>
+                  <a:schemeClr val="tx1"/>
+                </a:solidFill>
+                <a:latin typeface="Times New Roman" panose="02020603050405020304" pitchFamily="18" charset="0"/>
+                <a:cs typeface="Times New Roman" panose="02020603050405020304" pitchFamily="18" charset="0"/>
+              </a:rPr>
+              <a:t> API.</a:t>
+            </a:r>
+          </a:p>
+          <a:p>
+            <a:pPr marL="342900" indent="-342900">
+              <a:buFont typeface="Arial" panose="020B0604020202020204" pitchFamily="34" charset="0"/>
+              <a:buChar char="•"/>
+            </a:pPr>
+            <a:r>
+              <a:rPr lang="vi-VN" sz="2400" dirty="0">
+                <a:solidFill>
+                  <a:schemeClr val="tx1"/>
+                </a:solidFill>
+                <a:latin typeface="Times New Roman" panose="02020603050405020304" pitchFamily="18" charset="0"/>
+                <a:cs typeface="Times New Roman" panose="02020603050405020304" pitchFamily="18" charset="0"/>
+              </a:rPr>
+              <a:t>Thực hiện nhiều bộ kiểm thử cùng một lúc </a:t>
+            </a:r>
+            <a:endParaRPr lang="en-US" sz="2400" dirty="0">
+              <a:solidFill>
+                <a:schemeClr val="tx1"/>
+              </a:solidFill>
+              <a:latin typeface="Times New Roman" panose="02020603050405020304" pitchFamily="18" charset="0"/>
+              <a:cs typeface="Times New Roman" panose="02020603050405020304" pitchFamily="18" charset="0"/>
+            </a:endParaRPr>
+          </a:p>
+          <a:p>
+            <a:pPr marL="342900" indent="-342900">
+              <a:buFont typeface="Arial" panose="020B0604020202020204" pitchFamily="34" charset="0"/>
+              <a:buChar char="•"/>
+            </a:pPr>
+            <a:r>
+              <a:rPr lang="en-US" sz="2400" dirty="0" err="1">
+                <a:solidFill>
+                  <a:schemeClr val="tx1"/>
+                </a:solidFill>
+                <a:latin typeface="Times New Roman" panose="02020603050405020304" pitchFamily="18" charset="0"/>
+                <a:cs typeface="Times New Roman" panose="02020603050405020304" pitchFamily="18" charset="0"/>
+              </a:rPr>
+              <a:t>Mở</a:t>
+            </a:r>
+            <a:r>
+              <a:rPr lang="en-US" sz="2400" dirty="0">
+                <a:solidFill>
+                  <a:schemeClr val="tx1"/>
+                </a:solidFill>
+                <a:latin typeface="Times New Roman" panose="02020603050405020304" pitchFamily="18" charset="0"/>
+                <a:cs typeface="Times New Roman" panose="02020603050405020304" pitchFamily="18" charset="0"/>
+              </a:rPr>
+              <a:t> </a:t>
+            </a:r>
+            <a:r>
+              <a:rPr lang="en-US" sz="2400" dirty="0" err="1">
+                <a:solidFill>
+                  <a:schemeClr val="tx1"/>
+                </a:solidFill>
+                <a:latin typeface="Times New Roman" panose="02020603050405020304" pitchFamily="18" charset="0"/>
+                <a:cs typeface="Times New Roman" panose="02020603050405020304" pitchFamily="18" charset="0"/>
+              </a:rPr>
+              <a:t>rộng</a:t>
+            </a:r>
+            <a:r>
+              <a:rPr lang="en-US" sz="2400" dirty="0">
+                <a:solidFill>
+                  <a:schemeClr val="tx1"/>
+                </a:solidFill>
+                <a:latin typeface="Times New Roman" panose="02020603050405020304" pitchFamily="18" charset="0"/>
+                <a:cs typeface="Times New Roman" panose="02020603050405020304" pitchFamily="18" charset="0"/>
+              </a:rPr>
+              <a:t> </a:t>
+            </a:r>
+            <a:r>
+              <a:rPr lang="en-US" sz="2400" dirty="0" err="1">
+                <a:solidFill>
+                  <a:schemeClr val="tx1"/>
+                </a:solidFill>
+                <a:latin typeface="Times New Roman" panose="02020603050405020304" pitchFamily="18" charset="0"/>
+                <a:cs typeface="Times New Roman" panose="02020603050405020304" pitchFamily="18" charset="0"/>
+              </a:rPr>
+              <a:t>dòng</a:t>
+            </a:r>
+            <a:r>
+              <a:rPr lang="en-US" sz="2400" dirty="0">
+                <a:solidFill>
+                  <a:schemeClr val="tx1"/>
+                </a:solidFill>
+                <a:latin typeface="Times New Roman" panose="02020603050405020304" pitchFamily="18" charset="0"/>
+                <a:cs typeface="Times New Roman" panose="02020603050405020304" pitchFamily="18" charset="0"/>
+              </a:rPr>
+              <a:t> CI </a:t>
+            </a:r>
+            <a:r>
+              <a:rPr lang="en-US" sz="2400" dirty="0" err="1">
+                <a:solidFill>
+                  <a:schemeClr val="tx1"/>
+                </a:solidFill>
+                <a:latin typeface="Times New Roman" panose="02020603050405020304" pitchFamily="18" charset="0"/>
+                <a:cs typeface="Times New Roman" panose="02020603050405020304" pitchFamily="18" charset="0"/>
+              </a:rPr>
+              <a:t>hiện</a:t>
+            </a:r>
+            <a:r>
+              <a:rPr lang="en-US" sz="2400" dirty="0">
+                <a:solidFill>
+                  <a:schemeClr val="tx1"/>
+                </a:solidFill>
+                <a:latin typeface="Times New Roman" panose="02020603050405020304" pitchFamily="18" charset="0"/>
+                <a:cs typeface="Times New Roman" panose="02020603050405020304" pitchFamily="18" charset="0"/>
+              </a:rPr>
+              <a:t> </a:t>
+            </a:r>
+            <a:r>
+              <a:rPr lang="en-US" sz="2400" dirty="0" err="1">
+                <a:solidFill>
+                  <a:schemeClr val="tx1"/>
+                </a:solidFill>
+                <a:latin typeface="Times New Roman" panose="02020603050405020304" pitchFamily="18" charset="0"/>
+                <a:cs typeface="Times New Roman" panose="02020603050405020304" pitchFamily="18" charset="0"/>
+              </a:rPr>
+              <a:t>tại</a:t>
+            </a:r>
+            <a:r>
+              <a:rPr lang="en-US" sz="2400" dirty="0">
+                <a:solidFill>
+                  <a:schemeClr val="tx1"/>
+                </a:solidFill>
+                <a:latin typeface="Times New Roman" panose="02020603050405020304" pitchFamily="18" charset="0"/>
+                <a:cs typeface="Times New Roman" panose="02020603050405020304" pitchFamily="18" charset="0"/>
+              </a:rPr>
+              <a:t> </a:t>
+            </a:r>
+            <a:r>
+              <a:rPr lang="en-US" sz="2400" dirty="0" err="1">
+                <a:solidFill>
+                  <a:schemeClr val="tx1"/>
+                </a:solidFill>
+                <a:latin typeface="Times New Roman" panose="02020603050405020304" pitchFamily="18" charset="0"/>
+                <a:cs typeface="Times New Roman" panose="02020603050405020304" pitchFamily="18" charset="0"/>
+              </a:rPr>
+              <a:t>một</a:t>
+            </a:r>
+            <a:r>
+              <a:rPr lang="en-US" sz="2400" dirty="0">
+                <a:solidFill>
+                  <a:schemeClr val="tx1"/>
+                </a:solidFill>
+                <a:latin typeface="Times New Roman" panose="02020603050405020304" pitchFamily="18" charset="0"/>
+                <a:cs typeface="Times New Roman" panose="02020603050405020304" pitchFamily="18" charset="0"/>
+              </a:rPr>
+              <a:t> </a:t>
+            </a:r>
+            <a:r>
+              <a:rPr lang="en-US" sz="2400" dirty="0" err="1">
+                <a:solidFill>
+                  <a:schemeClr val="tx1"/>
+                </a:solidFill>
+                <a:latin typeface="Times New Roman" panose="02020603050405020304" pitchFamily="18" charset="0"/>
+                <a:cs typeface="Times New Roman" panose="02020603050405020304" pitchFamily="18" charset="0"/>
+              </a:rPr>
+              <a:t>cách</a:t>
+            </a:r>
+            <a:r>
+              <a:rPr lang="en-US" sz="2400" dirty="0">
+                <a:solidFill>
+                  <a:schemeClr val="tx1"/>
+                </a:solidFill>
+                <a:latin typeface="Times New Roman" panose="02020603050405020304" pitchFamily="18" charset="0"/>
+                <a:cs typeface="Times New Roman" panose="02020603050405020304" pitchFamily="18" charset="0"/>
+              </a:rPr>
+              <a:t> </a:t>
+            </a:r>
+            <a:r>
+              <a:rPr lang="en-US" sz="2400" dirty="0" err="1">
+                <a:solidFill>
+                  <a:schemeClr val="tx1"/>
+                </a:solidFill>
+                <a:latin typeface="Times New Roman" panose="02020603050405020304" pitchFamily="18" charset="0"/>
+                <a:cs typeface="Times New Roman" panose="02020603050405020304" pitchFamily="18" charset="0"/>
+              </a:rPr>
+              <a:t>dễ</a:t>
+            </a:r>
+            <a:r>
+              <a:rPr lang="en-US" sz="2400" dirty="0">
+                <a:solidFill>
+                  <a:schemeClr val="tx1"/>
+                </a:solidFill>
+                <a:latin typeface="Times New Roman" panose="02020603050405020304" pitchFamily="18" charset="0"/>
+                <a:cs typeface="Times New Roman" panose="02020603050405020304" pitchFamily="18" charset="0"/>
+              </a:rPr>
+              <a:t> </a:t>
+            </a:r>
+            <a:r>
+              <a:rPr lang="en-US" sz="2400" dirty="0" err="1">
+                <a:solidFill>
+                  <a:schemeClr val="tx1"/>
+                </a:solidFill>
+                <a:latin typeface="Times New Roman" panose="02020603050405020304" pitchFamily="18" charset="0"/>
+                <a:cs typeface="Times New Roman" panose="02020603050405020304" pitchFamily="18" charset="0"/>
+              </a:rPr>
+              <a:t>dàng</a:t>
+            </a:r>
+            <a:r>
+              <a:rPr lang="en-US" sz="2400" dirty="0">
+                <a:solidFill>
+                  <a:schemeClr val="tx1"/>
+                </a:solidFill>
+                <a:latin typeface="Times New Roman" panose="02020603050405020304" pitchFamily="18" charset="0"/>
+                <a:cs typeface="Times New Roman" panose="02020603050405020304" pitchFamily="18" charset="0"/>
+              </a:rPr>
+              <a:t> </a:t>
+            </a:r>
+          </a:p>
+          <a:p>
+            <a:pPr marL="342900" indent="-342900">
+              <a:buFont typeface="Arial" panose="020B0604020202020204" pitchFamily="34" charset="0"/>
+              <a:buChar char="•"/>
+            </a:pPr>
+            <a:r>
+              <a:rPr lang="en-US" sz="2400" dirty="0">
+                <a:solidFill>
+                  <a:schemeClr val="tx1"/>
+                </a:solidFill>
+                <a:latin typeface="Times New Roman" panose="02020603050405020304" pitchFamily="18" charset="0"/>
+                <a:cs typeface="Times New Roman" panose="02020603050405020304" pitchFamily="18" charset="0"/>
+              </a:rPr>
+              <a:t>X</a:t>
+            </a:r>
+            <a:r>
+              <a:rPr lang="vi-VN" sz="2400" dirty="0">
+                <a:solidFill>
+                  <a:schemeClr val="tx1"/>
+                </a:solidFill>
+                <a:latin typeface="Times New Roman" panose="02020603050405020304" pitchFamily="18" charset="0"/>
+                <a:cs typeface="Times New Roman" panose="02020603050405020304" pitchFamily="18" charset="0"/>
+              </a:rPr>
+              <a:t>uất các định dạng khác nhau như CSV, PDF, HTML và lưu trữ để sử dụng sau.</a:t>
+            </a:r>
+            <a:endParaRPr lang="en-US" sz="2400" dirty="0">
+              <a:solidFill>
+                <a:schemeClr val="tx1"/>
+              </a:solidFill>
+              <a:latin typeface="Times New Roman" panose="02020603050405020304" pitchFamily="18" charset="0"/>
+              <a:cs typeface="Times New Roman" panose="02020603050405020304" pitchFamily="18" charset="0"/>
+            </a:endParaRPr>
+          </a:p>
+          <a:p>
+            <a:pPr algn="ctr"/>
+            <a:endParaRPr lang="en-US" dirty="0"/>
+          </a:p>
+        </p:txBody>
+      </p:sp>
     </p:spTree>
     <p:extLst>
       <p:ext uri="{BB962C8B-B14F-4D97-AF65-F5344CB8AC3E}">
@@ -17005,7 +19940,7 @@
 </p:sld>
 </file>
 
-<file path=ppt/slides/slide5.xml><?xml version="1.0" encoding="utf-8"?>
+<file path=ppt/slides/slide7.xml><?xml version="1.0" encoding="utf-8"?>
 <p:sld xmlns:a="http://schemas.openxmlformats.org/drawingml/2006/main" xmlns:r="http://schemas.openxmlformats.org/officeDocument/2006/relationships" xmlns:p="http://schemas.openxmlformats.org/presentationml/2006/main">
   <p:cSld>
     <p:spTree>
@@ -17040,7 +19975,7 @@
         </p:nvSpPr>
         <p:spPr>
           <a:xfrm>
-            <a:off x="518677" y="209028"/>
+            <a:off x="518676" y="208061"/>
             <a:ext cx="10109565" cy="1147969"/>
           </a:xfrm>
         </p:spPr>
@@ -17060,7 +19995,7 @@
                 <a:latin typeface="Times New Roman" panose="02020603050405020304" pitchFamily="18" charset="0"/>
                 <a:cs typeface="Times New Roman" panose="02020603050405020304" pitchFamily="18" charset="0"/>
               </a:rPr>
-              <a:t>3. </a:t>
+              <a:t>5. </a:t>
             </a:r>
             <a:r>
               <a:rPr lang="en-US" dirty="0" err="1">
@@ -17262,42 +20197,308 @@
             <a:fld id="{8699F50C-BE38-4BD0-BA84-9B090E1F2B9B}" type="slidenum">
               <a:rPr lang="en-US" smtClean="0"/>
               <a:pPr/>
-              <a:t>5</a:t>
+              <a:t>7</a:t>
             </a:fld>
             <a:endParaRPr lang="en-US" dirty="0"/>
           </a:p>
         </p:txBody>
       </p:sp>
-      <p:pic>
-        <p:nvPicPr>
-          <p:cNvPr id="11" name="Picture 10">
+      <p:sp>
+        <p:nvSpPr>
+          <p:cNvPr id="2" name="Arrow: Right 1">
             <a:extLst>
               <a:ext uri="{FF2B5EF4-FFF2-40B4-BE49-F238E27FC236}">
-                <a16:creationId xmlns:a16="http://schemas.microsoft.com/office/drawing/2014/main" id="{E961783D-8D90-4166-AD28-395EEF4E7417}"/>
+                <a16:creationId xmlns:a16="http://schemas.microsoft.com/office/drawing/2014/main" id="{B978961C-A31B-447F-8968-A3FBB31C8AF8}"/>
               </a:ext>
             </a:extLst>
           </p:cNvPr>
-          <p:cNvPicPr>
-            <a:picLocks noChangeAspect="1"/>
-          </p:cNvPicPr>
+          <p:cNvSpPr/>
           <p:nvPr/>
-        </p:nvPicPr>
-        <p:blipFill>
-          <a:blip r:embed="rId2"/>
-          <a:stretch>
-            <a:fillRect/>
-          </a:stretch>
-        </p:blipFill>
+        </p:nvSpPr>
         <p:spPr>
           <a:xfrm>
-            <a:off x="1351722" y="1918908"/>
-            <a:ext cx="9051441" cy="3814190"/>
+            <a:off x="967409" y="2491409"/>
+            <a:ext cx="1881808" cy="2186608"/>
           </a:xfrm>
-          <a:prstGeom prst="rect">
+          <a:prstGeom prst="rightArrow">
             <a:avLst/>
           </a:prstGeom>
         </p:spPr>
-      </p:pic>
+        <p:style>
+          <a:lnRef idx="2">
+            <a:schemeClr val="accent1">
+              <a:shade val="50000"/>
+            </a:schemeClr>
+          </a:lnRef>
+          <a:fillRef idx="1">
+            <a:schemeClr val="accent1"/>
+          </a:fillRef>
+          <a:effectRef idx="0">
+            <a:schemeClr val="accent1"/>
+          </a:effectRef>
+          <a:fontRef idx="minor">
+            <a:schemeClr val="lt1"/>
+          </a:fontRef>
+        </p:style>
+        <p:txBody>
+          <a:bodyPr rtlCol="0" anchor="ctr"/>
+          <a:lstStyle/>
+          <a:p>
+            <a:pPr algn="ctr"/>
+            <a:r>
+              <a:rPr lang="en-US" dirty="0" err="1"/>
+              <a:t>Khởi</a:t>
+            </a:r>
+            <a:r>
+              <a:rPr lang="en-US" dirty="0"/>
+              <a:t> </a:t>
+            </a:r>
+            <a:r>
+              <a:rPr lang="en-US" dirty="0" err="1"/>
+              <a:t>tạo</a:t>
+            </a:r>
+            <a:endParaRPr lang="en-US" dirty="0"/>
+          </a:p>
+        </p:txBody>
+      </p:sp>
+      <p:sp>
+        <p:nvSpPr>
+          <p:cNvPr id="5" name="Arrow: Right 4">
+            <a:extLst>
+              <a:ext uri="{FF2B5EF4-FFF2-40B4-BE49-F238E27FC236}">
+                <a16:creationId xmlns:a16="http://schemas.microsoft.com/office/drawing/2014/main" id="{16CDFFB6-95D9-4BD9-8007-CE194D4A15CC}"/>
+              </a:ext>
+            </a:extLst>
+          </p:cNvPr>
+          <p:cNvSpPr/>
+          <p:nvPr/>
+        </p:nvSpPr>
+        <p:spPr>
+          <a:xfrm>
+            <a:off x="2876321" y="2491408"/>
+            <a:ext cx="2186609" cy="2186608"/>
+          </a:xfrm>
+          <a:prstGeom prst="rightArrow">
+            <a:avLst/>
+          </a:prstGeom>
+        </p:spPr>
+        <p:style>
+          <a:lnRef idx="0">
+            <a:schemeClr val="accent5"/>
+          </a:lnRef>
+          <a:fillRef idx="3">
+            <a:schemeClr val="accent5"/>
+          </a:fillRef>
+          <a:effectRef idx="3">
+            <a:schemeClr val="accent5"/>
+          </a:effectRef>
+          <a:fontRef idx="minor">
+            <a:schemeClr val="lt1"/>
+          </a:fontRef>
+        </p:style>
+        <p:txBody>
+          <a:bodyPr rtlCol="0" anchor="ctr"/>
+          <a:lstStyle/>
+          <a:p>
+            <a:pPr algn="ctr"/>
+            <a:r>
+              <a:rPr lang="en-US" dirty="0" err="1"/>
+              <a:t>Triển</a:t>
+            </a:r>
+            <a:r>
+              <a:rPr lang="en-US" dirty="0"/>
+              <a:t> </a:t>
+            </a:r>
+            <a:r>
+              <a:rPr lang="en-US" dirty="0" err="1"/>
+              <a:t>khai</a:t>
+            </a:r>
+            <a:endParaRPr lang="en-US" dirty="0"/>
+          </a:p>
+        </p:txBody>
+      </p:sp>
+      <p:sp>
+        <p:nvSpPr>
+          <p:cNvPr id="8" name="Arrow: Right 7">
+            <a:extLst>
+              <a:ext uri="{FF2B5EF4-FFF2-40B4-BE49-F238E27FC236}">
+                <a16:creationId xmlns:a16="http://schemas.microsoft.com/office/drawing/2014/main" id="{FD933353-1CED-46BC-BB50-FC8F1DEAE7C7}"/>
+              </a:ext>
+            </a:extLst>
+          </p:cNvPr>
+          <p:cNvSpPr/>
+          <p:nvPr/>
+        </p:nvSpPr>
+        <p:spPr>
+          <a:xfrm>
+            <a:off x="7330851" y="2491408"/>
+            <a:ext cx="2186609" cy="2186608"/>
+          </a:xfrm>
+          <a:prstGeom prst="rightArrow">
+            <a:avLst/>
+          </a:prstGeom>
+        </p:spPr>
+        <p:style>
+          <a:lnRef idx="1">
+            <a:schemeClr val="accent1"/>
+          </a:lnRef>
+          <a:fillRef idx="2">
+            <a:schemeClr val="accent1"/>
+          </a:fillRef>
+          <a:effectRef idx="1">
+            <a:schemeClr val="accent1"/>
+          </a:effectRef>
+          <a:fontRef idx="minor">
+            <a:schemeClr val="dk1"/>
+          </a:fontRef>
+        </p:style>
+        <p:txBody>
+          <a:bodyPr rtlCol="0" anchor="ctr"/>
+          <a:lstStyle/>
+          <a:p>
+            <a:pPr algn="ctr"/>
+            <a:r>
+              <a:rPr lang="en-US" dirty="0" err="1"/>
+              <a:t>Báo</a:t>
+            </a:r>
+            <a:r>
+              <a:rPr lang="en-US" dirty="0"/>
+              <a:t> </a:t>
+            </a:r>
+            <a:r>
+              <a:rPr lang="en-US" dirty="0" err="1"/>
+              <a:t>cáo</a:t>
+            </a:r>
+            <a:endParaRPr lang="en-US" dirty="0"/>
+          </a:p>
+        </p:txBody>
+      </p:sp>
+      <p:sp>
+        <p:nvSpPr>
+          <p:cNvPr id="9" name="Arrow: Right 8">
+            <a:extLst>
+              <a:ext uri="{FF2B5EF4-FFF2-40B4-BE49-F238E27FC236}">
+                <a16:creationId xmlns:a16="http://schemas.microsoft.com/office/drawing/2014/main" id="{2E5F4458-C6AD-4FF0-9629-04273576E0CB}"/>
+              </a:ext>
+            </a:extLst>
+          </p:cNvPr>
+          <p:cNvSpPr/>
+          <p:nvPr/>
+        </p:nvSpPr>
+        <p:spPr>
+          <a:xfrm>
+            <a:off x="5090034" y="2491408"/>
+            <a:ext cx="2186609" cy="2186608"/>
+          </a:xfrm>
+          <a:prstGeom prst="rightArrow">
+            <a:avLst/>
+          </a:prstGeom>
+          <a:solidFill>
+            <a:schemeClr val="accent4">
+              <a:alpha val="50000"/>
+            </a:schemeClr>
+          </a:solidFill>
+          <a:ln>
+            <a:noFill/>
+          </a:ln>
+        </p:spPr>
+        <p:style>
+          <a:lnRef idx="0">
+            <a:scrgbClr r="0" g="0" b="0"/>
+          </a:lnRef>
+          <a:fillRef idx="0">
+            <a:scrgbClr r="0" g="0" b="0"/>
+          </a:fillRef>
+          <a:effectRef idx="0">
+            <a:scrgbClr r="0" g="0" b="0"/>
+          </a:effectRef>
+          <a:fontRef idx="minor">
+            <a:schemeClr val="lt1"/>
+          </a:fontRef>
+        </p:style>
+        <p:txBody>
+          <a:bodyPr rtlCol="0" anchor="ctr"/>
+          <a:lstStyle/>
+          <a:p>
+            <a:pPr algn="ctr"/>
+            <a:r>
+              <a:rPr lang="en-US" dirty="0" err="1"/>
+              <a:t>Hoạt</a:t>
+            </a:r>
+            <a:r>
+              <a:rPr lang="en-US" dirty="0"/>
+              <a:t> </a:t>
+            </a:r>
+            <a:r>
+              <a:rPr lang="en-US" dirty="0" err="1"/>
+              <a:t>động</a:t>
+            </a:r>
+            <a:endParaRPr lang="en-US" dirty="0"/>
+          </a:p>
+        </p:txBody>
+      </p:sp>
+      <p:sp>
+        <p:nvSpPr>
+          <p:cNvPr id="10" name="Arrow: Right 9">
+            <a:extLst>
+              <a:ext uri="{FF2B5EF4-FFF2-40B4-BE49-F238E27FC236}">
+                <a16:creationId xmlns:a16="http://schemas.microsoft.com/office/drawing/2014/main" id="{EFE2435C-9BE8-4AC8-83AB-38DBD6F9C7A1}"/>
+              </a:ext>
+            </a:extLst>
+          </p:cNvPr>
+          <p:cNvSpPr/>
+          <p:nvPr/>
+        </p:nvSpPr>
+        <p:spPr>
+          <a:xfrm>
+            <a:off x="9534937" y="2491408"/>
+            <a:ext cx="2186609" cy="2186608"/>
+          </a:xfrm>
+          <a:prstGeom prst="rightArrow">
+            <a:avLst/>
+          </a:prstGeom>
+          <a:solidFill>
+            <a:schemeClr val="accent2"/>
+          </a:solidFill>
+          <a:ln>
+            <a:noFill/>
+          </a:ln>
+        </p:spPr>
+        <p:style>
+          <a:lnRef idx="0">
+            <a:scrgbClr r="0" g="0" b="0"/>
+          </a:lnRef>
+          <a:fillRef idx="0">
+            <a:scrgbClr r="0" g="0" b="0"/>
+          </a:fillRef>
+          <a:effectRef idx="0">
+            <a:scrgbClr r="0" g="0" b="0"/>
+          </a:effectRef>
+          <a:fontRef idx="minor">
+            <a:schemeClr val="lt1"/>
+          </a:fontRef>
+        </p:style>
+        <p:txBody>
+          <a:bodyPr rtlCol="0" anchor="ctr"/>
+          <a:lstStyle/>
+          <a:p>
+            <a:pPr algn="ctr"/>
+            <a:r>
+              <a:rPr lang="en-US" dirty="0" err="1"/>
+              <a:t>Bảo</a:t>
+            </a:r>
+            <a:r>
+              <a:rPr lang="en-US" dirty="0"/>
+              <a:t> </a:t>
+            </a:r>
+            <a:r>
+              <a:rPr lang="en-US" dirty="0" err="1"/>
+              <a:t>trì</a:t>
+            </a:r>
+            <a:endParaRPr lang="en-US" dirty="0"/>
+          </a:p>
+        </p:txBody>
+      </p:sp>
     </p:spTree>
     <p:extLst>
       <p:ext uri="{BB962C8B-B14F-4D97-AF65-F5344CB8AC3E}">
@@ -17311,7 +20512,7 @@
 </p:sld>
 </file>
 
-<file path=ppt/slides/slide6.xml><?xml version="1.0" encoding="utf-8"?>
+<file path=ppt/slides/slide8.xml><?xml version="1.0" encoding="utf-8"?>
 <p:sld xmlns:a="http://schemas.openxmlformats.org/drawingml/2006/main" xmlns:r="http://schemas.openxmlformats.org/officeDocument/2006/relationships" xmlns:p="http://schemas.openxmlformats.org/presentationml/2006/main">
   <p:cSld>
     <p:spTree>
@@ -17354,7 +20555,7 @@
                 <a:latin typeface="Times New Roman" panose="02020603050405020304" pitchFamily="18" charset="0"/>
                 <a:cs typeface="Times New Roman" panose="02020603050405020304" pitchFamily="18" charset="0"/>
               </a:rPr>
-              <a:t>4. So </a:t>
+              <a:t>6. So </a:t>
             </a:r>
             <a:r>
               <a:rPr lang="en-US" b="0" dirty="0" err="1">
@@ -17394,7 +20595,7 @@
             <a:fld id="{8699F50C-BE38-4BD0-BA84-9B090E1F2B9B}" type="slidenum">
               <a:rPr lang="en-US" smtClean="0"/>
               <a:pPr/>
-              <a:t>6</a:t>
+              <a:t>8</a:t>
             </a:fld>
             <a:endParaRPr lang="en-US" dirty="0"/>
           </a:p>
@@ -19138,880 +22339,6 @@
 </p:sld>
 </file>
 
-<file path=ppt/slides/slide7.xml><?xml version="1.0" encoding="utf-8"?>
-<p:sld xmlns:a="http://schemas.openxmlformats.org/drawingml/2006/main" xmlns:r="http://schemas.openxmlformats.org/officeDocument/2006/relationships" xmlns:p="http://schemas.openxmlformats.org/presentationml/2006/main">
-  <p:cSld>
-    <p:spTree>
-      <p:nvGrpSpPr>
-        <p:cNvPr id="1" name=""/>
-        <p:cNvGrpSpPr/>
-        <p:nvPr/>
-      </p:nvGrpSpPr>
-      <p:grpSpPr>
-        <a:xfrm>
-          <a:off x="0" y="0"/>
-          <a:ext cx="0" cy="0"/>
-          <a:chOff x="0" y="0"/>
-          <a:chExt cx="0" cy="0"/>
-        </a:xfrm>
-      </p:grpSpPr>
-      <p:sp>
-        <p:nvSpPr>
-          <p:cNvPr id="4" name="Footer Placeholder 3">
-            <a:extLst>
-              <a:ext uri="{FF2B5EF4-FFF2-40B4-BE49-F238E27FC236}">
-                <a16:creationId xmlns:a16="http://schemas.microsoft.com/office/drawing/2014/main" id="{638FE2CB-41BE-4619-A9A9-4EABC32D0261}"/>
-              </a:ext>
-            </a:extLst>
-          </p:cNvPr>
-          <p:cNvSpPr>
-            <a:spLocks noGrp="1"/>
-          </p:cNvSpPr>
-          <p:nvPr>
-            <p:ph type="ftr" sz="quarter" idx="17"/>
-          </p:nvPr>
-        </p:nvSpPr>
-        <p:spPr/>
-        <p:txBody>
-          <a:bodyPr/>
-          <a:lstStyle/>
-          <a:p>
-            <a:r>
-              <a:rPr lang="en-US" noProof="0"/>
-              <a:t>Add a footer</a:t>
-            </a:r>
-            <a:endParaRPr lang="en-US" noProof="0" dirty="0"/>
-          </a:p>
-        </p:txBody>
-      </p:sp>
-      <p:sp>
-        <p:nvSpPr>
-          <p:cNvPr id="5" name="Slide Number Placeholder 4">
-            <a:extLst>
-              <a:ext uri="{FF2B5EF4-FFF2-40B4-BE49-F238E27FC236}">
-                <a16:creationId xmlns:a16="http://schemas.microsoft.com/office/drawing/2014/main" id="{416E6EA3-07E8-4B46-B2C2-9C53E3EB2927}"/>
-              </a:ext>
-            </a:extLst>
-          </p:cNvPr>
-          <p:cNvSpPr>
-            <a:spLocks noGrp="1"/>
-          </p:cNvSpPr>
-          <p:nvPr>
-            <p:ph type="sldNum" sz="quarter" idx="18"/>
-          </p:nvPr>
-        </p:nvSpPr>
-        <p:spPr/>
-        <p:txBody>
-          <a:bodyPr/>
-          <a:lstStyle/>
-          <a:p>
-            <a:fld id="{8699F50C-BE38-4BD0-BA84-9B090E1F2B9B}" type="slidenum">
-              <a:rPr lang="en-US" noProof="0" smtClean="0"/>
-              <a:t>7</a:t>
-            </a:fld>
-            <a:endParaRPr lang="en-US" noProof="0" dirty="0"/>
-          </a:p>
-        </p:txBody>
-      </p:sp>
-      <p:sp>
-        <p:nvSpPr>
-          <p:cNvPr id="6" name="Title 5">
-            <a:extLst>
-              <a:ext uri="{FF2B5EF4-FFF2-40B4-BE49-F238E27FC236}">
-                <a16:creationId xmlns:a16="http://schemas.microsoft.com/office/drawing/2014/main" id="{80499807-6085-4C1A-B09F-EF3D07CD1042}"/>
-              </a:ext>
-            </a:extLst>
-          </p:cNvPr>
-          <p:cNvSpPr>
-            <a:spLocks noGrp="1"/>
-          </p:cNvSpPr>
-          <p:nvPr>
-            <p:ph type="title"/>
-          </p:nvPr>
-        </p:nvSpPr>
-        <p:spPr>
-          <a:xfrm>
-            <a:off x="518678" y="136525"/>
-            <a:ext cx="10628293" cy="1147969"/>
-          </a:xfrm>
-        </p:spPr>
-        <p:txBody>
-          <a:bodyPr>
-            <a:normAutofit fontScale="90000"/>
-          </a:bodyPr>
-          <a:lstStyle/>
-          <a:p>
-            <a:r>
-              <a:rPr lang="en-US" dirty="0">
-                <a:solidFill>
-                  <a:schemeClr val="tx2">
-                    <a:lumMod val="10000"/>
-                  </a:schemeClr>
-                </a:solidFill>
-                <a:latin typeface="Times New Roman" panose="02020603050405020304" pitchFamily="18" charset="0"/>
-                <a:cs typeface="Times New Roman" panose="02020603050405020304" pitchFamily="18" charset="0"/>
-              </a:rPr>
-              <a:t>5. </a:t>
-            </a:r>
-            <a:r>
-              <a:rPr lang="en-US" dirty="0" err="1">
-                <a:solidFill>
-                  <a:schemeClr val="tx2">
-                    <a:lumMod val="10000"/>
-                  </a:schemeClr>
-                </a:solidFill>
-                <a:latin typeface="Times New Roman" panose="02020603050405020304" pitchFamily="18" charset="0"/>
-                <a:cs typeface="Times New Roman" panose="02020603050405020304" pitchFamily="18" charset="0"/>
-              </a:rPr>
-              <a:t>Cách</a:t>
-            </a:r>
-            <a:r>
-              <a:rPr lang="en-US" dirty="0">
-                <a:solidFill>
-                  <a:schemeClr val="tx2">
-                    <a:lumMod val="10000"/>
-                  </a:schemeClr>
-                </a:solidFill>
-                <a:latin typeface="Times New Roman" panose="02020603050405020304" pitchFamily="18" charset="0"/>
-                <a:cs typeface="Times New Roman" panose="02020603050405020304" pitchFamily="18" charset="0"/>
-              </a:rPr>
-              <a:t> </a:t>
-            </a:r>
-            <a:r>
-              <a:rPr lang="en-US" dirty="0" err="1">
-                <a:solidFill>
-                  <a:schemeClr val="tx2">
-                    <a:lumMod val="10000"/>
-                  </a:schemeClr>
-                </a:solidFill>
-                <a:latin typeface="Times New Roman" panose="02020603050405020304" pitchFamily="18" charset="0"/>
-                <a:cs typeface="Times New Roman" panose="02020603050405020304" pitchFamily="18" charset="0"/>
-              </a:rPr>
-              <a:t>tạo</a:t>
-            </a:r>
-            <a:r>
-              <a:rPr lang="en-US" dirty="0">
-                <a:solidFill>
-                  <a:schemeClr val="tx2">
-                    <a:lumMod val="10000"/>
-                  </a:schemeClr>
-                </a:solidFill>
-                <a:latin typeface="Times New Roman" panose="02020603050405020304" pitchFamily="18" charset="0"/>
-                <a:cs typeface="Times New Roman" panose="02020603050405020304" pitchFamily="18" charset="0"/>
-              </a:rPr>
-              <a:t> </a:t>
-            </a:r>
-            <a:r>
-              <a:rPr lang="en-US" dirty="0" err="1">
-                <a:solidFill>
-                  <a:schemeClr val="tx2">
-                    <a:lumMod val="10000"/>
-                  </a:schemeClr>
-                </a:solidFill>
-                <a:latin typeface="Times New Roman" panose="02020603050405020304" pitchFamily="18" charset="0"/>
-                <a:cs typeface="Times New Roman" panose="02020603050405020304" pitchFamily="18" charset="0"/>
-              </a:rPr>
-              <a:t>một</a:t>
-            </a:r>
-            <a:r>
-              <a:rPr lang="en-US" dirty="0">
-                <a:solidFill>
-                  <a:schemeClr val="tx2">
-                    <a:lumMod val="10000"/>
-                  </a:schemeClr>
-                </a:solidFill>
-                <a:latin typeface="Times New Roman" panose="02020603050405020304" pitchFamily="18" charset="0"/>
-                <a:cs typeface="Times New Roman" panose="02020603050405020304" pitchFamily="18" charset="0"/>
-              </a:rPr>
-              <a:t> Test API </a:t>
-            </a:r>
-            <a:r>
-              <a:rPr lang="en-US" dirty="0" err="1">
-                <a:solidFill>
-                  <a:schemeClr val="tx2">
-                    <a:lumMod val="10000"/>
-                  </a:schemeClr>
-                </a:solidFill>
-                <a:latin typeface="Times New Roman" panose="02020603050405020304" pitchFamily="18" charset="0"/>
-                <a:cs typeface="Times New Roman" panose="02020603050405020304" pitchFamily="18" charset="0"/>
-              </a:rPr>
-              <a:t>trên</a:t>
-            </a:r>
-            <a:r>
-              <a:rPr lang="en-US" dirty="0">
-                <a:solidFill>
-                  <a:schemeClr val="tx2">
-                    <a:lumMod val="10000"/>
-                  </a:schemeClr>
-                </a:solidFill>
-                <a:latin typeface="Times New Roman" panose="02020603050405020304" pitchFamily="18" charset="0"/>
-                <a:cs typeface="Times New Roman" panose="02020603050405020304" pitchFamily="18" charset="0"/>
-              </a:rPr>
-              <a:t> </a:t>
-            </a:r>
-            <a:r>
-              <a:rPr lang="en-US" dirty="0" err="1">
-                <a:solidFill>
-                  <a:schemeClr val="tx2">
-                    <a:lumMod val="10000"/>
-                  </a:schemeClr>
-                </a:solidFill>
-                <a:latin typeface="Times New Roman" panose="02020603050405020304" pitchFamily="18" charset="0"/>
-                <a:cs typeface="Times New Roman" panose="02020603050405020304" pitchFamily="18" charset="0"/>
-              </a:rPr>
-              <a:t>Katalon</a:t>
-            </a:r>
-            <a:r>
-              <a:rPr lang="en-US" dirty="0">
-                <a:solidFill>
-                  <a:schemeClr val="tx2">
-                    <a:lumMod val="10000"/>
-                  </a:schemeClr>
-                </a:solidFill>
-                <a:latin typeface="Times New Roman" panose="02020603050405020304" pitchFamily="18" charset="0"/>
-                <a:cs typeface="Times New Roman" panose="02020603050405020304" pitchFamily="18" charset="0"/>
-              </a:rPr>
-              <a:t> Studio</a:t>
-            </a:r>
-            <a:endParaRPr lang="en-US" dirty="0"/>
-          </a:p>
-        </p:txBody>
-      </p:sp>
-      <p:sp>
-        <p:nvSpPr>
-          <p:cNvPr id="7" name="TextBox 6">
-            <a:extLst>
-              <a:ext uri="{FF2B5EF4-FFF2-40B4-BE49-F238E27FC236}">
-                <a16:creationId xmlns:a16="http://schemas.microsoft.com/office/drawing/2014/main" id="{64C122A9-F1B5-41B6-A048-150FDC31491A}"/>
-              </a:ext>
-            </a:extLst>
-          </p:cNvPr>
-          <p:cNvSpPr txBox="1"/>
-          <p:nvPr/>
-        </p:nvSpPr>
-        <p:spPr>
-          <a:xfrm>
-            <a:off x="1313809" y="1624085"/>
-            <a:ext cx="7023652" cy="461665"/>
-          </a:xfrm>
-          <a:prstGeom prst="rect">
-            <a:avLst/>
-          </a:prstGeom>
-          <a:noFill/>
-        </p:spPr>
-        <p:txBody>
-          <a:bodyPr wrap="square" rtlCol="0">
-            <a:spAutoFit/>
-          </a:bodyPr>
-          <a:lstStyle/>
-          <a:p>
-            <a:r>
-              <a:rPr lang="en-US" sz="2400" dirty="0" err="1">
-                <a:solidFill>
-                  <a:schemeClr val="tx2">
-                    <a:lumMod val="10000"/>
-                  </a:schemeClr>
-                </a:solidFill>
-                <a:latin typeface="Times New Roman" panose="02020603050405020304" pitchFamily="18" charset="0"/>
-                <a:cs typeface="Times New Roman" panose="02020603050405020304" pitchFamily="18" charset="0"/>
-              </a:rPr>
-              <a:t>Tạo</a:t>
-            </a:r>
-            <a:r>
-              <a:rPr lang="en-US" sz="2400" dirty="0">
-                <a:solidFill>
-                  <a:schemeClr val="tx2">
-                    <a:lumMod val="10000"/>
-                  </a:schemeClr>
-                </a:solidFill>
-                <a:latin typeface="Times New Roman" panose="02020603050405020304" pitchFamily="18" charset="0"/>
-                <a:cs typeface="Times New Roman" panose="02020603050405020304" pitchFamily="18" charset="0"/>
-              </a:rPr>
-              <a:t> 1 project: </a:t>
-            </a:r>
-            <a:r>
-              <a:rPr lang="en-US" sz="2400" dirty="0" err="1">
-                <a:solidFill>
-                  <a:schemeClr val="tx2">
-                    <a:lumMod val="10000"/>
-                  </a:schemeClr>
-                </a:solidFill>
-                <a:latin typeface="Times New Roman" panose="02020603050405020304" pitchFamily="18" charset="0"/>
-                <a:cs typeface="Times New Roman" panose="02020603050405020304" pitchFamily="18" charset="0"/>
-              </a:rPr>
-              <a:t>vào</a:t>
-            </a:r>
-            <a:r>
-              <a:rPr lang="en-US" sz="2400" dirty="0">
-                <a:solidFill>
-                  <a:schemeClr val="tx2">
-                    <a:lumMod val="10000"/>
-                  </a:schemeClr>
-                </a:solidFill>
-                <a:latin typeface="Times New Roman" panose="02020603050405020304" pitchFamily="18" charset="0"/>
-                <a:cs typeface="Times New Roman" panose="02020603050405020304" pitchFamily="18" charset="0"/>
-              </a:rPr>
-              <a:t> File =&gt; New =&gt; Project</a:t>
-            </a:r>
-          </a:p>
-        </p:txBody>
-      </p:sp>
-      <p:pic>
-        <p:nvPicPr>
-          <p:cNvPr id="4098" name="Picture 2">
-            <a:extLst>
-              <a:ext uri="{FF2B5EF4-FFF2-40B4-BE49-F238E27FC236}">
-                <a16:creationId xmlns:a16="http://schemas.microsoft.com/office/drawing/2014/main" id="{C06CBE52-B6AB-4158-9BB1-7793D4B84E58}"/>
-              </a:ext>
-            </a:extLst>
-          </p:cNvPr>
-          <p:cNvPicPr>
-            <a:picLocks noChangeAspect="1" noChangeArrowheads="1"/>
-          </p:cNvPicPr>
-          <p:nvPr/>
-        </p:nvPicPr>
-        <p:blipFill>
-          <a:blip r:embed="rId2">
-            <a:extLst>
-              <a:ext uri="{28A0092B-C50C-407E-A947-70E740481C1C}">
-                <a14:useLocalDpi xmlns:a14="http://schemas.microsoft.com/office/drawing/2010/main" val="0"/>
-              </a:ext>
-            </a:extLst>
-          </a:blip>
-          <a:srcRect/>
-          <a:stretch>
-            <a:fillRect/>
-          </a:stretch>
-        </p:blipFill>
-        <p:spPr bwMode="auto">
-          <a:xfrm>
-            <a:off x="1841209" y="2618043"/>
-            <a:ext cx="6942976" cy="3738307"/>
-          </a:xfrm>
-          <a:prstGeom prst="rect">
-            <a:avLst/>
-          </a:prstGeom>
-          <a:noFill/>
-          <a:extLst>
-            <a:ext uri="{909E8E84-426E-40DD-AFC4-6F175D3DCCD1}">
-              <a14:hiddenFill xmlns:a14="http://schemas.microsoft.com/office/drawing/2010/main">
-                <a:solidFill>
-                  <a:srgbClr val="FFFFFF"/>
-                </a:solidFill>
-              </a14:hiddenFill>
-            </a:ext>
-          </a:extLst>
-        </p:spPr>
-      </p:pic>
-    </p:spTree>
-    <p:extLst>
-      <p:ext uri="{BB962C8B-B14F-4D97-AF65-F5344CB8AC3E}">
-        <p14:creationId xmlns:p14="http://schemas.microsoft.com/office/powerpoint/2010/main" val="3295907341"/>
-      </p:ext>
-    </p:extLst>
-  </p:cSld>
-  <p:clrMapOvr>
-    <a:masterClrMapping/>
-  </p:clrMapOvr>
-</p:sld>
-</file>
-
-<file path=ppt/slides/slide8.xml><?xml version="1.0" encoding="utf-8"?>
-<p:sld xmlns:a="http://schemas.openxmlformats.org/drawingml/2006/main" xmlns:r="http://schemas.openxmlformats.org/officeDocument/2006/relationships" xmlns:p="http://schemas.openxmlformats.org/presentationml/2006/main">
-  <p:cSld>
-    <p:spTree>
-      <p:nvGrpSpPr>
-        <p:cNvPr id="1" name=""/>
-        <p:cNvGrpSpPr/>
-        <p:nvPr/>
-      </p:nvGrpSpPr>
-      <p:grpSpPr>
-        <a:xfrm>
-          <a:off x="0" y="0"/>
-          <a:ext cx="0" cy="0"/>
-          <a:chOff x="0" y="0"/>
-          <a:chExt cx="0" cy="0"/>
-        </a:xfrm>
-      </p:grpSpPr>
-      <p:sp>
-        <p:nvSpPr>
-          <p:cNvPr id="3" name="Text Placeholder 2">
-            <a:extLst>
-              <a:ext uri="{FF2B5EF4-FFF2-40B4-BE49-F238E27FC236}">
-                <a16:creationId xmlns:a16="http://schemas.microsoft.com/office/drawing/2014/main" id="{2C48971B-9E69-4A40-BAE2-41E7CF1F291C}"/>
-              </a:ext>
-            </a:extLst>
-          </p:cNvPr>
-          <p:cNvSpPr>
-            <a:spLocks noGrp="1"/>
-          </p:cNvSpPr>
-          <p:nvPr>
-            <p:ph type="body" sz="quarter" idx="16"/>
-          </p:nvPr>
-        </p:nvSpPr>
-        <p:spPr>
-          <a:xfrm>
-            <a:off x="520493" y="1376932"/>
-            <a:ext cx="10993374" cy="889190"/>
-          </a:xfrm>
-        </p:spPr>
-        <p:txBody>
-          <a:bodyPr/>
-          <a:lstStyle/>
-          <a:p>
-            <a:r>
-              <a:rPr lang="en-US" sz="2400" dirty="0" err="1">
-                <a:solidFill>
-                  <a:schemeClr val="tx2">
-                    <a:lumMod val="10000"/>
-                  </a:schemeClr>
-                </a:solidFill>
-                <a:latin typeface="Times New Roman" panose="02020603050405020304" pitchFamily="18" charset="0"/>
-                <a:cs typeface="Times New Roman" panose="02020603050405020304" pitchFamily="18" charset="0"/>
-              </a:rPr>
-              <a:t>Chọn</a:t>
-            </a:r>
-            <a:r>
-              <a:rPr lang="en-US" sz="2400" dirty="0">
-                <a:solidFill>
-                  <a:schemeClr val="tx2">
-                    <a:lumMod val="10000"/>
-                  </a:schemeClr>
-                </a:solidFill>
-                <a:latin typeface="Times New Roman" panose="02020603050405020304" pitchFamily="18" charset="0"/>
-                <a:cs typeface="Times New Roman" panose="02020603050405020304" pitchFamily="18" charset="0"/>
-              </a:rPr>
-              <a:t> Object Repository=&gt;New=&gt;Web Service Request </a:t>
-            </a:r>
-            <a:r>
-              <a:rPr lang="en-US" sz="2400" dirty="0" err="1">
-                <a:solidFill>
-                  <a:schemeClr val="tx2">
-                    <a:lumMod val="10000"/>
-                  </a:schemeClr>
-                </a:solidFill>
-                <a:latin typeface="Times New Roman" panose="02020603050405020304" pitchFamily="18" charset="0"/>
-                <a:cs typeface="Times New Roman" panose="02020603050405020304" pitchFamily="18" charset="0"/>
-              </a:rPr>
-              <a:t>để</a:t>
-            </a:r>
-            <a:r>
-              <a:rPr lang="en-US" sz="2400" dirty="0">
-                <a:solidFill>
-                  <a:schemeClr val="tx2">
-                    <a:lumMod val="10000"/>
-                  </a:schemeClr>
-                </a:solidFill>
-                <a:latin typeface="Times New Roman" panose="02020603050405020304" pitchFamily="18" charset="0"/>
-                <a:cs typeface="Times New Roman" panose="02020603050405020304" pitchFamily="18" charset="0"/>
-              </a:rPr>
-              <a:t> </a:t>
-            </a:r>
-            <a:r>
-              <a:rPr lang="en-US" sz="2400" dirty="0" err="1">
-                <a:solidFill>
-                  <a:schemeClr val="tx2">
-                    <a:lumMod val="10000"/>
-                  </a:schemeClr>
-                </a:solidFill>
-                <a:latin typeface="Times New Roman" panose="02020603050405020304" pitchFamily="18" charset="0"/>
-                <a:cs typeface="Times New Roman" panose="02020603050405020304" pitchFamily="18" charset="0"/>
-              </a:rPr>
-              <a:t>tạo</a:t>
-            </a:r>
-            <a:r>
-              <a:rPr lang="en-US" sz="2400" dirty="0">
-                <a:solidFill>
-                  <a:schemeClr val="tx2">
-                    <a:lumMod val="10000"/>
-                  </a:schemeClr>
-                </a:solidFill>
-                <a:latin typeface="Times New Roman" panose="02020603050405020304" pitchFamily="18" charset="0"/>
-                <a:cs typeface="Times New Roman" panose="02020603050405020304" pitchFamily="18" charset="0"/>
-              </a:rPr>
-              <a:t> </a:t>
-            </a:r>
-            <a:r>
-              <a:rPr lang="en-US" sz="2400" dirty="0" err="1">
-                <a:solidFill>
-                  <a:schemeClr val="tx2">
-                    <a:lumMod val="10000"/>
-                  </a:schemeClr>
-                </a:solidFill>
-                <a:latin typeface="Times New Roman" panose="02020603050405020304" pitchFamily="18" charset="0"/>
-                <a:cs typeface="Times New Roman" panose="02020603050405020304" pitchFamily="18" charset="0"/>
-              </a:rPr>
-              <a:t>một</a:t>
-            </a:r>
-            <a:r>
-              <a:rPr lang="en-US" sz="2400" dirty="0">
-                <a:solidFill>
-                  <a:schemeClr val="tx2">
-                    <a:lumMod val="10000"/>
-                  </a:schemeClr>
-                </a:solidFill>
-                <a:latin typeface="Times New Roman" panose="02020603050405020304" pitchFamily="18" charset="0"/>
-                <a:cs typeface="Times New Roman" panose="02020603050405020304" pitchFamily="18" charset="0"/>
-              </a:rPr>
-              <a:t> </a:t>
-            </a:r>
-            <a:r>
-              <a:rPr lang="en-US" sz="2400" dirty="0" err="1">
-                <a:solidFill>
-                  <a:schemeClr val="tx2">
-                    <a:lumMod val="10000"/>
-                  </a:schemeClr>
-                </a:solidFill>
-                <a:latin typeface="Times New Roman" panose="02020603050405020304" pitchFamily="18" charset="0"/>
-                <a:cs typeface="Times New Roman" panose="02020603050405020304" pitchFamily="18" charset="0"/>
-              </a:rPr>
-              <a:t>yêu</a:t>
-            </a:r>
-            <a:r>
-              <a:rPr lang="en-US" sz="2400" dirty="0">
-                <a:solidFill>
-                  <a:schemeClr val="tx2">
-                    <a:lumMod val="10000"/>
-                  </a:schemeClr>
-                </a:solidFill>
-                <a:latin typeface="Times New Roman" panose="02020603050405020304" pitchFamily="18" charset="0"/>
-                <a:cs typeface="Times New Roman" panose="02020603050405020304" pitchFamily="18" charset="0"/>
-              </a:rPr>
-              <a:t> </a:t>
-            </a:r>
-            <a:r>
-              <a:rPr lang="en-US" sz="2400" dirty="0" err="1">
-                <a:solidFill>
-                  <a:schemeClr val="tx2">
-                    <a:lumMod val="10000"/>
-                  </a:schemeClr>
-                </a:solidFill>
-                <a:latin typeface="Times New Roman" panose="02020603050405020304" pitchFamily="18" charset="0"/>
-                <a:cs typeface="Times New Roman" panose="02020603050405020304" pitchFamily="18" charset="0"/>
-              </a:rPr>
-              <a:t>cầu</a:t>
-            </a:r>
-            <a:r>
-              <a:rPr lang="en-US" sz="2400" dirty="0">
-                <a:solidFill>
-                  <a:schemeClr val="tx2">
-                    <a:lumMod val="10000"/>
-                  </a:schemeClr>
-                </a:solidFill>
-                <a:latin typeface="Times New Roman" panose="02020603050405020304" pitchFamily="18" charset="0"/>
-                <a:cs typeface="Times New Roman" panose="02020603050405020304" pitchFamily="18" charset="0"/>
-              </a:rPr>
-              <a:t> </a:t>
-            </a:r>
-            <a:r>
-              <a:rPr lang="en-US" sz="2400" dirty="0" err="1">
-                <a:solidFill>
-                  <a:schemeClr val="tx2">
-                    <a:lumMod val="10000"/>
-                  </a:schemeClr>
-                </a:solidFill>
-                <a:latin typeface="Times New Roman" panose="02020603050405020304" pitchFamily="18" charset="0"/>
-                <a:cs typeface="Times New Roman" panose="02020603050405020304" pitchFamily="18" charset="0"/>
-              </a:rPr>
-              <a:t>mới</a:t>
-            </a:r>
-            <a:r>
-              <a:rPr lang="en-US" sz="2400" dirty="0">
-                <a:solidFill>
-                  <a:schemeClr val="tx2">
-                    <a:lumMod val="10000"/>
-                  </a:schemeClr>
-                </a:solidFill>
-                <a:latin typeface="Times New Roman" panose="02020603050405020304" pitchFamily="18" charset="0"/>
-                <a:cs typeface="Times New Roman" panose="02020603050405020304" pitchFamily="18" charset="0"/>
-              </a:rPr>
-              <a:t>. </a:t>
-            </a:r>
-          </a:p>
-        </p:txBody>
-      </p:sp>
-      <p:sp>
-        <p:nvSpPr>
-          <p:cNvPr id="4" name="Footer Placeholder 3">
-            <a:extLst>
-              <a:ext uri="{FF2B5EF4-FFF2-40B4-BE49-F238E27FC236}">
-                <a16:creationId xmlns:a16="http://schemas.microsoft.com/office/drawing/2014/main" id="{7E310398-6DA8-4F69-8B1E-9E896AD71C77}"/>
-              </a:ext>
-            </a:extLst>
-          </p:cNvPr>
-          <p:cNvSpPr>
-            <a:spLocks noGrp="1"/>
-          </p:cNvSpPr>
-          <p:nvPr>
-            <p:ph type="ftr" sz="quarter" idx="17"/>
-          </p:nvPr>
-        </p:nvSpPr>
-        <p:spPr/>
-        <p:txBody>
-          <a:bodyPr/>
-          <a:lstStyle/>
-          <a:p>
-            <a:r>
-              <a:rPr lang="en-US" noProof="0"/>
-              <a:t>Add a footer</a:t>
-            </a:r>
-            <a:endParaRPr lang="en-US" noProof="0" dirty="0"/>
-          </a:p>
-        </p:txBody>
-      </p:sp>
-      <p:sp>
-        <p:nvSpPr>
-          <p:cNvPr id="5" name="Slide Number Placeholder 4">
-            <a:extLst>
-              <a:ext uri="{FF2B5EF4-FFF2-40B4-BE49-F238E27FC236}">
-                <a16:creationId xmlns:a16="http://schemas.microsoft.com/office/drawing/2014/main" id="{1B1B6CA1-3E32-4D02-80C3-EF04052A6EA6}"/>
-              </a:ext>
-            </a:extLst>
-          </p:cNvPr>
-          <p:cNvSpPr>
-            <a:spLocks noGrp="1"/>
-          </p:cNvSpPr>
-          <p:nvPr>
-            <p:ph type="sldNum" sz="quarter" idx="18"/>
-          </p:nvPr>
-        </p:nvSpPr>
-        <p:spPr/>
-        <p:txBody>
-          <a:bodyPr/>
-          <a:lstStyle/>
-          <a:p>
-            <a:fld id="{8699F50C-BE38-4BD0-BA84-9B090E1F2B9B}" type="slidenum">
-              <a:rPr lang="en-US" noProof="0" smtClean="0"/>
-              <a:t>8</a:t>
-            </a:fld>
-            <a:endParaRPr lang="en-US" noProof="0" dirty="0"/>
-          </a:p>
-        </p:txBody>
-      </p:sp>
-      <p:sp>
-        <p:nvSpPr>
-          <p:cNvPr id="7" name="Title 5">
-            <a:extLst>
-              <a:ext uri="{FF2B5EF4-FFF2-40B4-BE49-F238E27FC236}">
-                <a16:creationId xmlns:a16="http://schemas.microsoft.com/office/drawing/2014/main" id="{A9366B5A-6D97-4BAC-A48F-3B7071002491}"/>
-              </a:ext>
-            </a:extLst>
-          </p:cNvPr>
-          <p:cNvSpPr>
-            <a:spLocks noGrp="1"/>
-          </p:cNvSpPr>
-          <p:nvPr>
-            <p:ph type="title"/>
-          </p:nvPr>
-        </p:nvSpPr>
-        <p:spPr>
-          <a:xfrm>
-            <a:off x="519113" y="209550"/>
-            <a:ext cx="10627858" cy="1147763"/>
-          </a:xfrm>
-        </p:spPr>
-        <p:txBody>
-          <a:bodyPr>
-            <a:normAutofit fontScale="90000"/>
-          </a:bodyPr>
-          <a:lstStyle/>
-          <a:p>
-            <a:r>
-              <a:rPr lang="en-US" dirty="0">
-                <a:solidFill>
-                  <a:schemeClr val="tx2">
-                    <a:lumMod val="10000"/>
-                  </a:schemeClr>
-                </a:solidFill>
-                <a:latin typeface="Times New Roman" panose="02020603050405020304" pitchFamily="18" charset="0"/>
-                <a:cs typeface="Times New Roman" panose="02020603050405020304" pitchFamily="18" charset="0"/>
-              </a:rPr>
-              <a:t>5. </a:t>
-            </a:r>
-            <a:r>
-              <a:rPr lang="en-US" dirty="0" err="1">
-                <a:solidFill>
-                  <a:schemeClr val="tx2">
-                    <a:lumMod val="10000"/>
-                  </a:schemeClr>
-                </a:solidFill>
-                <a:latin typeface="Times New Roman" panose="02020603050405020304" pitchFamily="18" charset="0"/>
-                <a:cs typeface="Times New Roman" panose="02020603050405020304" pitchFamily="18" charset="0"/>
-              </a:rPr>
-              <a:t>Cách</a:t>
-            </a:r>
-            <a:r>
-              <a:rPr lang="en-US" dirty="0">
-                <a:solidFill>
-                  <a:schemeClr val="tx2">
-                    <a:lumMod val="10000"/>
-                  </a:schemeClr>
-                </a:solidFill>
-                <a:latin typeface="Times New Roman" panose="02020603050405020304" pitchFamily="18" charset="0"/>
-                <a:cs typeface="Times New Roman" panose="02020603050405020304" pitchFamily="18" charset="0"/>
-              </a:rPr>
-              <a:t> </a:t>
-            </a:r>
-            <a:r>
-              <a:rPr lang="en-US" dirty="0" err="1">
-                <a:solidFill>
-                  <a:schemeClr val="tx2">
-                    <a:lumMod val="10000"/>
-                  </a:schemeClr>
-                </a:solidFill>
-                <a:latin typeface="Times New Roman" panose="02020603050405020304" pitchFamily="18" charset="0"/>
-                <a:cs typeface="Times New Roman" panose="02020603050405020304" pitchFamily="18" charset="0"/>
-              </a:rPr>
-              <a:t>tạo</a:t>
-            </a:r>
-            <a:r>
-              <a:rPr lang="en-US" dirty="0">
-                <a:solidFill>
-                  <a:schemeClr val="tx2">
-                    <a:lumMod val="10000"/>
-                  </a:schemeClr>
-                </a:solidFill>
-                <a:latin typeface="Times New Roman" panose="02020603050405020304" pitchFamily="18" charset="0"/>
-                <a:cs typeface="Times New Roman" panose="02020603050405020304" pitchFamily="18" charset="0"/>
-              </a:rPr>
-              <a:t> </a:t>
-            </a:r>
-            <a:r>
-              <a:rPr lang="en-US" dirty="0" err="1">
-                <a:solidFill>
-                  <a:schemeClr val="tx2">
-                    <a:lumMod val="10000"/>
-                  </a:schemeClr>
-                </a:solidFill>
-                <a:latin typeface="Times New Roman" panose="02020603050405020304" pitchFamily="18" charset="0"/>
-                <a:cs typeface="Times New Roman" panose="02020603050405020304" pitchFamily="18" charset="0"/>
-              </a:rPr>
-              <a:t>một</a:t>
-            </a:r>
-            <a:r>
-              <a:rPr lang="en-US" dirty="0">
-                <a:solidFill>
-                  <a:schemeClr val="tx2">
-                    <a:lumMod val="10000"/>
-                  </a:schemeClr>
-                </a:solidFill>
-                <a:latin typeface="Times New Roman" panose="02020603050405020304" pitchFamily="18" charset="0"/>
-                <a:cs typeface="Times New Roman" panose="02020603050405020304" pitchFamily="18" charset="0"/>
-              </a:rPr>
-              <a:t> Test API </a:t>
-            </a:r>
-            <a:r>
-              <a:rPr lang="en-US" dirty="0" err="1">
-                <a:solidFill>
-                  <a:schemeClr val="tx2">
-                    <a:lumMod val="10000"/>
-                  </a:schemeClr>
-                </a:solidFill>
-                <a:latin typeface="Times New Roman" panose="02020603050405020304" pitchFamily="18" charset="0"/>
-                <a:cs typeface="Times New Roman" panose="02020603050405020304" pitchFamily="18" charset="0"/>
-              </a:rPr>
-              <a:t>trên</a:t>
-            </a:r>
-            <a:r>
-              <a:rPr lang="en-US" dirty="0">
-                <a:solidFill>
-                  <a:schemeClr val="tx2">
-                    <a:lumMod val="10000"/>
-                  </a:schemeClr>
-                </a:solidFill>
-                <a:latin typeface="Times New Roman" panose="02020603050405020304" pitchFamily="18" charset="0"/>
-                <a:cs typeface="Times New Roman" panose="02020603050405020304" pitchFamily="18" charset="0"/>
-              </a:rPr>
-              <a:t> </a:t>
-            </a:r>
-            <a:r>
-              <a:rPr lang="en-US" dirty="0" err="1">
-                <a:solidFill>
-                  <a:schemeClr val="tx2">
-                    <a:lumMod val="10000"/>
-                  </a:schemeClr>
-                </a:solidFill>
-                <a:latin typeface="Times New Roman" panose="02020603050405020304" pitchFamily="18" charset="0"/>
-                <a:cs typeface="Times New Roman" panose="02020603050405020304" pitchFamily="18" charset="0"/>
-              </a:rPr>
-              <a:t>Katalon</a:t>
-            </a:r>
-            <a:r>
-              <a:rPr lang="en-US" dirty="0">
-                <a:solidFill>
-                  <a:schemeClr val="tx2">
-                    <a:lumMod val="10000"/>
-                  </a:schemeClr>
-                </a:solidFill>
-                <a:latin typeface="Times New Roman" panose="02020603050405020304" pitchFamily="18" charset="0"/>
-                <a:cs typeface="Times New Roman" panose="02020603050405020304" pitchFamily="18" charset="0"/>
-              </a:rPr>
-              <a:t> Studio</a:t>
-            </a:r>
-            <a:endParaRPr lang="en-US" dirty="0"/>
-          </a:p>
-        </p:txBody>
-      </p:sp>
-      <p:pic>
-        <p:nvPicPr>
-          <p:cNvPr id="5124" name="Picture 4">
-            <a:extLst>
-              <a:ext uri="{FF2B5EF4-FFF2-40B4-BE49-F238E27FC236}">
-                <a16:creationId xmlns:a16="http://schemas.microsoft.com/office/drawing/2014/main" id="{C77FB196-A87A-4031-A9B2-1393126C6431}"/>
-              </a:ext>
-            </a:extLst>
-          </p:cNvPr>
-          <p:cNvPicPr>
-            <a:picLocks noChangeAspect="1" noChangeArrowheads="1"/>
-          </p:cNvPicPr>
-          <p:nvPr/>
-        </p:nvPicPr>
-        <p:blipFill>
-          <a:blip r:embed="rId2">
-            <a:extLst>
-              <a:ext uri="{28A0092B-C50C-407E-A947-70E740481C1C}">
-                <a14:useLocalDpi xmlns:a14="http://schemas.microsoft.com/office/drawing/2010/main" val="0"/>
-              </a:ext>
-            </a:extLst>
-          </a:blip>
-          <a:srcRect/>
-          <a:stretch>
-            <a:fillRect/>
-          </a:stretch>
-        </p:blipFill>
-        <p:spPr bwMode="auto">
-          <a:xfrm>
-            <a:off x="2137553" y="2188257"/>
-            <a:ext cx="7138967" cy="4245958"/>
-          </a:xfrm>
-          <a:prstGeom prst="rect">
-            <a:avLst/>
-          </a:prstGeom>
-          <a:noFill/>
-          <a:extLst>
-            <a:ext uri="{909E8E84-426E-40DD-AFC4-6F175D3DCCD1}">
-              <a14:hiddenFill xmlns:a14="http://schemas.microsoft.com/office/drawing/2010/main">
-                <a:solidFill>
-                  <a:srgbClr val="FFFFFF"/>
-                </a:solidFill>
-              </a14:hiddenFill>
-            </a:ext>
-          </a:extLst>
-        </p:spPr>
-      </p:pic>
-    </p:spTree>
-    <p:extLst>
-      <p:ext uri="{BB962C8B-B14F-4D97-AF65-F5344CB8AC3E}">
-        <p14:creationId xmlns:p14="http://schemas.microsoft.com/office/powerpoint/2010/main" val="3215000432"/>
-      </p:ext>
-    </p:extLst>
-  </p:cSld>
-  <p:clrMapOvr>
-    <a:masterClrMapping/>
-  </p:clrMapOvr>
-</p:sld>
-</file>
-
 <file path=ppt/slides/slide9.xml><?xml version="1.0" encoding="utf-8"?>
 <p:sld xmlns:a="http://schemas.openxmlformats.org/drawingml/2006/main" xmlns:r="http://schemas.openxmlformats.org/officeDocument/2006/relationships" xmlns:p="http://schemas.openxmlformats.org/presentationml/2006/main">
   <p:cSld>
@@ -20031,10 +22358,10 @@
       </p:grpSpPr>
       <p:sp>
         <p:nvSpPr>
-          <p:cNvPr id="3" name="Text Placeholder 2">
+          <p:cNvPr id="8" name="Text Placeholder 7">
             <a:extLst>
               <a:ext uri="{FF2B5EF4-FFF2-40B4-BE49-F238E27FC236}">
-                <a16:creationId xmlns:a16="http://schemas.microsoft.com/office/drawing/2014/main" id="{44C897B3-2114-4767-8909-CA07A0F65A97}"/>
+                <a16:creationId xmlns:a16="http://schemas.microsoft.com/office/drawing/2014/main" id="{FA6F945B-00B3-499D-BBA7-53ED30B81023}"/>
               </a:ext>
             </a:extLst>
           </p:cNvPr>
@@ -20042,85 +22369,153 @@
             <a:spLocks noGrp="1"/>
           </p:cNvSpPr>
           <p:nvPr>
-            <p:ph type="body" sz="quarter" idx="16"/>
+            <p:ph type="body" idx="1"/>
           </p:nvPr>
         </p:nvSpPr>
-        <p:spPr/>
+        <p:spPr>
+          <a:xfrm>
+            <a:off x="636104" y="639681"/>
+            <a:ext cx="10919791" cy="1071502"/>
+          </a:xfrm>
+        </p:spPr>
         <p:txBody>
-          <a:bodyPr/>
+          <a:bodyPr>
+            <a:noAutofit/>
+          </a:bodyPr>
           <a:lstStyle/>
           <a:p>
             <a:r>
-              <a:rPr lang="en-US" sz="2400" dirty="0" err="1">
-                <a:solidFill>
-                  <a:schemeClr val="tx2">
-                    <a:lumMod val="10000"/>
-                  </a:schemeClr>
-                </a:solidFill>
-                <a:latin typeface="Times New Roman" panose="02020603050405020304" pitchFamily="18" charset="0"/>
-                <a:cs typeface="Times New Roman" panose="02020603050405020304" pitchFamily="18" charset="0"/>
-              </a:rPr>
-              <a:t>Nhấn</a:t>
-            </a:r>
-            <a:r>
-              <a:rPr lang="en-US" sz="2400" dirty="0">
-                <a:solidFill>
-                  <a:schemeClr val="tx2">
-                    <a:lumMod val="10000"/>
-                  </a:schemeClr>
-                </a:solidFill>
-                <a:latin typeface="Times New Roman" panose="02020603050405020304" pitchFamily="18" charset="0"/>
-                <a:cs typeface="Times New Roman" panose="02020603050405020304" pitchFamily="18" charset="0"/>
-              </a:rPr>
-              <a:t> OK </a:t>
-            </a:r>
-            <a:r>
-              <a:rPr lang="en-US" sz="2400" dirty="0" err="1">
-                <a:solidFill>
-                  <a:schemeClr val="tx2">
-                    <a:lumMod val="10000"/>
-                  </a:schemeClr>
-                </a:solidFill>
-                <a:latin typeface="Times New Roman" panose="02020603050405020304" pitchFamily="18" charset="0"/>
-                <a:cs typeface="Times New Roman" panose="02020603050405020304" pitchFamily="18" charset="0"/>
-              </a:rPr>
-              <a:t>sẽ</a:t>
-            </a:r>
-            <a:r>
-              <a:rPr lang="en-US" sz="2400" dirty="0">
-                <a:solidFill>
-                  <a:schemeClr val="tx2">
-                    <a:lumMod val="10000"/>
-                  </a:schemeClr>
-                </a:solidFill>
+              <a:rPr lang="en-US" sz="4000" dirty="0">
+                <a:latin typeface="Times New Roman" panose="02020603050405020304" pitchFamily="18" charset="0"/>
+                <a:cs typeface="Times New Roman" panose="02020603050405020304" pitchFamily="18" charset="0"/>
+              </a:rPr>
+              <a:t>6.Đánh </a:t>
+            </a:r>
+            <a:r>
+              <a:rPr lang="en-US" sz="4000" dirty="0" err="1">
+                <a:latin typeface="Times New Roman" panose="02020603050405020304" pitchFamily="18" charset="0"/>
+                <a:cs typeface="Times New Roman" panose="02020603050405020304" pitchFamily="18" charset="0"/>
+              </a:rPr>
+              <a:t>giá</a:t>
+            </a:r>
+            <a:r>
+              <a:rPr lang="en-US" sz="4000" dirty="0">
                 <a:latin typeface="Times New Roman" panose="02020603050405020304" pitchFamily="18" charset="0"/>
                 <a:cs typeface="Times New Roman" panose="02020603050405020304" pitchFamily="18" charset="0"/>
               </a:rPr>
               <a:t> </a:t>
             </a:r>
             <a:r>
-              <a:rPr lang="en-US" sz="2400" dirty="0" err="1">
-                <a:solidFill>
-                  <a:schemeClr val="tx2">
-                    <a:lumMod val="10000"/>
-                  </a:schemeClr>
-                </a:solidFill>
+              <a:rPr lang="en-US" sz="4000" dirty="0" err="1">
+                <a:latin typeface="Times New Roman" panose="02020603050405020304" pitchFamily="18" charset="0"/>
+                <a:cs typeface="Times New Roman" panose="02020603050405020304" pitchFamily="18" charset="0"/>
+              </a:rPr>
+              <a:t>chung</a:t>
+            </a:r>
+            <a:r>
+              <a:rPr lang="en-US" sz="4000" dirty="0">
+                <a:latin typeface="Times New Roman" panose="02020603050405020304" pitchFamily="18" charset="0"/>
+                <a:cs typeface="Times New Roman" panose="02020603050405020304" pitchFamily="18" charset="0"/>
+              </a:rPr>
+              <a:t> </a:t>
+            </a:r>
+            <a:r>
+              <a:rPr lang="en-US" sz="4000" dirty="0" err="1">
+                <a:latin typeface="Times New Roman" panose="02020603050405020304" pitchFamily="18" charset="0"/>
+                <a:cs typeface="Times New Roman" panose="02020603050405020304" pitchFamily="18" charset="0"/>
+              </a:rPr>
+              <a:t>về</a:t>
+            </a:r>
+            <a:r>
+              <a:rPr lang="en-US" sz="4000" dirty="0">
+                <a:latin typeface="Times New Roman" panose="02020603050405020304" pitchFamily="18" charset="0"/>
+                <a:cs typeface="Times New Roman" panose="02020603050405020304" pitchFamily="18" charset="0"/>
+              </a:rPr>
+              <a:t> </a:t>
+            </a:r>
+            <a:r>
+              <a:rPr lang="en-US" sz="4000" dirty="0" err="1">
+                <a:latin typeface="Times New Roman" panose="02020603050405020304" pitchFamily="18" charset="0"/>
+                <a:cs typeface="Times New Roman" panose="02020603050405020304" pitchFamily="18" charset="0"/>
+              </a:rPr>
+              <a:t>các</a:t>
+            </a:r>
+            <a:r>
+              <a:rPr lang="en-US" sz="4000" dirty="0">
+                <a:latin typeface="Times New Roman" panose="02020603050405020304" pitchFamily="18" charset="0"/>
+                <a:cs typeface="Times New Roman" panose="02020603050405020304" pitchFamily="18" charset="0"/>
+              </a:rPr>
+              <a:t> </a:t>
+            </a:r>
+            <a:r>
+              <a:rPr lang="en-US" sz="4000" dirty="0" err="1">
+                <a:latin typeface="Times New Roman" panose="02020603050405020304" pitchFamily="18" charset="0"/>
+                <a:cs typeface="Times New Roman" panose="02020603050405020304" pitchFamily="18" charset="0"/>
+              </a:rPr>
+              <a:t>công</a:t>
+            </a:r>
+            <a:r>
+              <a:rPr lang="en-US" sz="4000" dirty="0">
+                <a:latin typeface="Times New Roman" panose="02020603050405020304" pitchFamily="18" charset="0"/>
+                <a:cs typeface="Times New Roman" panose="02020603050405020304" pitchFamily="18" charset="0"/>
+              </a:rPr>
+              <a:t> </a:t>
+            </a:r>
+            <a:r>
+              <a:rPr lang="en-US" sz="4000" dirty="0" err="1">
+                <a:latin typeface="Times New Roman" panose="02020603050405020304" pitchFamily="18" charset="0"/>
+                <a:cs typeface="Times New Roman" panose="02020603050405020304" pitchFamily="18" charset="0"/>
+              </a:rPr>
+              <a:t>cụ</a:t>
+            </a:r>
+            <a:r>
+              <a:rPr lang="en-US" sz="4000" dirty="0">
+                <a:latin typeface="Times New Roman" panose="02020603050405020304" pitchFamily="18" charset="0"/>
+                <a:cs typeface="Times New Roman" panose="02020603050405020304" pitchFamily="18" charset="0"/>
+              </a:rPr>
+              <a:t> </a:t>
+            </a:r>
+            <a:r>
+              <a:rPr lang="en-US" sz="4000" dirty="0" err="1">
+                <a:latin typeface="Times New Roman" panose="02020603050405020304" pitchFamily="18" charset="0"/>
+                <a:cs typeface="Times New Roman" panose="02020603050405020304" pitchFamily="18" charset="0"/>
+              </a:rPr>
+              <a:t>kiểm</a:t>
+            </a:r>
+            <a:r>
+              <a:rPr lang="en-US" sz="4000" dirty="0">
+                <a:latin typeface="Times New Roman" panose="02020603050405020304" pitchFamily="18" charset="0"/>
+                <a:cs typeface="Times New Roman" panose="02020603050405020304" pitchFamily="18" charset="0"/>
+              </a:rPr>
+              <a:t> </a:t>
+            </a:r>
+            <a:r>
+              <a:rPr lang="en-US" sz="4000" dirty="0" err="1">
+                <a:latin typeface="Times New Roman" panose="02020603050405020304" pitchFamily="18" charset="0"/>
+                <a:cs typeface="Times New Roman" panose="02020603050405020304" pitchFamily="18" charset="0"/>
+              </a:rPr>
+              <a:t>thử</a:t>
+            </a:r>
+            <a:r>
+              <a:rPr lang="en-US" sz="4000" dirty="0">
+                <a:latin typeface="Times New Roman" panose="02020603050405020304" pitchFamily="18" charset="0"/>
+                <a:cs typeface="Times New Roman" panose="02020603050405020304" pitchFamily="18" charset="0"/>
+              </a:rPr>
+              <a:t> </a:t>
+            </a:r>
+            <a:r>
+              <a:rPr lang="en-US" sz="4000" dirty="0" err="1">
                 <a:latin typeface="Times New Roman" panose="02020603050405020304" pitchFamily="18" charset="0"/>
                 <a:cs typeface="Times New Roman" panose="02020603050405020304" pitchFamily="18" charset="0"/>
               </a:rPr>
               <a:t>hiện</a:t>
             </a:r>
             <a:r>
-              <a:rPr lang="en-US" sz="2400" dirty="0">
-                <a:solidFill>
-                  <a:schemeClr val="tx2">
-                    <a:lumMod val="10000"/>
-                  </a:schemeClr>
-                </a:solidFill>
-                <a:latin typeface="Times New Roman" panose="02020603050405020304" pitchFamily="18" charset="0"/>
-                <a:cs typeface="Times New Roman" panose="02020603050405020304" pitchFamily="18" charset="0"/>
-              </a:rPr>
-              <a:t> ra </a:t>
+              <a:rPr lang="en-US" sz="4000" dirty="0">
+                <a:latin typeface="Times New Roman" panose="02020603050405020304" pitchFamily="18" charset="0"/>
+                <a:cs typeface="Times New Roman" panose="02020603050405020304" pitchFamily="18" charset="0"/>
+              </a:rPr>
+              <a:t> nay</a:t>
             </a:r>
           </a:p>
         </p:txBody>
@@ -20130,7 +22525,7 @@
           <p:cNvPr id="4" name="Footer Placeholder 3">
             <a:extLst>
               <a:ext uri="{FF2B5EF4-FFF2-40B4-BE49-F238E27FC236}">
-                <a16:creationId xmlns:a16="http://schemas.microsoft.com/office/drawing/2014/main" id="{A51A44EA-7901-465C-934E-300D97D2332F}"/>
+                <a16:creationId xmlns:a16="http://schemas.microsoft.com/office/drawing/2014/main" id="{B8785DFB-6F6F-421F-804F-6A64194CE3C4}"/>
               </a:ext>
             </a:extLst>
           </p:cNvPr>
@@ -20138,10 +22533,15 @@
             <a:spLocks noGrp="1"/>
           </p:cNvSpPr>
           <p:nvPr>
-            <p:ph type="ftr" sz="quarter" idx="17"/>
+            <p:ph type="ftr" sz="quarter" idx="4294967295"/>
           </p:nvPr>
         </p:nvSpPr>
-        <p:spPr/>
+        <p:spPr>
+          <a:xfrm>
+            <a:off x="0" y="6356350"/>
+            <a:ext cx="4114800" cy="365125"/>
+          </a:xfrm>
+        </p:spPr>
         <p:txBody>
           <a:bodyPr/>
           <a:lstStyle/>
@@ -20159,7 +22559,7 @@
           <p:cNvPr id="5" name="Slide Number Placeholder 4">
             <a:extLst>
               <a:ext uri="{FF2B5EF4-FFF2-40B4-BE49-F238E27FC236}">
-                <a16:creationId xmlns:a16="http://schemas.microsoft.com/office/drawing/2014/main" id="{336C9E5F-446E-450B-B4BB-51FB7ACCE362}"/>
+                <a16:creationId xmlns:a16="http://schemas.microsoft.com/office/drawing/2014/main" id="{EC897D8A-09E0-4498-BB04-F881A346B448}"/>
               </a:ext>
             </a:extLst>
           </p:cNvPr>
@@ -20167,10 +22567,15 @@
             <a:spLocks noGrp="1"/>
           </p:cNvSpPr>
           <p:nvPr>
-            <p:ph type="sldNum" sz="quarter" idx="18"/>
+            <p:ph type="sldNum" sz="quarter" idx="4294967295"/>
           </p:nvPr>
         </p:nvSpPr>
-        <p:spPr/>
+        <p:spPr>
+          <a:xfrm>
+            <a:off x="11452225" y="6356350"/>
+            <a:ext cx="739775" cy="365125"/>
+          </a:xfrm>
+        </p:spPr>
         <p:txBody>
           <a:bodyPr/>
           <a:lstStyle/>
@@ -20185,219 +22590,475 @@
       </p:sp>
       <p:sp>
         <p:nvSpPr>
-          <p:cNvPr id="7" name="Title 5">
+          <p:cNvPr id="14" name="Rectangle: Folded Corner 13">
             <a:extLst>
               <a:ext uri="{FF2B5EF4-FFF2-40B4-BE49-F238E27FC236}">
-                <a16:creationId xmlns:a16="http://schemas.microsoft.com/office/drawing/2014/main" id="{38DDE25F-11B8-4B76-8C0C-9966CDB942EA}"/>
+                <a16:creationId xmlns:a16="http://schemas.microsoft.com/office/drawing/2014/main" id="{BFCEEE74-06E8-4793-8FC9-ED62052B20D6}"/>
               </a:ext>
             </a:extLst>
           </p:cNvPr>
-          <p:cNvSpPr>
-            <a:spLocks noGrp="1"/>
-          </p:cNvSpPr>
-          <p:nvPr>
-            <p:ph type="title"/>
-          </p:nvPr>
+          <p:cNvSpPr/>
+          <p:nvPr/>
         </p:nvSpPr>
         <p:spPr>
           <a:xfrm>
-            <a:off x="519113" y="209550"/>
-            <a:ext cx="10627858" cy="1147763"/>
+            <a:off x="3604592" y="1711184"/>
+            <a:ext cx="7500730" cy="4507136"/>
           </a:xfrm>
-        </p:spPr>
-        <p:txBody>
-          <a:bodyPr>
-            <a:normAutofit fontScale="90000"/>
-          </a:bodyPr>
-          <a:lstStyle/>
-          <a:p>
-            <a:r>
-              <a:rPr lang="en-US" dirty="0">
-                <a:solidFill>
-                  <a:schemeClr val="tx2">
-                    <a:lumMod val="10000"/>
-                  </a:schemeClr>
-                </a:solidFill>
-                <a:latin typeface="Times New Roman" panose="02020603050405020304" pitchFamily="18" charset="0"/>
-                <a:cs typeface="Times New Roman" panose="02020603050405020304" pitchFamily="18" charset="0"/>
-              </a:rPr>
-              <a:t>5. </a:t>
-            </a:r>
-            <a:r>
-              <a:rPr lang="en-US" dirty="0" err="1">
-                <a:solidFill>
-                  <a:schemeClr val="tx2">
-                    <a:lumMod val="10000"/>
-                  </a:schemeClr>
-                </a:solidFill>
-                <a:latin typeface="Times New Roman" panose="02020603050405020304" pitchFamily="18" charset="0"/>
-                <a:cs typeface="Times New Roman" panose="02020603050405020304" pitchFamily="18" charset="0"/>
-              </a:rPr>
-              <a:t>Cách</a:t>
-            </a:r>
-            <a:r>
-              <a:rPr lang="en-US" dirty="0">
-                <a:solidFill>
-                  <a:schemeClr val="tx2">
-                    <a:lumMod val="10000"/>
-                  </a:schemeClr>
-                </a:solidFill>
-                <a:latin typeface="Times New Roman" panose="02020603050405020304" pitchFamily="18" charset="0"/>
-                <a:cs typeface="Times New Roman" panose="02020603050405020304" pitchFamily="18" charset="0"/>
-              </a:rPr>
-              <a:t> </a:t>
-            </a:r>
-            <a:r>
-              <a:rPr lang="en-US" dirty="0" err="1">
-                <a:solidFill>
-                  <a:schemeClr val="tx2">
-                    <a:lumMod val="10000"/>
-                  </a:schemeClr>
-                </a:solidFill>
-                <a:latin typeface="Times New Roman" panose="02020603050405020304" pitchFamily="18" charset="0"/>
-                <a:cs typeface="Times New Roman" panose="02020603050405020304" pitchFamily="18" charset="0"/>
-              </a:rPr>
-              <a:t>tạo</a:t>
-            </a:r>
-            <a:r>
-              <a:rPr lang="en-US" dirty="0">
-                <a:solidFill>
-                  <a:schemeClr val="tx2">
-                    <a:lumMod val="10000"/>
-                  </a:schemeClr>
-                </a:solidFill>
-                <a:latin typeface="Times New Roman" panose="02020603050405020304" pitchFamily="18" charset="0"/>
-                <a:cs typeface="Times New Roman" panose="02020603050405020304" pitchFamily="18" charset="0"/>
-              </a:rPr>
-              <a:t> </a:t>
-            </a:r>
-            <a:r>
-              <a:rPr lang="en-US" dirty="0" err="1">
-                <a:solidFill>
-                  <a:schemeClr val="tx2">
-                    <a:lumMod val="10000"/>
-                  </a:schemeClr>
-                </a:solidFill>
-                <a:latin typeface="Times New Roman" panose="02020603050405020304" pitchFamily="18" charset="0"/>
-                <a:cs typeface="Times New Roman" panose="02020603050405020304" pitchFamily="18" charset="0"/>
-              </a:rPr>
-              <a:t>một</a:t>
-            </a:r>
-            <a:r>
-              <a:rPr lang="en-US" dirty="0">
-                <a:solidFill>
-                  <a:schemeClr val="tx2">
-                    <a:lumMod val="10000"/>
-                  </a:schemeClr>
-                </a:solidFill>
-                <a:latin typeface="Times New Roman" panose="02020603050405020304" pitchFamily="18" charset="0"/>
-                <a:cs typeface="Times New Roman" panose="02020603050405020304" pitchFamily="18" charset="0"/>
-              </a:rPr>
-              <a:t> Test API </a:t>
-            </a:r>
-            <a:r>
-              <a:rPr lang="en-US" dirty="0" err="1">
-                <a:solidFill>
-                  <a:schemeClr val="tx2">
-                    <a:lumMod val="10000"/>
-                  </a:schemeClr>
-                </a:solidFill>
-                <a:latin typeface="Times New Roman" panose="02020603050405020304" pitchFamily="18" charset="0"/>
-                <a:cs typeface="Times New Roman" panose="02020603050405020304" pitchFamily="18" charset="0"/>
-              </a:rPr>
-              <a:t>trên</a:t>
-            </a:r>
-            <a:r>
-              <a:rPr lang="en-US" dirty="0">
-                <a:solidFill>
-                  <a:schemeClr val="tx2">
-                    <a:lumMod val="10000"/>
-                  </a:schemeClr>
-                </a:solidFill>
-                <a:latin typeface="Times New Roman" panose="02020603050405020304" pitchFamily="18" charset="0"/>
-                <a:cs typeface="Times New Roman" panose="02020603050405020304" pitchFamily="18" charset="0"/>
-              </a:rPr>
-              <a:t> </a:t>
-            </a:r>
-            <a:r>
-              <a:rPr lang="en-US" dirty="0" err="1">
-                <a:solidFill>
-                  <a:schemeClr val="tx2">
-                    <a:lumMod val="10000"/>
-                  </a:schemeClr>
-                </a:solidFill>
-                <a:latin typeface="Times New Roman" panose="02020603050405020304" pitchFamily="18" charset="0"/>
-                <a:cs typeface="Times New Roman" panose="02020603050405020304" pitchFamily="18" charset="0"/>
-              </a:rPr>
-              <a:t>Katalon</a:t>
-            </a:r>
-            <a:r>
-              <a:rPr lang="en-US" dirty="0">
-                <a:solidFill>
-                  <a:schemeClr val="tx2">
-                    <a:lumMod val="10000"/>
-                  </a:schemeClr>
-                </a:solidFill>
-                <a:latin typeface="Times New Roman" panose="02020603050405020304" pitchFamily="18" charset="0"/>
-                <a:cs typeface="Times New Roman" panose="02020603050405020304" pitchFamily="18" charset="0"/>
-              </a:rPr>
-              <a:t> Studio</a:t>
-            </a:r>
-            <a:endParaRPr lang="en-US" dirty="0"/>
-          </a:p>
-        </p:txBody>
-      </p:sp>
-      <p:pic>
-        <p:nvPicPr>
-          <p:cNvPr id="6146" name="Picture 2">
-            <a:extLst>
-              <a:ext uri="{FF2B5EF4-FFF2-40B4-BE49-F238E27FC236}">
-                <a16:creationId xmlns:a16="http://schemas.microsoft.com/office/drawing/2014/main" id="{0C9423A7-35BE-4C74-8673-F23AC6B403D3}"/>
-              </a:ext>
-            </a:extLst>
-          </p:cNvPr>
-          <p:cNvPicPr>
-            <a:picLocks noChangeAspect="1" noChangeArrowheads="1"/>
-          </p:cNvPicPr>
-          <p:nvPr/>
-        </p:nvPicPr>
-        <p:blipFill>
-          <a:blip r:embed="rId2">
-            <a:extLst>
-              <a:ext uri="{28A0092B-C50C-407E-A947-70E740481C1C}">
-                <a14:useLocalDpi xmlns:a14="http://schemas.microsoft.com/office/drawing/2010/main" val="0"/>
-              </a:ext>
-            </a:extLst>
-          </a:blip>
-          <a:srcRect/>
-          <a:stretch>
-            <a:fillRect/>
-          </a:stretch>
-        </p:blipFill>
-        <p:spPr bwMode="auto">
-          <a:xfrm>
-            <a:off x="2193234" y="1887429"/>
-            <a:ext cx="7805531" cy="4567319"/>
-          </a:xfrm>
-          <a:prstGeom prst="rect">
+          <a:prstGeom prst="foldedCorner">
             <a:avLst/>
           </a:prstGeom>
           <a:noFill/>
-          <a:extLst>
-            <a:ext uri="{909E8E84-426E-40DD-AFC4-6F175D3DCCD1}">
-              <a14:hiddenFill xmlns:a14="http://schemas.microsoft.com/office/drawing/2010/main">
-                <a:solidFill>
-                  <a:srgbClr val="FFFFFF"/>
-                </a:solidFill>
-              </a14:hiddenFill>
-            </a:ext>
-          </a:extLst>
+          <a:ln w="9525" cap="flat" cmpd="sng" algn="ctr">
+            <a:solidFill>
+              <a:schemeClr val="accent2"/>
+            </a:solidFill>
+            <a:prstDash val="solid"/>
+            <a:round/>
+            <a:headEnd type="none" w="med" len="med"/>
+            <a:tailEnd type="none" w="med" len="med"/>
+          </a:ln>
         </p:spPr>
-      </p:pic>
+        <p:style>
+          <a:lnRef idx="0">
+            <a:scrgbClr r="0" g="0" b="0"/>
+          </a:lnRef>
+          <a:fillRef idx="0">
+            <a:scrgbClr r="0" g="0" b="0"/>
+          </a:fillRef>
+          <a:effectRef idx="0">
+            <a:scrgbClr r="0" g="0" b="0"/>
+          </a:effectRef>
+          <a:fontRef idx="minor">
+            <a:schemeClr val="accent2"/>
+          </a:fontRef>
+        </p:style>
+        <p:txBody>
+          <a:bodyPr rtlCol="0" anchor="ctr"/>
+          <a:lstStyle/>
+          <a:p>
+            <a:pPr marL="342900" indent="-342900" algn="ctr">
+              <a:buFont typeface="Wingdings" panose="05000000000000000000" pitchFamily="2" charset="2"/>
+              <a:buChar char="Ø"/>
+            </a:pPr>
+            <a:r>
+              <a:rPr lang="en-US" sz="2400" dirty="0" err="1">
+                <a:solidFill>
+                  <a:schemeClr val="accent1"/>
+                </a:solidFill>
+                <a:latin typeface="Times New Roman" panose="02020603050405020304" pitchFamily="18" charset="0"/>
+                <a:cs typeface="Times New Roman" panose="02020603050405020304" pitchFamily="18" charset="0"/>
+              </a:rPr>
+              <a:t>Không</a:t>
+            </a:r>
+            <a:r>
+              <a:rPr lang="en-US" sz="2400" dirty="0">
+                <a:solidFill>
+                  <a:schemeClr val="accent1"/>
+                </a:solidFill>
+                <a:latin typeface="Times New Roman" panose="02020603050405020304" pitchFamily="18" charset="0"/>
+                <a:cs typeface="Times New Roman" panose="02020603050405020304" pitchFamily="18" charset="0"/>
+              </a:rPr>
+              <a:t> </a:t>
+            </a:r>
+            <a:r>
+              <a:rPr lang="en-US" sz="2400" dirty="0" err="1">
+                <a:solidFill>
+                  <a:schemeClr val="accent1"/>
+                </a:solidFill>
+                <a:latin typeface="Times New Roman" panose="02020603050405020304" pitchFamily="18" charset="0"/>
+                <a:cs typeface="Times New Roman" panose="02020603050405020304" pitchFamily="18" charset="0"/>
+              </a:rPr>
+              <a:t>có</a:t>
+            </a:r>
+            <a:r>
+              <a:rPr lang="en-US" sz="2400" dirty="0">
+                <a:solidFill>
+                  <a:schemeClr val="accent1"/>
+                </a:solidFill>
+                <a:latin typeface="Times New Roman" panose="02020603050405020304" pitchFamily="18" charset="0"/>
+                <a:cs typeface="Times New Roman" panose="02020603050405020304" pitchFamily="18" charset="0"/>
+              </a:rPr>
+              <a:t> </a:t>
+            </a:r>
+            <a:r>
+              <a:rPr lang="en-US" sz="2400" dirty="0" err="1">
+                <a:solidFill>
+                  <a:schemeClr val="accent1"/>
+                </a:solidFill>
+                <a:latin typeface="Times New Roman" panose="02020603050405020304" pitchFamily="18" charset="0"/>
+                <a:cs typeface="Times New Roman" panose="02020603050405020304" pitchFamily="18" charset="0"/>
+              </a:rPr>
+              <a:t>công</a:t>
+            </a:r>
+            <a:r>
+              <a:rPr lang="en-US" sz="2400" dirty="0">
+                <a:solidFill>
+                  <a:schemeClr val="accent1"/>
+                </a:solidFill>
+                <a:latin typeface="Times New Roman" panose="02020603050405020304" pitchFamily="18" charset="0"/>
+                <a:cs typeface="Times New Roman" panose="02020603050405020304" pitchFamily="18" charset="0"/>
+              </a:rPr>
+              <a:t> </a:t>
+            </a:r>
+            <a:r>
+              <a:rPr lang="en-US" sz="2400" dirty="0" err="1">
+                <a:solidFill>
+                  <a:schemeClr val="accent1"/>
+                </a:solidFill>
+                <a:latin typeface="Times New Roman" panose="02020603050405020304" pitchFamily="18" charset="0"/>
+                <a:cs typeface="Times New Roman" panose="02020603050405020304" pitchFamily="18" charset="0"/>
+              </a:rPr>
+              <a:t>cụ</a:t>
+            </a:r>
+            <a:r>
+              <a:rPr lang="en-US" sz="2400" dirty="0">
+                <a:solidFill>
+                  <a:schemeClr val="accent1"/>
+                </a:solidFill>
+                <a:latin typeface="Times New Roman" panose="02020603050405020304" pitchFamily="18" charset="0"/>
+                <a:cs typeface="Times New Roman" panose="02020603050405020304" pitchFamily="18" charset="0"/>
+              </a:rPr>
+              <a:t> </a:t>
+            </a:r>
+            <a:r>
+              <a:rPr lang="en-US" sz="2400" dirty="0" err="1">
+                <a:solidFill>
+                  <a:schemeClr val="accent1"/>
+                </a:solidFill>
+                <a:latin typeface="Times New Roman" panose="02020603050405020304" pitchFamily="18" charset="0"/>
+                <a:cs typeface="Times New Roman" panose="02020603050405020304" pitchFamily="18" charset="0"/>
+              </a:rPr>
+              <a:t>nào</a:t>
+            </a:r>
+            <a:r>
+              <a:rPr lang="en-US" sz="2400" dirty="0">
+                <a:solidFill>
+                  <a:schemeClr val="accent1"/>
+                </a:solidFill>
+                <a:latin typeface="Times New Roman" panose="02020603050405020304" pitchFamily="18" charset="0"/>
+                <a:cs typeface="Times New Roman" panose="02020603050405020304" pitchFamily="18" charset="0"/>
+              </a:rPr>
+              <a:t> </a:t>
+            </a:r>
+            <a:r>
+              <a:rPr lang="en-US" sz="2400" dirty="0" err="1">
+                <a:solidFill>
+                  <a:schemeClr val="accent1"/>
+                </a:solidFill>
+                <a:latin typeface="Times New Roman" panose="02020603050405020304" pitchFamily="18" charset="0"/>
+                <a:cs typeface="Times New Roman" panose="02020603050405020304" pitchFamily="18" charset="0"/>
+              </a:rPr>
+              <a:t>phù</a:t>
+            </a:r>
+            <a:r>
+              <a:rPr lang="en-US" sz="2400" dirty="0">
+                <a:solidFill>
+                  <a:schemeClr val="accent1"/>
+                </a:solidFill>
+                <a:latin typeface="Times New Roman" panose="02020603050405020304" pitchFamily="18" charset="0"/>
+                <a:cs typeface="Times New Roman" panose="02020603050405020304" pitchFamily="18" charset="0"/>
+              </a:rPr>
+              <a:t> </a:t>
+            </a:r>
+            <a:r>
+              <a:rPr lang="en-US" sz="2400" dirty="0" err="1">
+                <a:solidFill>
+                  <a:schemeClr val="accent1"/>
+                </a:solidFill>
+                <a:latin typeface="Times New Roman" panose="02020603050405020304" pitchFamily="18" charset="0"/>
+                <a:cs typeface="Times New Roman" panose="02020603050405020304" pitchFamily="18" charset="0"/>
+              </a:rPr>
+              <a:t>hợp</a:t>
+            </a:r>
+            <a:r>
+              <a:rPr lang="en-US" sz="2400" dirty="0">
+                <a:solidFill>
+                  <a:schemeClr val="accent1"/>
+                </a:solidFill>
+                <a:latin typeface="Times New Roman" panose="02020603050405020304" pitchFamily="18" charset="0"/>
+                <a:cs typeface="Times New Roman" panose="02020603050405020304" pitchFamily="18" charset="0"/>
+              </a:rPr>
+              <a:t> </a:t>
+            </a:r>
+            <a:r>
+              <a:rPr lang="en-US" sz="2400" dirty="0" err="1">
+                <a:solidFill>
+                  <a:schemeClr val="accent1"/>
+                </a:solidFill>
+                <a:latin typeface="Times New Roman" panose="02020603050405020304" pitchFamily="18" charset="0"/>
+                <a:cs typeface="Times New Roman" panose="02020603050405020304" pitchFamily="18" charset="0"/>
+              </a:rPr>
+              <a:t>cho</a:t>
+            </a:r>
+            <a:r>
+              <a:rPr lang="en-US" sz="2400" dirty="0">
+                <a:solidFill>
+                  <a:schemeClr val="accent1"/>
+                </a:solidFill>
+                <a:latin typeface="Times New Roman" panose="02020603050405020304" pitchFamily="18" charset="0"/>
+                <a:cs typeface="Times New Roman" panose="02020603050405020304" pitchFamily="18" charset="0"/>
+              </a:rPr>
+              <a:t> </a:t>
+            </a:r>
+            <a:r>
+              <a:rPr lang="en-US" sz="2400" dirty="0" err="1">
+                <a:solidFill>
+                  <a:schemeClr val="accent1"/>
+                </a:solidFill>
+                <a:latin typeface="Times New Roman" panose="02020603050405020304" pitchFamily="18" charset="0"/>
+                <a:cs typeface="Times New Roman" panose="02020603050405020304" pitchFamily="18" charset="0"/>
+              </a:rPr>
+              <a:t>tất</a:t>
+            </a:r>
+            <a:r>
+              <a:rPr lang="en-US" sz="2400" dirty="0">
+                <a:solidFill>
+                  <a:schemeClr val="accent1"/>
+                </a:solidFill>
+                <a:latin typeface="Times New Roman" panose="02020603050405020304" pitchFamily="18" charset="0"/>
+                <a:cs typeface="Times New Roman" panose="02020603050405020304" pitchFamily="18" charset="0"/>
+              </a:rPr>
+              <a:t> </a:t>
+            </a:r>
+            <a:r>
+              <a:rPr lang="en-US" sz="2400" dirty="0" err="1">
+                <a:solidFill>
+                  <a:schemeClr val="accent1"/>
+                </a:solidFill>
+                <a:latin typeface="Times New Roman" panose="02020603050405020304" pitchFamily="18" charset="0"/>
+                <a:cs typeface="Times New Roman" panose="02020603050405020304" pitchFamily="18" charset="0"/>
+              </a:rPr>
+              <a:t>cả</a:t>
+            </a:r>
+            <a:r>
+              <a:rPr lang="en-US" sz="2400" dirty="0">
+                <a:solidFill>
+                  <a:schemeClr val="accent1"/>
+                </a:solidFill>
+                <a:latin typeface="Times New Roman" panose="02020603050405020304" pitchFamily="18" charset="0"/>
+                <a:cs typeface="Times New Roman" panose="02020603050405020304" pitchFamily="18" charset="0"/>
+              </a:rPr>
+              <a:t> </a:t>
+            </a:r>
+            <a:r>
+              <a:rPr lang="en-US" sz="2400" dirty="0" err="1">
+                <a:solidFill>
+                  <a:schemeClr val="accent1"/>
+                </a:solidFill>
+                <a:latin typeface="Times New Roman" panose="02020603050405020304" pitchFamily="18" charset="0"/>
+                <a:cs typeface="Times New Roman" panose="02020603050405020304" pitchFamily="18" charset="0"/>
+              </a:rPr>
+              <a:t>để</a:t>
+            </a:r>
+            <a:r>
+              <a:rPr lang="en-US" sz="2400" dirty="0">
+                <a:solidFill>
+                  <a:schemeClr val="accent1"/>
+                </a:solidFill>
+                <a:latin typeface="Times New Roman" panose="02020603050405020304" pitchFamily="18" charset="0"/>
+                <a:cs typeface="Times New Roman" panose="02020603050405020304" pitchFamily="18" charset="0"/>
+              </a:rPr>
+              <a:t> </a:t>
+            </a:r>
+            <a:r>
+              <a:rPr lang="en-US" sz="2400" dirty="0" err="1">
+                <a:solidFill>
+                  <a:schemeClr val="accent1"/>
+                </a:solidFill>
+                <a:latin typeface="Times New Roman" panose="02020603050405020304" pitchFamily="18" charset="0"/>
+                <a:cs typeface="Times New Roman" panose="02020603050405020304" pitchFamily="18" charset="0"/>
+              </a:rPr>
+              <a:t>kiểm</a:t>
+            </a:r>
+            <a:r>
+              <a:rPr lang="en-US" sz="2400" dirty="0">
+                <a:solidFill>
+                  <a:schemeClr val="accent1"/>
+                </a:solidFill>
+                <a:latin typeface="Times New Roman" panose="02020603050405020304" pitchFamily="18" charset="0"/>
+                <a:cs typeface="Times New Roman" panose="02020603050405020304" pitchFamily="18" charset="0"/>
+              </a:rPr>
+              <a:t> </a:t>
+            </a:r>
+            <a:r>
+              <a:rPr lang="en-US" sz="2400" dirty="0" err="1">
+                <a:solidFill>
+                  <a:schemeClr val="accent1"/>
+                </a:solidFill>
+                <a:latin typeface="Times New Roman" panose="02020603050405020304" pitchFamily="18" charset="0"/>
+                <a:cs typeface="Times New Roman" panose="02020603050405020304" pitchFamily="18" charset="0"/>
+              </a:rPr>
+              <a:t>thử</a:t>
+            </a:r>
+            <a:r>
+              <a:rPr lang="en-US" sz="2400" dirty="0">
+                <a:solidFill>
+                  <a:schemeClr val="accent1"/>
+                </a:solidFill>
+                <a:latin typeface="Times New Roman" panose="02020603050405020304" pitchFamily="18" charset="0"/>
+                <a:cs typeface="Times New Roman" panose="02020603050405020304" pitchFamily="18" charset="0"/>
+              </a:rPr>
+              <a:t> </a:t>
+            </a:r>
+            <a:r>
+              <a:rPr lang="en-US" sz="2400" dirty="0" err="1">
+                <a:solidFill>
+                  <a:schemeClr val="accent1"/>
+                </a:solidFill>
+                <a:latin typeface="Times New Roman" panose="02020603050405020304" pitchFamily="18" charset="0"/>
+                <a:cs typeface="Times New Roman" panose="02020603050405020304" pitchFamily="18" charset="0"/>
+              </a:rPr>
+              <a:t>tự</a:t>
+            </a:r>
+            <a:r>
+              <a:rPr lang="en-US" sz="2400" dirty="0">
+                <a:solidFill>
+                  <a:schemeClr val="accent1"/>
+                </a:solidFill>
+                <a:latin typeface="Times New Roman" panose="02020603050405020304" pitchFamily="18" charset="0"/>
+                <a:cs typeface="Times New Roman" panose="02020603050405020304" pitchFamily="18" charset="0"/>
+              </a:rPr>
+              <a:t> </a:t>
+            </a:r>
+            <a:r>
+              <a:rPr lang="en-US" sz="2400" dirty="0" err="1">
+                <a:solidFill>
+                  <a:schemeClr val="accent1"/>
+                </a:solidFill>
+                <a:latin typeface="Times New Roman" panose="02020603050405020304" pitchFamily="18" charset="0"/>
+                <a:cs typeface="Times New Roman" panose="02020603050405020304" pitchFamily="18" charset="0"/>
+              </a:rPr>
+              <a:t>động</a:t>
+            </a:r>
+            <a:r>
+              <a:rPr lang="en-US" sz="2400" dirty="0">
+                <a:solidFill>
+                  <a:schemeClr val="accent1"/>
+                </a:solidFill>
+                <a:latin typeface="Times New Roman" panose="02020603050405020304" pitchFamily="18" charset="0"/>
+                <a:cs typeface="Times New Roman" panose="02020603050405020304" pitchFamily="18" charset="0"/>
+              </a:rPr>
+              <a:t>.</a:t>
+            </a:r>
+          </a:p>
+          <a:p>
+            <a:pPr marL="342900" indent="-342900" algn="ctr">
+              <a:buFont typeface="Wingdings" panose="05000000000000000000" pitchFamily="2" charset="2"/>
+              <a:buChar char="Ø"/>
+            </a:pPr>
+            <a:r>
+              <a:rPr lang="en-US" sz="2400" dirty="0">
+                <a:solidFill>
+                  <a:schemeClr val="accent1"/>
+                </a:solidFill>
+                <a:latin typeface="Times New Roman" panose="02020603050405020304" pitchFamily="18" charset="0"/>
+                <a:cs typeface="Times New Roman" panose="02020603050405020304" pitchFamily="18" charset="0"/>
+              </a:rPr>
+              <a:t>N</a:t>
+            </a:r>
+            <a:r>
+              <a:rPr lang="vi-VN" sz="2400" dirty="0">
+                <a:solidFill>
+                  <a:schemeClr val="accent1"/>
+                </a:solidFill>
+                <a:latin typeface="Times New Roman" panose="02020603050405020304" pitchFamily="18" charset="0"/>
+                <a:cs typeface="Times New Roman" panose="02020603050405020304" pitchFamily="18" charset="0"/>
+              </a:rPr>
+              <a:t>gười dùng kiểm thử đánh giá các công cụ khác nhau để chọn ra những gì sẽ đáp ứng tốt nhất nhu cầu kiểm thử tự động của họ</a:t>
+            </a:r>
+            <a:endParaRPr lang="en-US" sz="2400" dirty="0">
+              <a:solidFill>
+                <a:schemeClr val="accent1"/>
+              </a:solidFill>
+              <a:latin typeface="Times New Roman" panose="02020603050405020304" pitchFamily="18" charset="0"/>
+              <a:cs typeface="Times New Roman" panose="02020603050405020304" pitchFamily="18" charset="0"/>
+            </a:endParaRPr>
+          </a:p>
+          <a:p>
+            <a:pPr marL="342900" indent="-342900" algn="ctr">
+              <a:buFont typeface="Wingdings" panose="05000000000000000000" pitchFamily="2" charset="2"/>
+              <a:buChar char="Ø"/>
+            </a:pPr>
+            <a:r>
+              <a:rPr lang="vi-VN" sz="2400" dirty="0">
+                <a:solidFill>
+                  <a:schemeClr val="accent1"/>
+                </a:solidFill>
+                <a:latin typeface="Times New Roman" panose="02020603050405020304" pitchFamily="18" charset="0"/>
+                <a:cs typeface="Times New Roman" panose="02020603050405020304" pitchFamily="18" charset="0"/>
+              </a:rPr>
+              <a:t>Các nhà cung cấp thương mại thường tính phí nâng cấp công cụ</a:t>
+            </a:r>
+            <a:endParaRPr lang="en-US" sz="2400" dirty="0">
+              <a:solidFill>
+                <a:schemeClr val="accent1"/>
+              </a:solidFill>
+              <a:latin typeface="Times New Roman" panose="02020603050405020304" pitchFamily="18" charset="0"/>
+              <a:cs typeface="Times New Roman" panose="02020603050405020304" pitchFamily="18" charset="0"/>
+            </a:endParaRPr>
+          </a:p>
+          <a:p>
+            <a:pPr marL="342900" indent="-342900" algn="ctr">
+              <a:buFont typeface="Wingdings" panose="05000000000000000000" pitchFamily="2" charset="2"/>
+              <a:buChar char="Ø"/>
+            </a:pPr>
+            <a:r>
+              <a:rPr lang="en-US" sz="2400" dirty="0">
+                <a:solidFill>
+                  <a:schemeClr val="accent1"/>
+                </a:solidFill>
+                <a:latin typeface="Times New Roman" panose="02020603050405020304" pitchFamily="18" charset="0"/>
+                <a:cs typeface="Times New Roman" panose="02020603050405020304" pitchFamily="18" charset="0"/>
+              </a:rPr>
+              <a:t>C</a:t>
+            </a:r>
+            <a:r>
+              <a:rPr lang="vi-VN" sz="2400" dirty="0">
+                <a:solidFill>
+                  <a:schemeClr val="accent1"/>
+                </a:solidFill>
+                <a:latin typeface="Times New Roman" panose="02020603050405020304" pitchFamily="18" charset="0"/>
+                <a:cs typeface="Times New Roman" panose="02020603050405020304" pitchFamily="18" charset="0"/>
+              </a:rPr>
+              <a:t>ác </a:t>
+            </a:r>
+            <a:r>
+              <a:rPr lang="vi-VN" sz="2400" dirty="0">
+                <a:solidFill>
+                  <a:schemeClr val="tx1">
+                    <a:lumMod val="50000"/>
+                  </a:schemeClr>
+                </a:solidFill>
+                <a:latin typeface="Times New Roman" panose="02020603050405020304" pitchFamily="18" charset="0"/>
+                <a:cs typeface="Times New Roman" panose="02020603050405020304" pitchFamily="18" charset="0"/>
+              </a:rPr>
+              <a:t>công</a:t>
+            </a:r>
+            <a:r>
+              <a:rPr lang="vi-VN" sz="2400" dirty="0">
+                <a:solidFill>
+                  <a:schemeClr val="accent1"/>
+                </a:solidFill>
+                <a:latin typeface="Times New Roman" panose="02020603050405020304" pitchFamily="18" charset="0"/>
+                <a:cs typeface="Times New Roman" panose="02020603050405020304" pitchFamily="18" charset="0"/>
+              </a:rPr>
+              <a:t> cụ mã nguồn mở và phi thương mại không phải chịu phí bổ sung mà đòi hỏi nỗ lực và chuyên môn để tích hợp các nâng cấp mới.</a:t>
+            </a:r>
+            <a:endParaRPr lang="en-US" sz="2400" dirty="0">
+              <a:solidFill>
+                <a:schemeClr val="accent1"/>
+              </a:solidFill>
+              <a:latin typeface="Times New Roman" panose="02020603050405020304" pitchFamily="18" charset="0"/>
+              <a:cs typeface="Times New Roman" panose="02020603050405020304" pitchFamily="18" charset="0"/>
+            </a:endParaRPr>
+          </a:p>
+        </p:txBody>
+      </p:sp>
     </p:spTree>
     <p:extLst>
       <p:ext uri="{BB962C8B-B14F-4D97-AF65-F5344CB8AC3E}">
-        <p14:creationId xmlns:p14="http://schemas.microsoft.com/office/powerpoint/2010/main" val="1501098536"/>
+        <p14:creationId xmlns:p14="http://schemas.microsoft.com/office/powerpoint/2010/main" val="3751877503"/>
       </p:ext>
     </p:extLst>
   </p:cSld>
